--- a/FEUP.pptx
+++ b/FEUP.pptx
@@ -5,18 +5,20 @@
     <p:sldMasterId id="2147483648" r:id="rId1"/>
   </p:sldMasterIdLst>
   <p:notesMasterIdLst>
-    <p:notesMasterId r:id="rId6"/>
+    <p:notesMasterId r:id="rId7"/>
   </p:notesMasterIdLst>
   <p:handoutMasterIdLst>
-    <p:handoutMasterId r:id="rId7"/>
+    <p:handoutMasterId r:id="rId8"/>
   </p:handoutMasterIdLst>
   <p:sldIdLst>
-    <p:sldId id="256" r:id="rId3"/>
-    <p:sldId id="257" r:id="rId4"/>
+    <p:sldId id="256" r:id="rId2"/>
+    <p:sldId id="257" r:id="rId3"/>
+    <p:sldId id="259" r:id="rId4"/>
     <p:sldId id="258" r:id="rId5"/>
+    <p:sldId id="260" r:id="rId6"/>
   </p:sldIdLst>
   <p:sldSz cx="12192000" cy="6858000"/>
-  <p:notesSz cx="7103745" cy="10234295"/>
+  <p:notesSz cx="7104063" cy="10234613"/>
   <p:defaultTextStyle>
     <a:defPPr>
       <a:defRPr lang="zh-CN"/>
@@ -112,6 +114,22 @@
       </a:defRPr>
     </a:lvl9pPr>
   </p:defaultTextStyle>
+  <p:extLst>
+    <p:ext uri="{EFAFB233-063F-42B5-8137-9DF3F51BA10A}">
+      <p15:sldGuideLst xmlns:p15="http://schemas.microsoft.com/office/powerpoint/2012/main">
+        <p15:guide id="1" orient="horz" pos="2159">
+          <p15:clr>
+            <a:srgbClr val="A4A3A4"/>
+          </p15:clr>
+        </p15:guide>
+        <p15:guide id="2" pos="3840">
+          <p15:clr>
+            <a:srgbClr val="A4A3A4"/>
+          </p15:clr>
+        </p15:guide>
+      </p15:sldGuideLst>
+    </p:ext>
+  </p:extLst>
 </p:presentation>
 </file>
 
@@ -197,6 +215,7 @@
           <a:p>
             <a:fld id="{0F9B84EA-7D68-4D60-9CB1-D50884785D1C}" type="datetimeFigureOut">
               <a:rPr lang="zh-CN" altLang="en-US" smtClean="0"/>
+              <a:t>2020/3/14</a:t>
             </a:fld>
             <a:endParaRPr lang="zh-CN" altLang="en-US"/>
           </a:p>
@@ -262,6 +281,7 @@
           <a:p>
             <a:fld id="{8D4E0FC9-F1F8-4FAE-9988-3BA365CFD46F}" type="slidenum">
               <a:rPr lang="zh-CN" altLang="en-US" smtClean="0"/>
+              <a:t>‹#›</a:t>
             </a:fld>
             <a:endParaRPr lang="zh-CN" altLang="en-US"/>
           </a:p>
@@ -355,6 +375,7 @@
           <a:p>
             <a:fld id="{D6C8D182-E4C8-4120-9249-FC9774456FFA}" type="datetimeFigureOut">
               <a:rPr lang="zh-CN" altLang="en-US" smtClean="0"/>
+              <a:t>2020/3/14</a:t>
             </a:fld>
             <a:endParaRPr lang="zh-CN" altLang="en-US"/>
           </a:p>
@@ -421,7 +442,6 @@
               <a:rPr lang="zh-CN" altLang="en-US"/>
               <a:t>编辑母版文本样式</a:t>
             </a:r>
-            <a:endParaRPr lang="zh-CN" altLang="en-US"/>
           </a:p>
           <a:p>
             <a:pPr lvl="1"/>
@@ -429,7 +449,6 @@
               <a:rPr lang="zh-CN" altLang="en-US"/>
               <a:t>第二级</a:t>
             </a:r>
-            <a:endParaRPr lang="zh-CN" altLang="en-US"/>
           </a:p>
           <a:p>
             <a:pPr lvl="2"/>
@@ -437,7 +456,6 @@
               <a:rPr lang="zh-CN" altLang="en-US"/>
               <a:t>第三级</a:t>
             </a:r>
-            <a:endParaRPr lang="zh-CN" altLang="en-US"/>
           </a:p>
           <a:p>
             <a:pPr lvl="3"/>
@@ -445,7 +463,6 @@
               <a:rPr lang="zh-CN" altLang="en-US"/>
               <a:t>第四级</a:t>
             </a:r>
-            <a:endParaRPr lang="zh-CN" altLang="en-US"/>
           </a:p>
           <a:p>
             <a:pPr lvl="4"/>
@@ -453,7 +470,6 @@
               <a:rPr lang="zh-CN" altLang="en-US"/>
               <a:t>第五级</a:t>
             </a:r>
-            <a:endParaRPr lang="zh-CN" altLang="en-US"/>
           </a:p>
         </p:txBody>
       </p:sp>
@@ -517,6 +533,7 @@
           <a:p>
             <a:fld id="{85D0DACE-38E0-42D2-9336-2B707D34BC6D}" type="slidenum">
               <a:rPr lang="zh-CN" altLang="en-US" smtClean="0"/>
+              <a:t>‹#›</a:t>
             </a:fld>
             <a:endParaRPr lang="zh-CN" altLang="en-US"/>
           </a:p>
@@ -678,7 +695,6 @@
               <a:rPr lang="zh-CN" altLang="en-US" dirty="0"/>
               <a:t>单击此处添加标题</a:t>
             </a:r>
-            <a:endParaRPr lang="zh-CN" altLang="en-US" dirty="0"/>
           </a:p>
         </p:txBody>
       </p:sp>
@@ -699,6 +715,7 @@
           <a:p>
             <a:fld id="{760FBDFE-C587-4B4C-A407-44438C67B59E}" type="datetimeFigureOut">
               <a:rPr lang="zh-CN" altLang="en-US" smtClean="0"/>
+              <a:t>2020/3/14</a:t>
             </a:fld>
             <a:endParaRPr lang="zh-CN" altLang="en-US"/>
           </a:p>
@@ -740,6 +757,7 @@
           <a:p>
             <a:fld id="{49AE70B2-8BF9-45C0-BB95-33D1B9D3A854}" type="slidenum">
               <a:rPr lang="zh-CN" altLang="en-US" smtClean="0"/>
+              <a:t>‹#›</a:t>
             </a:fld>
             <a:endParaRPr lang="zh-CN" altLang="en-US"/>
           </a:p>
@@ -818,7 +836,6 @@
               <a:rPr lang="zh-CN" altLang="en-US" dirty="0"/>
               <a:t>单击此处添加副标题</a:t>
             </a:r>
-            <a:endParaRPr lang="zh-CN" altLang="en-US" dirty="0"/>
           </a:p>
         </p:txBody>
       </p:sp>
@@ -864,6 +881,7 @@
           <a:p>
             <a:fld id="{760FBDFE-C587-4B4C-A407-44438C67B59E}" type="datetimeFigureOut">
               <a:rPr lang="zh-CN" altLang="en-US" smtClean="0"/>
+              <a:t>2020/3/14</a:t>
             </a:fld>
             <a:endParaRPr lang="zh-CN" altLang="en-US"/>
           </a:p>
@@ -905,6 +923,7 @@
           <a:p>
             <a:fld id="{49AE70B2-8BF9-45C0-BB95-33D1B9D3A854}" type="slidenum">
               <a:rPr lang="zh-CN" altLang="en-US" smtClean="0"/>
+              <a:t>‹#›</a:t>
             </a:fld>
             <a:endParaRPr lang="zh-CN" altLang="en-US"/>
           </a:p>
@@ -935,7 +954,6 @@
               <a:rPr lang="zh-CN" altLang="en-US" dirty="0"/>
               <a:t>单击此处编辑母版文本样式</a:t>
             </a:r>
-            <a:endParaRPr lang="zh-CN" altLang="en-US" dirty="0"/>
           </a:p>
           <a:p>
             <a:pPr lvl="1"/>
@@ -943,7 +961,6 @@
               <a:rPr lang="zh-CN" altLang="en-US" dirty="0"/>
               <a:t>第二级</a:t>
             </a:r>
-            <a:endParaRPr lang="zh-CN" altLang="en-US" dirty="0"/>
           </a:p>
           <a:p>
             <a:pPr lvl="2"/>
@@ -951,7 +968,6 @@
               <a:rPr lang="zh-CN" altLang="en-US" dirty="0"/>
               <a:t>第三级</a:t>
             </a:r>
-            <a:endParaRPr lang="zh-CN" altLang="en-US" dirty="0"/>
           </a:p>
           <a:p>
             <a:pPr lvl="3"/>
@@ -959,7 +975,6 @@
               <a:rPr lang="zh-CN" altLang="en-US" dirty="0"/>
               <a:t>第四级</a:t>
             </a:r>
-            <a:endParaRPr lang="zh-CN" altLang="en-US" dirty="0"/>
           </a:p>
           <a:p>
             <a:pPr lvl="4"/>
@@ -967,7 +982,6 @@
               <a:rPr lang="zh-CN" altLang="en-US" dirty="0"/>
               <a:t>第五级</a:t>
             </a:r>
-            <a:endParaRPr lang="zh-CN" altLang="en-US" dirty="0"/>
           </a:p>
         </p:txBody>
       </p:sp>
@@ -1034,7 +1048,6 @@
               <a:rPr lang="zh-CN" altLang="en-US" dirty="0"/>
               <a:t>单击此处编辑母版标题样式</a:t>
             </a:r>
-            <a:endParaRPr lang="zh-CN" altLang="en-US" dirty="0"/>
           </a:p>
         </p:txBody>
       </p:sp>
@@ -1116,7 +1129,6 @@
               <a:rPr lang="zh-CN" altLang="en-US" dirty="0"/>
               <a:t>单击此处编辑母版文本样式</a:t>
             </a:r>
-            <a:endParaRPr lang="zh-CN" altLang="en-US" dirty="0"/>
           </a:p>
           <a:p>
             <a:pPr lvl="1"/>
@@ -1124,7 +1136,6 @@
               <a:rPr lang="zh-CN" altLang="en-US" dirty="0"/>
               <a:t>第二级</a:t>
             </a:r>
-            <a:endParaRPr lang="zh-CN" altLang="en-US" dirty="0"/>
           </a:p>
           <a:p>
             <a:pPr lvl="2"/>
@@ -1132,7 +1143,6 @@
               <a:rPr lang="zh-CN" altLang="en-US" dirty="0"/>
               <a:t>第三级</a:t>
             </a:r>
-            <a:endParaRPr lang="zh-CN" altLang="en-US" dirty="0"/>
           </a:p>
           <a:p>
             <a:pPr lvl="3"/>
@@ -1140,7 +1150,6 @@
               <a:rPr lang="zh-CN" altLang="en-US" dirty="0"/>
               <a:t>第四级</a:t>
             </a:r>
-            <a:endParaRPr lang="zh-CN" altLang="en-US" dirty="0"/>
           </a:p>
           <a:p>
             <a:pPr lvl="4"/>
@@ -1148,7 +1157,6 @@
               <a:rPr lang="zh-CN" altLang="en-US" dirty="0"/>
               <a:t>第五级</a:t>
             </a:r>
-            <a:endParaRPr lang="zh-CN" altLang="en-US" dirty="0"/>
           </a:p>
         </p:txBody>
       </p:sp>
@@ -1169,6 +1177,7 @@
           <a:p>
             <a:fld id="{760FBDFE-C587-4B4C-A407-44438C67B59E}" type="datetimeFigureOut">
               <a:rPr lang="zh-CN" altLang="en-US" smtClean="0"/>
+              <a:t>2020/3/14</a:t>
             </a:fld>
             <a:endParaRPr lang="zh-CN" altLang="en-US"/>
           </a:p>
@@ -1210,6 +1219,7 @@
           <a:p>
             <a:fld id="{49AE70B2-8BF9-45C0-BB95-33D1B9D3A854}" type="slidenum">
               <a:rPr lang="zh-CN" altLang="en-US" smtClean="0"/>
+              <a:t>‹#›</a:t>
             </a:fld>
             <a:endParaRPr lang="zh-CN" altLang="en-US"/>
           </a:p>
@@ -1278,7 +1288,6 @@
               <a:rPr lang="zh-CN" altLang="en-US" dirty="0"/>
               <a:t>单击此处编辑母版标题样式</a:t>
             </a:r>
-            <a:endParaRPr lang="zh-CN" altLang="en-US" dirty="0"/>
           </a:p>
         </p:txBody>
       </p:sp>
@@ -1398,7 +1407,6 @@
               <a:rPr lang="zh-CN" altLang="en-US" dirty="0"/>
               <a:t>单击此处编辑母版文本样式</a:t>
             </a:r>
-            <a:endParaRPr lang="zh-CN" altLang="en-US" dirty="0"/>
           </a:p>
         </p:txBody>
       </p:sp>
@@ -1419,6 +1427,7 @@
           <a:p>
             <a:fld id="{760FBDFE-C587-4B4C-A407-44438C67B59E}" type="datetimeFigureOut">
               <a:rPr lang="zh-CN" altLang="en-US" smtClean="0"/>
+              <a:t>2020/3/14</a:t>
             </a:fld>
             <a:endParaRPr lang="zh-CN" altLang="en-US"/>
           </a:p>
@@ -1460,6 +1469,7 @@
           <a:p>
             <a:fld id="{49AE70B2-8BF9-45C0-BB95-33D1B9D3A854}" type="slidenum">
               <a:rPr lang="zh-CN" altLang="en-US" smtClean="0"/>
+              <a:t>‹#›</a:t>
             </a:fld>
             <a:endParaRPr lang="zh-CN" altLang="en-US"/>
           </a:p>
@@ -1528,7 +1538,6 @@
               <a:rPr lang="zh-CN" altLang="en-US" dirty="0"/>
               <a:t>单击此处编辑母版标题样式</a:t>
             </a:r>
-            <a:endParaRPr lang="zh-CN" altLang="en-US" dirty="0"/>
           </a:p>
         </p:txBody>
       </p:sp>
@@ -1625,7 +1634,6 @@
               <a:rPr lang="zh-CN" altLang="en-US" dirty="0"/>
               <a:t>单击此处编辑母版文本样式</a:t>
             </a:r>
-            <a:endParaRPr lang="zh-CN" altLang="en-US" dirty="0"/>
           </a:p>
           <a:p>
             <a:pPr lvl="1"/>
@@ -1633,7 +1641,6 @@
               <a:rPr lang="zh-CN" altLang="en-US" dirty="0"/>
               <a:t>第二级</a:t>
             </a:r>
-            <a:endParaRPr lang="zh-CN" altLang="en-US" dirty="0"/>
           </a:p>
           <a:p>
             <a:pPr lvl="2"/>
@@ -1641,7 +1648,6 @@
               <a:rPr lang="zh-CN" altLang="en-US" dirty="0"/>
               <a:t>第三级</a:t>
             </a:r>
-            <a:endParaRPr lang="zh-CN" altLang="en-US" dirty="0"/>
           </a:p>
           <a:p>
             <a:pPr lvl="3"/>
@@ -1649,7 +1655,6 @@
               <a:rPr lang="zh-CN" altLang="en-US" dirty="0"/>
               <a:t>第四级</a:t>
             </a:r>
-            <a:endParaRPr lang="zh-CN" altLang="en-US" dirty="0"/>
           </a:p>
           <a:p>
             <a:pPr lvl="4"/>
@@ -1657,7 +1662,6 @@
               <a:rPr lang="zh-CN" altLang="en-US" dirty="0"/>
               <a:t>第五级</a:t>
             </a:r>
-            <a:endParaRPr lang="zh-CN" altLang="en-US" dirty="0"/>
           </a:p>
         </p:txBody>
       </p:sp>
@@ -1754,7 +1758,6 @@
               <a:rPr lang="zh-CN" altLang="en-US" dirty="0"/>
               <a:t>单击此处编辑母版文本样式</a:t>
             </a:r>
-            <a:endParaRPr lang="zh-CN" altLang="en-US" dirty="0"/>
           </a:p>
           <a:p>
             <a:pPr lvl="1"/>
@@ -1762,7 +1765,6 @@
               <a:rPr lang="zh-CN" altLang="en-US" dirty="0"/>
               <a:t>第二级</a:t>
             </a:r>
-            <a:endParaRPr lang="zh-CN" altLang="en-US" dirty="0"/>
           </a:p>
           <a:p>
             <a:pPr lvl="2"/>
@@ -1770,7 +1772,6 @@
               <a:rPr lang="zh-CN" altLang="en-US" dirty="0"/>
               <a:t>第三级</a:t>
             </a:r>
-            <a:endParaRPr lang="zh-CN" altLang="en-US" dirty="0"/>
           </a:p>
           <a:p>
             <a:pPr lvl="3"/>
@@ -1778,7 +1779,6 @@
               <a:rPr lang="zh-CN" altLang="en-US" dirty="0"/>
               <a:t>第四级</a:t>
             </a:r>
-            <a:endParaRPr lang="zh-CN" altLang="en-US" dirty="0"/>
           </a:p>
           <a:p>
             <a:pPr lvl="4"/>
@@ -1786,7 +1786,6 @@
               <a:rPr lang="zh-CN" altLang="en-US" dirty="0"/>
               <a:t>第五级</a:t>
             </a:r>
-            <a:endParaRPr lang="zh-CN" altLang="en-US" dirty="0"/>
           </a:p>
         </p:txBody>
       </p:sp>
@@ -1807,6 +1806,7 @@
           <a:p>
             <a:fld id="{760FBDFE-C587-4B4C-A407-44438C67B59E}" type="datetimeFigureOut">
               <a:rPr lang="zh-CN" altLang="en-US" smtClean="0"/>
+              <a:t>2020/3/14</a:t>
             </a:fld>
             <a:endParaRPr lang="zh-CN" altLang="en-US"/>
           </a:p>
@@ -1848,6 +1848,7 @@
           <a:p>
             <a:fld id="{49AE70B2-8BF9-45C0-BB95-33D1B9D3A854}" type="slidenum">
               <a:rPr lang="zh-CN" altLang="en-US" smtClean="0"/>
+              <a:t>‹#›</a:t>
             </a:fld>
             <a:endParaRPr lang="zh-CN" altLang="en-US"/>
           </a:p>
@@ -1902,7 +1903,6 @@
               <a:rPr lang="zh-CN" altLang="en-US"/>
               <a:t>单击此处编辑母版标题样式</a:t>
             </a:r>
-            <a:endParaRPr lang="zh-CN" altLang="en-US"/>
           </a:p>
         </p:txBody>
       </p:sp>
@@ -1968,7 +1968,6 @@
               <a:rPr lang="zh-CN" altLang="en-US" dirty="0"/>
               <a:t>单击此处编辑母版文本样式</a:t>
             </a:r>
-            <a:endParaRPr lang="zh-CN" altLang="en-US" dirty="0"/>
           </a:p>
         </p:txBody>
       </p:sp>
@@ -1997,7 +1996,6 @@
               <a:rPr lang="zh-CN" altLang="en-US" dirty="0"/>
               <a:t>单击此处编辑母版文本样式</a:t>
             </a:r>
-            <a:endParaRPr lang="zh-CN" altLang="en-US" dirty="0"/>
           </a:p>
           <a:p>
             <a:pPr lvl="1"/>
@@ -2005,7 +2003,6 @@
               <a:rPr lang="zh-CN" altLang="en-US" dirty="0"/>
               <a:t>第二级</a:t>
             </a:r>
-            <a:endParaRPr lang="zh-CN" altLang="en-US" dirty="0"/>
           </a:p>
           <a:p>
             <a:pPr lvl="2"/>
@@ -2013,7 +2010,6 @@
               <a:rPr lang="zh-CN" altLang="en-US" dirty="0"/>
               <a:t>第三级</a:t>
             </a:r>
-            <a:endParaRPr lang="zh-CN" altLang="en-US" dirty="0"/>
           </a:p>
           <a:p>
             <a:pPr lvl="3"/>
@@ -2021,7 +2017,6 @@
               <a:rPr lang="zh-CN" altLang="en-US" dirty="0"/>
               <a:t>第四级</a:t>
             </a:r>
-            <a:endParaRPr lang="zh-CN" altLang="en-US" dirty="0"/>
           </a:p>
           <a:p>
             <a:pPr lvl="4"/>
@@ -2029,7 +2024,6 @@
               <a:rPr lang="zh-CN" altLang="en-US" dirty="0"/>
               <a:t>第五级</a:t>
             </a:r>
-            <a:endParaRPr lang="zh-CN" altLang="en-US" dirty="0"/>
           </a:p>
         </p:txBody>
       </p:sp>
@@ -2095,7 +2089,6 @@
               <a:rPr lang="zh-CN" altLang="en-US" dirty="0"/>
               <a:t>单击此处编辑母版文本样式</a:t>
             </a:r>
-            <a:endParaRPr lang="zh-CN" altLang="en-US" dirty="0"/>
           </a:p>
         </p:txBody>
       </p:sp>
@@ -2124,7 +2117,6 @@
               <a:rPr lang="zh-CN" altLang="en-US" dirty="0"/>
               <a:t>单击此处编辑母版文本样式</a:t>
             </a:r>
-            <a:endParaRPr lang="zh-CN" altLang="en-US" dirty="0"/>
           </a:p>
           <a:p>
             <a:pPr lvl="1"/>
@@ -2132,7 +2124,6 @@
               <a:rPr lang="zh-CN" altLang="en-US" dirty="0"/>
               <a:t>第二级</a:t>
             </a:r>
-            <a:endParaRPr lang="zh-CN" altLang="en-US" dirty="0"/>
           </a:p>
           <a:p>
             <a:pPr lvl="2"/>
@@ -2140,7 +2131,6 @@
               <a:rPr lang="zh-CN" altLang="en-US" dirty="0"/>
               <a:t>第三级</a:t>
             </a:r>
-            <a:endParaRPr lang="zh-CN" altLang="en-US" dirty="0"/>
           </a:p>
           <a:p>
             <a:pPr lvl="3"/>
@@ -2148,7 +2138,6 @@
               <a:rPr lang="zh-CN" altLang="en-US" dirty="0"/>
               <a:t>第四级</a:t>
             </a:r>
-            <a:endParaRPr lang="zh-CN" altLang="en-US" dirty="0"/>
           </a:p>
           <a:p>
             <a:pPr lvl="4"/>
@@ -2156,7 +2145,6 @@
               <a:rPr lang="zh-CN" altLang="en-US" dirty="0"/>
               <a:t>第五级</a:t>
             </a:r>
-            <a:endParaRPr lang="zh-CN" altLang="en-US" dirty="0"/>
           </a:p>
         </p:txBody>
       </p:sp>
@@ -2177,6 +2165,7 @@
           <a:p>
             <a:fld id="{760FBDFE-C587-4B4C-A407-44438C67B59E}" type="datetimeFigureOut">
               <a:rPr lang="zh-CN" altLang="en-US" smtClean="0"/>
+              <a:t>2020/3/14</a:t>
             </a:fld>
             <a:endParaRPr lang="zh-CN" altLang="en-US"/>
           </a:p>
@@ -2218,6 +2207,7 @@
           <a:p>
             <a:fld id="{49AE70B2-8BF9-45C0-BB95-33D1B9D3A854}" type="slidenum">
               <a:rPr lang="zh-CN" altLang="en-US" smtClean="0"/>
+              <a:t>‹#›</a:t>
             </a:fld>
             <a:endParaRPr lang="zh-CN" altLang="en-US"/>
           </a:p>
@@ -2286,7 +2276,6 @@
               <a:rPr lang="zh-CN" altLang="en-US" dirty="0"/>
               <a:t>单击此处编辑母版标题样式</a:t>
             </a:r>
-            <a:endParaRPr lang="zh-CN" altLang="en-US" dirty="0"/>
           </a:p>
         </p:txBody>
       </p:sp>
@@ -2307,6 +2296,7 @@
           <a:p>
             <a:fld id="{760FBDFE-C587-4B4C-A407-44438C67B59E}" type="datetimeFigureOut">
               <a:rPr lang="zh-CN" altLang="en-US" smtClean="0"/>
+              <a:t>2020/3/14</a:t>
             </a:fld>
             <a:endParaRPr lang="zh-CN" altLang="en-US"/>
           </a:p>
@@ -2348,6 +2338,7 @@
           <a:p>
             <a:fld id="{49AE70B2-8BF9-45C0-BB95-33D1B9D3A854}" type="slidenum">
               <a:rPr lang="zh-CN" altLang="en-US" smtClean="0"/>
+              <a:t>‹#›</a:t>
             </a:fld>
             <a:endParaRPr lang="zh-CN" altLang="en-US"/>
           </a:p>
@@ -2395,6 +2386,7 @@
           <a:p>
             <a:fld id="{760FBDFE-C587-4B4C-A407-44438C67B59E}" type="datetimeFigureOut">
               <a:rPr lang="zh-CN" altLang="en-US" smtClean="0"/>
+              <a:t>2020/3/14</a:t>
             </a:fld>
             <a:endParaRPr lang="zh-CN" altLang="en-US"/>
           </a:p>
@@ -2436,6 +2428,7 @@
           <a:p>
             <a:fld id="{49AE70B2-8BF9-45C0-BB95-33D1B9D3A854}" type="slidenum">
               <a:rPr lang="zh-CN" altLang="en-US" smtClean="0"/>
+              <a:t>‹#›</a:t>
             </a:fld>
             <a:endParaRPr lang="zh-CN" altLang="en-US"/>
           </a:p>
@@ -2504,7 +2497,6 @@
               <a:rPr lang="zh-CN" altLang="en-US" dirty="0"/>
               <a:t>单击此处编辑标题</a:t>
             </a:r>
-            <a:endParaRPr lang="zh-CN" altLang="en-US" dirty="0"/>
           </a:p>
         </p:txBody>
       </p:sp>
@@ -2636,7 +2628,6 @@
               <a:rPr lang="zh-CN" altLang="en-US" dirty="0"/>
               <a:t>单击此处编辑母版文本样式</a:t>
             </a:r>
-            <a:endParaRPr lang="zh-CN" altLang="en-US" dirty="0"/>
           </a:p>
         </p:txBody>
       </p:sp>
@@ -2657,6 +2648,7 @@
           <a:p>
             <a:fld id="{9EFD9D74-47D9-4702-A33C-335B63B48DBF}" type="datetimeFigureOut">
               <a:rPr lang="zh-CN" altLang="en-US" smtClean="0"/>
+              <a:t>2020/3/14</a:t>
             </a:fld>
             <a:endParaRPr lang="zh-CN" altLang="en-US" dirty="0"/>
           </a:p>
@@ -2698,6 +2690,7 @@
           <a:p>
             <a:fld id="{FABC47A4-756D-490B-A52F-7D9E2C9FC05F}" type="slidenum">
               <a:rPr lang="zh-CN" altLang="en-US" smtClean="0"/>
+              <a:t>‹#›</a:t>
             </a:fld>
             <a:endParaRPr lang="zh-CN" altLang="en-US"/>
           </a:p>
@@ -2788,7 +2781,6 @@
               <a:rPr lang="zh-CN" altLang="en-US"/>
               <a:t>单击此处编辑母版标题样式</a:t>
             </a:r>
-            <a:endParaRPr lang="zh-CN" altLang="en-US"/>
           </a:p>
         </p:txBody>
       </p:sp>
@@ -2817,7 +2809,6 @@
               <a:rPr lang="zh-CN" altLang="en-US" dirty="0"/>
               <a:t>单击此处编辑母版文本样式</a:t>
             </a:r>
-            <a:endParaRPr lang="zh-CN" altLang="en-US" dirty="0"/>
           </a:p>
           <a:p>
             <a:pPr lvl="1"/>
@@ -2825,7 +2816,6 @@
               <a:rPr lang="zh-CN" altLang="en-US" dirty="0"/>
               <a:t>第二级</a:t>
             </a:r>
-            <a:endParaRPr lang="zh-CN" altLang="en-US" dirty="0"/>
           </a:p>
           <a:p>
             <a:pPr lvl="2"/>
@@ -2833,7 +2823,6 @@
               <a:rPr lang="zh-CN" altLang="en-US" dirty="0"/>
               <a:t>第三级</a:t>
             </a:r>
-            <a:endParaRPr lang="zh-CN" altLang="en-US" dirty="0"/>
           </a:p>
           <a:p>
             <a:pPr lvl="3"/>
@@ -2841,7 +2830,6 @@
               <a:rPr lang="zh-CN" altLang="en-US" dirty="0"/>
               <a:t>第四级</a:t>
             </a:r>
-            <a:endParaRPr lang="zh-CN" altLang="en-US" dirty="0"/>
           </a:p>
           <a:p>
             <a:pPr lvl="4"/>
@@ -2849,7 +2837,6 @@
               <a:rPr lang="zh-CN" altLang="en-US" dirty="0"/>
               <a:t>第五级</a:t>
             </a:r>
-            <a:endParaRPr lang="zh-CN" altLang="en-US" dirty="0"/>
           </a:p>
         </p:txBody>
       </p:sp>
@@ -2870,6 +2857,7 @@
           <a:p>
             <a:fld id="{760FBDFE-C587-4B4C-A407-44438C67B59E}" type="datetimeFigureOut">
               <a:rPr lang="zh-CN" altLang="en-US" smtClean="0"/>
+              <a:t>2020/3/14</a:t>
             </a:fld>
             <a:endParaRPr lang="zh-CN" altLang="en-US"/>
           </a:p>
@@ -2911,6 +2899,7 @@
           <a:p>
             <a:fld id="{49AE70B2-8BF9-45C0-BB95-33D1B9D3A854}" type="slidenum">
               <a:rPr lang="zh-CN" altLang="en-US" smtClean="0"/>
+              <a:t>‹#›</a:t>
             </a:fld>
             <a:endParaRPr lang="zh-CN" altLang="en-US"/>
           </a:p>
@@ -2978,7 +2967,6 @@
               <a:rPr lang="zh-CN" altLang="en-US" dirty="0"/>
               <a:t>单击此处编辑母版标题样式</a:t>
             </a:r>
-            <a:endParaRPr lang="zh-CN" altLang="en-US" dirty="0"/>
           </a:p>
         </p:txBody>
       </p:sp>
@@ -3012,7 +3000,6 @@
               <a:rPr lang="zh-CN" altLang="en-US" dirty="0"/>
               <a:t>单击此处编辑母版文本样式</a:t>
             </a:r>
-            <a:endParaRPr lang="zh-CN" altLang="en-US" dirty="0"/>
           </a:p>
           <a:p>
             <a:pPr lvl="1"/>
@@ -3020,7 +3007,6 @@
               <a:rPr lang="zh-CN" altLang="en-US" dirty="0"/>
               <a:t>第二级</a:t>
             </a:r>
-            <a:endParaRPr lang="zh-CN" altLang="en-US" dirty="0"/>
           </a:p>
           <a:p>
             <a:pPr lvl="2"/>
@@ -3028,7 +3014,6 @@
               <a:rPr lang="zh-CN" altLang="en-US" dirty="0"/>
               <a:t>第三级</a:t>
             </a:r>
-            <a:endParaRPr lang="zh-CN" altLang="en-US" dirty="0"/>
           </a:p>
           <a:p>
             <a:pPr lvl="3"/>
@@ -3036,7 +3021,6 @@
               <a:rPr lang="zh-CN" altLang="en-US" dirty="0"/>
               <a:t>第四级</a:t>
             </a:r>
-            <a:endParaRPr lang="zh-CN" altLang="en-US" dirty="0"/>
           </a:p>
           <a:p>
             <a:pPr lvl="4"/>
@@ -3044,7 +3028,6 @@
               <a:rPr lang="zh-CN" altLang="en-US" dirty="0"/>
               <a:t>第五级</a:t>
             </a:r>
-            <a:endParaRPr lang="zh-CN" altLang="en-US" dirty="0"/>
           </a:p>
         </p:txBody>
       </p:sp>
@@ -3085,6 +3068,7 @@
           <a:p>
             <a:fld id="{760FBDFE-C587-4B4C-A407-44438C67B59E}" type="datetimeFigureOut">
               <a:rPr lang="zh-CN" altLang="en-US" smtClean="0"/>
+              <a:t>2020/3/14</a:t>
             </a:fld>
             <a:endParaRPr lang="zh-CN" altLang="en-US"/>
           </a:p>
@@ -3166,6 +3150,7 @@
           <a:p>
             <a:fld id="{49AE70B2-8BF9-45C0-BB95-33D1B9D3A854}" type="slidenum">
               <a:rPr lang="zh-CN" altLang="en-US" smtClean="0"/>
+              <a:t>‹#›</a:t>
             </a:fld>
             <a:endParaRPr lang="zh-CN" altLang="en-US"/>
           </a:p>
@@ -3478,7 +3463,14 @@
         <p:cNvGrpSpPr/>
         <p:nvPr/>
       </p:nvGrpSpPr>
-      <p:grpSpPr/>
+      <p:grpSpPr>
+        <a:xfrm>
+          <a:off x="0" y="0"/>
+          <a:ext cx="0" cy="0"/>
+          <a:chOff x="0" y="0"/>
+          <a:chExt cx="0" cy="0"/>
+        </a:xfrm>
+      </p:grpSpPr>
       <p:sp>
         <p:nvSpPr>
           <p:cNvPr id="2" name="Title 1"/>
@@ -3494,19 +3486,19 @@
           <a:bodyPr>
             <a:normAutofit fontScale="90000"/>
           </a:bodyPr>
-          <a:p>
-            <a:r>
-              <a:rPr lang="en-US" altLang="en-US"/>
+          <a:lstStyle/>
+          <a:p>
+            <a:r>
+              <a:rPr lang="en-US" altLang="en-US" dirty="0"/>
               <a:t>FEUP - MIEIC</a:t>
             </a:r>
             <a:br>
-              <a:rPr lang="en-US" altLang="en-US"/>
+              <a:rPr lang="en-US" altLang="en-US" dirty="0"/>
             </a:br>
             <a:r>
-              <a:rPr lang="en-US" altLang="en-US"/>
+              <a:rPr lang="en-US" altLang="en-US" dirty="0"/>
               <a:t>IART 2019/20</a:t>
             </a:r>
-            <a:endParaRPr lang="en-US" altLang="en-US"/>
           </a:p>
         </p:txBody>
       </p:sp>
@@ -3528,33 +3520,42 @@
         </p:spPr>
         <p:txBody>
           <a:bodyPr/>
-          <a:p>
-            <a:r>
-              <a:rPr lang="en-US" altLang="en-US"/>
-              <a:t>Trabalho realizado por:</a:t>
-            </a:r>
-            <a:endParaRPr lang="en-US" altLang="en-US"/>
-          </a:p>
-          <a:p>
-            <a:r>
-              <a:rPr lang="en-US" altLang="en-US"/>
+          <a:lstStyle/>
+          <a:p>
+            <a:r>
+              <a:rPr lang="en-US" altLang="en-US" dirty="0" err="1"/>
+              <a:t>Trabalho</a:t>
+            </a:r>
+            <a:r>
+              <a:rPr lang="en-US" altLang="en-US" dirty="0"/>
+              <a:t> </a:t>
+            </a:r>
+            <a:r>
+              <a:rPr lang="en-US" altLang="en-US" dirty="0" err="1"/>
+              <a:t>realizado</a:t>
+            </a:r>
+            <a:r>
+              <a:rPr lang="en-US" altLang="en-US" dirty="0"/>
+              <a:t> por:</a:t>
+            </a:r>
+          </a:p>
+          <a:p>
+            <a:r>
+              <a:rPr lang="en-US" altLang="en-US" dirty="0"/>
               <a:t>Matheus Gonçalves (201405081)</a:t>
             </a:r>
-            <a:endParaRPr lang="en-US" altLang="en-US"/>
-          </a:p>
-          <a:p>
-            <a:r>
-              <a:rPr lang="en-US" altLang="en-US"/>
-              <a:t>Miguel Pires()</a:t>
-            </a:r>
-            <a:endParaRPr lang="en-US" altLang="en-US"/>
-          </a:p>
-          <a:p>
-            <a:r>
-              <a:rPr lang="en-US" altLang="en-US"/>
+          </a:p>
+          <a:p>
+            <a:r>
+              <a:rPr lang="en-US" altLang="en-US" dirty="0"/>
+              <a:t>Miguel Pires (201406989)</a:t>
+            </a:r>
+          </a:p>
+          <a:p>
+            <a:r>
+              <a:rPr lang="en-US" altLang="en-US" dirty="0"/>
               <a:t>Ricardo Cardoso (201604686)</a:t>
             </a:r>
-            <a:endParaRPr lang="en-US" altLang="en-US"/>
           </a:p>
         </p:txBody>
       </p:sp>
@@ -3575,7 +3576,14 @@
         <p:cNvGrpSpPr/>
         <p:nvPr/>
       </p:nvGrpSpPr>
-      <p:grpSpPr/>
+      <p:grpSpPr>
+        <a:xfrm>
+          <a:off x="0" y="0"/>
+          <a:ext cx="0" cy="0"/>
+          <a:chOff x="0" y="0"/>
+          <a:chExt cx="0" cy="0"/>
+        </a:xfrm>
+      </p:grpSpPr>
       <p:sp>
         <p:nvSpPr>
           <p:cNvPr id="2" name="Title 1"/>
@@ -3589,12 +3597,17 @@
         <p:spPr/>
         <p:txBody>
           <a:bodyPr/>
-          <a:p>
-            <a:r>
-              <a:rPr lang="en-US" altLang="en-US"/>
-              <a:t>ZHED </a:t>
-            </a:r>
-            <a:endParaRPr lang="en-US" altLang="en-US"/>
+          <a:lstStyle/>
+          <a:p>
+            <a:r>
+              <a:rPr lang="pt-BR" dirty="0"/>
+              <a:t>Especificação do </a:t>
+            </a:r>
+            <a:r>
+              <a:rPr lang="pt-PT" dirty="0"/>
+              <a:t>ZHED</a:t>
+            </a:r>
+            <a:endParaRPr lang="pt-PT" altLang="en-US" dirty="0"/>
           </a:p>
         </p:txBody>
       </p:sp>
@@ -3608,22 +3621,539 @@
             <p:ph idx="1"/>
           </p:nvPr>
         </p:nvSpPr>
-        <p:spPr/>
+        <p:spPr>
+          <a:xfrm>
+            <a:off x="647699" y="1825625"/>
+            <a:ext cx="10515601" cy="2916856"/>
+          </a:xfrm>
+        </p:spPr>
         <p:txBody>
           <a:bodyPr/>
+          <a:lstStyle/>
           <a:p>
             <a:pPr marL="0" indent="0">
               <a:buNone/>
             </a:pPr>
             <a:r>
-              <a:rPr lang="en-US" altLang="en-US"/>
-              <a:t>O zhed é um jogo do tipo solitário que consiste em </a:t>
-            </a:r>
-            <a:r>
-              <a:rPr lang="" altLang="en-US"/>
-              <a:t>resolver um puzzle.</a:t>
-            </a:r>
-            <a:endParaRPr lang="" altLang="en-US"/>
+              <a:rPr lang="en-US" altLang="en-US" dirty="0"/>
+              <a:t>	O </a:t>
+            </a:r>
+            <a:r>
+              <a:rPr lang="pt-PT" altLang="en-US" b="1" dirty="0"/>
+              <a:t>ZHED</a:t>
+            </a:r>
+            <a:r>
+              <a:rPr lang="en-US" altLang="en-US" dirty="0"/>
+              <a:t> é um </a:t>
+            </a:r>
+            <a:r>
+              <a:rPr lang="en-US" altLang="en-US" dirty="0" err="1"/>
+              <a:t>jogo</a:t>
+            </a:r>
+            <a:r>
+              <a:rPr lang="en-US" altLang="en-US" dirty="0"/>
+              <a:t> do </a:t>
+            </a:r>
+            <a:r>
+              <a:rPr lang="en-US" altLang="en-US" dirty="0" err="1"/>
+              <a:t>tipo</a:t>
+            </a:r>
+            <a:r>
+              <a:rPr lang="en-US" altLang="en-US" dirty="0"/>
+              <a:t> </a:t>
+            </a:r>
+            <a:r>
+              <a:rPr lang="en-US" altLang="en-US" dirty="0" err="1"/>
+              <a:t>solitário</a:t>
+            </a:r>
+            <a:r>
+              <a:rPr lang="en-US" altLang="en-US" dirty="0"/>
+              <a:t> que </a:t>
+            </a:r>
+            <a:r>
+              <a:rPr lang="en-US" altLang="en-US" dirty="0" err="1"/>
+              <a:t>consiste</a:t>
+            </a:r>
+            <a:r>
+              <a:rPr lang="en-US" altLang="en-US" dirty="0"/>
+              <a:t> </a:t>
+            </a:r>
+            <a:r>
+              <a:rPr lang="en-US" altLang="en-US" dirty="0" err="1"/>
+              <a:t>em</a:t>
+            </a:r>
+            <a:r>
+              <a:rPr lang="en-US" altLang="en-US" dirty="0"/>
+              <a:t> </a:t>
+            </a:r>
+            <a:r>
+              <a:rPr lang="" altLang="en-US" dirty="0"/>
+              <a:t>resolver um puzzle. </a:t>
+            </a:r>
+            <a:r>
+              <a:rPr lang="en-US" altLang="en-US" dirty="0" err="1"/>
+              <a:t>Os</a:t>
+            </a:r>
+            <a:r>
+              <a:rPr lang="en-US" altLang="en-US" dirty="0"/>
+              <a:t> puzzles  </a:t>
+            </a:r>
+            <a:r>
+              <a:rPr lang="en-US" altLang="en-US" dirty="0" err="1"/>
+              <a:t>são</a:t>
+            </a:r>
+            <a:r>
+              <a:rPr lang="en-US" altLang="en-US" dirty="0"/>
+              <a:t> </a:t>
+            </a:r>
+            <a:r>
+              <a:rPr lang="en-US" altLang="en-US" dirty="0" err="1"/>
+              <a:t>quadrículas</a:t>
+            </a:r>
+            <a:r>
+              <a:rPr lang="en-US" altLang="en-US" dirty="0"/>
+              <a:t> com casas </a:t>
+            </a:r>
+            <a:r>
+              <a:rPr lang="en-US" altLang="en-US" dirty="0" err="1"/>
+              <a:t>cinzentas</a:t>
+            </a:r>
+            <a:r>
+              <a:rPr lang="en-US" altLang="en-US" dirty="0"/>
+              <a:t>, </a:t>
+            </a:r>
+            <a:r>
+              <a:rPr lang="en-US" altLang="en-US" dirty="0" err="1"/>
+              <a:t>umas</a:t>
+            </a:r>
+            <a:r>
+              <a:rPr lang="en-US" altLang="en-US" dirty="0"/>
+              <a:t> </a:t>
+            </a:r>
+            <a:r>
+              <a:rPr lang="en-US" altLang="en-US" dirty="0" err="1"/>
+              <a:t>numeradas</a:t>
+            </a:r>
+            <a:r>
+              <a:rPr lang="en-US" altLang="en-US" dirty="0"/>
+              <a:t> e </a:t>
+            </a:r>
+            <a:r>
+              <a:rPr lang="en-US" altLang="en-US" dirty="0" err="1"/>
+              <a:t>outras</a:t>
+            </a:r>
+            <a:r>
+              <a:rPr lang="en-US" altLang="en-US" dirty="0"/>
+              <a:t> </a:t>
+            </a:r>
+            <a:r>
+              <a:rPr lang="en-US" altLang="en-US" dirty="0" err="1"/>
+              <a:t>não</a:t>
+            </a:r>
+            <a:r>
+              <a:rPr lang="en-US" altLang="en-US" dirty="0"/>
+              <a:t>, e </a:t>
+            </a:r>
+            <a:r>
+              <a:rPr lang="en-US" altLang="en-US" dirty="0" err="1"/>
+              <a:t>uma</a:t>
+            </a:r>
+            <a:r>
+              <a:rPr lang="en-US" altLang="en-US" dirty="0"/>
+              <a:t> casa </a:t>
+            </a:r>
+            <a:r>
+              <a:rPr lang="en-US" altLang="en-US" dirty="0" err="1"/>
+              <a:t>objetivo</a:t>
+            </a:r>
+            <a:r>
+              <a:rPr lang="en-US" altLang="en-US" dirty="0"/>
+              <a:t>, de </a:t>
+            </a:r>
+            <a:r>
+              <a:rPr lang="en-US" altLang="en-US" dirty="0" err="1"/>
+              <a:t>cor</a:t>
+            </a:r>
+            <a:r>
+              <a:rPr lang="en-US" altLang="en-US" dirty="0"/>
+              <a:t> </a:t>
+            </a:r>
+            <a:r>
+              <a:rPr lang="en-US" altLang="en-US" dirty="0" err="1"/>
+              <a:t>branca</a:t>
+            </a:r>
+            <a:r>
+              <a:rPr lang="en-US" altLang="en-US" dirty="0"/>
+              <a:t>. Para </a:t>
+            </a:r>
+            <a:r>
+              <a:rPr lang="en-US" altLang="en-US" dirty="0" err="1"/>
+              <a:t>completar</a:t>
+            </a:r>
+            <a:r>
+              <a:rPr lang="en-US" altLang="en-US" dirty="0"/>
+              <a:t> </a:t>
+            </a:r>
+            <a:r>
+              <a:rPr lang="en-US" altLang="en-US" dirty="0" err="1"/>
+              <a:t>cada</a:t>
+            </a:r>
+            <a:r>
+              <a:rPr lang="en-US" altLang="en-US" dirty="0"/>
+              <a:t> </a:t>
+            </a:r>
+            <a:r>
+              <a:rPr lang="en-US" altLang="en-US" dirty="0" err="1"/>
+              <a:t>nível</a:t>
+            </a:r>
+            <a:r>
+              <a:rPr lang="en-US" altLang="en-US" dirty="0"/>
+              <a:t>, </a:t>
+            </a:r>
+            <a:r>
+              <a:rPr lang="en-US" altLang="en-US" dirty="0" err="1"/>
+              <a:t>cada</a:t>
+            </a:r>
+            <a:r>
+              <a:rPr lang="en-US" altLang="en-US" dirty="0"/>
+              <a:t> casa </a:t>
+            </a:r>
+            <a:r>
+              <a:rPr lang="en-US" altLang="en-US" dirty="0" err="1"/>
+              <a:t>numerada</a:t>
+            </a:r>
+            <a:r>
+              <a:rPr lang="en-US" altLang="en-US" dirty="0"/>
+              <a:t> </a:t>
+            </a:r>
+            <a:r>
+              <a:rPr lang="en-US" altLang="en-US" dirty="0" err="1"/>
+              <a:t>tem</a:t>
+            </a:r>
+            <a:r>
+              <a:rPr lang="en-US" altLang="en-US" dirty="0"/>
+              <a:t> que ser </a:t>
+            </a:r>
+            <a:r>
+              <a:rPr lang="en-US" altLang="en-US" dirty="0" err="1"/>
+              <a:t>expandida</a:t>
+            </a:r>
+            <a:r>
+              <a:rPr lang="en-US" altLang="en-US" dirty="0"/>
+              <a:t> </a:t>
+            </a:r>
+            <a:r>
+              <a:rPr lang="en-US" altLang="en-US" dirty="0" err="1"/>
+              <a:t>em</a:t>
+            </a:r>
+            <a:r>
+              <a:rPr lang="en-US" altLang="en-US" dirty="0"/>
+              <a:t> </a:t>
+            </a:r>
+            <a:r>
+              <a:rPr lang="en-US" altLang="en-US" dirty="0" err="1"/>
+              <a:t>uma</a:t>
+            </a:r>
+            <a:r>
+              <a:rPr lang="en-US" altLang="en-US" dirty="0"/>
+              <a:t> das </a:t>
+            </a:r>
+            <a:r>
+              <a:rPr lang="en-US" altLang="en-US" dirty="0" err="1"/>
+              <a:t>quatro</a:t>
+            </a:r>
+            <a:r>
+              <a:rPr lang="en-US" altLang="en-US" dirty="0"/>
+              <a:t> </a:t>
+            </a:r>
+            <a:r>
+              <a:rPr lang="en-US" altLang="en-US" dirty="0" err="1"/>
+              <a:t>direções</a:t>
+            </a:r>
+            <a:r>
+              <a:rPr lang="en-US" altLang="en-US" dirty="0"/>
+              <a:t> (</a:t>
+            </a:r>
+            <a:r>
+              <a:rPr lang="en-US" altLang="en-US" dirty="0" err="1"/>
+              <a:t>cima</a:t>
+            </a:r>
+            <a:r>
+              <a:rPr lang="en-US" altLang="en-US" dirty="0"/>
+              <a:t>, </a:t>
+            </a:r>
+            <a:r>
+              <a:rPr lang="en-US" altLang="en-US" dirty="0" err="1"/>
+              <a:t>direita</a:t>
+            </a:r>
+            <a:r>
+              <a:rPr lang="en-US" altLang="en-US" dirty="0"/>
+              <a:t>, </a:t>
+            </a:r>
+            <a:r>
+              <a:rPr lang="en-US" altLang="en-US" dirty="0" err="1"/>
+              <a:t>baixo</a:t>
+            </a:r>
+            <a:r>
+              <a:rPr lang="en-US" altLang="en-US" dirty="0"/>
+              <a:t>, </a:t>
+            </a:r>
+            <a:r>
+              <a:rPr lang="en-US" altLang="en-US" dirty="0" err="1"/>
+              <a:t>esquerda</a:t>
+            </a:r>
+            <a:r>
+              <a:rPr lang="en-US" altLang="en-US" dirty="0"/>
+              <a:t>) e </a:t>
+            </a:r>
+            <a:r>
+              <a:rPr lang="en-US" altLang="en-US" dirty="0" err="1"/>
+              <a:t>sobreposta</a:t>
+            </a:r>
+            <a:r>
+              <a:rPr lang="en-US" altLang="en-US" dirty="0"/>
+              <a:t> para </a:t>
+            </a:r>
+            <a:r>
+              <a:rPr lang="en-US" altLang="en-US" dirty="0" err="1"/>
+              <a:t>alcançar</a:t>
+            </a:r>
+            <a:r>
+              <a:rPr lang="en-US" altLang="en-US" dirty="0"/>
+              <a:t> a casa </a:t>
+            </a:r>
+            <a:r>
+              <a:rPr lang="en-US" altLang="en-US" dirty="0" err="1"/>
+              <a:t>objetivo</a:t>
+            </a:r>
+            <a:r>
+              <a:rPr lang="en-US" altLang="en-US" dirty="0"/>
+              <a:t>.</a:t>
+            </a:r>
+          </a:p>
+          <a:p>
+            <a:pPr marL="0" indent="0">
+              <a:buNone/>
+            </a:pPr>
+            <a:endParaRPr lang="en-US" altLang="en-US" dirty="0"/>
+          </a:p>
+          <a:p>
+            <a:pPr marL="0" indent="0">
+              <a:buNone/>
+            </a:pPr>
+            <a:r>
+              <a:rPr lang="en-US" altLang="en-US" dirty="0"/>
+              <a:t>	</a:t>
+            </a:r>
+            <a:r>
+              <a:rPr lang="en-US" altLang="en-US" dirty="0" err="1"/>
+              <a:t>Cada</a:t>
+            </a:r>
+            <a:r>
+              <a:rPr lang="en-US" altLang="en-US" dirty="0"/>
+              <a:t> casa </a:t>
+            </a:r>
+            <a:r>
+              <a:rPr lang="en-US" altLang="en-US" dirty="0" err="1"/>
+              <a:t>expande</a:t>
+            </a:r>
+            <a:r>
+              <a:rPr lang="en-US" altLang="en-US" dirty="0"/>
+              <a:t> </a:t>
+            </a:r>
+            <a:r>
+              <a:rPr lang="en-US" altLang="en-US" b="1" i="1" dirty="0"/>
+              <a:t>n</a:t>
+            </a:r>
+            <a:r>
+              <a:rPr lang="en-US" altLang="en-US" dirty="0"/>
+              <a:t> casas </a:t>
+            </a:r>
+            <a:r>
+              <a:rPr lang="en-US" altLang="en-US" dirty="0" err="1"/>
+              <a:t>na</a:t>
+            </a:r>
+            <a:r>
+              <a:rPr lang="en-US" altLang="en-US" dirty="0"/>
+              <a:t> </a:t>
+            </a:r>
+            <a:r>
+              <a:rPr lang="en-US" altLang="en-US" dirty="0" err="1"/>
+              <a:t>direção</a:t>
+            </a:r>
+            <a:r>
+              <a:rPr lang="en-US" altLang="en-US" dirty="0"/>
+              <a:t> </a:t>
+            </a:r>
+            <a:r>
+              <a:rPr lang="en-US" altLang="en-US" dirty="0" err="1"/>
+              <a:t>escolhida</a:t>
+            </a:r>
+            <a:r>
+              <a:rPr lang="en-US" altLang="en-US" dirty="0"/>
+              <a:t>, </a:t>
+            </a:r>
+            <a:r>
+              <a:rPr lang="en-US" altLang="en-US" dirty="0" err="1"/>
+              <a:t>diminuindo</a:t>
+            </a:r>
+            <a:r>
+              <a:rPr lang="en-US" altLang="en-US" dirty="0"/>
+              <a:t> </a:t>
+            </a:r>
+            <a:r>
+              <a:rPr lang="en-US" altLang="en-US" dirty="0" err="1"/>
+              <a:t>em</a:t>
+            </a:r>
+            <a:r>
+              <a:rPr lang="en-US" altLang="en-US" dirty="0"/>
+              <a:t> um para </a:t>
+            </a:r>
+            <a:r>
+              <a:rPr lang="en-US" altLang="en-US" dirty="0" err="1"/>
+              <a:t>cada</a:t>
+            </a:r>
+            <a:r>
+              <a:rPr lang="en-US" altLang="en-US" dirty="0"/>
+              <a:t> casa </a:t>
+            </a:r>
+            <a:r>
+              <a:rPr lang="en-US" altLang="en-US" dirty="0" err="1"/>
+              <a:t>vazia</a:t>
+            </a:r>
+            <a:r>
+              <a:rPr lang="en-US" altLang="en-US" dirty="0"/>
+              <a:t>. </a:t>
+            </a:r>
+            <a:r>
+              <a:rPr lang="en-US" altLang="en-US" dirty="0" err="1"/>
+              <a:t>Quando</a:t>
+            </a:r>
+            <a:r>
+              <a:rPr lang="en-US" altLang="en-US" dirty="0"/>
+              <a:t> </a:t>
+            </a:r>
+            <a:r>
+              <a:rPr lang="en-US" altLang="en-US" dirty="0" err="1"/>
+              <a:t>uma</a:t>
+            </a:r>
+            <a:r>
+              <a:rPr lang="en-US" altLang="en-US" dirty="0"/>
+              <a:t> casa </a:t>
+            </a:r>
+            <a:r>
+              <a:rPr lang="en-US" altLang="en-US" dirty="0" err="1"/>
+              <a:t>em</a:t>
+            </a:r>
+            <a:r>
+              <a:rPr lang="en-US" altLang="en-US" dirty="0"/>
+              <a:t> </a:t>
+            </a:r>
+            <a:r>
+              <a:rPr lang="en-US" altLang="en-US" dirty="0" err="1"/>
+              <a:t>expansão</a:t>
+            </a:r>
+            <a:r>
+              <a:rPr lang="en-US" altLang="en-US" dirty="0"/>
+              <a:t> se </a:t>
+            </a:r>
+            <a:r>
+              <a:rPr lang="en-US" altLang="en-US" dirty="0" err="1"/>
+              <a:t>sobrepõe</a:t>
+            </a:r>
+            <a:r>
+              <a:rPr lang="en-US" altLang="en-US" dirty="0"/>
+              <a:t> a </a:t>
+            </a:r>
+            <a:r>
+              <a:rPr lang="en-US" altLang="en-US" dirty="0" err="1"/>
+              <a:t>uma</a:t>
+            </a:r>
+            <a:r>
+              <a:rPr lang="en-US" altLang="en-US" dirty="0"/>
+              <a:t> casa </a:t>
+            </a:r>
+            <a:r>
+              <a:rPr lang="en-US" altLang="en-US" dirty="0" err="1"/>
+              <a:t>já</a:t>
+            </a:r>
+            <a:r>
+              <a:rPr lang="en-US" altLang="en-US" dirty="0"/>
+              <a:t> </a:t>
+            </a:r>
+            <a:r>
+              <a:rPr lang="en-US" altLang="en-US" dirty="0" err="1"/>
+              <a:t>preenchida</a:t>
+            </a:r>
+            <a:r>
+              <a:rPr lang="en-US" altLang="en-US" dirty="0"/>
+              <a:t>, o </a:t>
+            </a:r>
+            <a:r>
+              <a:rPr lang="en-US" altLang="en-US" dirty="0" err="1"/>
+              <a:t>número</a:t>
+            </a:r>
+            <a:r>
+              <a:rPr lang="en-US" altLang="en-US" dirty="0"/>
+              <a:t> de casas a </a:t>
+            </a:r>
+            <a:r>
+              <a:rPr lang="en-US" altLang="en-US" dirty="0" err="1"/>
+              <a:t>serem</a:t>
+            </a:r>
+            <a:r>
+              <a:rPr lang="en-US" altLang="en-US" dirty="0"/>
+              <a:t> </a:t>
+            </a:r>
+            <a:r>
+              <a:rPr lang="en-US" altLang="en-US" dirty="0" err="1"/>
+              <a:t>preenchidas</a:t>
+            </a:r>
+            <a:r>
+              <a:rPr lang="en-US" altLang="en-US" dirty="0"/>
+              <a:t> </a:t>
+            </a:r>
+            <a:r>
+              <a:rPr lang="en-US" altLang="en-US" dirty="0" err="1"/>
+              <a:t>na</a:t>
+            </a:r>
+            <a:r>
+              <a:rPr lang="en-US" altLang="en-US" dirty="0"/>
+              <a:t> </a:t>
+            </a:r>
+            <a:r>
+              <a:rPr lang="en-US" altLang="en-US" dirty="0" err="1"/>
+              <a:t>direção</a:t>
+            </a:r>
+            <a:r>
+              <a:rPr lang="en-US" altLang="en-US" dirty="0"/>
+              <a:t> da </a:t>
+            </a:r>
+            <a:r>
+              <a:rPr lang="en-US" altLang="en-US" dirty="0" err="1"/>
+              <a:t>expansão</a:t>
+            </a:r>
+            <a:r>
+              <a:rPr lang="en-US" altLang="en-US" dirty="0"/>
+              <a:t> </a:t>
+            </a:r>
+            <a:r>
+              <a:rPr lang="en-US" altLang="en-US" dirty="0" err="1"/>
+              <a:t>não</a:t>
+            </a:r>
+            <a:r>
+              <a:rPr lang="en-US" altLang="en-US" dirty="0"/>
+              <a:t> </a:t>
+            </a:r>
+            <a:r>
+              <a:rPr lang="en-US" altLang="en-US" dirty="0" err="1"/>
+              <a:t>diminui</a:t>
+            </a:r>
+            <a:r>
+              <a:rPr lang="en-US" altLang="en-US" dirty="0"/>
+              <a:t>.</a:t>
+            </a:r>
+            <a:endParaRPr lang="" altLang="en-US" dirty="0"/>
           </a:p>
         </p:txBody>
       </p:sp>
@@ -3644,7 +4174,115 @@
         <p:cNvGrpSpPr/>
         <p:nvPr/>
       </p:nvGrpSpPr>
-      <p:grpSpPr/>
+      <p:grpSpPr>
+        <a:xfrm>
+          <a:off x="0" y="0"/>
+          <a:ext cx="0" cy="0"/>
+          <a:chOff x="0" y="0"/>
+          <a:chExt cx="0" cy="0"/>
+        </a:xfrm>
+      </p:grpSpPr>
+      <p:sp>
+        <p:nvSpPr>
+          <p:cNvPr id="2" name="Title 1">
+            <a:extLst>
+              <a:ext uri="{FF2B5EF4-FFF2-40B4-BE49-F238E27FC236}">
+                <a16:creationId xmlns:a16="http://schemas.microsoft.com/office/drawing/2014/main" id="{1D6EE4A9-DA7E-4976-8007-2C1722062BDF}"/>
+              </a:ext>
+            </a:extLst>
+          </p:cNvPr>
+          <p:cNvSpPr>
+            <a:spLocks noGrp="1"/>
+          </p:cNvSpPr>
+          <p:nvPr>
+            <p:ph type="title"/>
+          </p:nvPr>
+        </p:nvSpPr>
+        <p:spPr/>
+        <p:txBody>
+          <a:bodyPr/>
+          <a:lstStyle/>
+          <a:p>
+            <a:r>
+              <a:rPr lang="pt-BR" dirty="0"/>
+              <a:t>Referências</a:t>
+            </a:r>
+            <a:endParaRPr lang="en-US" dirty="0"/>
+          </a:p>
+        </p:txBody>
+      </p:sp>
+      <p:sp>
+        <p:nvSpPr>
+          <p:cNvPr id="3" name="Content Placeholder 2">
+            <a:extLst>
+              <a:ext uri="{FF2B5EF4-FFF2-40B4-BE49-F238E27FC236}">
+                <a16:creationId xmlns:a16="http://schemas.microsoft.com/office/drawing/2014/main" id="{5C02B6C4-0B81-44DB-A5AC-F3712A837560}"/>
+              </a:ext>
+            </a:extLst>
+          </p:cNvPr>
+          <p:cNvSpPr>
+            <a:spLocks noGrp="1"/>
+          </p:cNvSpPr>
+          <p:nvPr>
+            <p:ph idx="1"/>
+          </p:nvPr>
+        </p:nvSpPr>
+        <p:spPr/>
+        <p:txBody>
+          <a:bodyPr/>
+          <a:lstStyle/>
+          <a:p>
+            <a:r>
+              <a:rPr lang="pt-PT" b="1" dirty="0"/>
+              <a:t>ZHED Solver</a:t>
+            </a:r>
+            <a:r>
+              <a:rPr lang="pt-PT" dirty="0"/>
+              <a:t> - </a:t>
+            </a:r>
+            <a:r>
+              <a:rPr lang="pt-PT" dirty="0">
+                <a:hlinkClick r:id="rId2"/>
+              </a:rPr>
+              <a:t>https://www.wilgysef.com/articles/zhed-solver/#hdr-background</a:t>
+            </a:r>
+            <a:endParaRPr lang="pt-PT" dirty="0"/>
+          </a:p>
+          <a:p>
+            <a:endParaRPr lang="en-US" b="1" dirty="0"/>
+          </a:p>
+        </p:txBody>
+      </p:sp>
+    </p:spTree>
+    <p:extLst>
+      <p:ext uri="{BB962C8B-B14F-4D97-AF65-F5344CB8AC3E}">
+        <p14:creationId xmlns:p14="http://schemas.microsoft.com/office/powerpoint/2010/main" val="4261104636"/>
+      </p:ext>
+    </p:extLst>
+  </p:cSld>
+  <p:clrMapOvr>
+    <a:masterClrMapping/>
+  </p:clrMapOvr>
+</p:sld>
+</file>
+
+<file path=ppt/slides/slide4.xml><?xml version="1.0" encoding="utf-8"?>
+<p:sld xmlns:a="http://schemas.openxmlformats.org/drawingml/2006/main" xmlns:r="http://schemas.openxmlformats.org/officeDocument/2006/relationships" xmlns:p="http://schemas.openxmlformats.org/presentationml/2006/main">
+  <p:cSld>
+    <p:spTree>
+      <p:nvGrpSpPr>
+        <p:cNvPr id="1" name=""/>
+        <p:cNvGrpSpPr/>
+        <p:nvPr/>
+      </p:nvGrpSpPr>
+      <p:grpSpPr>
+        <a:xfrm>
+          <a:off x="0" y="0"/>
+          <a:ext cx="0" cy="0"/>
+          <a:chOff x="0" y="0"/>
+          <a:chExt cx="0" cy="0"/>
+        </a:xfrm>
+      </p:grpSpPr>
       <p:sp>
         <p:nvSpPr>
           <p:cNvPr id="2" name="Title 1"/>
@@ -3663,12 +4301,12 @@
         </p:spPr>
         <p:txBody>
           <a:bodyPr/>
+          <a:lstStyle/>
           <a:p>
             <a:r>
               <a:rPr lang="" altLang="en-US"/>
               <a:t>Problema de pesquisa</a:t>
             </a:r>
-            <a:endParaRPr lang="" altLang="en-US"/>
           </a:p>
         </p:txBody>
       </p:sp>
@@ -3704,6 +4342,7 @@
         </p:style>
         <p:txBody>
           <a:bodyPr/>
+          <a:lstStyle/>
           <a:p>
             <a:r>
               <a:rPr lang="" altLang="en-US" u="sng"/>
@@ -3719,7 +4358,6 @@
               <a:rPr lang="" altLang="en-US"/>
               <a:t>ArrayList&lt;ArrayList&lt;char&gt;&gt;</a:t>
             </a:r>
-            <a:endParaRPr lang="" altLang="en-US"/>
           </a:p>
           <a:p>
             <a:pPr marL="0" indent="0">
@@ -3729,7 +4367,6 @@
               <a:rPr lang="" altLang="en-US"/>
               <a:t>    .    =&gt; espaço em branco</a:t>
             </a:r>
-            <a:endParaRPr lang="" altLang="en-US"/>
           </a:p>
           <a:p>
             <a:pPr marL="0" indent="0">
@@ -3739,7 +4376,6 @@
               <a:rPr lang="" altLang="en-US"/>
               <a:t>[1..9] =&gt; casas selecionáveis</a:t>
             </a:r>
-            <a:endParaRPr lang="" altLang="en-US"/>
           </a:p>
           <a:p>
             <a:pPr marL="0" indent="0">
@@ -3749,7 +4385,6 @@
               <a:rPr lang="" altLang="en-US"/>
               <a:t>   W  =&gt; casa vencedora</a:t>
             </a:r>
-            <a:endParaRPr lang="" altLang="en-US"/>
           </a:p>
           <a:p>
             <a:pPr marL="0" indent="0">
@@ -3765,9 +4400,6 @@
               </a:rPr>
               <a:t>●    =&gt; espaço ocupado/preto</a:t>
             </a:r>
-            <a:endParaRPr lang="" altLang="en-US">
-              <a:latin typeface="东文宋体" charset="0"/>
-            </a:endParaRPr>
           </a:p>
         </p:txBody>
       </p:sp>
@@ -4006,10 +4638,6 @@
               </a:rPr>
               <a:t> . . . . . 3 . .</a:t>
             </a:r>
-            <a:endParaRPr lang="" altLang="en-US">
-              <a:latin typeface="FreeMono" panose="020F0409020205020404" charset="0"/>
-              <a:cs typeface="FreeMono" panose="020F0409020205020404" charset="0"/>
-            </a:endParaRPr>
           </a:p>
           <a:p>
             <a:pPr marL="0" indent="0">
@@ -4025,10 +4653,6 @@
               </a:rPr>
               <a:t> . 4 . . . . . .</a:t>
             </a:r>
-            <a:endParaRPr lang="" altLang="en-US">
-              <a:latin typeface="FreeMono" panose="020F0409020205020404" charset="0"/>
-              <a:cs typeface="FreeMono" panose="020F0409020205020404" charset="0"/>
-            </a:endParaRPr>
           </a:p>
           <a:p>
             <a:pPr marL="0" indent="0">
@@ -4559,10 +5183,6 @@
               </a:rPr>
               <a:t>? ? ? ? ? ? ? ?</a:t>
             </a:r>
-            <a:endParaRPr lang="">
-              <a:latin typeface="FreeMono" panose="020F0409020205020404" charset="0"/>
-              <a:cs typeface="FreeMono" panose="020F0409020205020404" charset="0"/>
-            </a:endParaRPr>
           </a:p>
           <a:p>
             <a:pPr marL="0" indent="0">
@@ -4709,11 +5329,6 @@
               </a:rPr>
               <a:t>? ? ? ? ? ? ? ?</a:t>
             </a:r>
-            <a:endParaRPr lang="en-US">
-              <a:latin typeface="FreeMono" panose="020F0409020205020404" charset="0"/>
-              <a:cs typeface="FreeMono" panose="020F0409020205020404" charset="0"/>
-              <a:sym typeface="+mn-ea"/>
-            </a:endParaRPr>
           </a:p>
           <a:p>
             <a:pPr marL="0" indent="0">
@@ -4730,11 +5345,6 @@
               </a:rPr>
               <a:t> ? ? ? ? ? ? ? ?</a:t>
             </a:r>
-            <a:endParaRPr lang="en-US">
-              <a:latin typeface="FreeMono" panose="020F0409020205020404" charset="0"/>
-              <a:cs typeface="FreeMono" panose="020F0409020205020404" charset="0"/>
-              <a:sym typeface="+mn-ea"/>
-            </a:endParaRPr>
           </a:p>
           <a:p>
             <a:pPr marL="0" indent="0">
@@ -4991,9 +5601,6 @@
               </a:rPr>
               <a:t> </a:t>
             </a:r>
-            <a:endParaRPr lang="en-US" altLang="en-US">
-              <a:latin typeface="东文宋体" charset="0"/>
-            </a:endParaRPr>
           </a:p>
           <a:p>
             <a:pPr marL="0" indent="0">
@@ -5005,9 +5612,6 @@
               </a:rPr>
               <a:t>  </a:t>
             </a:r>
-            <a:endParaRPr lang="en-US" altLang="en-US">
-              <a:latin typeface="东文宋体" charset="0"/>
-            </a:endParaRPr>
           </a:p>
         </p:txBody>
       </p:sp>
@@ -5227,9 +5831,6 @@
               </a:rPr>
               <a:t>Esquerda, Direita, Cima, Baixo. </a:t>
             </a:r>
-            <a:endParaRPr lang="en-US" altLang="en-US">
-              <a:latin typeface="东文宋体" charset="0"/>
-            </a:endParaRPr>
           </a:p>
           <a:p>
             <a:pPr marL="0" indent="0">
@@ -5241,9 +5842,6 @@
               </a:rPr>
               <a:t>  </a:t>
             </a:r>
-            <a:endParaRPr lang="en-US" altLang="en-US">
-              <a:latin typeface="东文宋体" charset="0"/>
-            </a:endParaRPr>
           </a:p>
         </p:txBody>
       </p:sp>
@@ -5253,6 +5851,90 @@
     <a:masterClrMapping/>
   </p:clrMapOvr>
   <p:transition/>
+</p:sld>
+</file>
+
+<file path=ppt/slides/slide5.xml><?xml version="1.0" encoding="utf-8"?>
+<p:sld xmlns:a="http://schemas.openxmlformats.org/drawingml/2006/main" xmlns:r="http://schemas.openxmlformats.org/officeDocument/2006/relationships" xmlns:p="http://schemas.openxmlformats.org/presentationml/2006/main">
+  <p:cSld>
+    <p:spTree>
+      <p:nvGrpSpPr>
+        <p:cNvPr id="1" name=""/>
+        <p:cNvGrpSpPr/>
+        <p:nvPr/>
+      </p:nvGrpSpPr>
+      <p:grpSpPr>
+        <a:xfrm>
+          <a:off x="0" y="0"/>
+          <a:ext cx="0" cy="0"/>
+          <a:chOff x="0" y="0"/>
+          <a:chExt cx="0" cy="0"/>
+        </a:xfrm>
+      </p:grpSpPr>
+      <p:sp>
+        <p:nvSpPr>
+          <p:cNvPr id="2" name="Title 1">
+            <a:extLst>
+              <a:ext uri="{FF2B5EF4-FFF2-40B4-BE49-F238E27FC236}">
+                <a16:creationId xmlns:a16="http://schemas.microsoft.com/office/drawing/2014/main" id="{3D5F77CA-9785-40A8-823D-9E9F6892B96F}"/>
+              </a:ext>
+            </a:extLst>
+          </p:cNvPr>
+          <p:cNvSpPr>
+            <a:spLocks noGrp="1"/>
+          </p:cNvSpPr>
+          <p:nvPr>
+            <p:ph type="title"/>
+          </p:nvPr>
+        </p:nvSpPr>
+        <p:spPr/>
+        <p:txBody>
+          <a:bodyPr/>
+          <a:lstStyle/>
+          <a:p>
+            <a:r>
+              <a:rPr lang="pt-PT" dirty="0"/>
+              <a:t>Implementação realizada</a:t>
+            </a:r>
+            <a:endParaRPr lang="en-US" dirty="0"/>
+          </a:p>
+        </p:txBody>
+      </p:sp>
+      <p:sp>
+        <p:nvSpPr>
+          <p:cNvPr id="3" name="Content Placeholder 2">
+            <a:extLst>
+              <a:ext uri="{FF2B5EF4-FFF2-40B4-BE49-F238E27FC236}">
+                <a16:creationId xmlns:a16="http://schemas.microsoft.com/office/drawing/2014/main" id="{534C6CC2-E5B7-48BE-A8F2-7087844DDDDF}"/>
+              </a:ext>
+            </a:extLst>
+          </p:cNvPr>
+          <p:cNvSpPr>
+            <a:spLocks noGrp="1"/>
+          </p:cNvSpPr>
+          <p:nvPr>
+            <p:ph idx="1"/>
+          </p:nvPr>
+        </p:nvSpPr>
+        <p:spPr/>
+        <p:txBody>
+          <a:bodyPr/>
+          <a:lstStyle/>
+          <a:p>
+            <a:endParaRPr lang="en-US"/>
+          </a:p>
+        </p:txBody>
+      </p:sp>
+    </p:spTree>
+    <p:extLst>
+      <p:ext uri="{BB962C8B-B14F-4D97-AF65-F5344CB8AC3E}">
+        <p14:creationId xmlns:p14="http://schemas.microsoft.com/office/powerpoint/2010/main" val="660863884"/>
+      </p:ext>
+    </p:extLst>
+  </p:cSld>
+  <p:clrMapOvr>
+    <a:masterClrMapping/>
+  </p:clrMapOvr>
 </p:sld>
 </file>
 
@@ -5507,6 +6189,8 @@
       </a:bgFillStyleLst>
     </a:fmtScheme>
   </a:themeElements>
+  <a:objectDefaults/>
+  <a:extraClrSchemeLst/>
   <a:extLst>
     <a:ext uri="{05A4C25C-085E-4340-85A3-A5531E510DB2}">
       <thm15:themeFamily xmlns:thm15="http://schemas.microsoft.com/office/thememl/2012/main" name="Office Theme" id="{62F939B6-93AF-4DB8-9C6B-D6C7DFDC589F}" vid="{4A3C46E8-61CC-4603-A589-7422A47A8E4A}"/>
@@ -5766,6 +6450,8 @@
       </a:bgFillStyleLst>
     </a:fmtScheme>
   </a:themeElements>
+  <a:objectDefaults/>
+  <a:extraClrSchemeLst/>
   <a:extLst>
     <a:ext uri="{05A4C25C-085E-4340-85A3-A5531E510DB2}">
       <thm15:themeFamily xmlns:thm15="http://schemas.microsoft.com/office/thememl/2012/main" name="Office Theme" id="{62F939B6-93AF-4DB8-9C6B-D6C7DFDC589F}" vid="{4A3C46E8-61CC-4603-A589-7422A47A8E4A}"/>
@@ -6025,6 +6711,8 @@
       </a:bgFillStyleLst>
     </a:fmtScheme>
   </a:themeElements>
+  <a:objectDefaults/>
+  <a:extraClrSchemeLst/>
   <a:extLst>
     <a:ext uri="{05A4C25C-085E-4340-85A3-A5531E510DB2}">
       <thm15:themeFamily xmlns:thm15="http://schemas.microsoft.com/office/thememl/2012/main" name="Office Theme" id="{62F939B6-93AF-4DB8-9C6B-D6C7DFDC589F}" vid="{4A3C46E8-61CC-4603-A589-7422A47A8E4A}"/>

--- a/FEUP.pptx
+++ b/FEUP.pptx
@@ -1,24 +1,559 @@
 
 <file path=ppt/presentation.xml><?xml version="1.0" encoding="utf-8"?>
-<p:presentation xmlns:a="http://schemas.openxmlformats.org/drawingml/2006/main" xmlns:p="http://schemas.openxmlformats.org/presentationml/2006/main" xmlns:r="http://schemas.openxmlformats.org/officeDocument/2006/relationships" xmlns:p14="http://schemas.microsoft.com/office/powerpoint/2010/main" xmlns:p15="http://schemas.microsoft.com/office/powerpoint/2012/main" xmlns:mc="http://schemas.openxmlformats.org/markup-compatibility/2006">
+<p:presentation xmlns:a="http://schemas.openxmlformats.org/drawingml/2006/main" xmlns:r="http://schemas.openxmlformats.org/officeDocument/2006/relationships" xmlns:p="http://schemas.openxmlformats.org/presentationml/2006/main">
   <p:sldMasterIdLst>
-    <p:sldMasterId id="2147483648" r:id="rId2"/>
-    <p:sldMasterId id="2147483661" r:id="rId3"/>
+    <p:sldMasterId id="2147483648" r:id="rId1"/>
+    <p:sldMasterId id="2147483661" r:id="rId2"/>
   </p:sldMasterIdLst>
+  <p:notesMasterIdLst>
+    <p:notesMasterId r:id="rId12"/>
+  </p:notesMasterIdLst>
   <p:sldIdLst>
-    <p:sldId id="256" r:id="rId4"/>
-    <p:sldId id="257" r:id="rId5"/>
-    <p:sldId id="258" r:id="rId6"/>
-    <p:sldId id="259" r:id="rId7"/>
-    <p:sldId id="260" r:id="rId8"/>
+    <p:sldId id="256" r:id="rId3"/>
+    <p:sldId id="257" r:id="rId4"/>
+    <p:sldId id="258" r:id="rId5"/>
+    <p:sldId id="259" r:id="rId6"/>
+    <p:sldId id="261" r:id="rId7"/>
+    <p:sldId id="262" r:id="rId8"/>
+    <p:sldId id="263" r:id="rId9"/>
+    <p:sldId id="264" r:id="rId10"/>
+    <p:sldId id="260" r:id="rId11"/>
   </p:sldIdLst>
   <p:sldSz cx="12192000" cy="6858000"/>
-  <p:notesSz cx="7559675" cy="10691812"/>
+  <p:notesSz cx="7559675" cy="10691813"/>
+  <p:defaultTextStyle>
+    <a:defPPr>
+      <a:defRPr lang="en-US"/>
+    </a:defPPr>
+    <a:lvl1pPr marL="0" algn="l" defTabSz="914400" rtl="0" eaLnBrk="1" latinLnBrk="0" hangingPunct="1">
+      <a:defRPr sz="1800" kern="1200">
+        <a:solidFill>
+          <a:schemeClr val="tx1"/>
+        </a:solidFill>
+        <a:latin typeface="+mn-lt"/>
+        <a:ea typeface="+mn-ea"/>
+        <a:cs typeface="+mn-cs"/>
+      </a:defRPr>
+    </a:lvl1pPr>
+    <a:lvl2pPr marL="457200" algn="l" defTabSz="914400" rtl="0" eaLnBrk="1" latinLnBrk="0" hangingPunct="1">
+      <a:defRPr sz="1800" kern="1200">
+        <a:solidFill>
+          <a:schemeClr val="tx1"/>
+        </a:solidFill>
+        <a:latin typeface="+mn-lt"/>
+        <a:ea typeface="+mn-ea"/>
+        <a:cs typeface="+mn-cs"/>
+      </a:defRPr>
+    </a:lvl2pPr>
+    <a:lvl3pPr marL="914400" algn="l" defTabSz="914400" rtl="0" eaLnBrk="1" latinLnBrk="0" hangingPunct="1">
+      <a:defRPr sz="1800" kern="1200">
+        <a:solidFill>
+          <a:schemeClr val="tx1"/>
+        </a:solidFill>
+        <a:latin typeface="+mn-lt"/>
+        <a:ea typeface="+mn-ea"/>
+        <a:cs typeface="+mn-cs"/>
+      </a:defRPr>
+    </a:lvl3pPr>
+    <a:lvl4pPr marL="1371600" algn="l" defTabSz="914400" rtl="0" eaLnBrk="1" latinLnBrk="0" hangingPunct="1">
+      <a:defRPr sz="1800" kern="1200">
+        <a:solidFill>
+          <a:schemeClr val="tx1"/>
+        </a:solidFill>
+        <a:latin typeface="+mn-lt"/>
+        <a:ea typeface="+mn-ea"/>
+        <a:cs typeface="+mn-cs"/>
+      </a:defRPr>
+    </a:lvl4pPr>
+    <a:lvl5pPr marL="1828800" algn="l" defTabSz="914400" rtl="0" eaLnBrk="1" latinLnBrk="0" hangingPunct="1">
+      <a:defRPr sz="1800" kern="1200">
+        <a:solidFill>
+          <a:schemeClr val="tx1"/>
+        </a:solidFill>
+        <a:latin typeface="+mn-lt"/>
+        <a:ea typeface="+mn-ea"/>
+        <a:cs typeface="+mn-cs"/>
+      </a:defRPr>
+    </a:lvl5pPr>
+    <a:lvl6pPr marL="2286000" algn="l" defTabSz="914400" rtl="0" eaLnBrk="1" latinLnBrk="0" hangingPunct="1">
+      <a:defRPr sz="1800" kern="1200">
+        <a:solidFill>
+          <a:schemeClr val="tx1"/>
+        </a:solidFill>
+        <a:latin typeface="+mn-lt"/>
+        <a:ea typeface="+mn-ea"/>
+        <a:cs typeface="+mn-cs"/>
+      </a:defRPr>
+    </a:lvl6pPr>
+    <a:lvl7pPr marL="2743200" algn="l" defTabSz="914400" rtl="0" eaLnBrk="1" latinLnBrk="0" hangingPunct="1">
+      <a:defRPr sz="1800" kern="1200">
+        <a:solidFill>
+          <a:schemeClr val="tx1"/>
+        </a:solidFill>
+        <a:latin typeface="+mn-lt"/>
+        <a:ea typeface="+mn-ea"/>
+        <a:cs typeface="+mn-cs"/>
+      </a:defRPr>
+    </a:lvl7pPr>
+    <a:lvl8pPr marL="3200400" algn="l" defTabSz="914400" rtl="0" eaLnBrk="1" latinLnBrk="0" hangingPunct="1">
+      <a:defRPr sz="1800" kern="1200">
+        <a:solidFill>
+          <a:schemeClr val="tx1"/>
+        </a:solidFill>
+        <a:latin typeface="+mn-lt"/>
+        <a:ea typeface="+mn-ea"/>
+        <a:cs typeface="+mn-cs"/>
+      </a:defRPr>
+    </a:lvl8pPr>
+    <a:lvl9pPr marL="3657600" algn="l" defTabSz="914400" rtl="0" eaLnBrk="1" latinLnBrk="0" hangingPunct="1">
+      <a:defRPr sz="1800" kern="1200">
+        <a:solidFill>
+          <a:schemeClr val="tx1"/>
+        </a:solidFill>
+        <a:latin typeface="+mn-lt"/>
+        <a:ea typeface="+mn-ea"/>
+        <a:cs typeface="+mn-cs"/>
+      </a:defRPr>
+    </a:lvl9pPr>
+  </p:defaultTextStyle>
 </p:presentation>
 </file>
 
+<file path=ppt/notesMasters/notesMaster1.xml><?xml version="1.0" encoding="utf-8"?>
+<p:notesMaster xmlns:a="http://schemas.openxmlformats.org/drawingml/2006/main" xmlns:r="http://schemas.openxmlformats.org/officeDocument/2006/relationships" xmlns:p="http://schemas.openxmlformats.org/presentationml/2006/main">
+  <p:cSld>
+    <p:bg>
+      <p:bgRef idx="1001">
+        <a:schemeClr val="bg1"/>
+      </p:bgRef>
+    </p:bg>
+    <p:spTree>
+      <p:nvGrpSpPr>
+        <p:cNvPr id="1" name=""/>
+        <p:cNvGrpSpPr/>
+        <p:nvPr/>
+      </p:nvGrpSpPr>
+      <p:grpSpPr>
+        <a:xfrm>
+          <a:off x="0" y="0"/>
+          <a:ext cx="0" cy="0"/>
+          <a:chOff x="0" y="0"/>
+          <a:chExt cx="0" cy="0"/>
+        </a:xfrm>
+      </p:grpSpPr>
+      <p:sp>
+        <p:nvSpPr>
+          <p:cNvPr id="2" name="Header Placeholder 1"/>
+          <p:cNvSpPr>
+            <a:spLocks noGrp="1"/>
+          </p:cNvSpPr>
+          <p:nvPr>
+            <p:ph type="hdr" sz="quarter"/>
+          </p:nvPr>
+        </p:nvSpPr>
+        <p:spPr>
+          <a:xfrm>
+            <a:off x="0" y="0"/>
+            <a:ext cx="3276600" cy="536575"/>
+          </a:xfrm>
+          <a:prstGeom prst="rect">
+            <a:avLst/>
+          </a:prstGeom>
+        </p:spPr>
+        <p:txBody>
+          <a:bodyPr vert="horz" lIns="91440" tIns="45720" rIns="91440" bIns="45720" rtlCol="0"/>
+          <a:lstStyle>
+            <a:lvl1pPr algn="l">
+              <a:defRPr sz="1200"/>
+            </a:lvl1pPr>
+          </a:lstStyle>
+          <a:p>
+            <a:endParaRPr lang="en-US"/>
+          </a:p>
+        </p:txBody>
+      </p:sp>
+      <p:sp>
+        <p:nvSpPr>
+          <p:cNvPr id="3" name="Date Placeholder 2"/>
+          <p:cNvSpPr>
+            <a:spLocks noGrp="1"/>
+          </p:cNvSpPr>
+          <p:nvPr>
+            <p:ph type="dt" idx="1"/>
+          </p:nvPr>
+        </p:nvSpPr>
+        <p:spPr>
+          <a:xfrm>
+            <a:off x="4281488" y="0"/>
+            <a:ext cx="3276600" cy="536575"/>
+          </a:xfrm>
+          <a:prstGeom prst="rect">
+            <a:avLst/>
+          </a:prstGeom>
+        </p:spPr>
+        <p:txBody>
+          <a:bodyPr vert="horz" lIns="91440" tIns="45720" rIns="91440" bIns="45720" rtlCol="0"/>
+          <a:lstStyle>
+            <a:lvl1pPr algn="r">
+              <a:defRPr sz="1200"/>
+            </a:lvl1pPr>
+          </a:lstStyle>
+          <a:p>
+            <a:fld id="{CD52A834-5F0C-4356-9985-5DF774D3196F}" type="datetimeFigureOut">
+              <a:rPr lang="en-US" smtClean="0"/>
+              <a:t>3/28/2020</a:t>
+            </a:fld>
+            <a:endParaRPr lang="en-US"/>
+          </a:p>
+        </p:txBody>
+      </p:sp>
+      <p:sp>
+        <p:nvSpPr>
+          <p:cNvPr id="4" name="Slide Image Placeholder 3"/>
+          <p:cNvSpPr>
+            <a:spLocks noGrp="1" noRot="1" noChangeAspect="1"/>
+          </p:cNvSpPr>
+          <p:nvPr>
+            <p:ph type="sldImg" idx="2"/>
+          </p:nvPr>
+        </p:nvSpPr>
+        <p:spPr>
+          <a:xfrm>
+            <a:off x="573088" y="1336675"/>
+            <a:ext cx="6413500" cy="3608388"/>
+          </a:xfrm>
+          <a:prstGeom prst="rect">
+            <a:avLst/>
+          </a:prstGeom>
+          <a:noFill/>
+          <a:ln w="12700">
+            <a:solidFill>
+              <a:prstClr val="black"/>
+            </a:solidFill>
+          </a:ln>
+        </p:spPr>
+        <p:txBody>
+          <a:bodyPr vert="horz" lIns="91440" tIns="45720" rIns="91440" bIns="45720" rtlCol="0" anchor="ctr"/>
+          <a:lstStyle/>
+          <a:p>
+            <a:endParaRPr lang="en-US"/>
+          </a:p>
+        </p:txBody>
+      </p:sp>
+      <p:sp>
+        <p:nvSpPr>
+          <p:cNvPr id="5" name="Notes Placeholder 4"/>
+          <p:cNvSpPr>
+            <a:spLocks noGrp="1"/>
+          </p:cNvSpPr>
+          <p:nvPr>
+            <p:ph type="body" sz="quarter" idx="3"/>
+          </p:nvPr>
+        </p:nvSpPr>
+        <p:spPr>
+          <a:xfrm>
+            <a:off x="755650" y="5145088"/>
+            <a:ext cx="6048375" cy="4210050"/>
+          </a:xfrm>
+          <a:prstGeom prst="rect">
+            <a:avLst/>
+          </a:prstGeom>
+        </p:spPr>
+        <p:txBody>
+          <a:bodyPr vert="horz" lIns="91440" tIns="45720" rIns="91440" bIns="45720" rtlCol="0"/>
+          <a:lstStyle/>
+          <a:p>
+            <a:pPr lvl="0"/>
+            <a:r>
+              <a:rPr lang="en-US"/>
+              <a:t>Click to edit Master text styles</a:t>
+            </a:r>
+          </a:p>
+          <a:p>
+            <a:pPr lvl="1"/>
+            <a:r>
+              <a:rPr lang="en-US"/>
+              <a:t>Second level</a:t>
+            </a:r>
+          </a:p>
+          <a:p>
+            <a:pPr lvl="2"/>
+            <a:r>
+              <a:rPr lang="en-US"/>
+              <a:t>Third level</a:t>
+            </a:r>
+          </a:p>
+          <a:p>
+            <a:pPr lvl="3"/>
+            <a:r>
+              <a:rPr lang="en-US"/>
+              <a:t>Fourth level</a:t>
+            </a:r>
+          </a:p>
+          <a:p>
+            <a:pPr lvl="4"/>
+            <a:r>
+              <a:rPr lang="en-US"/>
+              <a:t>Fifth level</a:t>
+            </a:r>
+          </a:p>
+        </p:txBody>
+      </p:sp>
+      <p:sp>
+        <p:nvSpPr>
+          <p:cNvPr id="6" name="Footer Placeholder 5"/>
+          <p:cNvSpPr>
+            <a:spLocks noGrp="1"/>
+          </p:cNvSpPr>
+          <p:nvPr>
+            <p:ph type="ftr" sz="quarter" idx="4"/>
+          </p:nvPr>
+        </p:nvSpPr>
+        <p:spPr>
+          <a:xfrm>
+            <a:off x="0" y="10155238"/>
+            <a:ext cx="3276600" cy="536575"/>
+          </a:xfrm>
+          <a:prstGeom prst="rect">
+            <a:avLst/>
+          </a:prstGeom>
+        </p:spPr>
+        <p:txBody>
+          <a:bodyPr vert="horz" lIns="91440" tIns="45720" rIns="91440" bIns="45720" rtlCol="0" anchor="b"/>
+          <a:lstStyle>
+            <a:lvl1pPr algn="l">
+              <a:defRPr sz="1200"/>
+            </a:lvl1pPr>
+          </a:lstStyle>
+          <a:p>
+            <a:endParaRPr lang="en-US"/>
+          </a:p>
+        </p:txBody>
+      </p:sp>
+      <p:sp>
+        <p:nvSpPr>
+          <p:cNvPr id="7" name="Slide Number Placeholder 6"/>
+          <p:cNvSpPr>
+            <a:spLocks noGrp="1"/>
+          </p:cNvSpPr>
+          <p:nvPr>
+            <p:ph type="sldNum" sz="quarter" idx="5"/>
+          </p:nvPr>
+        </p:nvSpPr>
+        <p:spPr>
+          <a:xfrm>
+            <a:off x="4281488" y="10155238"/>
+            <a:ext cx="3276600" cy="536575"/>
+          </a:xfrm>
+          <a:prstGeom prst="rect">
+            <a:avLst/>
+          </a:prstGeom>
+        </p:spPr>
+        <p:txBody>
+          <a:bodyPr vert="horz" lIns="91440" tIns="45720" rIns="91440" bIns="45720" rtlCol="0" anchor="b"/>
+          <a:lstStyle>
+            <a:lvl1pPr algn="r">
+              <a:defRPr sz="1200"/>
+            </a:lvl1pPr>
+          </a:lstStyle>
+          <a:p>
+            <a:fld id="{60CD22D1-0C8C-4BE2-9A20-2A9D01791E28}" type="slidenum">
+              <a:rPr lang="en-US" smtClean="0"/>
+              <a:t>‹#›</a:t>
+            </a:fld>
+            <a:endParaRPr lang="en-US"/>
+          </a:p>
+        </p:txBody>
+      </p:sp>
+    </p:spTree>
+    <p:extLst>
+      <p:ext uri="{BB962C8B-B14F-4D97-AF65-F5344CB8AC3E}">
+        <p14:creationId xmlns:p14="http://schemas.microsoft.com/office/powerpoint/2010/main" val="1100633697"/>
+      </p:ext>
+    </p:extLst>
+  </p:cSld>
+  <p:clrMap bg1="lt1" tx1="dk1" bg2="lt2" tx2="dk2" accent1="accent1" accent2="accent2" accent3="accent3" accent4="accent4" accent5="accent5" accent6="accent6" hlink="hlink" folHlink="folHlink"/>
+  <p:notesStyle>
+    <a:lvl1pPr marL="0" algn="l" defTabSz="914400" rtl="0" eaLnBrk="1" latinLnBrk="0" hangingPunct="1">
+      <a:defRPr sz="1200" kern="1200">
+        <a:solidFill>
+          <a:schemeClr val="tx1"/>
+        </a:solidFill>
+        <a:latin typeface="+mn-lt"/>
+        <a:ea typeface="+mn-ea"/>
+        <a:cs typeface="+mn-cs"/>
+      </a:defRPr>
+    </a:lvl1pPr>
+    <a:lvl2pPr marL="457200" algn="l" defTabSz="914400" rtl="0" eaLnBrk="1" latinLnBrk="0" hangingPunct="1">
+      <a:defRPr sz="1200" kern="1200">
+        <a:solidFill>
+          <a:schemeClr val="tx1"/>
+        </a:solidFill>
+        <a:latin typeface="+mn-lt"/>
+        <a:ea typeface="+mn-ea"/>
+        <a:cs typeface="+mn-cs"/>
+      </a:defRPr>
+    </a:lvl2pPr>
+    <a:lvl3pPr marL="914400" algn="l" defTabSz="914400" rtl="0" eaLnBrk="1" latinLnBrk="0" hangingPunct="1">
+      <a:defRPr sz="1200" kern="1200">
+        <a:solidFill>
+          <a:schemeClr val="tx1"/>
+        </a:solidFill>
+        <a:latin typeface="+mn-lt"/>
+        <a:ea typeface="+mn-ea"/>
+        <a:cs typeface="+mn-cs"/>
+      </a:defRPr>
+    </a:lvl3pPr>
+    <a:lvl4pPr marL="1371600" algn="l" defTabSz="914400" rtl="0" eaLnBrk="1" latinLnBrk="0" hangingPunct="1">
+      <a:defRPr sz="1200" kern="1200">
+        <a:solidFill>
+          <a:schemeClr val="tx1"/>
+        </a:solidFill>
+        <a:latin typeface="+mn-lt"/>
+        <a:ea typeface="+mn-ea"/>
+        <a:cs typeface="+mn-cs"/>
+      </a:defRPr>
+    </a:lvl4pPr>
+    <a:lvl5pPr marL="1828800" algn="l" defTabSz="914400" rtl="0" eaLnBrk="1" latinLnBrk="0" hangingPunct="1">
+      <a:defRPr sz="1200" kern="1200">
+        <a:solidFill>
+          <a:schemeClr val="tx1"/>
+        </a:solidFill>
+        <a:latin typeface="+mn-lt"/>
+        <a:ea typeface="+mn-ea"/>
+        <a:cs typeface="+mn-cs"/>
+      </a:defRPr>
+    </a:lvl5pPr>
+    <a:lvl6pPr marL="2286000" algn="l" defTabSz="914400" rtl="0" eaLnBrk="1" latinLnBrk="0" hangingPunct="1">
+      <a:defRPr sz="1200" kern="1200">
+        <a:solidFill>
+          <a:schemeClr val="tx1"/>
+        </a:solidFill>
+        <a:latin typeface="+mn-lt"/>
+        <a:ea typeface="+mn-ea"/>
+        <a:cs typeface="+mn-cs"/>
+      </a:defRPr>
+    </a:lvl6pPr>
+    <a:lvl7pPr marL="2743200" algn="l" defTabSz="914400" rtl="0" eaLnBrk="1" latinLnBrk="0" hangingPunct="1">
+      <a:defRPr sz="1200" kern="1200">
+        <a:solidFill>
+          <a:schemeClr val="tx1"/>
+        </a:solidFill>
+        <a:latin typeface="+mn-lt"/>
+        <a:ea typeface="+mn-ea"/>
+        <a:cs typeface="+mn-cs"/>
+      </a:defRPr>
+    </a:lvl7pPr>
+    <a:lvl8pPr marL="3200400" algn="l" defTabSz="914400" rtl="0" eaLnBrk="1" latinLnBrk="0" hangingPunct="1">
+      <a:defRPr sz="1200" kern="1200">
+        <a:solidFill>
+          <a:schemeClr val="tx1"/>
+        </a:solidFill>
+        <a:latin typeface="+mn-lt"/>
+        <a:ea typeface="+mn-ea"/>
+        <a:cs typeface="+mn-cs"/>
+      </a:defRPr>
+    </a:lvl8pPr>
+    <a:lvl9pPr marL="3657600" algn="l" defTabSz="914400" rtl="0" eaLnBrk="1" latinLnBrk="0" hangingPunct="1">
+      <a:defRPr sz="1200" kern="1200">
+        <a:solidFill>
+          <a:schemeClr val="tx1"/>
+        </a:solidFill>
+        <a:latin typeface="+mn-lt"/>
+        <a:ea typeface="+mn-ea"/>
+        <a:cs typeface="+mn-cs"/>
+      </a:defRPr>
+    </a:lvl9pPr>
+  </p:notesStyle>
+</p:notesMaster>
+</file>
+
+<file path=ppt/notesSlides/notesSlide1.xml><?xml version="1.0" encoding="utf-8"?>
+<p:notes xmlns:a="http://schemas.openxmlformats.org/drawingml/2006/main" xmlns:r="http://schemas.openxmlformats.org/officeDocument/2006/relationships" xmlns:p="http://schemas.openxmlformats.org/presentationml/2006/main">
+  <p:cSld>
+    <p:spTree>
+      <p:nvGrpSpPr>
+        <p:cNvPr id="1" name=""/>
+        <p:cNvGrpSpPr/>
+        <p:nvPr/>
+      </p:nvGrpSpPr>
+      <p:grpSpPr>
+        <a:xfrm>
+          <a:off x="0" y="0"/>
+          <a:ext cx="0" cy="0"/>
+          <a:chOff x="0" y="0"/>
+          <a:chExt cx="0" cy="0"/>
+        </a:xfrm>
+      </p:grpSpPr>
+      <p:sp>
+        <p:nvSpPr>
+          <p:cNvPr id="2" name="Slide Image Placeholder 1"/>
+          <p:cNvSpPr>
+            <a:spLocks noGrp="1" noRot="1" noChangeAspect="1"/>
+          </p:cNvSpPr>
+          <p:nvPr>
+            <p:ph type="sldImg"/>
+          </p:nvPr>
+        </p:nvSpPr>
+        <p:spPr/>
+      </p:sp>
+      <p:sp>
+        <p:nvSpPr>
+          <p:cNvPr id="3" name="Notes Placeholder 2"/>
+          <p:cNvSpPr>
+            <a:spLocks noGrp="1"/>
+          </p:cNvSpPr>
+          <p:nvPr>
+            <p:ph type="body" idx="1"/>
+          </p:nvPr>
+        </p:nvSpPr>
+        <p:spPr/>
+        <p:txBody>
+          <a:bodyPr/>
+          <a:lstStyle/>
+          <a:p>
+            <a:endParaRPr lang="en-US" dirty="0"/>
+          </a:p>
+        </p:txBody>
+      </p:sp>
+      <p:sp>
+        <p:nvSpPr>
+          <p:cNvPr id="4" name="Slide Number Placeholder 3"/>
+          <p:cNvSpPr>
+            <a:spLocks noGrp="1"/>
+          </p:cNvSpPr>
+          <p:nvPr>
+            <p:ph type="sldNum" sz="quarter" idx="5"/>
+          </p:nvPr>
+        </p:nvSpPr>
+        <p:spPr/>
+        <p:txBody>
+          <a:bodyPr/>
+          <a:lstStyle/>
+          <a:p>
+            <a:fld id="{60CD22D1-0C8C-4BE2-9A20-2A9D01791E28}" type="slidenum">
+              <a:rPr lang="en-US" smtClean="0"/>
+              <a:t>7</a:t>
+            </a:fld>
+            <a:endParaRPr lang="en-US"/>
+          </a:p>
+        </p:txBody>
+      </p:sp>
+    </p:spTree>
+    <p:extLst>
+      <p:ext uri="{BB962C8B-B14F-4D97-AF65-F5344CB8AC3E}">
+        <p14:creationId xmlns:p14="http://schemas.microsoft.com/office/powerpoint/2010/main" val="3321064700"/>
+      </p:ext>
+    </p:extLst>
+  </p:cSld>
+  <p:clrMapOvr>
+    <a:masterClrMapping/>
+  </p:clrMapOvr>
+</p:notes>
+</file>
+
 <file path=ppt/slideLayouts/slideLayout1.xml><?xml version="1.0" encoding="utf-8"?>
-<p:sldLayout xmlns:a="http://schemas.openxmlformats.org/drawingml/2006/main" xmlns:p="http://schemas.openxmlformats.org/presentationml/2006/main" xmlns:r="http://schemas.openxmlformats.org/officeDocument/2006/relationships" xmlns:p14="http://schemas.microsoft.com/office/powerpoint/2010/main" xmlns:p15="http://schemas.microsoft.com/office/powerpoint/2012/main" xmlns:mc="http://schemas.openxmlformats.org/markup-compatibility/2006" type="blank" preserve="1">
+<p:sldLayout xmlns:a="http://schemas.openxmlformats.org/drawingml/2006/main" xmlns:r="http://schemas.openxmlformats.org/officeDocument/2006/relationships" xmlns:p="http://schemas.openxmlformats.org/presentationml/2006/main" type="blank" preserve="1">
   <p:cSld name="Blank Slide">
     <p:spTree>
       <p:nvGrpSpPr>
@@ -36,11 +571,14 @@
       </p:grpSpPr>
     </p:spTree>
   </p:cSld>
+  <p:clrMapOvr>
+    <a:masterClrMapping/>
+  </p:clrMapOvr>
 </p:sldLayout>
 </file>
 
 <file path=ppt/slideLayouts/slideLayout10.xml><?xml version="1.0" encoding="utf-8"?>
-<p:sldLayout xmlns:a="http://schemas.openxmlformats.org/drawingml/2006/main" xmlns:p="http://schemas.openxmlformats.org/presentationml/2006/main" xmlns:r="http://schemas.openxmlformats.org/officeDocument/2006/relationships" xmlns:p14="http://schemas.microsoft.com/office/powerpoint/2010/main" xmlns:p15="http://schemas.microsoft.com/office/powerpoint/2012/main" xmlns:mc="http://schemas.openxmlformats.org/markup-compatibility/2006" type="objOverTx" preserve="1">
+<p:sldLayout xmlns:a="http://schemas.openxmlformats.org/drawingml/2006/main" xmlns:r="http://schemas.openxmlformats.org/officeDocument/2006/relationships" xmlns:p="http://schemas.openxmlformats.org/presentationml/2006/main" type="objOverTx" preserve="1">
   <p:cSld name="Title, Content over Content">
     <p:spTree>
       <p:nvGrpSpPr>
@@ -76,10 +614,11 @@
           </a:prstGeom>
         </p:spPr>
         <p:txBody>
-          <a:bodyPr lIns="0" rIns="0" tIns="0" bIns="0" anchor="ctr"/>
+          <a:bodyPr lIns="0" tIns="0" rIns="0" bIns="0" anchor="ctr"/>
+          <a:lstStyle/>
           <a:p>
             <a:pPr algn="ctr"/>
-            <a:endParaRPr b="0" lang="pt-PT" sz="4400" spc="-1" strike="noStrike">
+            <a:endParaRPr lang="pt-PT" sz="4400" b="0" strike="noStrike" spc="-1">
               <a:latin typeface="Arial"/>
             </a:endParaRPr>
           </a:p>
@@ -105,11 +644,12 @@
           </a:prstGeom>
         </p:spPr>
         <p:txBody>
-          <a:bodyPr lIns="0" rIns="0" tIns="0" bIns="0">
+          <a:bodyPr lIns="0" tIns="0" rIns="0" bIns="0">
             <a:normAutofit/>
           </a:bodyPr>
-          <a:p>
-            <a:endParaRPr b="0" lang="pt-PT" sz="3200" spc="-1" strike="noStrike">
+          <a:lstStyle/>
+          <a:p>
+            <a:endParaRPr lang="pt-PT" sz="3200" b="0" strike="noStrike" spc="-1">
               <a:latin typeface="Arial"/>
             </a:endParaRPr>
           </a:p>
@@ -135,11 +675,12 @@
           </a:prstGeom>
         </p:spPr>
         <p:txBody>
-          <a:bodyPr lIns="0" rIns="0" tIns="0" bIns="0">
+          <a:bodyPr lIns="0" tIns="0" rIns="0" bIns="0">
             <a:normAutofit/>
           </a:bodyPr>
-          <a:p>
-            <a:endParaRPr b="0" lang="pt-PT" sz="3200" spc="-1" strike="noStrike">
+          <a:lstStyle/>
+          <a:p>
+            <a:endParaRPr lang="pt-PT" sz="3200" b="0" strike="noStrike" spc="-1">
               <a:latin typeface="Arial"/>
             </a:endParaRPr>
           </a:p>
@@ -147,11 +688,14 @@
       </p:sp>
     </p:spTree>
   </p:cSld>
+  <p:clrMapOvr>
+    <a:masterClrMapping/>
+  </p:clrMapOvr>
 </p:sldLayout>
 </file>
 
 <file path=ppt/slideLayouts/slideLayout11.xml><?xml version="1.0" encoding="utf-8"?>
-<p:sldLayout xmlns:a="http://schemas.openxmlformats.org/drawingml/2006/main" xmlns:p="http://schemas.openxmlformats.org/presentationml/2006/main" xmlns:r="http://schemas.openxmlformats.org/officeDocument/2006/relationships" xmlns:p14="http://schemas.microsoft.com/office/powerpoint/2010/main" xmlns:p15="http://schemas.microsoft.com/office/powerpoint/2012/main" xmlns:mc="http://schemas.openxmlformats.org/markup-compatibility/2006" type="fourObj" preserve="1">
+<p:sldLayout xmlns:a="http://schemas.openxmlformats.org/drawingml/2006/main" xmlns:r="http://schemas.openxmlformats.org/officeDocument/2006/relationships" xmlns:p="http://schemas.openxmlformats.org/presentationml/2006/main" type="fourObj" preserve="1">
   <p:cSld name="Title, 4 Content">
     <p:spTree>
       <p:nvGrpSpPr>
@@ -187,10 +731,11 @@
           </a:prstGeom>
         </p:spPr>
         <p:txBody>
-          <a:bodyPr lIns="0" rIns="0" tIns="0" bIns="0" anchor="ctr"/>
+          <a:bodyPr lIns="0" tIns="0" rIns="0" bIns="0" anchor="ctr"/>
+          <a:lstStyle/>
           <a:p>
             <a:pPr algn="ctr"/>
-            <a:endParaRPr b="0" lang="pt-PT" sz="4400" spc="-1" strike="noStrike">
+            <a:endParaRPr lang="pt-PT" sz="4400" b="0" strike="noStrike" spc="-1">
               <a:latin typeface="Arial"/>
             </a:endParaRPr>
           </a:p>
@@ -216,11 +761,12 @@
           </a:prstGeom>
         </p:spPr>
         <p:txBody>
-          <a:bodyPr lIns="0" rIns="0" tIns="0" bIns="0">
+          <a:bodyPr lIns="0" tIns="0" rIns="0" bIns="0">
             <a:normAutofit/>
           </a:bodyPr>
-          <a:p>
-            <a:endParaRPr b="0" lang="pt-PT" sz="3200" spc="-1" strike="noStrike">
+          <a:lstStyle/>
+          <a:p>
+            <a:endParaRPr lang="pt-PT" sz="3200" b="0" strike="noStrike" spc="-1">
               <a:latin typeface="Arial"/>
             </a:endParaRPr>
           </a:p>
@@ -246,11 +792,12 @@
           </a:prstGeom>
         </p:spPr>
         <p:txBody>
-          <a:bodyPr lIns="0" rIns="0" tIns="0" bIns="0">
+          <a:bodyPr lIns="0" tIns="0" rIns="0" bIns="0">
             <a:normAutofit/>
           </a:bodyPr>
-          <a:p>
-            <a:endParaRPr b="0" lang="pt-PT" sz="3200" spc="-1" strike="noStrike">
+          <a:lstStyle/>
+          <a:p>
+            <a:endParaRPr lang="pt-PT" sz="3200" b="0" strike="noStrike" spc="-1">
               <a:latin typeface="Arial"/>
             </a:endParaRPr>
           </a:p>
@@ -276,11 +823,12 @@
           </a:prstGeom>
         </p:spPr>
         <p:txBody>
-          <a:bodyPr lIns="0" rIns="0" tIns="0" bIns="0">
+          <a:bodyPr lIns="0" tIns="0" rIns="0" bIns="0">
             <a:normAutofit/>
           </a:bodyPr>
-          <a:p>
-            <a:endParaRPr b="0" lang="pt-PT" sz="3200" spc="-1" strike="noStrike">
+          <a:lstStyle/>
+          <a:p>
+            <a:endParaRPr lang="pt-PT" sz="3200" b="0" strike="noStrike" spc="-1">
               <a:latin typeface="Arial"/>
             </a:endParaRPr>
           </a:p>
@@ -306,11 +854,12 @@
           </a:prstGeom>
         </p:spPr>
         <p:txBody>
-          <a:bodyPr lIns="0" rIns="0" tIns="0" bIns="0">
+          <a:bodyPr lIns="0" tIns="0" rIns="0" bIns="0">
             <a:normAutofit/>
           </a:bodyPr>
-          <a:p>
-            <a:endParaRPr b="0" lang="pt-PT" sz="3200" spc="-1" strike="noStrike">
+          <a:lstStyle/>
+          <a:p>
+            <a:endParaRPr lang="pt-PT" sz="3200" b="0" strike="noStrike" spc="-1">
               <a:latin typeface="Arial"/>
             </a:endParaRPr>
           </a:p>
@@ -318,11 +867,14 @@
       </p:sp>
     </p:spTree>
   </p:cSld>
+  <p:clrMapOvr>
+    <a:masterClrMapping/>
+  </p:clrMapOvr>
 </p:sldLayout>
 </file>
 
 <file path=ppt/slideLayouts/slideLayout12.xml><?xml version="1.0" encoding="utf-8"?>
-<p:sldLayout xmlns:a="http://schemas.openxmlformats.org/drawingml/2006/main" xmlns:p="http://schemas.openxmlformats.org/presentationml/2006/main" xmlns:r="http://schemas.openxmlformats.org/officeDocument/2006/relationships" xmlns:p14="http://schemas.microsoft.com/office/powerpoint/2010/main" xmlns:p15="http://schemas.microsoft.com/office/powerpoint/2012/main" xmlns:mc="http://schemas.openxmlformats.org/markup-compatibility/2006" type="blank" preserve="1">
+<p:sldLayout xmlns:a="http://schemas.openxmlformats.org/drawingml/2006/main" xmlns:r="http://schemas.openxmlformats.org/officeDocument/2006/relationships" xmlns:p="http://schemas.openxmlformats.org/presentationml/2006/main" type="blank" preserve="1">
   <p:cSld name="Title, 6 Content">
     <p:spTree>
       <p:nvGrpSpPr>
@@ -358,10 +910,11 @@
           </a:prstGeom>
         </p:spPr>
         <p:txBody>
-          <a:bodyPr lIns="0" rIns="0" tIns="0" bIns="0" anchor="ctr"/>
+          <a:bodyPr lIns="0" tIns="0" rIns="0" bIns="0" anchor="ctr"/>
+          <a:lstStyle/>
           <a:p>
             <a:pPr algn="ctr"/>
-            <a:endParaRPr b="0" lang="pt-PT" sz="4400" spc="-1" strike="noStrike">
+            <a:endParaRPr lang="pt-PT" sz="4400" b="0" strike="noStrike" spc="-1">
               <a:latin typeface="Arial"/>
             </a:endParaRPr>
           </a:p>
@@ -387,11 +940,12 @@
           </a:prstGeom>
         </p:spPr>
         <p:txBody>
-          <a:bodyPr lIns="0" rIns="0" tIns="0" bIns="0">
+          <a:bodyPr lIns="0" tIns="0" rIns="0" bIns="0">
             <a:normAutofit/>
           </a:bodyPr>
-          <a:p>
-            <a:endParaRPr b="0" lang="pt-PT" sz="3200" spc="-1" strike="noStrike">
+          <a:lstStyle/>
+          <a:p>
+            <a:endParaRPr lang="pt-PT" sz="3200" b="0" strike="noStrike" spc="-1">
               <a:latin typeface="Arial"/>
             </a:endParaRPr>
           </a:p>
@@ -417,11 +971,12 @@
           </a:prstGeom>
         </p:spPr>
         <p:txBody>
-          <a:bodyPr lIns="0" rIns="0" tIns="0" bIns="0">
+          <a:bodyPr lIns="0" tIns="0" rIns="0" bIns="0">
             <a:normAutofit/>
           </a:bodyPr>
-          <a:p>
-            <a:endParaRPr b="0" lang="pt-PT" sz="3200" spc="-1" strike="noStrike">
+          <a:lstStyle/>
+          <a:p>
+            <a:endParaRPr lang="pt-PT" sz="3200" b="0" strike="noStrike" spc="-1">
               <a:latin typeface="Arial"/>
             </a:endParaRPr>
           </a:p>
@@ -447,11 +1002,12 @@
           </a:prstGeom>
         </p:spPr>
         <p:txBody>
-          <a:bodyPr lIns="0" rIns="0" tIns="0" bIns="0">
+          <a:bodyPr lIns="0" tIns="0" rIns="0" bIns="0">
             <a:normAutofit/>
           </a:bodyPr>
-          <a:p>
-            <a:endParaRPr b="0" lang="pt-PT" sz="3200" spc="-1" strike="noStrike">
+          <a:lstStyle/>
+          <a:p>
+            <a:endParaRPr lang="pt-PT" sz="3200" b="0" strike="noStrike" spc="-1">
               <a:latin typeface="Arial"/>
             </a:endParaRPr>
           </a:p>
@@ -477,11 +1033,12 @@
           </a:prstGeom>
         </p:spPr>
         <p:txBody>
-          <a:bodyPr lIns="0" rIns="0" tIns="0" bIns="0">
+          <a:bodyPr lIns="0" tIns="0" rIns="0" bIns="0">
             <a:normAutofit/>
           </a:bodyPr>
-          <a:p>
-            <a:endParaRPr b="0" lang="pt-PT" sz="3200" spc="-1" strike="noStrike">
+          <a:lstStyle/>
+          <a:p>
+            <a:endParaRPr lang="pt-PT" sz="3200" b="0" strike="noStrike" spc="-1">
               <a:latin typeface="Arial"/>
             </a:endParaRPr>
           </a:p>
@@ -507,11 +1064,12 @@
           </a:prstGeom>
         </p:spPr>
         <p:txBody>
-          <a:bodyPr lIns="0" rIns="0" tIns="0" bIns="0">
+          <a:bodyPr lIns="0" tIns="0" rIns="0" bIns="0">
             <a:normAutofit/>
           </a:bodyPr>
-          <a:p>
-            <a:endParaRPr b="0" lang="pt-PT" sz="3200" spc="-1" strike="noStrike">
+          <a:lstStyle/>
+          <a:p>
+            <a:endParaRPr lang="pt-PT" sz="3200" b="0" strike="noStrike" spc="-1">
               <a:latin typeface="Arial"/>
             </a:endParaRPr>
           </a:p>
@@ -537,11 +1095,12 @@
           </a:prstGeom>
         </p:spPr>
         <p:txBody>
-          <a:bodyPr lIns="0" rIns="0" tIns="0" bIns="0">
+          <a:bodyPr lIns="0" tIns="0" rIns="0" bIns="0">
             <a:normAutofit/>
           </a:bodyPr>
-          <a:p>
-            <a:endParaRPr b="0" lang="pt-PT" sz="3200" spc="-1" strike="noStrike">
+          <a:lstStyle/>
+          <a:p>
+            <a:endParaRPr lang="pt-PT" sz="3200" b="0" strike="noStrike" spc="-1">
               <a:latin typeface="Arial"/>
             </a:endParaRPr>
           </a:p>
@@ -549,11 +1108,14 @@
       </p:sp>
     </p:spTree>
   </p:cSld>
+  <p:clrMapOvr>
+    <a:masterClrMapping/>
+  </p:clrMapOvr>
 </p:sldLayout>
 </file>
 
 <file path=ppt/slideLayouts/slideLayout13.xml><?xml version="1.0" encoding="utf-8"?>
-<p:sldLayout xmlns:a="http://schemas.openxmlformats.org/drawingml/2006/main" xmlns:p="http://schemas.openxmlformats.org/presentationml/2006/main" xmlns:r="http://schemas.openxmlformats.org/officeDocument/2006/relationships" xmlns:p14="http://schemas.microsoft.com/office/powerpoint/2010/main" xmlns:p15="http://schemas.microsoft.com/office/powerpoint/2012/main" xmlns:mc="http://schemas.openxmlformats.org/markup-compatibility/2006" type="blank" preserve="1">
+<p:sldLayout xmlns:a="http://schemas.openxmlformats.org/drawingml/2006/main" xmlns:r="http://schemas.openxmlformats.org/officeDocument/2006/relationships" xmlns:p="http://schemas.openxmlformats.org/presentationml/2006/main" type="blank" preserve="1">
   <p:cSld name="Blank Slide">
     <p:spTree>
       <p:nvGrpSpPr>
@@ -571,11 +1133,14 @@
       </p:grpSpPr>
     </p:spTree>
   </p:cSld>
+  <p:clrMapOvr>
+    <a:masterClrMapping/>
+  </p:clrMapOvr>
 </p:sldLayout>
 </file>
 
 <file path=ppt/slideLayouts/slideLayout14.xml><?xml version="1.0" encoding="utf-8"?>
-<p:sldLayout xmlns:a="http://schemas.openxmlformats.org/drawingml/2006/main" xmlns:p="http://schemas.openxmlformats.org/presentationml/2006/main" xmlns:r="http://schemas.openxmlformats.org/officeDocument/2006/relationships" xmlns:p14="http://schemas.microsoft.com/office/powerpoint/2010/main" xmlns:p15="http://schemas.microsoft.com/office/powerpoint/2012/main" xmlns:mc="http://schemas.openxmlformats.org/markup-compatibility/2006" type="tx" preserve="1">
+<p:sldLayout xmlns:a="http://schemas.openxmlformats.org/drawingml/2006/main" xmlns:r="http://schemas.openxmlformats.org/officeDocument/2006/relationships" xmlns:p="http://schemas.openxmlformats.org/presentationml/2006/main" type="tx" preserve="1">
   <p:cSld name="Title Slide">
     <p:spTree>
       <p:nvGrpSpPr>
@@ -611,10 +1176,11 @@
           </a:prstGeom>
         </p:spPr>
         <p:txBody>
-          <a:bodyPr lIns="0" rIns="0" tIns="0" bIns="0" anchor="ctr"/>
+          <a:bodyPr lIns="0" tIns="0" rIns="0" bIns="0" anchor="ctr"/>
+          <a:lstStyle/>
           <a:p>
             <a:pPr algn="ctr"/>
-            <a:endParaRPr b="0" lang="pt-PT" sz="4400" spc="-1" strike="noStrike">
+            <a:endParaRPr lang="pt-PT" sz="4400" b="0" strike="noStrike" spc="-1">
               <a:latin typeface="Arial"/>
             </a:endParaRPr>
           </a:p>
@@ -640,10 +1206,11 @@
           </a:prstGeom>
         </p:spPr>
         <p:txBody>
-          <a:bodyPr lIns="0" rIns="0" tIns="0" bIns="0" anchor="ctr"/>
+          <a:bodyPr lIns="0" tIns="0" rIns="0" bIns="0" anchor="ctr"/>
+          <a:lstStyle/>
           <a:p>
             <a:pPr algn="ctr"/>
-            <a:endParaRPr b="0" lang="pt-PT" sz="3200" spc="-1" strike="noStrike">
+            <a:endParaRPr lang="pt-PT" sz="3200" b="0" strike="noStrike" spc="-1">
               <a:latin typeface="Arial"/>
             </a:endParaRPr>
           </a:p>
@@ -651,11 +1218,14 @@
       </p:sp>
     </p:spTree>
   </p:cSld>
+  <p:clrMapOvr>
+    <a:masterClrMapping/>
+  </p:clrMapOvr>
 </p:sldLayout>
 </file>
 
 <file path=ppt/slideLayouts/slideLayout15.xml><?xml version="1.0" encoding="utf-8"?>
-<p:sldLayout xmlns:a="http://schemas.openxmlformats.org/drawingml/2006/main" xmlns:p="http://schemas.openxmlformats.org/presentationml/2006/main" xmlns:r="http://schemas.openxmlformats.org/officeDocument/2006/relationships" xmlns:p14="http://schemas.microsoft.com/office/powerpoint/2010/main" xmlns:p15="http://schemas.microsoft.com/office/powerpoint/2012/main" xmlns:mc="http://schemas.openxmlformats.org/markup-compatibility/2006" type="obj" preserve="1">
+<p:sldLayout xmlns:a="http://schemas.openxmlformats.org/drawingml/2006/main" xmlns:r="http://schemas.openxmlformats.org/officeDocument/2006/relationships" xmlns:p="http://schemas.openxmlformats.org/presentationml/2006/main" type="obj" preserve="1">
   <p:cSld name="Title, Content">
     <p:spTree>
       <p:nvGrpSpPr>
@@ -691,10 +1261,11 @@
           </a:prstGeom>
         </p:spPr>
         <p:txBody>
-          <a:bodyPr lIns="0" rIns="0" tIns="0" bIns="0" anchor="ctr"/>
+          <a:bodyPr lIns="0" tIns="0" rIns="0" bIns="0" anchor="ctr"/>
+          <a:lstStyle/>
           <a:p>
             <a:pPr algn="ctr"/>
-            <a:endParaRPr b="0" lang="pt-PT" sz="4400" spc="-1" strike="noStrike">
+            <a:endParaRPr lang="pt-PT" sz="4400" b="0" strike="noStrike" spc="-1">
               <a:latin typeface="Arial"/>
             </a:endParaRPr>
           </a:p>
@@ -720,11 +1291,12 @@
           </a:prstGeom>
         </p:spPr>
         <p:txBody>
-          <a:bodyPr lIns="0" rIns="0" tIns="0" bIns="0">
+          <a:bodyPr lIns="0" tIns="0" rIns="0" bIns="0">
             <a:normAutofit/>
           </a:bodyPr>
-          <a:p>
-            <a:endParaRPr b="0" lang="pt-PT" sz="3200" spc="-1" strike="noStrike">
+          <a:lstStyle/>
+          <a:p>
+            <a:endParaRPr lang="pt-PT" sz="3200" b="0" strike="noStrike" spc="-1">
               <a:latin typeface="Arial"/>
             </a:endParaRPr>
           </a:p>
@@ -732,11 +1304,14 @@
       </p:sp>
     </p:spTree>
   </p:cSld>
+  <p:clrMapOvr>
+    <a:masterClrMapping/>
+  </p:clrMapOvr>
 </p:sldLayout>
 </file>
 
 <file path=ppt/slideLayouts/slideLayout16.xml><?xml version="1.0" encoding="utf-8"?>
-<p:sldLayout xmlns:a="http://schemas.openxmlformats.org/drawingml/2006/main" xmlns:p="http://schemas.openxmlformats.org/presentationml/2006/main" xmlns:r="http://schemas.openxmlformats.org/officeDocument/2006/relationships" xmlns:p14="http://schemas.microsoft.com/office/powerpoint/2010/main" xmlns:p15="http://schemas.microsoft.com/office/powerpoint/2012/main" xmlns:mc="http://schemas.openxmlformats.org/markup-compatibility/2006" type="twoObj" preserve="1">
+<p:sldLayout xmlns:a="http://schemas.openxmlformats.org/drawingml/2006/main" xmlns:r="http://schemas.openxmlformats.org/officeDocument/2006/relationships" xmlns:p="http://schemas.openxmlformats.org/presentationml/2006/main" type="twoObj" preserve="1">
   <p:cSld name="Title, 2 Content">
     <p:spTree>
       <p:nvGrpSpPr>
@@ -772,10 +1347,11 @@
           </a:prstGeom>
         </p:spPr>
         <p:txBody>
-          <a:bodyPr lIns="0" rIns="0" tIns="0" bIns="0" anchor="ctr"/>
+          <a:bodyPr lIns="0" tIns="0" rIns="0" bIns="0" anchor="ctr"/>
+          <a:lstStyle/>
           <a:p>
             <a:pPr algn="ctr"/>
-            <a:endParaRPr b="0" lang="pt-PT" sz="4400" spc="-1" strike="noStrike">
+            <a:endParaRPr lang="pt-PT" sz="4400" b="0" strike="noStrike" spc="-1">
               <a:latin typeface="Arial"/>
             </a:endParaRPr>
           </a:p>
@@ -801,11 +1377,12 @@
           </a:prstGeom>
         </p:spPr>
         <p:txBody>
-          <a:bodyPr lIns="0" rIns="0" tIns="0" bIns="0">
+          <a:bodyPr lIns="0" tIns="0" rIns="0" bIns="0">
             <a:normAutofit/>
           </a:bodyPr>
-          <a:p>
-            <a:endParaRPr b="0" lang="pt-PT" sz="3200" spc="-1" strike="noStrike">
+          <a:lstStyle/>
+          <a:p>
+            <a:endParaRPr lang="pt-PT" sz="3200" b="0" strike="noStrike" spc="-1">
               <a:latin typeface="Arial"/>
             </a:endParaRPr>
           </a:p>
@@ -831,11 +1408,12 @@
           </a:prstGeom>
         </p:spPr>
         <p:txBody>
-          <a:bodyPr lIns="0" rIns="0" tIns="0" bIns="0">
+          <a:bodyPr lIns="0" tIns="0" rIns="0" bIns="0">
             <a:normAutofit/>
           </a:bodyPr>
-          <a:p>
-            <a:endParaRPr b="0" lang="pt-PT" sz="3200" spc="-1" strike="noStrike">
+          <a:lstStyle/>
+          <a:p>
+            <a:endParaRPr lang="pt-PT" sz="3200" b="0" strike="noStrike" spc="-1">
               <a:latin typeface="Arial"/>
             </a:endParaRPr>
           </a:p>
@@ -843,11 +1421,14 @@
       </p:sp>
     </p:spTree>
   </p:cSld>
+  <p:clrMapOvr>
+    <a:masterClrMapping/>
+  </p:clrMapOvr>
 </p:sldLayout>
 </file>
 
 <file path=ppt/slideLayouts/slideLayout17.xml><?xml version="1.0" encoding="utf-8"?>
-<p:sldLayout xmlns:a="http://schemas.openxmlformats.org/drawingml/2006/main" xmlns:p="http://schemas.openxmlformats.org/presentationml/2006/main" xmlns:r="http://schemas.openxmlformats.org/officeDocument/2006/relationships" xmlns:p14="http://schemas.microsoft.com/office/powerpoint/2010/main" xmlns:p15="http://schemas.microsoft.com/office/powerpoint/2012/main" xmlns:mc="http://schemas.openxmlformats.org/markup-compatibility/2006" type="titleOnly" preserve="1">
+<p:sldLayout xmlns:a="http://schemas.openxmlformats.org/drawingml/2006/main" xmlns:r="http://schemas.openxmlformats.org/officeDocument/2006/relationships" xmlns:p="http://schemas.openxmlformats.org/presentationml/2006/main" type="titleOnly" preserve="1">
   <p:cSld name="Title Only">
     <p:spTree>
       <p:nvGrpSpPr>
@@ -883,10 +1464,11 @@
           </a:prstGeom>
         </p:spPr>
         <p:txBody>
-          <a:bodyPr lIns="0" rIns="0" tIns="0" bIns="0" anchor="ctr"/>
+          <a:bodyPr lIns="0" tIns="0" rIns="0" bIns="0" anchor="ctr"/>
+          <a:lstStyle/>
           <a:p>
             <a:pPr algn="ctr"/>
-            <a:endParaRPr b="0" lang="pt-PT" sz="4400" spc="-1" strike="noStrike">
+            <a:endParaRPr lang="pt-PT" sz="4400" b="0" strike="noStrike" spc="-1">
               <a:latin typeface="Arial"/>
             </a:endParaRPr>
           </a:p>
@@ -894,11 +1476,14 @@
       </p:sp>
     </p:spTree>
   </p:cSld>
+  <p:clrMapOvr>
+    <a:masterClrMapping/>
+  </p:clrMapOvr>
 </p:sldLayout>
 </file>
 
 <file path=ppt/slideLayouts/slideLayout18.xml><?xml version="1.0" encoding="utf-8"?>
-<p:sldLayout xmlns:a="http://schemas.openxmlformats.org/drawingml/2006/main" xmlns:p="http://schemas.openxmlformats.org/presentationml/2006/main" xmlns:r="http://schemas.openxmlformats.org/officeDocument/2006/relationships" xmlns:p14="http://schemas.microsoft.com/office/powerpoint/2010/main" xmlns:p15="http://schemas.microsoft.com/office/powerpoint/2012/main" xmlns:mc="http://schemas.openxmlformats.org/markup-compatibility/2006" type="objOnly" preserve="1">
+<p:sldLayout xmlns:a="http://schemas.openxmlformats.org/drawingml/2006/main" xmlns:r="http://schemas.openxmlformats.org/officeDocument/2006/relationships" xmlns:p="http://schemas.openxmlformats.org/presentationml/2006/main" type="objOnly" preserve="1">
   <p:cSld name="Centered Text">
     <p:spTree>
       <p:nvGrpSpPr>
@@ -934,10 +1519,11 @@
           </a:prstGeom>
         </p:spPr>
         <p:txBody>
-          <a:bodyPr lIns="0" rIns="0" tIns="0" bIns="0" anchor="ctr"/>
+          <a:bodyPr lIns="0" tIns="0" rIns="0" bIns="0" anchor="ctr"/>
+          <a:lstStyle/>
           <a:p>
             <a:pPr algn="ctr"/>
-            <a:endParaRPr b="0" lang="pt-PT" sz="3200" spc="-1" strike="noStrike">
+            <a:endParaRPr lang="pt-PT" sz="3200" b="0" strike="noStrike" spc="-1">
               <a:latin typeface="Arial"/>
             </a:endParaRPr>
           </a:p>
@@ -945,11 +1531,14 @@
       </p:sp>
     </p:spTree>
   </p:cSld>
+  <p:clrMapOvr>
+    <a:masterClrMapping/>
+  </p:clrMapOvr>
 </p:sldLayout>
 </file>
 
 <file path=ppt/slideLayouts/slideLayout19.xml><?xml version="1.0" encoding="utf-8"?>
-<p:sldLayout xmlns:a="http://schemas.openxmlformats.org/drawingml/2006/main" xmlns:p="http://schemas.openxmlformats.org/presentationml/2006/main" xmlns:r="http://schemas.openxmlformats.org/officeDocument/2006/relationships" xmlns:p14="http://schemas.microsoft.com/office/powerpoint/2010/main" xmlns:p15="http://schemas.microsoft.com/office/powerpoint/2012/main" xmlns:mc="http://schemas.openxmlformats.org/markup-compatibility/2006" type="twoObjAndObj" preserve="1">
+<p:sldLayout xmlns:a="http://schemas.openxmlformats.org/drawingml/2006/main" xmlns:r="http://schemas.openxmlformats.org/officeDocument/2006/relationships" xmlns:p="http://schemas.openxmlformats.org/presentationml/2006/main" type="twoObjAndObj" preserve="1">
   <p:cSld name="Title, 2 Content and Content">
     <p:spTree>
       <p:nvGrpSpPr>
@@ -985,10 +1574,11 @@
           </a:prstGeom>
         </p:spPr>
         <p:txBody>
-          <a:bodyPr lIns="0" rIns="0" tIns="0" bIns="0" anchor="ctr"/>
+          <a:bodyPr lIns="0" tIns="0" rIns="0" bIns="0" anchor="ctr"/>
+          <a:lstStyle/>
           <a:p>
             <a:pPr algn="ctr"/>
-            <a:endParaRPr b="0" lang="pt-PT" sz="4400" spc="-1" strike="noStrike">
+            <a:endParaRPr lang="pt-PT" sz="4400" b="0" strike="noStrike" spc="-1">
               <a:latin typeface="Arial"/>
             </a:endParaRPr>
           </a:p>
@@ -1014,11 +1604,12 @@
           </a:prstGeom>
         </p:spPr>
         <p:txBody>
-          <a:bodyPr lIns="0" rIns="0" tIns="0" bIns="0">
+          <a:bodyPr lIns="0" tIns="0" rIns="0" bIns="0">
             <a:normAutofit/>
           </a:bodyPr>
-          <a:p>
-            <a:endParaRPr b="0" lang="pt-PT" sz="3200" spc="-1" strike="noStrike">
+          <a:lstStyle/>
+          <a:p>
+            <a:endParaRPr lang="pt-PT" sz="3200" b="0" strike="noStrike" spc="-1">
               <a:latin typeface="Arial"/>
             </a:endParaRPr>
           </a:p>
@@ -1044,11 +1635,12 @@
           </a:prstGeom>
         </p:spPr>
         <p:txBody>
-          <a:bodyPr lIns="0" rIns="0" tIns="0" bIns="0">
+          <a:bodyPr lIns="0" tIns="0" rIns="0" bIns="0">
             <a:normAutofit/>
           </a:bodyPr>
-          <a:p>
-            <a:endParaRPr b="0" lang="pt-PT" sz="3200" spc="-1" strike="noStrike">
+          <a:lstStyle/>
+          <a:p>
+            <a:endParaRPr lang="pt-PT" sz="3200" b="0" strike="noStrike" spc="-1">
               <a:latin typeface="Arial"/>
             </a:endParaRPr>
           </a:p>
@@ -1074,11 +1666,12 @@
           </a:prstGeom>
         </p:spPr>
         <p:txBody>
-          <a:bodyPr lIns="0" rIns="0" tIns="0" bIns="0">
+          <a:bodyPr lIns="0" tIns="0" rIns="0" bIns="0">
             <a:normAutofit/>
           </a:bodyPr>
-          <a:p>
-            <a:endParaRPr b="0" lang="pt-PT" sz="3200" spc="-1" strike="noStrike">
+          <a:lstStyle/>
+          <a:p>
+            <a:endParaRPr lang="pt-PT" sz="3200" b="0" strike="noStrike" spc="-1">
               <a:latin typeface="Arial"/>
             </a:endParaRPr>
           </a:p>
@@ -1086,11 +1679,14 @@
       </p:sp>
     </p:spTree>
   </p:cSld>
+  <p:clrMapOvr>
+    <a:masterClrMapping/>
+  </p:clrMapOvr>
 </p:sldLayout>
 </file>
 
 <file path=ppt/slideLayouts/slideLayout2.xml><?xml version="1.0" encoding="utf-8"?>
-<p:sldLayout xmlns:a="http://schemas.openxmlformats.org/drawingml/2006/main" xmlns:p="http://schemas.openxmlformats.org/presentationml/2006/main" xmlns:r="http://schemas.openxmlformats.org/officeDocument/2006/relationships" xmlns:p14="http://schemas.microsoft.com/office/powerpoint/2010/main" xmlns:p15="http://schemas.microsoft.com/office/powerpoint/2012/main" xmlns:mc="http://schemas.openxmlformats.org/markup-compatibility/2006" type="tx" preserve="1">
+<p:sldLayout xmlns:a="http://schemas.openxmlformats.org/drawingml/2006/main" xmlns:r="http://schemas.openxmlformats.org/officeDocument/2006/relationships" xmlns:p="http://schemas.openxmlformats.org/presentationml/2006/main" type="tx" preserve="1">
   <p:cSld name="Title Slide">
     <p:spTree>
       <p:nvGrpSpPr>
@@ -1126,10 +1722,11 @@
           </a:prstGeom>
         </p:spPr>
         <p:txBody>
-          <a:bodyPr lIns="0" rIns="0" tIns="0" bIns="0" anchor="ctr"/>
+          <a:bodyPr lIns="0" tIns="0" rIns="0" bIns="0" anchor="ctr"/>
+          <a:lstStyle/>
           <a:p>
             <a:pPr algn="ctr"/>
-            <a:endParaRPr b="0" lang="pt-PT" sz="4400" spc="-1" strike="noStrike">
+            <a:endParaRPr lang="pt-PT" sz="4400" b="0" strike="noStrike" spc="-1">
               <a:latin typeface="Arial"/>
             </a:endParaRPr>
           </a:p>
@@ -1155,10 +1752,11 @@
           </a:prstGeom>
         </p:spPr>
         <p:txBody>
-          <a:bodyPr lIns="0" rIns="0" tIns="0" bIns="0" anchor="ctr"/>
+          <a:bodyPr lIns="0" tIns="0" rIns="0" bIns="0" anchor="ctr"/>
+          <a:lstStyle/>
           <a:p>
             <a:pPr algn="ctr"/>
-            <a:endParaRPr b="0" lang="pt-PT" sz="3200" spc="-1" strike="noStrike">
+            <a:endParaRPr lang="pt-PT" sz="3200" b="0" strike="noStrike" spc="-1">
               <a:latin typeface="Arial"/>
             </a:endParaRPr>
           </a:p>
@@ -1166,11 +1764,14 @@
       </p:sp>
     </p:spTree>
   </p:cSld>
+  <p:clrMapOvr>
+    <a:masterClrMapping/>
+  </p:clrMapOvr>
 </p:sldLayout>
 </file>
 
 <file path=ppt/slideLayouts/slideLayout20.xml><?xml version="1.0" encoding="utf-8"?>
-<p:sldLayout xmlns:a="http://schemas.openxmlformats.org/drawingml/2006/main" xmlns:p="http://schemas.openxmlformats.org/presentationml/2006/main" xmlns:r="http://schemas.openxmlformats.org/officeDocument/2006/relationships" xmlns:p14="http://schemas.microsoft.com/office/powerpoint/2010/main" xmlns:p15="http://schemas.microsoft.com/office/powerpoint/2012/main" xmlns:mc="http://schemas.openxmlformats.org/markup-compatibility/2006" type="objAndTwoObj" preserve="1">
+<p:sldLayout xmlns:a="http://schemas.openxmlformats.org/drawingml/2006/main" xmlns:r="http://schemas.openxmlformats.org/officeDocument/2006/relationships" xmlns:p="http://schemas.openxmlformats.org/presentationml/2006/main" type="objAndTwoObj" preserve="1">
   <p:cSld name="Title Content and 2 Content">
     <p:spTree>
       <p:nvGrpSpPr>
@@ -1206,10 +1807,11 @@
           </a:prstGeom>
         </p:spPr>
         <p:txBody>
-          <a:bodyPr lIns="0" rIns="0" tIns="0" bIns="0" anchor="ctr"/>
+          <a:bodyPr lIns="0" tIns="0" rIns="0" bIns="0" anchor="ctr"/>
+          <a:lstStyle/>
           <a:p>
             <a:pPr algn="ctr"/>
-            <a:endParaRPr b="0" lang="pt-PT" sz="4400" spc="-1" strike="noStrike">
+            <a:endParaRPr lang="pt-PT" sz="4400" b="0" strike="noStrike" spc="-1">
               <a:latin typeface="Arial"/>
             </a:endParaRPr>
           </a:p>
@@ -1235,11 +1837,12 @@
           </a:prstGeom>
         </p:spPr>
         <p:txBody>
-          <a:bodyPr lIns="0" rIns="0" tIns="0" bIns="0">
+          <a:bodyPr lIns="0" tIns="0" rIns="0" bIns="0">
             <a:normAutofit/>
           </a:bodyPr>
-          <a:p>
-            <a:endParaRPr b="0" lang="pt-PT" sz="3200" spc="-1" strike="noStrike">
+          <a:lstStyle/>
+          <a:p>
+            <a:endParaRPr lang="pt-PT" sz="3200" b="0" strike="noStrike" spc="-1">
               <a:latin typeface="Arial"/>
             </a:endParaRPr>
           </a:p>
@@ -1265,11 +1868,12 @@
           </a:prstGeom>
         </p:spPr>
         <p:txBody>
-          <a:bodyPr lIns="0" rIns="0" tIns="0" bIns="0">
+          <a:bodyPr lIns="0" tIns="0" rIns="0" bIns="0">
             <a:normAutofit/>
           </a:bodyPr>
-          <a:p>
-            <a:endParaRPr b="0" lang="pt-PT" sz="3200" spc="-1" strike="noStrike">
+          <a:lstStyle/>
+          <a:p>
+            <a:endParaRPr lang="pt-PT" sz="3200" b="0" strike="noStrike" spc="-1">
               <a:latin typeface="Arial"/>
             </a:endParaRPr>
           </a:p>
@@ -1295,11 +1899,12 @@
           </a:prstGeom>
         </p:spPr>
         <p:txBody>
-          <a:bodyPr lIns="0" rIns="0" tIns="0" bIns="0">
+          <a:bodyPr lIns="0" tIns="0" rIns="0" bIns="0">
             <a:normAutofit/>
           </a:bodyPr>
-          <a:p>
-            <a:endParaRPr b="0" lang="pt-PT" sz="3200" spc="-1" strike="noStrike">
+          <a:lstStyle/>
+          <a:p>
+            <a:endParaRPr lang="pt-PT" sz="3200" b="0" strike="noStrike" spc="-1">
               <a:latin typeface="Arial"/>
             </a:endParaRPr>
           </a:p>
@@ -1307,11 +1912,14 @@
       </p:sp>
     </p:spTree>
   </p:cSld>
+  <p:clrMapOvr>
+    <a:masterClrMapping/>
+  </p:clrMapOvr>
 </p:sldLayout>
 </file>
 
 <file path=ppt/slideLayouts/slideLayout21.xml><?xml version="1.0" encoding="utf-8"?>
-<p:sldLayout xmlns:a="http://schemas.openxmlformats.org/drawingml/2006/main" xmlns:p="http://schemas.openxmlformats.org/presentationml/2006/main" xmlns:r="http://schemas.openxmlformats.org/officeDocument/2006/relationships" xmlns:p14="http://schemas.microsoft.com/office/powerpoint/2010/main" xmlns:p15="http://schemas.microsoft.com/office/powerpoint/2012/main" xmlns:mc="http://schemas.openxmlformats.org/markup-compatibility/2006" type="twoObjOverTx" preserve="1">
+<p:sldLayout xmlns:a="http://schemas.openxmlformats.org/drawingml/2006/main" xmlns:r="http://schemas.openxmlformats.org/officeDocument/2006/relationships" xmlns:p="http://schemas.openxmlformats.org/presentationml/2006/main" type="twoObjOverTx" preserve="1">
   <p:cSld name="Title, 2 Content over Content">
     <p:spTree>
       <p:nvGrpSpPr>
@@ -1347,10 +1955,11 @@
           </a:prstGeom>
         </p:spPr>
         <p:txBody>
-          <a:bodyPr lIns="0" rIns="0" tIns="0" bIns="0" anchor="ctr"/>
+          <a:bodyPr lIns="0" tIns="0" rIns="0" bIns="0" anchor="ctr"/>
+          <a:lstStyle/>
           <a:p>
             <a:pPr algn="ctr"/>
-            <a:endParaRPr b="0" lang="pt-PT" sz="4400" spc="-1" strike="noStrike">
+            <a:endParaRPr lang="pt-PT" sz="4400" b="0" strike="noStrike" spc="-1">
               <a:latin typeface="Arial"/>
             </a:endParaRPr>
           </a:p>
@@ -1376,11 +1985,12 @@
           </a:prstGeom>
         </p:spPr>
         <p:txBody>
-          <a:bodyPr lIns="0" rIns="0" tIns="0" bIns="0">
+          <a:bodyPr lIns="0" tIns="0" rIns="0" bIns="0">
             <a:normAutofit/>
           </a:bodyPr>
-          <a:p>
-            <a:endParaRPr b="0" lang="pt-PT" sz="3200" spc="-1" strike="noStrike">
+          <a:lstStyle/>
+          <a:p>
+            <a:endParaRPr lang="pt-PT" sz="3200" b="0" strike="noStrike" spc="-1">
               <a:latin typeface="Arial"/>
             </a:endParaRPr>
           </a:p>
@@ -1406,11 +2016,12 @@
           </a:prstGeom>
         </p:spPr>
         <p:txBody>
-          <a:bodyPr lIns="0" rIns="0" tIns="0" bIns="0">
+          <a:bodyPr lIns="0" tIns="0" rIns="0" bIns="0">
             <a:normAutofit/>
           </a:bodyPr>
-          <a:p>
-            <a:endParaRPr b="0" lang="pt-PT" sz="3200" spc="-1" strike="noStrike">
+          <a:lstStyle/>
+          <a:p>
+            <a:endParaRPr lang="pt-PT" sz="3200" b="0" strike="noStrike" spc="-1">
               <a:latin typeface="Arial"/>
             </a:endParaRPr>
           </a:p>
@@ -1436,11 +2047,12 @@
           </a:prstGeom>
         </p:spPr>
         <p:txBody>
-          <a:bodyPr lIns="0" rIns="0" tIns="0" bIns="0">
+          <a:bodyPr lIns="0" tIns="0" rIns="0" bIns="0">
             <a:normAutofit/>
           </a:bodyPr>
-          <a:p>
-            <a:endParaRPr b="0" lang="pt-PT" sz="3200" spc="-1" strike="noStrike">
+          <a:lstStyle/>
+          <a:p>
+            <a:endParaRPr lang="pt-PT" sz="3200" b="0" strike="noStrike" spc="-1">
               <a:latin typeface="Arial"/>
             </a:endParaRPr>
           </a:p>
@@ -1448,11 +2060,14 @@
       </p:sp>
     </p:spTree>
   </p:cSld>
+  <p:clrMapOvr>
+    <a:masterClrMapping/>
+  </p:clrMapOvr>
 </p:sldLayout>
 </file>
 
 <file path=ppt/slideLayouts/slideLayout22.xml><?xml version="1.0" encoding="utf-8"?>
-<p:sldLayout xmlns:a="http://schemas.openxmlformats.org/drawingml/2006/main" xmlns:p="http://schemas.openxmlformats.org/presentationml/2006/main" xmlns:r="http://schemas.openxmlformats.org/officeDocument/2006/relationships" xmlns:p14="http://schemas.microsoft.com/office/powerpoint/2010/main" xmlns:p15="http://schemas.microsoft.com/office/powerpoint/2012/main" xmlns:mc="http://schemas.openxmlformats.org/markup-compatibility/2006" type="objOverTx" preserve="1">
+<p:sldLayout xmlns:a="http://schemas.openxmlformats.org/drawingml/2006/main" xmlns:r="http://schemas.openxmlformats.org/officeDocument/2006/relationships" xmlns:p="http://schemas.openxmlformats.org/presentationml/2006/main" type="objOverTx" preserve="1">
   <p:cSld name="Title, Content over Content">
     <p:spTree>
       <p:nvGrpSpPr>
@@ -1488,10 +2103,11 @@
           </a:prstGeom>
         </p:spPr>
         <p:txBody>
-          <a:bodyPr lIns="0" rIns="0" tIns="0" bIns="0" anchor="ctr"/>
+          <a:bodyPr lIns="0" tIns="0" rIns="0" bIns="0" anchor="ctr"/>
+          <a:lstStyle/>
           <a:p>
             <a:pPr algn="ctr"/>
-            <a:endParaRPr b="0" lang="pt-PT" sz="4400" spc="-1" strike="noStrike">
+            <a:endParaRPr lang="pt-PT" sz="4400" b="0" strike="noStrike" spc="-1">
               <a:latin typeface="Arial"/>
             </a:endParaRPr>
           </a:p>
@@ -1517,11 +2133,12 @@
           </a:prstGeom>
         </p:spPr>
         <p:txBody>
-          <a:bodyPr lIns="0" rIns="0" tIns="0" bIns="0">
+          <a:bodyPr lIns="0" tIns="0" rIns="0" bIns="0">
             <a:normAutofit/>
           </a:bodyPr>
-          <a:p>
-            <a:endParaRPr b="0" lang="pt-PT" sz="3200" spc="-1" strike="noStrike">
+          <a:lstStyle/>
+          <a:p>
+            <a:endParaRPr lang="pt-PT" sz="3200" b="0" strike="noStrike" spc="-1">
               <a:latin typeface="Arial"/>
             </a:endParaRPr>
           </a:p>
@@ -1547,11 +2164,12 @@
           </a:prstGeom>
         </p:spPr>
         <p:txBody>
-          <a:bodyPr lIns="0" rIns="0" tIns="0" bIns="0">
+          <a:bodyPr lIns="0" tIns="0" rIns="0" bIns="0">
             <a:normAutofit/>
           </a:bodyPr>
-          <a:p>
-            <a:endParaRPr b="0" lang="pt-PT" sz="3200" spc="-1" strike="noStrike">
+          <a:lstStyle/>
+          <a:p>
+            <a:endParaRPr lang="pt-PT" sz="3200" b="0" strike="noStrike" spc="-1">
               <a:latin typeface="Arial"/>
             </a:endParaRPr>
           </a:p>
@@ -1559,11 +2177,14 @@
       </p:sp>
     </p:spTree>
   </p:cSld>
+  <p:clrMapOvr>
+    <a:masterClrMapping/>
+  </p:clrMapOvr>
 </p:sldLayout>
 </file>
 
 <file path=ppt/slideLayouts/slideLayout23.xml><?xml version="1.0" encoding="utf-8"?>
-<p:sldLayout xmlns:a="http://schemas.openxmlformats.org/drawingml/2006/main" xmlns:p="http://schemas.openxmlformats.org/presentationml/2006/main" xmlns:r="http://schemas.openxmlformats.org/officeDocument/2006/relationships" xmlns:p14="http://schemas.microsoft.com/office/powerpoint/2010/main" xmlns:p15="http://schemas.microsoft.com/office/powerpoint/2012/main" xmlns:mc="http://schemas.openxmlformats.org/markup-compatibility/2006" type="fourObj" preserve="1">
+<p:sldLayout xmlns:a="http://schemas.openxmlformats.org/drawingml/2006/main" xmlns:r="http://schemas.openxmlformats.org/officeDocument/2006/relationships" xmlns:p="http://schemas.openxmlformats.org/presentationml/2006/main" type="fourObj" preserve="1">
   <p:cSld name="Title, 4 Content">
     <p:spTree>
       <p:nvGrpSpPr>
@@ -1599,10 +2220,11 @@
           </a:prstGeom>
         </p:spPr>
         <p:txBody>
-          <a:bodyPr lIns="0" rIns="0" tIns="0" bIns="0" anchor="ctr"/>
+          <a:bodyPr lIns="0" tIns="0" rIns="0" bIns="0" anchor="ctr"/>
+          <a:lstStyle/>
           <a:p>
             <a:pPr algn="ctr"/>
-            <a:endParaRPr b="0" lang="pt-PT" sz="4400" spc="-1" strike="noStrike">
+            <a:endParaRPr lang="pt-PT" sz="4400" b="0" strike="noStrike" spc="-1">
               <a:latin typeface="Arial"/>
             </a:endParaRPr>
           </a:p>
@@ -1628,11 +2250,12 @@
           </a:prstGeom>
         </p:spPr>
         <p:txBody>
-          <a:bodyPr lIns="0" rIns="0" tIns="0" bIns="0">
+          <a:bodyPr lIns="0" tIns="0" rIns="0" bIns="0">
             <a:normAutofit/>
           </a:bodyPr>
-          <a:p>
-            <a:endParaRPr b="0" lang="pt-PT" sz="3200" spc="-1" strike="noStrike">
+          <a:lstStyle/>
+          <a:p>
+            <a:endParaRPr lang="pt-PT" sz="3200" b="0" strike="noStrike" spc="-1">
               <a:latin typeface="Arial"/>
             </a:endParaRPr>
           </a:p>
@@ -1658,11 +2281,12 @@
           </a:prstGeom>
         </p:spPr>
         <p:txBody>
-          <a:bodyPr lIns="0" rIns="0" tIns="0" bIns="0">
+          <a:bodyPr lIns="0" tIns="0" rIns="0" bIns="0">
             <a:normAutofit/>
           </a:bodyPr>
-          <a:p>
-            <a:endParaRPr b="0" lang="pt-PT" sz="3200" spc="-1" strike="noStrike">
+          <a:lstStyle/>
+          <a:p>
+            <a:endParaRPr lang="pt-PT" sz="3200" b="0" strike="noStrike" spc="-1">
               <a:latin typeface="Arial"/>
             </a:endParaRPr>
           </a:p>
@@ -1688,11 +2312,12 @@
           </a:prstGeom>
         </p:spPr>
         <p:txBody>
-          <a:bodyPr lIns="0" rIns="0" tIns="0" bIns="0">
+          <a:bodyPr lIns="0" tIns="0" rIns="0" bIns="0">
             <a:normAutofit/>
           </a:bodyPr>
-          <a:p>
-            <a:endParaRPr b="0" lang="pt-PT" sz="3200" spc="-1" strike="noStrike">
+          <a:lstStyle/>
+          <a:p>
+            <a:endParaRPr lang="pt-PT" sz="3200" b="0" strike="noStrike" spc="-1">
               <a:latin typeface="Arial"/>
             </a:endParaRPr>
           </a:p>
@@ -1718,11 +2343,12 @@
           </a:prstGeom>
         </p:spPr>
         <p:txBody>
-          <a:bodyPr lIns="0" rIns="0" tIns="0" bIns="0">
+          <a:bodyPr lIns="0" tIns="0" rIns="0" bIns="0">
             <a:normAutofit/>
           </a:bodyPr>
-          <a:p>
-            <a:endParaRPr b="0" lang="pt-PT" sz="3200" spc="-1" strike="noStrike">
+          <a:lstStyle/>
+          <a:p>
+            <a:endParaRPr lang="pt-PT" sz="3200" b="0" strike="noStrike" spc="-1">
               <a:latin typeface="Arial"/>
             </a:endParaRPr>
           </a:p>
@@ -1730,11 +2356,14 @@
       </p:sp>
     </p:spTree>
   </p:cSld>
+  <p:clrMapOvr>
+    <a:masterClrMapping/>
+  </p:clrMapOvr>
 </p:sldLayout>
 </file>
 
 <file path=ppt/slideLayouts/slideLayout24.xml><?xml version="1.0" encoding="utf-8"?>
-<p:sldLayout xmlns:a="http://schemas.openxmlformats.org/drawingml/2006/main" xmlns:p="http://schemas.openxmlformats.org/presentationml/2006/main" xmlns:r="http://schemas.openxmlformats.org/officeDocument/2006/relationships" xmlns:p14="http://schemas.microsoft.com/office/powerpoint/2010/main" xmlns:p15="http://schemas.microsoft.com/office/powerpoint/2012/main" xmlns:mc="http://schemas.openxmlformats.org/markup-compatibility/2006" type="blank" preserve="1">
+<p:sldLayout xmlns:a="http://schemas.openxmlformats.org/drawingml/2006/main" xmlns:r="http://schemas.openxmlformats.org/officeDocument/2006/relationships" xmlns:p="http://schemas.openxmlformats.org/presentationml/2006/main" type="blank" preserve="1">
   <p:cSld name="Title, 6 Content">
     <p:spTree>
       <p:nvGrpSpPr>
@@ -1770,10 +2399,11 @@
           </a:prstGeom>
         </p:spPr>
         <p:txBody>
-          <a:bodyPr lIns="0" rIns="0" tIns="0" bIns="0" anchor="ctr"/>
+          <a:bodyPr lIns="0" tIns="0" rIns="0" bIns="0" anchor="ctr"/>
+          <a:lstStyle/>
           <a:p>
             <a:pPr algn="ctr"/>
-            <a:endParaRPr b="0" lang="pt-PT" sz="4400" spc="-1" strike="noStrike">
+            <a:endParaRPr lang="pt-PT" sz="4400" b="0" strike="noStrike" spc="-1">
               <a:latin typeface="Arial"/>
             </a:endParaRPr>
           </a:p>
@@ -1799,11 +2429,12 @@
           </a:prstGeom>
         </p:spPr>
         <p:txBody>
-          <a:bodyPr lIns="0" rIns="0" tIns="0" bIns="0">
+          <a:bodyPr lIns="0" tIns="0" rIns="0" bIns="0">
             <a:normAutofit/>
           </a:bodyPr>
-          <a:p>
-            <a:endParaRPr b="0" lang="pt-PT" sz="3200" spc="-1" strike="noStrike">
+          <a:lstStyle/>
+          <a:p>
+            <a:endParaRPr lang="pt-PT" sz="3200" b="0" strike="noStrike" spc="-1">
               <a:latin typeface="Arial"/>
             </a:endParaRPr>
           </a:p>
@@ -1829,11 +2460,12 @@
           </a:prstGeom>
         </p:spPr>
         <p:txBody>
-          <a:bodyPr lIns="0" rIns="0" tIns="0" bIns="0">
+          <a:bodyPr lIns="0" tIns="0" rIns="0" bIns="0">
             <a:normAutofit/>
           </a:bodyPr>
-          <a:p>
-            <a:endParaRPr b="0" lang="pt-PT" sz="3200" spc="-1" strike="noStrike">
+          <a:lstStyle/>
+          <a:p>
+            <a:endParaRPr lang="pt-PT" sz="3200" b="0" strike="noStrike" spc="-1">
               <a:latin typeface="Arial"/>
             </a:endParaRPr>
           </a:p>
@@ -1859,11 +2491,12 @@
           </a:prstGeom>
         </p:spPr>
         <p:txBody>
-          <a:bodyPr lIns="0" rIns="0" tIns="0" bIns="0">
+          <a:bodyPr lIns="0" tIns="0" rIns="0" bIns="0">
             <a:normAutofit/>
           </a:bodyPr>
-          <a:p>
-            <a:endParaRPr b="0" lang="pt-PT" sz="3200" spc="-1" strike="noStrike">
+          <a:lstStyle/>
+          <a:p>
+            <a:endParaRPr lang="pt-PT" sz="3200" b="0" strike="noStrike" spc="-1">
               <a:latin typeface="Arial"/>
             </a:endParaRPr>
           </a:p>
@@ -1889,11 +2522,12 @@
           </a:prstGeom>
         </p:spPr>
         <p:txBody>
-          <a:bodyPr lIns="0" rIns="0" tIns="0" bIns="0">
+          <a:bodyPr lIns="0" tIns="0" rIns="0" bIns="0">
             <a:normAutofit/>
           </a:bodyPr>
-          <a:p>
-            <a:endParaRPr b="0" lang="pt-PT" sz="3200" spc="-1" strike="noStrike">
+          <a:lstStyle/>
+          <a:p>
+            <a:endParaRPr lang="pt-PT" sz="3200" b="0" strike="noStrike" spc="-1">
               <a:latin typeface="Arial"/>
             </a:endParaRPr>
           </a:p>
@@ -1919,11 +2553,12 @@
           </a:prstGeom>
         </p:spPr>
         <p:txBody>
-          <a:bodyPr lIns="0" rIns="0" tIns="0" bIns="0">
+          <a:bodyPr lIns="0" tIns="0" rIns="0" bIns="0">
             <a:normAutofit/>
           </a:bodyPr>
-          <a:p>
-            <a:endParaRPr b="0" lang="pt-PT" sz="3200" spc="-1" strike="noStrike">
+          <a:lstStyle/>
+          <a:p>
+            <a:endParaRPr lang="pt-PT" sz="3200" b="0" strike="noStrike" spc="-1">
               <a:latin typeface="Arial"/>
             </a:endParaRPr>
           </a:p>
@@ -1949,11 +2584,12 @@
           </a:prstGeom>
         </p:spPr>
         <p:txBody>
-          <a:bodyPr lIns="0" rIns="0" tIns="0" bIns="0">
+          <a:bodyPr lIns="0" tIns="0" rIns="0" bIns="0">
             <a:normAutofit/>
           </a:bodyPr>
-          <a:p>
-            <a:endParaRPr b="0" lang="pt-PT" sz="3200" spc="-1" strike="noStrike">
+          <a:lstStyle/>
+          <a:p>
+            <a:endParaRPr lang="pt-PT" sz="3200" b="0" strike="noStrike" spc="-1">
               <a:latin typeface="Arial"/>
             </a:endParaRPr>
           </a:p>
@@ -1961,11 +2597,14 @@
       </p:sp>
     </p:spTree>
   </p:cSld>
+  <p:clrMapOvr>
+    <a:masterClrMapping/>
+  </p:clrMapOvr>
 </p:sldLayout>
 </file>
 
 <file path=ppt/slideLayouts/slideLayout3.xml><?xml version="1.0" encoding="utf-8"?>
-<p:sldLayout xmlns:a="http://schemas.openxmlformats.org/drawingml/2006/main" xmlns:p="http://schemas.openxmlformats.org/presentationml/2006/main" xmlns:r="http://schemas.openxmlformats.org/officeDocument/2006/relationships" xmlns:p14="http://schemas.microsoft.com/office/powerpoint/2010/main" xmlns:p15="http://schemas.microsoft.com/office/powerpoint/2012/main" xmlns:mc="http://schemas.openxmlformats.org/markup-compatibility/2006" type="obj" preserve="1">
+<p:sldLayout xmlns:a="http://schemas.openxmlformats.org/drawingml/2006/main" xmlns:r="http://schemas.openxmlformats.org/officeDocument/2006/relationships" xmlns:p="http://schemas.openxmlformats.org/presentationml/2006/main" type="obj" preserve="1">
   <p:cSld name="Title, Content">
     <p:spTree>
       <p:nvGrpSpPr>
@@ -2001,10 +2640,11 @@
           </a:prstGeom>
         </p:spPr>
         <p:txBody>
-          <a:bodyPr lIns="0" rIns="0" tIns="0" bIns="0" anchor="ctr"/>
+          <a:bodyPr lIns="0" tIns="0" rIns="0" bIns="0" anchor="ctr"/>
+          <a:lstStyle/>
           <a:p>
             <a:pPr algn="ctr"/>
-            <a:endParaRPr b="0" lang="pt-PT" sz="4400" spc="-1" strike="noStrike">
+            <a:endParaRPr lang="pt-PT" sz="4400" b="0" strike="noStrike" spc="-1">
               <a:latin typeface="Arial"/>
             </a:endParaRPr>
           </a:p>
@@ -2030,11 +2670,12 @@
           </a:prstGeom>
         </p:spPr>
         <p:txBody>
-          <a:bodyPr lIns="0" rIns="0" tIns="0" bIns="0">
+          <a:bodyPr lIns="0" tIns="0" rIns="0" bIns="0">
             <a:normAutofit/>
           </a:bodyPr>
-          <a:p>
-            <a:endParaRPr b="0" lang="pt-PT" sz="3200" spc="-1" strike="noStrike">
+          <a:lstStyle/>
+          <a:p>
+            <a:endParaRPr lang="pt-PT" sz="3200" b="0" strike="noStrike" spc="-1">
               <a:latin typeface="Arial"/>
             </a:endParaRPr>
           </a:p>
@@ -2042,11 +2683,14 @@
       </p:sp>
     </p:spTree>
   </p:cSld>
+  <p:clrMapOvr>
+    <a:masterClrMapping/>
+  </p:clrMapOvr>
 </p:sldLayout>
 </file>
 
 <file path=ppt/slideLayouts/slideLayout4.xml><?xml version="1.0" encoding="utf-8"?>
-<p:sldLayout xmlns:a="http://schemas.openxmlformats.org/drawingml/2006/main" xmlns:p="http://schemas.openxmlformats.org/presentationml/2006/main" xmlns:r="http://schemas.openxmlformats.org/officeDocument/2006/relationships" xmlns:p14="http://schemas.microsoft.com/office/powerpoint/2010/main" xmlns:p15="http://schemas.microsoft.com/office/powerpoint/2012/main" xmlns:mc="http://schemas.openxmlformats.org/markup-compatibility/2006" type="twoObj" preserve="1">
+<p:sldLayout xmlns:a="http://schemas.openxmlformats.org/drawingml/2006/main" xmlns:r="http://schemas.openxmlformats.org/officeDocument/2006/relationships" xmlns:p="http://schemas.openxmlformats.org/presentationml/2006/main" type="twoObj" preserve="1">
   <p:cSld name="Title, 2 Content">
     <p:spTree>
       <p:nvGrpSpPr>
@@ -2082,10 +2726,11 @@
           </a:prstGeom>
         </p:spPr>
         <p:txBody>
-          <a:bodyPr lIns="0" rIns="0" tIns="0" bIns="0" anchor="ctr"/>
+          <a:bodyPr lIns="0" tIns="0" rIns="0" bIns="0" anchor="ctr"/>
+          <a:lstStyle/>
           <a:p>
             <a:pPr algn="ctr"/>
-            <a:endParaRPr b="0" lang="pt-PT" sz="4400" spc="-1" strike="noStrike">
+            <a:endParaRPr lang="pt-PT" sz="4400" b="0" strike="noStrike" spc="-1">
               <a:latin typeface="Arial"/>
             </a:endParaRPr>
           </a:p>
@@ -2111,11 +2756,12 @@
           </a:prstGeom>
         </p:spPr>
         <p:txBody>
-          <a:bodyPr lIns="0" rIns="0" tIns="0" bIns="0">
+          <a:bodyPr lIns="0" tIns="0" rIns="0" bIns="0">
             <a:normAutofit/>
           </a:bodyPr>
-          <a:p>
-            <a:endParaRPr b="0" lang="pt-PT" sz="3200" spc="-1" strike="noStrike">
+          <a:lstStyle/>
+          <a:p>
+            <a:endParaRPr lang="pt-PT" sz="3200" b="0" strike="noStrike" spc="-1">
               <a:latin typeface="Arial"/>
             </a:endParaRPr>
           </a:p>
@@ -2141,11 +2787,12 @@
           </a:prstGeom>
         </p:spPr>
         <p:txBody>
-          <a:bodyPr lIns="0" rIns="0" tIns="0" bIns="0">
+          <a:bodyPr lIns="0" tIns="0" rIns="0" bIns="0">
             <a:normAutofit/>
           </a:bodyPr>
-          <a:p>
-            <a:endParaRPr b="0" lang="pt-PT" sz="3200" spc="-1" strike="noStrike">
+          <a:lstStyle/>
+          <a:p>
+            <a:endParaRPr lang="pt-PT" sz="3200" b="0" strike="noStrike" spc="-1">
               <a:latin typeface="Arial"/>
             </a:endParaRPr>
           </a:p>
@@ -2153,11 +2800,14 @@
       </p:sp>
     </p:spTree>
   </p:cSld>
+  <p:clrMapOvr>
+    <a:masterClrMapping/>
+  </p:clrMapOvr>
 </p:sldLayout>
 </file>
 
 <file path=ppt/slideLayouts/slideLayout5.xml><?xml version="1.0" encoding="utf-8"?>
-<p:sldLayout xmlns:a="http://schemas.openxmlformats.org/drawingml/2006/main" xmlns:p="http://schemas.openxmlformats.org/presentationml/2006/main" xmlns:r="http://schemas.openxmlformats.org/officeDocument/2006/relationships" xmlns:p14="http://schemas.microsoft.com/office/powerpoint/2010/main" xmlns:p15="http://schemas.microsoft.com/office/powerpoint/2012/main" xmlns:mc="http://schemas.openxmlformats.org/markup-compatibility/2006" type="titleOnly" preserve="1">
+<p:sldLayout xmlns:a="http://schemas.openxmlformats.org/drawingml/2006/main" xmlns:r="http://schemas.openxmlformats.org/officeDocument/2006/relationships" xmlns:p="http://schemas.openxmlformats.org/presentationml/2006/main" type="titleOnly" preserve="1">
   <p:cSld name="Title Only">
     <p:spTree>
       <p:nvGrpSpPr>
@@ -2193,10 +2843,11 @@
           </a:prstGeom>
         </p:spPr>
         <p:txBody>
-          <a:bodyPr lIns="0" rIns="0" tIns="0" bIns="0" anchor="ctr"/>
+          <a:bodyPr lIns="0" tIns="0" rIns="0" bIns="0" anchor="ctr"/>
+          <a:lstStyle/>
           <a:p>
             <a:pPr algn="ctr"/>
-            <a:endParaRPr b="0" lang="pt-PT" sz="4400" spc="-1" strike="noStrike">
+            <a:endParaRPr lang="pt-PT" sz="4400" b="0" strike="noStrike" spc="-1">
               <a:latin typeface="Arial"/>
             </a:endParaRPr>
           </a:p>
@@ -2204,11 +2855,14 @@
       </p:sp>
     </p:spTree>
   </p:cSld>
+  <p:clrMapOvr>
+    <a:masterClrMapping/>
+  </p:clrMapOvr>
 </p:sldLayout>
 </file>
 
 <file path=ppt/slideLayouts/slideLayout6.xml><?xml version="1.0" encoding="utf-8"?>
-<p:sldLayout xmlns:a="http://schemas.openxmlformats.org/drawingml/2006/main" xmlns:p="http://schemas.openxmlformats.org/presentationml/2006/main" xmlns:r="http://schemas.openxmlformats.org/officeDocument/2006/relationships" xmlns:p14="http://schemas.microsoft.com/office/powerpoint/2010/main" xmlns:p15="http://schemas.microsoft.com/office/powerpoint/2012/main" xmlns:mc="http://schemas.openxmlformats.org/markup-compatibility/2006" type="objOnly" preserve="1">
+<p:sldLayout xmlns:a="http://schemas.openxmlformats.org/drawingml/2006/main" xmlns:r="http://schemas.openxmlformats.org/officeDocument/2006/relationships" xmlns:p="http://schemas.openxmlformats.org/presentationml/2006/main" type="objOnly" preserve="1">
   <p:cSld name="Centered Text">
     <p:spTree>
       <p:nvGrpSpPr>
@@ -2244,10 +2898,11 @@
           </a:prstGeom>
         </p:spPr>
         <p:txBody>
-          <a:bodyPr lIns="0" rIns="0" tIns="0" bIns="0" anchor="ctr"/>
+          <a:bodyPr lIns="0" tIns="0" rIns="0" bIns="0" anchor="ctr"/>
+          <a:lstStyle/>
           <a:p>
             <a:pPr algn="ctr"/>
-            <a:endParaRPr b="0" lang="pt-PT" sz="3200" spc="-1" strike="noStrike">
+            <a:endParaRPr lang="pt-PT" sz="3200" b="0" strike="noStrike" spc="-1">
               <a:latin typeface="Arial"/>
             </a:endParaRPr>
           </a:p>
@@ -2255,11 +2910,14 @@
       </p:sp>
     </p:spTree>
   </p:cSld>
+  <p:clrMapOvr>
+    <a:masterClrMapping/>
+  </p:clrMapOvr>
 </p:sldLayout>
 </file>
 
 <file path=ppt/slideLayouts/slideLayout7.xml><?xml version="1.0" encoding="utf-8"?>
-<p:sldLayout xmlns:a="http://schemas.openxmlformats.org/drawingml/2006/main" xmlns:p="http://schemas.openxmlformats.org/presentationml/2006/main" xmlns:r="http://schemas.openxmlformats.org/officeDocument/2006/relationships" xmlns:p14="http://schemas.microsoft.com/office/powerpoint/2010/main" xmlns:p15="http://schemas.microsoft.com/office/powerpoint/2012/main" xmlns:mc="http://schemas.openxmlformats.org/markup-compatibility/2006" type="twoObjAndObj" preserve="1">
+<p:sldLayout xmlns:a="http://schemas.openxmlformats.org/drawingml/2006/main" xmlns:r="http://schemas.openxmlformats.org/officeDocument/2006/relationships" xmlns:p="http://schemas.openxmlformats.org/presentationml/2006/main" type="twoObjAndObj" preserve="1">
   <p:cSld name="Title, 2 Content and Content">
     <p:spTree>
       <p:nvGrpSpPr>
@@ -2295,10 +2953,11 @@
           </a:prstGeom>
         </p:spPr>
         <p:txBody>
-          <a:bodyPr lIns="0" rIns="0" tIns="0" bIns="0" anchor="ctr"/>
+          <a:bodyPr lIns="0" tIns="0" rIns="0" bIns="0" anchor="ctr"/>
+          <a:lstStyle/>
           <a:p>
             <a:pPr algn="ctr"/>
-            <a:endParaRPr b="0" lang="pt-PT" sz="4400" spc="-1" strike="noStrike">
+            <a:endParaRPr lang="pt-PT" sz="4400" b="0" strike="noStrike" spc="-1">
               <a:latin typeface="Arial"/>
             </a:endParaRPr>
           </a:p>
@@ -2324,11 +2983,12 @@
           </a:prstGeom>
         </p:spPr>
         <p:txBody>
-          <a:bodyPr lIns="0" rIns="0" tIns="0" bIns="0">
+          <a:bodyPr lIns="0" tIns="0" rIns="0" bIns="0">
             <a:normAutofit/>
           </a:bodyPr>
-          <a:p>
-            <a:endParaRPr b="0" lang="pt-PT" sz="3200" spc="-1" strike="noStrike">
+          <a:lstStyle/>
+          <a:p>
+            <a:endParaRPr lang="pt-PT" sz="3200" b="0" strike="noStrike" spc="-1">
               <a:latin typeface="Arial"/>
             </a:endParaRPr>
           </a:p>
@@ -2354,11 +3014,12 @@
           </a:prstGeom>
         </p:spPr>
         <p:txBody>
-          <a:bodyPr lIns="0" rIns="0" tIns="0" bIns="0">
+          <a:bodyPr lIns="0" tIns="0" rIns="0" bIns="0">
             <a:normAutofit/>
           </a:bodyPr>
-          <a:p>
-            <a:endParaRPr b="0" lang="pt-PT" sz="3200" spc="-1" strike="noStrike">
+          <a:lstStyle/>
+          <a:p>
+            <a:endParaRPr lang="pt-PT" sz="3200" b="0" strike="noStrike" spc="-1">
               <a:latin typeface="Arial"/>
             </a:endParaRPr>
           </a:p>
@@ -2384,11 +3045,12 @@
           </a:prstGeom>
         </p:spPr>
         <p:txBody>
-          <a:bodyPr lIns="0" rIns="0" tIns="0" bIns="0">
+          <a:bodyPr lIns="0" tIns="0" rIns="0" bIns="0">
             <a:normAutofit/>
           </a:bodyPr>
-          <a:p>
-            <a:endParaRPr b="0" lang="pt-PT" sz="3200" spc="-1" strike="noStrike">
+          <a:lstStyle/>
+          <a:p>
+            <a:endParaRPr lang="pt-PT" sz="3200" b="0" strike="noStrike" spc="-1">
               <a:latin typeface="Arial"/>
             </a:endParaRPr>
           </a:p>
@@ -2396,11 +3058,14 @@
       </p:sp>
     </p:spTree>
   </p:cSld>
+  <p:clrMapOvr>
+    <a:masterClrMapping/>
+  </p:clrMapOvr>
 </p:sldLayout>
 </file>
 
 <file path=ppt/slideLayouts/slideLayout8.xml><?xml version="1.0" encoding="utf-8"?>
-<p:sldLayout xmlns:a="http://schemas.openxmlformats.org/drawingml/2006/main" xmlns:p="http://schemas.openxmlformats.org/presentationml/2006/main" xmlns:r="http://schemas.openxmlformats.org/officeDocument/2006/relationships" xmlns:p14="http://schemas.microsoft.com/office/powerpoint/2010/main" xmlns:p15="http://schemas.microsoft.com/office/powerpoint/2012/main" xmlns:mc="http://schemas.openxmlformats.org/markup-compatibility/2006" type="objAndTwoObj" preserve="1">
+<p:sldLayout xmlns:a="http://schemas.openxmlformats.org/drawingml/2006/main" xmlns:r="http://schemas.openxmlformats.org/officeDocument/2006/relationships" xmlns:p="http://schemas.openxmlformats.org/presentationml/2006/main" type="objAndTwoObj" preserve="1">
   <p:cSld name="Title Content and 2 Content">
     <p:spTree>
       <p:nvGrpSpPr>
@@ -2436,10 +3101,11 @@
           </a:prstGeom>
         </p:spPr>
         <p:txBody>
-          <a:bodyPr lIns="0" rIns="0" tIns="0" bIns="0" anchor="ctr"/>
+          <a:bodyPr lIns="0" tIns="0" rIns="0" bIns="0" anchor="ctr"/>
+          <a:lstStyle/>
           <a:p>
             <a:pPr algn="ctr"/>
-            <a:endParaRPr b="0" lang="pt-PT" sz="4400" spc="-1" strike="noStrike">
+            <a:endParaRPr lang="pt-PT" sz="4400" b="0" strike="noStrike" spc="-1">
               <a:latin typeface="Arial"/>
             </a:endParaRPr>
           </a:p>
@@ -2465,11 +3131,12 @@
           </a:prstGeom>
         </p:spPr>
         <p:txBody>
-          <a:bodyPr lIns="0" rIns="0" tIns="0" bIns="0">
+          <a:bodyPr lIns="0" tIns="0" rIns="0" bIns="0">
             <a:normAutofit/>
           </a:bodyPr>
-          <a:p>
-            <a:endParaRPr b="0" lang="pt-PT" sz="3200" spc="-1" strike="noStrike">
+          <a:lstStyle/>
+          <a:p>
+            <a:endParaRPr lang="pt-PT" sz="3200" b="0" strike="noStrike" spc="-1">
               <a:latin typeface="Arial"/>
             </a:endParaRPr>
           </a:p>
@@ -2495,11 +3162,12 @@
           </a:prstGeom>
         </p:spPr>
         <p:txBody>
-          <a:bodyPr lIns="0" rIns="0" tIns="0" bIns="0">
+          <a:bodyPr lIns="0" tIns="0" rIns="0" bIns="0">
             <a:normAutofit/>
           </a:bodyPr>
-          <a:p>
-            <a:endParaRPr b="0" lang="pt-PT" sz="3200" spc="-1" strike="noStrike">
+          <a:lstStyle/>
+          <a:p>
+            <a:endParaRPr lang="pt-PT" sz="3200" b="0" strike="noStrike" spc="-1">
               <a:latin typeface="Arial"/>
             </a:endParaRPr>
           </a:p>
@@ -2525,11 +3193,12 @@
           </a:prstGeom>
         </p:spPr>
         <p:txBody>
-          <a:bodyPr lIns="0" rIns="0" tIns="0" bIns="0">
+          <a:bodyPr lIns="0" tIns="0" rIns="0" bIns="0">
             <a:normAutofit/>
           </a:bodyPr>
-          <a:p>
-            <a:endParaRPr b="0" lang="pt-PT" sz="3200" spc="-1" strike="noStrike">
+          <a:lstStyle/>
+          <a:p>
+            <a:endParaRPr lang="pt-PT" sz="3200" b="0" strike="noStrike" spc="-1">
               <a:latin typeface="Arial"/>
             </a:endParaRPr>
           </a:p>
@@ -2537,11 +3206,14 @@
       </p:sp>
     </p:spTree>
   </p:cSld>
+  <p:clrMapOvr>
+    <a:masterClrMapping/>
+  </p:clrMapOvr>
 </p:sldLayout>
 </file>
 
 <file path=ppt/slideLayouts/slideLayout9.xml><?xml version="1.0" encoding="utf-8"?>
-<p:sldLayout xmlns:a="http://schemas.openxmlformats.org/drawingml/2006/main" xmlns:p="http://schemas.openxmlformats.org/presentationml/2006/main" xmlns:r="http://schemas.openxmlformats.org/officeDocument/2006/relationships" xmlns:p14="http://schemas.microsoft.com/office/powerpoint/2010/main" xmlns:p15="http://schemas.microsoft.com/office/powerpoint/2012/main" xmlns:mc="http://schemas.openxmlformats.org/markup-compatibility/2006" type="twoObjOverTx" preserve="1">
+<p:sldLayout xmlns:a="http://schemas.openxmlformats.org/drawingml/2006/main" xmlns:r="http://schemas.openxmlformats.org/officeDocument/2006/relationships" xmlns:p="http://schemas.openxmlformats.org/presentationml/2006/main" type="twoObjOverTx" preserve="1">
   <p:cSld name="Title, 2 Content over Content">
     <p:spTree>
       <p:nvGrpSpPr>
@@ -2577,10 +3249,11 @@
           </a:prstGeom>
         </p:spPr>
         <p:txBody>
-          <a:bodyPr lIns="0" rIns="0" tIns="0" bIns="0" anchor="ctr"/>
+          <a:bodyPr lIns="0" tIns="0" rIns="0" bIns="0" anchor="ctr"/>
+          <a:lstStyle/>
           <a:p>
             <a:pPr algn="ctr"/>
-            <a:endParaRPr b="0" lang="pt-PT" sz="4400" spc="-1" strike="noStrike">
+            <a:endParaRPr lang="pt-PT" sz="4400" b="0" strike="noStrike" spc="-1">
               <a:latin typeface="Arial"/>
             </a:endParaRPr>
           </a:p>
@@ -2606,11 +3279,12 @@
           </a:prstGeom>
         </p:spPr>
         <p:txBody>
-          <a:bodyPr lIns="0" rIns="0" tIns="0" bIns="0">
+          <a:bodyPr lIns="0" tIns="0" rIns="0" bIns="0">
             <a:normAutofit/>
           </a:bodyPr>
-          <a:p>
-            <a:endParaRPr b="0" lang="pt-PT" sz="3200" spc="-1" strike="noStrike">
+          <a:lstStyle/>
+          <a:p>
+            <a:endParaRPr lang="pt-PT" sz="3200" b="0" strike="noStrike" spc="-1">
               <a:latin typeface="Arial"/>
             </a:endParaRPr>
           </a:p>
@@ -2636,11 +3310,12 @@
           </a:prstGeom>
         </p:spPr>
         <p:txBody>
-          <a:bodyPr lIns="0" rIns="0" tIns="0" bIns="0">
+          <a:bodyPr lIns="0" tIns="0" rIns="0" bIns="0">
             <a:normAutofit/>
           </a:bodyPr>
-          <a:p>
-            <a:endParaRPr b="0" lang="pt-PT" sz="3200" spc="-1" strike="noStrike">
+          <a:lstStyle/>
+          <a:p>
+            <a:endParaRPr lang="pt-PT" sz="3200" b="0" strike="noStrike" spc="-1">
               <a:latin typeface="Arial"/>
             </a:endParaRPr>
           </a:p>
@@ -2666,11 +3341,12 @@
           </a:prstGeom>
         </p:spPr>
         <p:txBody>
-          <a:bodyPr lIns="0" rIns="0" tIns="0" bIns="0">
+          <a:bodyPr lIns="0" tIns="0" rIns="0" bIns="0">
             <a:normAutofit/>
           </a:bodyPr>
-          <a:p>
-            <a:endParaRPr b="0" lang="pt-PT" sz="3200" spc="-1" strike="noStrike">
+          <a:lstStyle/>
+          <a:p>
+            <a:endParaRPr lang="pt-PT" sz="3200" b="0" strike="noStrike" spc="-1">
               <a:latin typeface="Arial"/>
             </a:endParaRPr>
           </a:p>
@@ -2678,17 +3354,21 @@
       </p:sp>
     </p:spTree>
   </p:cSld>
+  <p:clrMapOvr>
+    <a:masterClrMapping/>
+  </p:clrMapOvr>
 </p:sldLayout>
 </file>
 
 <file path=ppt/slideMasters/slideMaster1.xml><?xml version="1.0" encoding="utf-8"?>
-<p:sldMaster xmlns:a="http://schemas.openxmlformats.org/drawingml/2006/main" xmlns:p="http://schemas.openxmlformats.org/presentationml/2006/main" xmlns:r="http://schemas.openxmlformats.org/officeDocument/2006/relationships" xmlns:p14="http://schemas.microsoft.com/office/powerpoint/2010/main" xmlns:p15="http://schemas.microsoft.com/office/powerpoint/2012/main" xmlns:mc="http://schemas.openxmlformats.org/markup-compatibility/2006">
+<p:sldMaster xmlns:a="http://schemas.openxmlformats.org/drawingml/2006/main" xmlns:r="http://schemas.openxmlformats.org/officeDocument/2006/relationships" xmlns:p="http://schemas.openxmlformats.org/presentationml/2006/main">
   <p:cSld>
     <p:bg>
       <p:bgPr>
         <a:solidFill>
-          <a:srgbClr val="ffffff"/>
+          <a:srgbClr val="FFFFFF"/>
         </a:solidFill>
+        <a:effectLst/>
       </p:bgPr>
     </p:bg>
     <p:spTree>
@@ -2707,7 +3387,7 @@
       </p:grpSpPr>
       <p:sp>
         <p:nvSpPr>
-          <p:cNvPr id="0" name="PlaceHolder 1"/>
+          <p:cNvPr id="2" name="PlaceHolder 1"/>
           <p:cNvSpPr>
             <a:spLocks noGrp="1"/>
           </p:cNvSpPr>
@@ -2725,23 +3405,21 @@
           </a:prstGeom>
         </p:spPr>
         <p:txBody>
-          <a:bodyPr lIns="0" rIns="0" tIns="0" bIns="0" anchor="ctr"/>
-          <a:p>
-            <a:r>
-              <a:rPr b="0" lang="pt-PT" sz="1800" spc="-1" strike="noStrike">
+          <a:bodyPr lIns="0" tIns="0" rIns="0" bIns="0" anchor="ctr"/>
+          <a:lstStyle/>
+          <a:p>
+            <a:r>
+              <a:rPr lang="pt-PT" sz="1800" b="0" strike="noStrike" spc="-1">
                 <a:latin typeface="Arial"/>
               </a:rPr>
               <a:t>Click to edit the title text format</a:t>
             </a:r>
-            <a:endParaRPr b="0" lang="pt-PT" sz="1800" spc="-1" strike="noStrike">
-              <a:latin typeface="Arial"/>
-            </a:endParaRPr>
-          </a:p>
-        </p:txBody>
-      </p:sp>
-      <p:sp>
-        <p:nvSpPr>
-          <p:cNvPr id="1" name="PlaceHolder 2"/>
+          </a:p>
+        </p:txBody>
+      </p:sp>
+      <p:sp>
+        <p:nvSpPr>
+          <p:cNvPr id="3" name="PlaceHolder 2"/>
           <p:cNvSpPr>
             <a:spLocks noGrp="1"/>
           </p:cNvSpPr>
@@ -2759,9 +3437,10 @@
           </a:prstGeom>
         </p:spPr>
         <p:txBody>
-          <a:bodyPr lIns="0" rIns="0" tIns="0" bIns="0">
+          <a:bodyPr lIns="0" tIns="0" rIns="0" bIns="0">
             <a:normAutofit/>
           </a:bodyPr>
+          <a:lstStyle/>
           <a:p>
             <a:pPr marL="432000" indent="-324000">
               <a:spcBef>
@@ -2775,17 +3454,14 @@
               <a:buChar char=""/>
             </a:pPr>
             <a:r>
-              <a:rPr b="0" lang="pt-PT" sz="3200" spc="-1" strike="noStrike">
+              <a:rPr lang="pt-PT" sz="3200" b="0" strike="noStrike" spc="-1">
                 <a:latin typeface="Arial"/>
               </a:rPr>
               <a:t>Click to edit the outline text format</a:t>
             </a:r>
-            <a:endParaRPr b="0" lang="pt-PT" sz="3200" spc="-1" strike="noStrike">
-              <a:latin typeface="Arial"/>
-            </a:endParaRPr>
-          </a:p>
-          <a:p>
-            <a:pPr lvl="1" marL="864000" indent="-324000">
+          </a:p>
+          <a:p>
+            <a:pPr marL="864000" lvl="1" indent="-324000">
               <a:spcBef>
                 <a:spcPts val="1134"/>
               </a:spcBef>
@@ -2797,17 +3473,14 @@
               <a:buChar char=""/>
             </a:pPr>
             <a:r>
-              <a:rPr b="0" lang="pt-PT" sz="2800" spc="-1" strike="noStrike">
+              <a:rPr lang="pt-PT" sz="2800" b="0" strike="noStrike" spc="-1">
                 <a:latin typeface="Arial"/>
               </a:rPr>
               <a:t>Second Outline Level</a:t>
             </a:r>
-            <a:endParaRPr b="0" lang="pt-PT" sz="2800" spc="-1" strike="noStrike">
-              <a:latin typeface="Arial"/>
-            </a:endParaRPr>
-          </a:p>
-          <a:p>
-            <a:pPr lvl="2" marL="1296000" indent="-288000">
+          </a:p>
+          <a:p>
+            <a:pPr marL="1296000" lvl="2" indent="-288000">
               <a:spcBef>
                 <a:spcPts val="850"/>
               </a:spcBef>
@@ -2819,17 +3492,14 @@
               <a:buChar char=""/>
             </a:pPr>
             <a:r>
-              <a:rPr b="0" lang="pt-PT" sz="2400" spc="-1" strike="noStrike">
+              <a:rPr lang="pt-PT" sz="2400" b="0" strike="noStrike" spc="-1">
                 <a:latin typeface="Arial"/>
               </a:rPr>
               <a:t>Third Outline Level</a:t>
             </a:r>
-            <a:endParaRPr b="0" lang="pt-PT" sz="2400" spc="-1" strike="noStrike">
-              <a:latin typeface="Arial"/>
-            </a:endParaRPr>
-          </a:p>
-          <a:p>
-            <a:pPr lvl="3" marL="1728000" indent="-216000">
+          </a:p>
+          <a:p>
+            <a:pPr marL="1728000" lvl="3" indent="-216000">
               <a:spcBef>
                 <a:spcPts val="567"/>
               </a:spcBef>
@@ -2841,17 +3511,14 @@
               <a:buChar char=""/>
             </a:pPr>
             <a:r>
-              <a:rPr b="0" lang="pt-PT" sz="2000" spc="-1" strike="noStrike">
+              <a:rPr lang="pt-PT" sz="2000" b="0" strike="noStrike" spc="-1">
                 <a:latin typeface="Arial"/>
               </a:rPr>
               <a:t>Fourth Outline Level</a:t>
             </a:r>
-            <a:endParaRPr b="0" lang="pt-PT" sz="2000" spc="-1" strike="noStrike">
-              <a:latin typeface="Arial"/>
-            </a:endParaRPr>
-          </a:p>
-          <a:p>
-            <a:pPr lvl="4" marL="2160000" indent="-216000">
+          </a:p>
+          <a:p>
+            <a:pPr marL="2160000" lvl="4" indent="-216000">
               <a:spcBef>
                 <a:spcPts val="283"/>
               </a:spcBef>
@@ -2863,17 +3530,14 @@
               <a:buChar char=""/>
             </a:pPr>
             <a:r>
-              <a:rPr b="0" lang="pt-PT" sz="2000" spc="-1" strike="noStrike">
+              <a:rPr lang="pt-PT" sz="2000" b="0" strike="noStrike" spc="-1">
                 <a:latin typeface="Arial"/>
               </a:rPr>
               <a:t>Fifth Outline Level</a:t>
             </a:r>
-            <a:endParaRPr b="0" lang="pt-PT" sz="2000" spc="-1" strike="noStrike">
-              <a:latin typeface="Arial"/>
-            </a:endParaRPr>
-          </a:p>
-          <a:p>
-            <a:pPr lvl="5" marL="2592000" indent="-216000">
+          </a:p>
+          <a:p>
+            <a:pPr marL="2592000" lvl="5" indent="-216000">
               <a:spcBef>
                 <a:spcPts val="283"/>
               </a:spcBef>
@@ -2885,17 +3549,14 @@
               <a:buChar char=""/>
             </a:pPr>
             <a:r>
-              <a:rPr b="0" lang="pt-PT" sz="2000" spc="-1" strike="noStrike">
+              <a:rPr lang="pt-PT" sz="2000" b="0" strike="noStrike" spc="-1">
                 <a:latin typeface="Arial"/>
               </a:rPr>
               <a:t>Sixth Outline Level</a:t>
             </a:r>
-            <a:endParaRPr b="0" lang="pt-PT" sz="2000" spc="-1" strike="noStrike">
-              <a:latin typeface="Arial"/>
-            </a:endParaRPr>
-          </a:p>
-          <a:p>
-            <a:pPr lvl="6" marL="3024000" indent="-216000">
+          </a:p>
+          <a:p>
+            <a:pPr marL="3024000" lvl="6" indent="-216000">
               <a:spcBef>
                 <a:spcPts val="283"/>
               </a:spcBef>
@@ -2907,45 +3568,323 @@
               <a:buChar char=""/>
             </a:pPr>
             <a:r>
-              <a:rPr b="0" lang="pt-PT" sz="2000" spc="-1" strike="noStrike">
+              <a:rPr lang="pt-PT" sz="2000" b="0" strike="noStrike" spc="-1">
                 <a:latin typeface="Arial"/>
               </a:rPr>
               <a:t>Seventh Outline Level</a:t>
             </a:r>
-            <a:endParaRPr b="0" lang="pt-PT" sz="2000" spc="-1" strike="noStrike">
-              <a:latin typeface="Arial"/>
-            </a:endParaRPr>
           </a:p>
         </p:txBody>
       </p:sp>
     </p:spTree>
   </p:cSld>
-  <p:clrMap bg1="lt1" bg2="lt2" tx1="dk1" tx2="dk2" accent1="accent1" accent2="accent2" accent3="accent3" accent4="accent4" accent5="accent5" accent6="accent6" hlink="hlink" folHlink="folHlink"/>
+  <p:clrMap bg1="lt1" tx1="dk1" bg2="lt2" tx2="dk2" accent1="accent1" accent2="accent2" accent3="accent3" accent4="accent4" accent5="accent5" accent6="accent6" hlink="hlink" folHlink="folHlink"/>
   <p:sldLayoutIdLst>
-    <p:sldLayoutId id="2147483649" r:id="rId2"/>
-    <p:sldLayoutId id="2147483650" r:id="rId3"/>
-    <p:sldLayoutId id="2147483651" r:id="rId4"/>
-    <p:sldLayoutId id="2147483652" r:id="rId5"/>
-    <p:sldLayoutId id="2147483653" r:id="rId6"/>
-    <p:sldLayoutId id="2147483654" r:id="rId7"/>
-    <p:sldLayoutId id="2147483655" r:id="rId8"/>
-    <p:sldLayoutId id="2147483656" r:id="rId9"/>
-    <p:sldLayoutId id="2147483657" r:id="rId10"/>
-    <p:sldLayoutId id="2147483658" r:id="rId11"/>
-    <p:sldLayoutId id="2147483659" r:id="rId12"/>
-    <p:sldLayoutId id="2147483660" r:id="rId13"/>
+    <p:sldLayoutId id="2147483649" r:id="rId1"/>
+    <p:sldLayoutId id="2147483650" r:id="rId2"/>
+    <p:sldLayoutId id="2147483651" r:id="rId3"/>
+    <p:sldLayoutId id="2147483652" r:id="rId4"/>
+    <p:sldLayoutId id="2147483653" r:id="rId5"/>
+    <p:sldLayoutId id="2147483654" r:id="rId6"/>
+    <p:sldLayoutId id="2147483655" r:id="rId7"/>
+    <p:sldLayoutId id="2147483656" r:id="rId8"/>
+    <p:sldLayoutId id="2147483657" r:id="rId9"/>
+    <p:sldLayoutId id="2147483658" r:id="rId10"/>
+    <p:sldLayoutId id="2147483659" r:id="rId11"/>
+    <p:sldLayoutId id="2147483660" r:id="rId12"/>
   </p:sldLayoutIdLst>
+  <p:txStyles>
+    <p:titleStyle>
+      <a:lvl1pPr algn="l" defTabSz="914400" rtl="0" eaLnBrk="1" latinLnBrk="0" hangingPunct="1">
+        <a:lnSpc>
+          <a:spcPct val="90000"/>
+        </a:lnSpc>
+        <a:spcBef>
+          <a:spcPct val="0"/>
+        </a:spcBef>
+        <a:buNone/>
+        <a:defRPr sz="4400" kern="1200">
+          <a:solidFill>
+            <a:schemeClr val="tx1"/>
+          </a:solidFill>
+          <a:latin typeface="+mj-lt"/>
+          <a:ea typeface="+mj-ea"/>
+          <a:cs typeface="+mj-cs"/>
+        </a:defRPr>
+      </a:lvl1pPr>
+    </p:titleStyle>
+    <p:bodyStyle>
+      <a:lvl1pPr marL="228600" indent="-228600" algn="l" defTabSz="914400" rtl="0" eaLnBrk="1" latinLnBrk="0" hangingPunct="1">
+        <a:lnSpc>
+          <a:spcPct val="90000"/>
+        </a:lnSpc>
+        <a:spcBef>
+          <a:spcPts val="1000"/>
+        </a:spcBef>
+        <a:buFont typeface="Arial" panose="020B0604020202020204" pitchFamily="34" charset="0"/>
+        <a:buChar char="•"/>
+        <a:defRPr sz="2800" kern="1200">
+          <a:solidFill>
+            <a:schemeClr val="tx1"/>
+          </a:solidFill>
+          <a:latin typeface="+mn-lt"/>
+          <a:ea typeface="+mn-ea"/>
+          <a:cs typeface="+mn-cs"/>
+        </a:defRPr>
+      </a:lvl1pPr>
+      <a:lvl2pPr marL="685800" indent="-228600" algn="l" defTabSz="914400" rtl="0" eaLnBrk="1" latinLnBrk="0" hangingPunct="1">
+        <a:lnSpc>
+          <a:spcPct val="90000"/>
+        </a:lnSpc>
+        <a:spcBef>
+          <a:spcPts val="500"/>
+        </a:spcBef>
+        <a:buFont typeface="Arial" panose="020B0604020202020204" pitchFamily="34" charset="0"/>
+        <a:buChar char="•"/>
+        <a:defRPr sz="2400" kern="1200">
+          <a:solidFill>
+            <a:schemeClr val="tx1"/>
+          </a:solidFill>
+          <a:latin typeface="+mn-lt"/>
+          <a:ea typeface="+mn-ea"/>
+          <a:cs typeface="+mn-cs"/>
+        </a:defRPr>
+      </a:lvl2pPr>
+      <a:lvl3pPr marL="1143000" indent="-228600" algn="l" defTabSz="914400" rtl="0" eaLnBrk="1" latinLnBrk="0" hangingPunct="1">
+        <a:lnSpc>
+          <a:spcPct val="90000"/>
+        </a:lnSpc>
+        <a:spcBef>
+          <a:spcPts val="500"/>
+        </a:spcBef>
+        <a:buFont typeface="Arial" panose="020B0604020202020204" pitchFamily="34" charset="0"/>
+        <a:buChar char="•"/>
+        <a:defRPr sz="2000" kern="1200">
+          <a:solidFill>
+            <a:schemeClr val="tx1"/>
+          </a:solidFill>
+          <a:latin typeface="+mn-lt"/>
+          <a:ea typeface="+mn-ea"/>
+          <a:cs typeface="+mn-cs"/>
+        </a:defRPr>
+      </a:lvl3pPr>
+      <a:lvl4pPr marL="1600200" indent="-228600" algn="l" defTabSz="914400" rtl="0" eaLnBrk="1" latinLnBrk="0" hangingPunct="1">
+        <a:lnSpc>
+          <a:spcPct val="90000"/>
+        </a:lnSpc>
+        <a:spcBef>
+          <a:spcPts val="500"/>
+        </a:spcBef>
+        <a:buFont typeface="Arial" panose="020B0604020202020204" pitchFamily="34" charset="0"/>
+        <a:buChar char="•"/>
+        <a:defRPr sz="1800" kern="1200">
+          <a:solidFill>
+            <a:schemeClr val="tx1"/>
+          </a:solidFill>
+          <a:latin typeface="+mn-lt"/>
+          <a:ea typeface="+mn-ea"/>
+          <a:cs typeface="+mn-cs"/>
+        </a:defRPr>
+      </a:lvl4pPr>
+      <a:lvl5pPr marL="2057400" indent="-228600" algn="l" defTabSz="914400" rtl="0" eaLnBrk="1" latinLnBrk="0" hangingPunct="1">
+        <a:lnSpc>
+          <a:spcPct val="90000"/>
+        </a:lnSpc>
+        <a:spcBef>
+          <a:spcPts val="500"/>
+        </a:spcBef>
+        <a:buFont typeface="Arial" panose="020B0604020202020204" pitchFamily="34" charset="0"/>
+        <a:buChar char="•"/>
+        <a:defRPr sz="1800" kern="1200">
+          <a:solidFill>
+            <a:schemeClr val="tx1"/>
+          </a:solidFill>
+          <a:latin typeface="+mn-lt"/>
+          <a:ea typeface="+mn-ea"/>
+          <a:cs typeface="+mn-cs"/>
+        </a:defRPr>
+      </a:lvl5pPr>
+      <a:lvl6pPr marL="2514600" indent="-228600" algn="l" defTabSz="914400" rtl="0" eaLnBrk="1" latinLnBrk="0" hangingPunct="1">
+        <a:lnSpc>
+          <a:spcPct val="90000"/>
+        </a:lnSpc>
+        <a:spcBef>
+          <a:spcPts val="500"/>
+        </a:spcBef>
+        <a:buFont typeface="Arial" panose="020B0604020202020204" pitchFamily="34" charset="0"/>
+        <a:buChar char="•"/>
+        <a:defRPr sz="1800" kern="1200">
+          <a:solidFill>
+            <a:schemeClr val="tx1"/>
+          </a:solidFill>
+          <a:latin typeface="+mn-lt"/>
+          <a:ea typeface="+mn-ea"/>
+          <a:cs typeface="+mn-cs"/>
+        </a:defRPr>
+      </a:lvl6pPr>
+      <a:lvl7pPr marL="2971800" indent="-228600" algn="l" defTabSz="914400" rtl="0" eaLnBrk="1" latinLnBrk="0" hangingPunct="1">
+        <a:lnSpc>
+          <a:spcPct val="90000"/>
+        </a:lnSpc>
+        <a:spcBef>
+          <a:spcPts val="500"/>
+        </a:spcBef>
+        <a:buFont typeface="Arial" panose="020B0604020202020204" pitchFamily="34" charset="0"/>
+        <a:buChar char="•"/>
+        <a:defRPr sz="1800" kern="1200">
+          <a:solidFill>
+            <a:schemeClr val="tx1"/>
+          </a:solidFill>
+          <a:latin typeface="+mn-lt"/>
+          <a:ea typeface="+mn-ea"/>
+          <a:cs typeface="+mn-cs"/>
+        </a:defRPr>
+      </a:lvl7pPr>
+      <a:lvl8pPr marL="3429000" indent="-228600" algn="l" defTabSz="914400" rtl="0" eaLnBrk="1" latinLnBrk="0" hangingPunct="1">
+        <a:lnSpc>
+          <a:spcPct val="90000"/>
+        </a:lnSpc>
+        <a:spcBef>
+          <a:spcPts val="500"/>
+        </a:spcBef>
+        <a:buFont typeface="Arial" panose="020B0604020202020204" pitchFamily="34" charset="0"/>
+        <a:buChar char="•"/>
+        <a:defRPr sz="1800" kern="1200">
+          <a:solidFill>
+            <a:schemeClr val="tx1"/>
+          </a:solidFill>
+          <a:latin typeface="+mn-lt"/>
+          <a:ea typeface="+mn-ea"/>
+          <a:cs typeface="+mn-cs"/>
+        </a:defRPr>
+      </a:lvl8pPr>
+      <a:lvl9pPr marL="3886200" indent="-228600" algn="l" defTabSz="914400" rtl="0" eaLnBrk="1" latinLnBrk="0" hangingPunct="1">
+        <a:lnSpc>
+          <a:spcPct val="90000"/>
+        </a:lnSpc>
+        <a:spcBef>
+          <a:spcPts val="500"/>
+        </a:spcBef>
+        <a:buFont typeface="Arial" panose="020B0604020202020204" pitchFamily="34" charset="0"/>
+        <a:buChar char="•"/>
+        <a:defRPr sz="1800" kern="1200">
+          <a:solidFill>
+            <a:schemeClr val="tx1"/>
+          </a:solidFill>
+          <a:latin typeface="+mn-lt"/>
+          <a:ea typeface="+mn-ea"/>
+          <a:cs typeface="+mn-cs"/>
+        </a:defRPr>
+      </a:lvl9pPr>
+    </p:bodyStyle>
+    <p:otherStyle>
+      <a:defPPr>
+        <a:defRPr lang="en-US"/>
+      </a:defPPr>
+      <a:lvl1pPr marL="0" algn="l" defTabSz="914400" rtl="0" eaLnBrk="1" latinLnBrk="0" hangingPunct="1">
+        <a:defRPr sz="1800" kern="1200">
+          <a:solidFill>
+            <a:schemeClr val="tx1"/>
+          </a:solidFill>
+          <a:latin typeface="+mn-lt"/>
+          <a:ea typeface="+mn-ea"/>
+          <a:cs typeface="+mn-cs"/>
+        </a:defRPr>
+      </a:lvl1pPr>
+      <a:lvl2pPr marL="457200" algn="l" defTabSz="914400" rtl="0" eaLnBrk="1" latinLnBrk="0" hangingPunct="1">
+        <a:defRPr sz="1800" kern="1200">
+          <a:solidFill>
+            <a:schemeClr val="tx1"/>
+          </a:solidFill>
+          <a:latin typeface="+mn-lt"/>
+          <a:ea typeface="+mn-ea"/>
+          <a:cs typeface="+mn-cs"/>
+        </a:defRPr>
+      </a:lvl2pPr>
+      <a:lvl3pPr marL="914400" algn="l" defTabSz="914400" rtl="0" eaLnBrk="1" latinLnBrk="0" hangingPunct="1">
+        <a:defRPr sz="1800" kern="1200">
+          <a:solidFill>
+            <a:schemeClr val="tx1"/>
+          </a:solidFill>
+          <a:latin typeface="+mn-lt"/>
+          <a:ea typeface="+mn-ea"/>
+          <a:cs typeface="+mn-cs"/>
+        </a:defRPr>
+      </a:lvl3pPr>
+      <a:lvl4pPr marL="1371600" algn="l" defTabSz="914400" rtl="0" eaLnBrk="1" latinLnBrk="0" hangingPunct="1">
+        <a:defRPr sz="1800" kern="1200">
+          <a:solidFill>
+            <a:schemeClr val="tx1"/>
+          </a:solidFill>
+          <a:latin typeface="+mn-lt"/>
+          <a:ea typeface="+mn-ea"/>
+          <a:cs typeface="+mn-cs"/>
+        </a:defRPr>
+      </a:lvl4pPr>
+      <a:lvl5pPr marL="1828800" algn="l" defTabSz="914400" rtl="0" eaLnBrk="1" latinLnBrk="0" hangingPunct="1">
+        <a:defRPr sz="1800" kern="1200">
+          <a:solidFill>
+            <a:schemeClr val="tx1"/>
+          </a:solidFill>
+          <a:latin typeface="+mn-lt"/>
+          <a:ea typeface="+mn-ea"/>
+          <a:cs typeface="+mn-cs"/>
+        </a:defRPr>
+      </a:lvl5pPr>
+      <a:lvl6pPr marL="2286000" algn="l" defTabSz="914400" rtl="0" eaLnBrk="1" latinLnBrk="0" hangingPunct="1">
+        <a:defRPr sz="1800" kern="1200">
+          <a:solidFill>
+            <a:schemeClr val="tx1"/>
+          </a:solidFill>
+          <a:latin typeface="+mn-lt"/>
+          <a:ea typeface="+mn-ea"/>
+          <a:cs typeface="+mn-cs"/>
+        </a:defRPr>
+      </a:lvl6pPr>
+      <a:lvl7pPr marL="2743200" algn="l" defTabSz="914400" rtl="0" eaLnBrk="1" latinLnBrk="0" hangingPunct="1">
+        <a:defRPr sz="1800" kern="1200">
+          <a:solidFill>
+            <a:schemeClr val="tx1"/>
+          </a:solidFill>
+          <a:latin typeface="+mn-lt"/>
+          <a:ea typeface="+mn-ea"/>
+          <a:cs typeface="+mn-cs"/>
+        </a:defRPr>
+      </a:lvl7pPr>
+      <a:lvl8pPr marL="3200400" algn="l" defTabSz="914400" rtl="0" eaLnBrk="1" latinLnBrk="0" hangingPunct="1">
+        <a:defRPr sz="1800" kern="1200">
+          <a:solidFill>
+            <a:schemeClr val="tx1"/>
+          </a:solidFill>
+          <a:latin typeface="+mn-lt"/>
+          <a:ea typeface="+mn-ea"/>
+          <a:cs typeface="+mn-cs"/>
+        </a:defRPr>
+      </a:lvl8pPr>
+      <a:lvl9pPr marL="3657600" algn="l" defTabSz="914400" rtl="0" eaLnBrk="1" latinLnBrk="0" hangingPunct="1">
+        <a:defRPr sz="1800" kern="1200">
+          <a:solidFill>
+            <a:schemeClr val="tx1"/>
+          </a:solidFill>
+          <a:latin typeface="+mn-lt"/>
+          <a:ea typeface="+mn-ea"/>
+          <a:cs typeface="+mn-cs"/>
+        </a:defRPr>
+      </a:lvl9pPr>
+    </p:otherStyle>
+  </p:txStyles>
 </p:sldMaster>
 </file>
 
 <file path=ppt/slideMasters/slideMaster2.xml><?xml version="1.0" encoding="utf-8"?>
-<p:sldMaster xmlns:a="http://schemas.openxmlformats.org/drawingml/2006/main" xmlns:p="http://schemas.openxmlformats.org/presentationml/2006/main" xmlns:r="http://schemas.openxmlformats.org/officeDocument/2006/relationships" xmlns:p14="http://schemas.microsoft.com/office/powerpoint/2010/main" xmlns:p15="http://schemas.microsoft.com/office/powerpoint/2012/main" xmlns:mc="http://schemas.openxmlformats.org/markup-compatibility/2006">
+<p:sldMaster xmlns:a="http://schemas.openxmlformats.org/drawingml/2006/main" xmlns:r="http://schemas.openxmlformats.org/officeDocument/2006/relationships" xmlns:p="http://schemas.openxmlformats.org/presentationml/2006/main">
   <p:cSld>
     <p:bg>
       <p:bgPr>
         <a:solidFill>
-          <a:srgbClr val="ffffff"/>
+          <a:srgbClr val="FFFFFF"/>
         </a:solidFill>
+        <a:effectLst/>
       </p:bgPr>
     </p:bg>
     <p:spTree>
@@ -2982,24 +3921,16 @@
           </a:prstGeom>
         </p:spPr>
         <p:txBody>
-          <a:bodyPr lIns="0" rIns="0" tIns="0" bIns="0" anchor="ctr"/>
+          <a:bodyPr lIns="0" tIns="0" rIns="0" bIns="0" anchor="ctr"/>
+          <a:lstStyle/>
           <a:p>
             <a:pPr algn="ctr"/>
             <a:r>
-              <a:rPr b="0" lang="pt-PT" sz="4400" spc="-1" strike="noStrike">
+              <a:rPr lang="pt-PT" sz="4400" b="0" strike="noStrike" spc="-1">
                 <a:latin typeface="Arial"/>
               </a:rPr>
-              <a:t>Click to edit the </a:t>
-            </a:r>
-            <a:r>
-              <a:rPr b="0" lang="pt-PT" sz="4400" spc="-1" strike="noStrike">
-                <a:latin typeface="Arial"/>
-              </a:rPr>
-              <a:t>title text format</a:t>
-            </a:r>
-            <a:endParaRPr b="0" lang="pt-PT" sz="4400" spc="-1" strike="noStrike">
-              <a:latin typeface="Arial"/>
-            </a:endParaRPr>
+              <a:t>Click to edit the title text format</a:t>
+            </a:r>
           </a:p>
         </p:txBody>
       </p:sp>
@@ -3023,9 +3954,10 @@
           </a:prstGeom>
         </p:spPr>
         <p:txBody>
-          <a:bodyPr lIns="0" rIns="0" tIns="0" bIns="0">
+          <a:bodyPr lIns="0" tIns="0" rIns="0" bIns="0">
             <a:normAutofit/>
           </a:bodyPr>
+          <a:lstStyle/>
           <a:p>
             <a:pPr marL="432000" indent="-324000">
               <a:spcBef>
@@ -3039,17 +3971,14 @@
               <a:buChar char=""/>
             </a:pPr>
             <a:r>
-              <a:rPr b="0" lang="pt-PT" sz="3200" spc="-1" strike="noStrike">
+              <a:rPr lang="pt-PT" sz="3200" b="0" strike="noStrike" spc="-1">
                 <a:latin typeface="Arial"/>
               </a:rPr>
               <a:t>Click to edit the outline text format</a:t>
             </a:r>
-            <a:endParaRPr b="0" lang="pt-PT" sz="3200" spc="-1" strike="noStrike">
-              <a:latin typeface="Arial"/>
-            </a:endParaRPr>
-          </a:p>
-          <a:p>
-            <a:pPr lvl="1" marL="864000" indent="-324000">
+          </a:p>
+          <a:p>
+            <a:pPr marL="864000" lvl="1" indent="-324000">
               <a:spcBef>
                 <a:spcPts val="1134"/>
               </a:spcBef>
@@ -3061,17 +3990,14 @@
               <a:buChar char=""/>
             </a:pPr>
             <a:r>
-              <a:rPr b="0" lang="pt-PT" sz="2800" spc="-1" strike="noStrike">
+              <a:rPr lang="pt-PT" sz="2800" b="0" strike="noStrike" spc="-1">
                 <a:latin typeface="Arial"/>
               </a:rPr>
               <a:t>Second Outline Level</a:t>
             </a:r>
-            <a:endParaRPr b="0" lang="pt-PT" sz="2800" spc="-1" strike="noStrike">
-              <a:latin typeface="Arial"/>
-            </a:endParaRPr>
-          </a:p>
-          <a:p>
-            <a:pPr lvl="2" marL="1296000" indent="-288000">
+          </a:p>
+          <a:p>
+            <a:pPr marL="1296000" lvl="2" indent="-288000">
               <a:spcBef>
                 <a:spcPts val="850"/>
               </a:spcBef>
@@ -3083,17 +4009,14 @@
               <a:buChar char=""/>
             </a:pPr>
             <a:r>
-              <a:rPr b="0" lang="pt-PT" sz="2400" spc="-1" strike="noStrike">
+              <a:rPr lang="pt-PT" sz="2400" b="0" strike="noStrike" spc="-1">
                 <a:latin typeface="Arial"/>
               </a:rPr>
               <a:t>Third Outline Level</a:t>
             </a:r>
-            <a:endParaRPr b="0" lang="pt-PT" sz="2400" spc="-1" strike="noStrike">
-              <a:latin typeface="Arial"/>
-            </a:endParaRPr>
-          </a:p>
-          <a:p>
-            <a:pPr lvl="3" marL="1728000" indent="-216000">
+          </a:p>
+          <a:p>
+            <a:pPr marL="1728000" lvl="3" indent="-216000">
               <a:spcBef>
                 <a:spcPts val="567"/>
               </a:spcBef>
@@ -3105,17 +4028,14 @@
               <a:buChar char=""/>
             </a:pPr>
             <a:r>
-              <a:rPr b="0" lang="pt-PT" sz="2000" spc="-1" strike="noStrike">
+              <a:rPr lang="pt-PT" sz="2000" b="0" strike="noStrike" spc="-1">
                 <a:latin typeface="Arial"/>
               </a:rPr>
               <a:t>Fourth Outline Level</a:t>
             </a:r>
-            <a:endParaRPr b="0" lang="pt-PT" sz="2000" spc="-1" strike="noStrike">
-              <a:latin typeface="Arial"/>
-            </a:endParaRPr>
-          </a:p>
-          <a:p>
-            <a:pPr lvl="4" marL="2160000" indent="-216000">
+          </a:p>
+          <a:p>
+            <a:pPr marL="2160000" lvl="4" indent="-216000">
               <a:spcBef>
                 <a:spcPts val="283"/>
               </a:spcBef>
@@ -3127,17 +4047,14 @@
               <a:buChar char=""/>
             </a:pPr>
             <a:r>
-              <a:rPr b="0" lang="pt-PT" sz="2000" spc="-1" strike="noStrike">
+              <a:rPr lang="pt-PT" sz="2000" b="0" strike="noStrike" spc="-1">
                 <a:latin typeface="Arial"/>
               </a:rPr>
               <a:t>Fifth Outline Level</a:t>
             </a:r>
-            <a:endParaRPr b="0" lang="pt-PT" sz="2000" spc="-1" strike="noStrike">
-              <a:latin typeface="Arial"/>
-            </a:endParaRPr>
-          </a:p>
-          <a:p>
-            <a:pPr lvl="5" marL="2592000" indent="-216000">
+          </a:p>
+          <a:p>
+            <a:pPr marL="2592000" lvl="5" indent="-216000">
               <a:spcBef>
                 <a:spcPts val="283"/>
               </a:spcBef>
@@ -3149,17 +4066,14 @@
               <a:buChar char=""/>
             </a:pPr>
             <a:r>
-              <a:rPr b="0" lang="pt-PT" sz="2000" spc="-1" strike="noStrike">
+              <a:rPr lang="pt-PT" sz="2000" b="0" strike="noStrike" spc="-1">
                 <a:latin typeface="Arial"/>
               </a:rPr>
               <a:t>Sixth Outline Level</a:t>
             </a:r>
-            <a:endParaRPr b="0" lang="pt-PT" sz="2000" spc="-1" strike="noStrike">
-              <a:latin typeface="Arial"/>
-            </a:endParaRPr>
-          </a:p>
-          <a:p>
-            <a:pPr lvl="6" marL="3024000" indent="-216000">
+          </a:p>
+          <a:p>
+            <a:pPr marL="3024000" lvl="6" indent="-216000">
               <a:spcBef>
                 <a:spcPts val="283"/>
               </a:spcBef>
@@ -3171,39 +4085,316 @@
               <a:buChar char=""/>
             </a:pPr>
             <a:r>
-              <a:rPr b="0" lang="pt-PT" sz="2000" spc="-1" strike="noStrike">
+              <a:rPr lang="pt-PT" sz="2000" b="0" strike="noStrike" spc="-1">
                 <a:latin typeface="Arial"/>
               </a:rPr>
               <a:t>Seventh Outline Level</a:t>
             </a:r>
-            <a:endParaRPr b="0" lang="pt-PT" sz="2000" spc="-1" strike="noStrike">
-              <a:latin typeface="Arial"/>
-            </a:endParaRPr>
           </a:p>
         </p:txBody>
       </p:sp>
     </p:spTree>
   </p:cSld>
-  <p:clrMap bg1="lt1" bg2="lt2" tx1="dk1" tx2="dk2" accent1="accent1" accent2="accent2" accent3="accent3" accent4="accent4" accent5="accent5" accent6="accent6" hlink="hlink" folHlink="folHlink"/>
+  <p:clrMap bg1="lt1" tx1="dk1" bg2="lt2" tx2="dk2" accent1="accent1" accent2="accent2" accent3="accent3" accent4="accent4" accent5="accent5" accent6="accent6" hlink="hlink" folHlink="folHlink"/>
   <p:sldLayoutIdLst>
-    <p:sldLayoutId id="2147483662" r:id="rId2"/>
-    <p:sldLayoutId id="2147483663" r:id="rId3"/>
-    <p:sldLayoutId id="2147483664" r:id="rId4"/>
-    <p:sldLayoutId id="2147483665" r:id="rId5"/>
-    <p:sldLayoutId id="2147483666" r:id="rId6"/>
-    <p:sldLayoutId id="2147483667" r:id="rId7"/>
-    <p:sldLayoutId id="2147483668" r:id="rId8"/>
-    <p:sldLayoutId id="2147483669" r:id="rId9"/>
-    <p:sldLayoutId id="2147483670" r:id="rId10"/>
-    <p:sldLayoutId id="2147483671" r:id="rId11"/>
-    <p:sldLayoutId id="2147483672" r:id="rId12"/>
-    <p:sldLayoutId id="2147483673" r:id="rId13"/>
+    <p:sldLayoutId id="2147483662" r:id="rId1"/>
+    <p:sldLayoutId id="2147483663" r:id="rId2"/>
+    <p:sldLayoutId id="2147483664" r:id="rId3"/>
+    <p:sldLayoutId id="2147483665" r:id="rId4"/>
+    <p:sldLayoutId id="2147483666" r:id="rId5"/>
+    <p:sldLayoutId id="2147483667" r:id="rId6"/>
+    <p:sldLayoutId id="2147483668" r:id="rId7"/>
+    <p:sldLayoutId id="2147483669" r:id="rId8"/>
+    <p:sldLayoutId id="2147483670" r:id="rId9"/>
+    <p:sldLayoutId id="2147483671" r:id="rId10"/>
+    <p:sldLayoutId id="2147483672" r:id="rId11"/>
+    <p:sldLayoutId id="2147483673" r:id="rId12"/>
   </p:sldLayoutIdLst>
+  <p:txStyles>
+    <p:titleStyle>
+      <a:lvl1pPr algn="l" defTabSz="914400" rtl="0" eaLnBrk="1" latinLnBrk="0" hangingPunct="1">
+        <a:lnSpc>
+          <a:spcPct val="90000"/>
+        </a:lnSpc>
+        <a:spcBef>
+          <a:spcPct val="0"/>
+        </a:spcBef>
+        <a:buNone/>
+        <a:defRPr sz="4400" kern="1200">
+          <a:solidFill>
+            <a:schemeClr val="tx1"/>
+          </a:solidFill>
+          <a:latin typeface="+mj-lt"/>
+          <a:ea typeface="+mj-ea"/>
+          <a:cs typeface="+mj-cs"/>
+        </a:defRPr>
+      </a:lvl1pPr>
+    </p:titleStyle>
+    <p:bodyStyle>
+      <a:lvl1pPr marL="228600" indent="-228600" algn="l" defTabSz="914400" rtl="0" eaLnBrk="1" latinLnBrk="0" hangingPunct="1">
+        <a:lnSpc>
+          <a:spcPct val="90000"/>
+        </a:lnSpc>
+        <a:spcBef>
+          <a:spcPts val="1000"/>
+        </a:spcBef>
+        <a:buFont typeface="Arial" panose="020B0604020202020204" pitchFamily="34" charset="0"/>
+        <a:buChar char="•"/>
+        <a:defRPr sz="2800" kern="1200">
+          <a:solidFill>
+            <a:schemeClr val="tx1"/>
+          </a:solidFill>
+          <a:latin typeface="+mn-lt"/>
+          <a:ea typeface="+mn-ea"/>
+          <a:cs typeface="+mn-cs"/>
+        </a:defRPr>
+      </a:lvl1pPr>
+      <a:lvl2pPr marL="685800" indent="-228600" algn="l" defTabSz="914400" rtl="0" eaLnBrk="1" latinLnBrk="0" hangingPunct="1">
+        <a:lnSpc>
+          <a:spcPct val="90000"/>
+        </a:lnSpc>
+        <a:spcBef>
+          <a:spcPts val="500"/>
+        </a:spcBef>
+        <a:buFont typeface="Arial" panose="020B0604020202020204" pitchFamily="34" charset="0"/>
+        <a:buChar char="•"/>
+        <a:defRPr sz="2400" kern="1200">
+          <a:solidFill>
+            <a:schemeClr val="tx1"/>
+          </a:solidFill>
+          <a:latin typeface="+mn-lt"/>
+          <a:ea typeface="+mn-ea"/>
+          <a:cs typeface="+mn-cs"/>
+        </a:defRPr>
+      </a:lvl2pPr>
+      <a:lvl3pPr marL="1143000" indent="-228600" algn="l" defTabSz="914400" rtl="0" eaLnBrk="1" latinLnBrk="0" hangingPunct="1">
+        <a:lnSpc>
+          <a:spcPct val="90000"/>
+        </a:lnSpc>
+        <a:spcBef>
+          <a:spcPts val="500"/>
+        </a:spcBef>
+        <a:buFont typeface="Arial" panose="020B0604020202020204" pitchFamily="34" charset="0"/>
+        <a:buChar char="•"/>
+        <a:defRPr sz="2000" kern="1200">
+          <a:solidFill>
+            <a:schemeClr val="tx1"/>
+          </a:solidFill>
+          <a:latin typeface="+mn-lt"/>
+          <a:ea typeface="+mn-ea"/>
+          <a:cs typeface="+mn-cs"/>
+        </a:defRPr>
+      </a:lvl3pPr>
+      <a:lvl4pPr marL="1600200" indent="-228600" algn="l" defTabSz="914400" rtl="0" eaLnBrk="1" latinLnBrk="0" hangingPunct="1">
+        <a:lnSpc>
+          <a:spcPct val="90000"/>
+        </a:lnSpc>
+        <a:spcBef>
+          <a:spcPts val="500"/>
+        </a:spcBef>
+        <a:buFont typeface="Arial" panose="020B0604020202020204" pitchFamily="34" charset="0"/>
+        <a:buChar char="•"/>
+        <a:defRPr sz="1800" kern="1200">
+          <a:solidFill>
+            <a:schemeClr val="tx1"/>
+          </a:solidFill>
+          <a:latin typeface="+mn-lt"/>
+          <a:ea typeface="+mn-ea"/>
+          <a:cs typeface="+mn-cs"/>
+        </a:defRPr>
+      </a:lvl4pPr>
+      <a:lvl5pPr marL="2057400" indent="-228600" algn="l" defTabSz="914400" rtl="0" eaLnBrk="1" latinLnBrk="0" hangingPunct="1">
+        <a:lnSpc>
+          <a:spcPct val="90000"/>
+        </a:lnSpc>
+        <a:spcBef>
+          <a:spcPts val="500"/>
+        </a:spcBef>
+        <a:buFont typeface="Arial" panose="020B0604020202020204" pitchFamily="34" charset="0"/>
+        <a:buChar char="•"/>
+        <a:defRPr sz="1800" kern="1200">
+          <a:solidFill>
+            <a:schemeClr val="tx1"/>
+          </a:solidFill>
+          <a:latin typeface="+mn-lt"/>
+          <a:ea typeface="+mn-ea"/>
+          <a:cs typeface="+mn-cs"/>
+        </a:defRPr>
+      </a:lvl5pPr>
+      <a:lvl6pPr marL="2514600" indent="-228600" algn="l" defTabSz="914400" rtl="0" eaLnBrk="1" latinLnBrk="0" hangingPunct="1">
+        <a:lnSpc>
+          <a:spcPct val="90000"/>
+        </a:lnSpc>
+        <a:spcBef>
+          <a:spcPts val="500"/>
+        </a:spcBef>
+        <a:buFont typeface="Arial" panose="020B0604020202020204" pitchFamily="34" charset="0"/>
+        <a:buChar char="•"/>
+        <a:defRPr sz="1800" kern="1200">
+          <a:solidFill>
+            <a:schemeClr val="tx1"/>
+          </a:solidFill>
+          <a:latin typeface="+mn-lt"/>
+          <a:ea typeface="+mn-ea"/>
+          <a:cs typeface="+mn-cs"/>
+        </a:defRPr>
+      </a:lvl6pPr>
+      <a:lvl7pPr marL="2971800" indent="-228600" algn="l" defTabSz="914400" rtl="0" eaLnBrk="1" latinLnBrk="0" hangingPunct="1">
+        <a:lnSpc>
+          <a:spcPct val="90000"/>
+        </a:lnSpc>
+        <a:spcBef>
+          <a:spcPts val="500"/>
+        </a:spcBef>
+        <a:buFont typeface="Arial" panose="020B0604020202020204" pitchFamily="34" charset="0"/>
+        <a:buChar char="•"/>
+        <a:defRPr sz="1800" kern="1200">
+          <a:solidFill>
+            <a:schemeClr val="tx1"/>
+          </a:solidFill>
+          <a:latin typeface="+mn-lt"/>
+          <a:ea typeface="+mn-ea"/>
+          <a:cs typeface="+mn-cs"/>
+        </a:defRPr>
+      </a:lvl7pPr>
+      <a:lvl8pPr marL="3429000" indent="-228600" algn="l" defTabSz="914400" rtl="0" eaLnBrk="1" latinLnBrk="0" hangingPunct="1">
+        <a:lnSpc>
+          <a:spcPct val="90000"/>
+        </a:lnSpc>
+        <a:spcBef>
+          <a:spcPts val="500"/>
+        </a:spcBef>
+        <a:buFont typeface="Arial" panose="020B0604020202020204" pitchFamily="34" charset="0"/>
+        <a:buChar char="•"/>
+        <a:defRPr sz="1800" kern="1200">
+          <a:solidFill>
+            <a:schemeClr val="tx1"/>
+          </a:solidFill>
+          <a:latin typeface="+mn-lt"/>
+          <a:ea typeface="+mn-ea"/>
+          <a:cs typeface="+mn-cs"/>
+        </a:defRPr>
+      </a:lvl8pPr>
+      <a:lvl9pPr marL="3886200" indent="-228600" algn="l" defTabSz="914400" rtl="0" eaLnBrk="1" latinLnBrk="0" hangingPunct="1">
+        <a:lnSpc>
+          <a:spcPct val="90000"/>
+        </a:lnSpc>
+        <a:spcBef>
+          <a:spcPts val="500"/>
+        </a:spcBef>
+        <a:buFont typeface="Arial" panose="020B0604020202020204" pitchFamily="34" charset="0"/>
+        <a:buChar char="•"/>
+        <a:defRPr sz="1800" kern="1200">
+          <a:solidFill>
+            <a:schemeClr val="tx1"/>
+          </a:solidFill>
+          <a:latin typeface="+mn-lt"/>
+          <a:ea typeface="+mn-ea"/>
+          <a:cs typeface="+mn-cs"/>
+        </a:defRPr>
+      </a:lvl9pPr>
+    </p:bodyStyle>
+    <p:otherStyle>
+      <a:defPPr>
+        <a:defRPr lang="en-US"/>
+      </a:defPPr>
+      <a:lvl1pPr marL="0" algn="l" defTabSz="914400" rtl="0" eaLnBrk="1" latinLnBrk="0" hangingPunct="1">
+        <a:defRPr sz="1800" kern="1200">
+          <a:solidFill>
+            <a:schemeClr val="tx1"/>
+          </a:solidFill>
+          <a:latin typeface="+mn-lt"/>
+          <a:ea typeface="+mn-ea"/>
+          <a:cs typeface="+mn-cs"/>
+        </a:defRPr>
+      </a:lvl1pPr>
+      <a:lvl2pPr marL="457200" algn="l" defTabSz="914400" rtl="0" eaLnBrk="1" latinLnBrk="0" hangingPunct="1">
+        <a:defRPr sz="1800" kern="1200">
+          <a:solidFill>
+            <a:schemeClr val="tx1"/>
+          </a:solidFill>
+          <a:latin typeface="+mn-lt"/>
+          <a:ea typeface="+mn-ea"/>
+          <a:cs typeface="+mn-cs"/>
+        </a:defRPr>
+      </a:lvl2pPr>
+      <a:lvl3pPr marL="914400" algn="l" defTabSz="914400" rtl="0" eaLnBrk="1" latinLnBrk="0" hangingPunct="1">
+        <a:defRPr sz="1800" kern="1200">
+          <a:solidFill>
+            <a:schemeClr val="tx1"/>
+          </a:solidFill>
+          <a:latin typeface="+mn-lt"/>
+          <a:ea typeface="+mn-ea"/>
+          <a:cs typeface="+mn-cs"/>
+        </a:defRPr>
+      </a:lvl3pPr>
+      <a:lvl4pPr marL="1371600" algn="l" defTabSz="914400" rtl="0" eaLnBrk="1" latinLnBrk="0" hangingPunct="1">
+        <a:defRPr sz="1800" kern="1200">
+          <a:solidFill>
+            <a:schemeClr val="tx1"/>
+          </a:solidFill>
+          <a:latin typeface="+mn-lt"/>
+          <a:ea typeface="+mn-ea"/>
+          <a:cs typeface="+mn-cs"/>
+        </a:defRPr>
+      </a:lvl4pPr>
+      <a:lvl5pPr marL="1828800" algn="l" defTabSz="914400" rtl="0" eaLnBrk="1" latinLnBrk="0" hangingPunct="1">
+        <a:defRPr sz="1800" kern="1200">
+          <a:solidFill>
+            <a:schemeClr val="tx1"/>
+          </a:solidFill>
+          <a:latin typeface="+mn-lt"/>
+          <a:ea typeface="+mn-ea"/>
+          <a:cs typeface="+mn-cs"/>
+        </a:defRPr>
+      </a:lvl5pPr>
+      <a:lvl6pPr marL="2286000" algn="l" defTabSz="914400" rtl="0" eaLnBrk="1" latinLnBrk="0" hangingPunct="1">
+        <a:defRPr sz="1800" kern="1200">
+          <a:solidFill>
+            <a:schemeClr val="tx1"/>
+          </a:solidFill>
+          <a:latin typeface="+mn-lt"/>
+          <a:ea typeface="+mn-ea"/>
+          <a:cs typeface="+mn-cs"/>
+        </a:defRPr>
+      </a:lvl6pPr>
+      <a:lvl7pPr marL="2743200" algn="l" defTabSz="914400" rtl="0" eaLnBrk="1" latinLnBrk="0" hangingPunct="1">
+        <a:defRPr sz="1800" kern="1200">
+          <a:solidFill>
+            <a:schemeClr val="tx1"/>
+          </a:solidFill>
+          <a:latin typeface="+mn-lt"/>
+          <a:ea typeface="+mn-ea"/>
+          <a:cs typeface="+mn-cs"/>
+        </a:defRPr>
+      </a:lvl7pPr>
+      <a:lvl8pPr marL="3200400" algn="l" defTabSz="914400" rtl="0" eaLnBrk="1" latinLnBrk="0" hangingPunct="1">
+        <a:defRPr sz="1800" kern="1200">
+          <a:solidFill>
+            <a:schemeClr val="tx1"/>
+          </a:solidFill>
+          <a:latin typeface="+mn-lt"/>
+          <a:ea typeface="+mn-ea"/>
+          <a:cs typeface="+mn-cs"/>
+        </a:defRPr>
+      </a:lvl8pPr>
+      <a:lvl9pPr marL="3657600" algn="l" defTabSz="914400" rtl="0" eaLnBrk="1" latinLnBrk="0" hangingPunct="1">
+        <a:defRPr sz="1800" kern="1200">
+          <a:solidFill>
+            <a:schemeClr val="tx1"/>
+          </a:solidFill>
+          <a:latin typeface="+mn-lt"/>
+          <a:ea typeface="+mn-ea"/>
+          <a:cs typeface="+mn-cs"/>
+        </a:defRPr>
+      </a:lvl9pPr>
+    </p:otherStyle>
+  </p:txStyles>
 </p:sldMaster>
 </file>
 
 <file path=ppt/slides/slide1.xml><?xml version="1.0" encoding="utf-8"?>
-<p:sld xmlns:a="http://schemas.openxmlformats.org/drawingml/2006/main" xmlns:p="http://schemas.openxmlformats.org/presentationml/2006/main" xmlns:r="http://schemas.openxmlformats.org/officeDocument/2006/relationships" xmlns:p14="http://schemas.microsoft.com/office/powerpoint/2010/main" xmlns:p15="http://schemas.microsoft.com/office/powerpoint/2012/main" xmlns:mc="http://schemas.openxmlformats.org/markup-compatibility/2006">
+<p:sld xmlns:a="http://schemas.openxmlformats.org/drawingml/2006/main" xmlns:r="http://schemas.openxmlformats.org/officeDocument/2006/relationships" xmlns:p="http://schemas.openxmlformats.org/presentationml/2006/main">
   <p:cSld>
     <p:spTree>
       <p:nvGrpSpPr>
@@ -3239,15 +4430,22 @@
           </a:ln>
         </p:spPr>
         <p:style>
-          <a:lnRef idx="0"/>
-          <a:fillRef idx="0"/>
-          <a:effectRef idx="0"/>
+          <a:lnRef idx="0">
+            <a:scrgbClr r="0" g="0" b="0"/>
+          </a:lnRef>
+          <a:fillRef idx="0">
+            <a:scrgbClr r="0" g="0" b="0"/>
+          </a:fillRef>
+          <a:effectRef idx="0">
+            <a:scrgbClr r="0" g="0" b="0"/>
+          </a:effectRef>
           <a:fontRef idx="minor"/>
         </p:style>
         <p:txBody>
-          <a:bodyPr lIns="90000" rIns="90000" tIns="45000" bIns="45000" anchor="b">
-            <a:normAutofit/>
+          <a:bodyPr lIns="90000" tIns="45000" rIns="90000" bIns="45000" anchor="b">
+            <a:normAutofit fontScale="92500" lnSpcReduction="10000"/>
           </a:bodyPr>
+          <a:lstStyle/>
           <a:p>
             <a:pPr algn="ctr">
               <a:lnSpc>
@@ -3255,7 +4453,7 @@
               </a:lnSpc>
             </a:pPr>
             <a:r>
-              <a:rPr b="0" lang="pt-PT" sz="6000" spc="-1" strike="noStrike">
+              <a:rPr lang="pt-PT" sz="6000" b="0" strike="noStrike" spc="-1">
                 <a:solidFill>
                   <a:srgbClr val="000000"/>
                 </a:solidFill>
@@ -3265,7 +4463,7 @@
             </a:r>
             <a:br/>
             <a:r>
-              <a:rPr b="0" lang="pt-PT" sz="6000" spc="-1" strike="noStrike">
+              <a:rPr lang="pt-PT" sz="6000" b="0" strike="noStrike" spc="-1">
                 <a:solidFill>
                   <a:srgbClr val="000000"/>
                 </a:solidFill>
@@ -3273,7 +4471,7 @@
               </a:rPr>
               <a:t>IART 2019/20</a:t>
             </a:r>
-            <a:endParaRPr b="0" lang="pt-PT" sz="6000" spc="-1" strike="noStrike">
+            <a:endParaRPr lang="pt-PT" sz="6000" b="0" strike="noStrike" spc="-1">
               <a:latin typeface="Arial"/>
             </a:endParaRPr>
           </a:p>
@@ -3299,13 +4497,20 @@
           </a:ln>
         </p:spPr>
         <p:style>
-          <a:lnRef idx="0"/>
-          <a:fillRef idx="0"/>
-          <a:effectRef idx="0"/>
+          <a:lnRef idx="0">
+            <a:scrgbClr r="0" g="0" b="0"/>
+          </a:lnRef>
+          <a:fillRef idx="0">
+            <a:scrgbClr r="0" g="0" b="0"/>
+          </a:fillRef>
+          <a:effectRef idx="0">
+            <a:scrgbClr r="0" g="0" b="0"/>
+          </a:effectRef>
           <a:fontRef idx="minor"/>
         </p:style>
         <p:txBody>
-          <a:bodyPr lIns="90000" rIns="90000" tIns="45000" bIns="45000"/>
+          <a:bodyPr lIns="90000" tIns="45000" rIns="90000" bIns="45000"/>
+          <a:lstStyle/>
           <a:p>
             <a:pPr algn="ctr">
               <a:lnSpc>
@@ -3316,7 +4521,7 @@
               </a:spcBef>
             </a:pPr>
             <a:r>
-              <a:rPr b="0" lang="pt-PT" sz="1800" spc="-1" strike="noStrike">
+              <a:rPr lang="pt-PT" sz="1800" b="0" strike="noStrike" spc="-1" dirty="0">
                 <a:solidFill>
                   <a:srgbClr val="404040"/>
                 </a:solidFill>
@@ -3324,7 +4529,7 @@
               </a:rPr>
               <a:t>Trabalho realizado por:</a:t>
             </a:r>
-            <a:endParaRPr b="0" lang="pt-PT" sz="1800" spc="-1" strike="noStrike">
+            <a:endParaRPr lang="pt-PT" sz="1800" b="0" strike="noStrike" spc="-1" dirty="0">
               <a:latin typeface="Arial"/>
             </a:endParaRPr>
           </a:p>
@@ -3338,7 +4543,7 @@
               </a:spcBef>
             </a:pPr>
             <a:r>
-              <a:rPr b="0" lang="pt-PT" sz="1800" spc="-1" strike="noStrike">
+              <a:rPr lang="pt-PT" sz="1800" b="0" strike="noStrike" spc="-1" dirty="0">
                 <a:solidFill>
                   <a:srgbClr val="404040"/>
                 </a:solidFill>
@@ -3346,7 +4551,7 @@
               </a:rPr>
               <a:t>Matheus Gonçalves (201405081)</a:t>
             </a:r>
-            <a:endParaRPr b="0" lang="pt-PT" sz="1800" spc="-1" strike="noStrike">
+            <a:endParaRPr lang="pt-PT" sz="1800" b="0" strike="noStrike" spc="-1" dirty="0">
               <a:latin typeface="Arial"/>
             </a:endParaRPr>
           </a:p>
@@ -3360,7 +4565,7 @@
               </a:spcBef>
             </a:pPr>
             <a:r>
-              <a:rPr b="0" lang="pt-PT" sz="1800" spc="-1" strike="noStrike">
+              <a:rPr lang="pt-PT" sz="1800" b="0" strike="noStrike" spc="-1" dirty="0">
                 <a:solidFill>
                   <a:srgbClr val="404040"/>
                 </a:solidFill>
@@ -3368,7 +4573,7 @@
               </a:rPr>
               <a:t>Miguel Pires (201406989)</a:t>
             </a:r>
-            <a:endParaRPr b="0" lang="pt-PT" sz="1800" spc="-1" strike="noStrike">
+            <a:endParaRPr lang="pt-PT" sz="1800" b="0" strike="noStrike" spc="-1" dirty="0">
               <a:latin typeface="Arial"/>
             </a:endParaRPr>
           </a:p>
@@ -3382,7 +4587,7 @@
               </a:spcBef>
             </a:pPr>
             <a:r>
-              <a:rPr b="0" lang="pt-PT" sz="1800" spc="-1" strike="noStrike">
+              <a:rPr lang="pt-PT" sz="1800" b="0" strike="noStrike" spc="-1" dirty="0">
                 <a:solidFill>
                   <a:srgbClr val="404040"/>
                 </a:solidFill>
@@ -3390,7 +4595,7 @@
               </a:rPr>
               <a:t>Ricardo Cardoso (201604686)</a:t>
             </a:r>
-            <a:endParaRPr b="0" lang="pt-PT" sz="1800" spc="-1" strike="noStrike">
+            <a:endParaRPr lang="pt-PT" sz="1800" b="0" strike="noStrike" spc="-1" dirty="0">
               <a:latin typeface="Arial"/>
             </a:endParaRPr>
           </a:p>
@@ -3398,6 +4603,9 @@
       </p:sp>
     </p:spTree>
   </p:cSld>
+  <p:clrMapOvr>
+    <a:masterClrMapping/>
+  </p:clrMapOvr>
   <p:timing>
     <p:tnLst>
       <p:par>
@@ -3406,14 +4614,14 @@
             <p:seq>
               <p:cTn id="2" dur="indefinite" nodeType="mainSeq"/>
               <p:prevCondLst>
-                <p:cond delay="0" evt="onPrev">
+                <p:cond evt="onPrev" delay="0">
                   <p:tgtEl>
                     <p:sldTgt/>
                   </p:tgtEl>
                 </p:cond>
               </p:prevCondLst>
               <p:nextCondLst>
-                <p:cond delay="0" evt="onNext">
+                <p:cond evt="onNext" delay="0">
                   <p:tgtEl>
                     <p:sldTgt/>
                   </p:tgtEl>
@@ -3429,7 +4637,7 @@
 </file>
 
 <file path=ppt/slides/slide2.xml><?xml version="1.0" encoding="utf-8"?>
-<p:sld xmlns:a="http://schemas.openxmlformats.org/drawingml/2006/main" xmlns:p="http://schemas.openxmlformats.org/presentationml/2006/main" xmlns:r="http://schemas.openxmlformats.org/officeDocument/2006/relationships" xmlns:p14="http://schemas.microsoft.com/office/powerpoint/2010/main" xmlns:p15="http://schemas.microsoft.com/office/powerpoint/2012/main" xmlns:mc="http://schemas.openxmlformats.org/markup-compatibility/2006">
+<p:sld xmlns:a="http://schemas.openxmlformats.org/drawingml/2006/main" xmlns:r="http://schemas.openxmlformats.org/officeDocument/2006/relationships" xmlns:p="http://schemas.openxmlformats.org/presentationml/2006/main">
   <p:cSld>
     <p:spTree>
       <p:nvGrpSpPr>
@@ -3465,13 +4673,20 @@
           </a:ln>
         </p:spPr>
         <p:style>
-          <a:lnRef idx="0"/>
-          <a:fillRef idx="0"/>
-          <a:effectRef idx="0"/>
+          <a:lnRef idx="0">
+            <a:scrgbClr r="0" g="0" b="0"/>
+          </a:lnRef>
+          <a:fillRef idx="0">
+            <a:scrgbClr r="0" g="0" b="0"/>
+          </a:fillRef>
+          <a:effectRef idx="0">
+            <a:scrgbClr r="0" g="0" b="0"/>
+          </a:effectRef>
           <a:fontRef idx="minor"/>
         </p:style>
         <p:txBody>
-          <a:bodyPr lIns="90000" rIns="90000" tIns="45000" bIns="45000" anchor="ctr"/>
+          <a:bodyPr lIns="90000" tIns="45000" rIns="90000" bIns="45000" anchor="ctr"/>
+          <a:lstStyle/>
           <a:p>
             <a:pPr>
               <a:lnSpc>
@@ -3479,7 +4694,7 @@
               </a:lnSpc>
             </a:pPr>
             <a:r>
-              <a:rPr b="1" lang="pt-PT" sz="2400" spc="-1" strike="noStrike">
+              <a:rPr lang="pt-PT" sz="2400" b="1" strike="noStrike" spc="-1">
                 <a:solidFill>
                   <a:srgbClr val="000000"/>
                 </a:solidFill>
@@ -3487,7 +4702,7 @@
               </a:rPr>
               <a:t>Especificação do ZHED</a:t>
             </a:r>
-            <a:endParaRPr b="0" lang="pt-PT" sz="2400" spc="-1" strike="noStrike">
+            <a:endParaRPr lang="pt-PT" sz="2400" b="0" strike="noStrike" spc="-1">
               <a:latin typeface="Arial"/>
             </a:endParaRPr>
           </a:p>
@@ -3513,13 +4728,20 @@
           </a:ln>
         </p:spPr>
         <p:style>
-          <a:lnRef idx="0"/>
-          <a:fillRef idx="0"/>
-          <a:effectRef idx="0"/>
+          <a:lnRef idx="0">
+            <a:scrgbClr r="0" g="0" b="0"/>
+          </a:lnRef>
+          <a:fillRef idx="0">
+            <a:scrgbClr r="0" g="0" b="0"/>
+          </a:fillRef>
+          <a:effectRef idx="0">
+            <a:scrgbClr r="0" g="0" b="0"/>
+          </a:effectRef>
           <a:fontRef idx="minor"/>
         </p:style>
         <p:txBody>
-          <a:bodyPr lIns="90000" rIns="90000" tIns="45000" bIns="45000"/>
+          <a:bodyPr lIns="90000" tIns="45000" rIns="90000" bIns="45000"/>
+          <a:lstStyle/>
           <a:p>
             <a:pPr>
               <a:lnSpc>
@@ -3530,42 +4752,33 @@
               </a:spcBef>
             </a:pPr>
             <a:r>
-              <a:rPr b="0" lang="pt-PT" sz="2000" spc="-1" strike="noStrike">
+              <a:rPr lang="pt-PT" sz="2000" b="0" strike="noStrike" spc="-1">
                 <a:solidFill>
                   <a:srgbClr val="404040"/>
                 </a:solidFill>
                 <a:latin typeface="Arial"/>
               </a:rPr>
-              <a:t>	</a:t>
-            </a:r>
-            <a:r>
-              <a:rPr b="0" lang="pt-PT" sz="2000" spc="-1" strike="noStrike">
+              <a:t>	O </a:t>
+            </a:r>
+            <a:r>
+              <a:rPr lang="pt-PT" sz="2000" b="1" strike="noStrike" spc="-1">
                 <a:solidFill>
                   <a:srgbClr val="404040"/>
                 </a:solidFill>
                 <a:latin typeface="Arial"/>
               </a:rPr>
-              <a:t>O </a:t>
-            </a:r>
-            <a:r>
-              <a:rPr b="1" lang="pt-PT" sz="2000" spc="-1" strike="noStrike">
+              <a:t>ZHED</a:t>
+            </a:r>
+            <a:r>
+              <a:rPr lang="pt-PT" sz="2000" b="0" strike="noStrike" spc="-1">
                 <a:solidFill>
                   <a:srgbClr val="404040"/>
                 </a:solidFill>
                 <a:latin typeface="Arial"/>
               </a:rPr>
-              <a:t>ZHED</a:t>
-            </a:r>
-            <a:r>
-              <a:rPr b="0" lang="pt-PT" sz="2000" spc="-1" strike="noStrike">
-                <a:solidFill>
-                  <a:srgbClr val="404040"/>
-                </a:solidFill>
-                <a:latin typeface="Arial"/>
-              </a:rPr>
               <a:t> é um jogo do tipo solitário que consiste em resolver um puzzle. Os puzzles  são quadrículas com casas cinzentas, umas numeradas e outras não, e uma casa objetivo, de cor branca. Para completar cada nível, cada casa numerada tem que ser expandida em uma das quatro direções (cima, direita, baixo, esquerda) e sobreposta para alcançar a casa objetivo.</a:t>
             </a:r>
-            <a:endParaRPr b="0" lang="pt-PT" sz="2000" spc="-1" strike="noStrike">
+            <a:endParaRPr lang="pt-PT" sz="2000" b="0" strike="noStrike" spc="-1">
               <a:latin typeface="Arial"/>
             </a:endParaRPr>
           </a:p>
@@ -3578,7 +4791,7 @@
                 <a:spcPts val="1001"/>
               </a:spcBef>
             </a:pPr>
-            <a:endParaRPr b="0" lang="pt-PT" sz="2000" spc="-1" strike="noStrike">
+            <a:endParaRPr lang="pt-PT" sz="2000" b="0" strike="noStrike" spc="-1">
               <a:latin typeface="Arial"/>
             </a:endParaRPr>
           </a:p>
@@ -3592,42 +4805,33 @@
               </a:spcBef>
             </a:pPr>
             <a:r>
-              <a:rPr b="0" lang="pt-PT" sz="2000" spc="-1" strike="noStrike">
+              <a:rPr lang="pt-PT" sz="2000" b="0" strike="noStrike" spc="-1">
                 <a:solidFill>
                   <a:srgbClr val="404040"/>
                 </a:solidFill>
                 <a:latin typeface="Arial"/>
               </a:rPr>
-              <a:t>	</a:t>
-            </a:r>
-            <a:r>
-              <a:rPr b="0" lang="pt-PT" sz="2000" spc="-1" strike="noStrike">
+              <a:t>	Cada casa expande </a:t>
+            </a:r>
+            <a:r>
+              <a:rPr lang="pt-PT" sz="2000" b="1" i="1" strike="noStrike" spc="-1">
                 <a:solidFill>
                   <a:srgbClr val="404040"/>
                 </a:solidFill>
                 <a:latin typeface="Arial"/>
               </a:rPr>
-              <a:t>Cada casa expande </a:t>
-            </a:r>
-            <a:r>
-              <a:rPr b="1" i="1" lang="pt-PT" sz="2000" spc="-1" strike="noStrike">
+              <a:t>n</a:t>
+            </a:r>
+            <a:r>
+              <a:rPr lang="pt-PT" sz="2000" b="0" strike="noStrike" spc="-1">
                 <a:solidFill>
                   <a:srgbClr val="404040"/>
                 </a:solidFill>
                 <a:latin typeface="Arial"/>
               </a:rPr>
-              <a:t>n</a:t>
-            </a:r>
-            <a:r>
-              <a:rPr b="0" lang="pt-PT" sz="2000" spc="-1" strike="noStrike">
-                <a:solidFill>
-                  <a:srgbClr val="404040"/>
-                </a:solidFill>
-                <a:latin typeface="Arial"/>
-              </a:rPr>
               <a:t> casas na direção escolhida, diminuindo em um para cada casa vazia. Quando uma casa em expansão se sobrepõe a uma casa já preenchida, o número de casas a serem preenchidas na direção da expansão não diminui.</a:t>
             </a:r>
-            <a:endParaRPr b="0" lang="pt-PT" sz="2000" spc="-1" strike="noStrike">
+            <a:endParaRPr lang="pt-PT" sz="2000" b="0" strike="noStrike" spc="-1">
               <a:latin typeface="Arial"/>
             </a:endParaRPr>
           </a:p>
@@ -3635,22 +4839,25 @@
       </p:sp>
     </p:spTree>
   </p:cSld>
+  <p:clrMapOvr>
+    <a:masterClrMapping/>
+  </p:clrMapOvr>
   <p:timing>
     <p:tnLst>
       <p:par>
-        <p:cTn id="3" dur="indefinite" restart="never" nodeType="tmRoot">
+        <p:cTn id="1" dur="indefinite" restart="never" nodeType="tmRoot">
           <p:childTnLst>
             <p:seq>
-              <p:cTn id="4" dur="indefinite" nodeType="mainSeq"/>
+              <p:cTn id="2" dur="indefinite" nodeType="mainSeq"/>
               <p:prevCondLst>
-                <p:cond delay="0" evt="onPrev">
+                <p:cond evt="onPrev" delay="0">
                   <p:tgtEl>
                     <p:sldTgt/>
                   </p:tgtEl>
                 </p:cond>
               </p:prevCondLst>
               <p:nextCondLst>
-                <p:cond delay="0" evt="onNext">
+                <p:cond evt="onNext" delay="0">
                   <p:tgtEl>
                     <p:sldTgt/>
                   </p:tgtEl>
@@ -3666,7 +4873,7 @@
 </file>
 
 <file path=ppt/slides/slide3.xml><?xml version="1.0" encoding="utf-8"?>
-<p:sld xmlns:a="http://schemas.openxmlformats.org/drawingml/2006/main" xmlns:p="http://schemas.openxmlformats.org/presentationml/2006/main" xmlns:r="http://schemas.openxmlformats.org/officeDocument/2006/relationships" xmlns:p14="http://schemas.microsoft.com/office/powerpoint/2010/main" xmlns:p15="http://schemas.microsoft.com/office/powerpoint/2012/main" xmlns:mc="http://schemas.openxmlformats.org/markup-compatibility/2006">
+<p:sld xmlns:a="http://schemas.openxmlformats.org/drawingml/2006/main" xmlns:r="http://schemas.openxmlformats.org/officeDocument/2006/relationships" xmlns:p="http://schemas.openxmlformats.org/presentationml/2006/main">
   <p:cSld>
     <p:spTree>
       <p:nvGrpSpPr>
@@ -3702,13 +4909,20 @@
           </a:ln>
         </p:spPr>
         <p:style>
-          <a:lnRef idx="0"/>
-          <a:fillRef idx="0"/>
-          <a:effectRef idx="0"/>
+          <a:lnRef idx="0">
+            <a:scrgbClr r="0" g="0" b="0"/>
+          </a:lnRef>
+          <a:fillRef idx="0">
+            <a:scrgbClr r="0" g="0" b="0"/>
+          </a:fillRef>
+          <a:effectRef idx="0">
+            <a:scrgbClr r="0" g="0" b="0"/>
+          </a:effectRef>
           <a:fontRef idx="minor"/>
         </p:style>
         <p:txBody>
-          <a:bodyPr lIns="90000" rIns="90000" tIns="45000" bIns="45000" anchor="ctr"/>
+          <a:bodyPr lIns="90000" tIns="45000" rIns="90000" bIns="45000" anchor="ctr"/>
+          <a:lstStyle/>
           <a:p>
             <a:pPr>
               <a:lnSpc>
@@ -3716,7 +4930,7 @@
               </a:lnSpc>
             </a:pPr>
             <a:r>
-              <a:rPr b="1" lang="pt-PT" sz="2400" spc="-1" strike="noStrike">
+              <a:rPr lang="pt-PT" sz="2400" b="1" strike="noStrike" spc="-1">
                 <a:solidFill>
                   <a:srgbClr val="000000"/>
                 </a:solidFill>
@@ -3724,7 +4938,7 @@
               </a:rPr>
               <a:t>Problema de pesquisa</a:t>
             </a:r>
-            <a:endParaRPr b="0" lang="pt-PT" sz="2400" spc="-1" strike="noStrike">
+            <a:endParaRPr lang="pt-PT" sz="2400" b="0" strike="noStrike" spc="-1">
               <a:latin typeface="Arial"/>
             </a:endParaRPr>
           </a:p>
@@ -3745,7 +4959,7 @@
             <a:avLst/>
           </a:prstGeom>
           <a:solidFill>
-            <a:srgbClr val="ffffff"/>
+            <a:srgbClr val="FFFFFF"/>
           </a:solidFill>
           <a:ln w="12600">
             <a:solidFill>
@@ -3755,13 +4969,20 @@
           </a:ln>
         </p:spPr>
         <p:style>
-          <a:lnRef idx="0"/>
-          <a:fillRef idx="0"/>
-          <a:effectRef idx="0"/>
+          <a:lnRef idx="0">
+            <a:scrgbClr r="0" g="0" b="0"/>
+          </a:lnRef>
+          <a:fillRef idx="0">
+            <a:scrgbClr r="0" g="0" b="0"/>
+          </a:fillRef>
+          <a:effectRef idx="0">
+            <a:scrgbClr r="0" g="0" b="0"/>
+          </a:effectRef>
           <a:fontRef idx="minor"/>
         </p:style>
         <p:txBody>
-          <a:bodyPr lIns="90000" rIns="90000" tIns="45000" bIns="45000"/>
+          <a:bodyPr lIns="90000" tIns="45000" rIns="90000" bIns="45000"/>
+          <a:lstStyle/>
           <a:p>
             <a:pPr marL="228600" indent="-227880">
               <a:lnSpc>
@@ -3777,7 +4998,7 @@
               <a:buChar char="•"/>
             </a:pPr>
             <a:r>
-              <a:rPr b="0" lang="pt-PT" sz="2000" spc="-1" strike="noStrike" u="sng">
+              <a:rPr lang="pt-PT" sz="2000" b="0" u="sng" strike="noStrike" spc="-1">
                 <a:solidFill>
                   <a:srgbClr val="000000"/>
                 </a:solidFill>
@@ -3786,7 +5007,7 @@
               </a:rPr>
               <a:t>Representação do estado:</a:t>
             </a:r>
-            <a:endParaRPr b="0" lang="pt-PT" sz="2000" spc="-1" strike="noStrike">
+            <a:endParaRPr lang="pt-PT" sz="2000" b="0" strike="noStrike" spc="-1">
               <a:latin typeface="Arial"/>
             </a:endParaRPr>
           </a:p>
@@ -3800,7 +5021,7 @@
               </a:spcBef>
             </a:pPr>
             <a:r>
-              <a:rPr b="0" lang="pt-PT" sz="2000" spc="-1" strike="noStrike">
+              <a:rPr lang="pt-PT" sz="2000" b="0" strike="noStrike" spc="-1">
                 <a:solidFill>
                   <a:srgbClr val="000000"/>
                 </a:solidFill>
@@ -3808,7 +5029,7 @@
               </a:rPr>
               <a:t>ArrayList&lt;ArrayList&lt;char&gt;&gt;</a:t>
             </a:r>
-            <a:endParaRPr b="0" lang="pt-PT" sz="2000" spc="-1" strike="noStrike">
+            <a:endParaRPr lang="pt-PT" sz="2000" b="0" strike="noStrike" spc="-1">
               <a:latin typeface="Arial"/>
             </a:endParaRPr>
           </a:p>
@@ -3822,24 +5043,15 @@
               </a:spcBef>
             </a:pPr>
             <a:r>
-              <a:rPr b="0" lang="pt-PT" sz="2000" spc="-1" strike="noStrike">
+              <a:rPr lang="pt-PT" sz="2000" b="0" strike="noStrike" spc="-1">
                 <a:solidFill>
                   <a:srgbClr val="000000"/>
                 </a:solidFill>
                 <a:latin typeface="Arial"/>
               </a:rPr>
-              <a:t>    </a:t>
-            </a:r>
-            <a:r>
-              <a:rPr b="0" lang="pt-PT" sz="2000" spc="-1" strike="noStrike">
-                <a:solidFill>
-                  <a:srgbClr val="000000"/>
-                </a:solidFill>
-                <a:latin typeface="Arial"/>
-              </a:rPr>
-              <a:t>.    =&gt; espaço em branco</a:t>
-            </a:r>
-            <a:endParaRPr b="0" lang="pt-PT" sz="2000" spc="-1" strike="noStrike">
+              <a:t>    .    =&gt; espaço em branco</a:t>
+            </a:r>
+            <a:endParaRPr lang="pt-PT" sz="2000" b="0" strike="noStrike" spc="-1">
               <a:latin typeface="Arial"/>
             </a:endParaRPr>
           </a:p>
@@ -3853,7 +5065,7 @@
               </a:spcBef>
             </a:pPr>
             <a:r>
-              <a:rPr b="0" lang="pt-PT" sz="2000" spc="-1" strike="noStrike">
+              <a:rPr lang="pt-PT" sz="2000" b="0" strike="noStrike" spc="-1">
                 <a:solidFill>
                   <a:srgbClr val="000000"/>
                 </a:solidFill>
@@ -3861,7 +5073,7 @@
               </a:rPr>
               <a:t>[1..9] =&gt; casas selecionáveis</a:t>
             </a:r>
-            <a:endParaRPr b="0" lang="pt-PT" sz="2000" spc="-1" strike="noStrike">
+            <a:endParaRPr lang="pt-PT" sz="2000" b="0" strike="noStrike" spc="-1">
               <a:latin typeface="Arial"/>
             </a:endParaRPr>
           </a:p>
@@ -3875,24 +5087,15 @@
               </a:spcBef>
             </a:pPr>
             <a:r>
-              <a:rPr b="0" lang="pt-PT" sz="2000" spc="-1" strike="noStrike">
+              <a:rPr lang="pt-PT" sz="2000" b="0" strike="noStrike" spc="-1">
                 <a:solidFill>
                   <a:srgbClr val="000000"/>
                 </a:solidFill>
                 <a:latin typeface="Arial"/>
               </a:rPr>
-              <a:t>   </a:t>
-            </a:r>
-            <a:r>
-              <a:rPr b="0" lang="pt-PT" sz="2000" spc="-1" strike="noStrike">
-                <a:solidFill>
-                  <a:srgbClr val="000000"/>
-                </a:solidFill>
-                <a:latin typeface="Arial"/>
-              </a:rPr>
-              <a:t>W  =&gt; casa vencedora</a:t>
-            </a:r>
-            <a:endParaRPr b="0" lang="pt-PT" sz="2000" spc="-1" strike="noStrike">
+              <a:t>   W  =&gt; casa vencedora</a:t>
+            </a:r>
+            <a:endParaRPr lang="pt-PT" sz="2000" b="0" strike="noStrike" spc="-1">
               <a:latin typeface="Arial"/>
             </a:endParaRPr>
           </a:p>
@@ -3906,7 +5109,7 @@
               </a:spcBef>
             </a:pPr>
             <a:r>
-              <a:rPr b="0" lang="pt-PT" sz="2000" spc="-1" strike="noStrike">
+              <a:rPr lang="pt-PT" sz="2000" b="0" strike="noStrike" spc="-1">
                 <a:solidFill>
                   <a:srgbClr val="000000"/>
                 </a:solidFill>
@@ -3915,24 +5118,15 @@
               <a:t>   </a:t>
             </a:r>
             <a:r>
-              <a:rPr b="0" lang="pt-PT" sz="2000" spc="-1" strike="noStrike">
+              <a:rPr lang="pt-PT" sz="2000" b="0" strike="noStrike" spc="-1">
                 <a:solidFill>
                   <a:srgbClr val="000000"/>
                 </a:solidFill>
                 <a:latin typeface="东文宋体"/>
               </a:rPr>
-              <a:t>●    </a:t>
-            </a:r>
-            <a:r>
-              <a:rPr b="0" lang="pt-PT" sz="2000" spc="-1" strike="noStrike">
-                <a:solidFill>
-                  <a:srgbClr val="000000"/>
-                </a:solidFill>
-                <a:latin typeface="东文宋体"/>
-              </a:rPr>
-              <a:t>=&gt; casa ocupada (corresponde a uma ação realizada por uma peça)</a:t>
-            </a:r>
-            <a:endParaRPr b="0" lang="pt-PT" sz="2000" spc="-1" strike="noStrike">
+              <a:t>●    =&gt; casa ocupada (corresponde a uma ação realizada por uma peça)</a:t>
+            </a:r>
+            <a:endParaRPr lang="pt-PT" sz="2000" b="0" strike="noStrike" spc="-1">
               <a:latin typeface="Arial"/>
             </a:endParaRPr>
           </a:p>
@@ -3969,9 +5163,10 @@
           <a:fontRef idx="minor"/>
         </p:style>
         <p:txBody>
-          <a:bodyPr lIns="90000" rIns="90000" tIns="45000" bIns="45000">
+          <a:bodyPr lIns="90000" tIns="45000" rIns="90000" bIns="45000">
             <a:normAutofit/>
           </a:bodyPr>
+          <a:lstStyle/>
           <a:p>
             <a:pPr marL="228600" indent="-227880">
               <a:lnSpc>
@@ -3987,7 +5182,7 @@
               <a:buChar char="•"/>
             </a:pPr>
             <a:r>
-              <a:rPr b="0" lang="pt-PT" sz="2000" spc="-1" strike="noStrike" u="sng">
+              <a:rPr lang="pt-PT" sz="2000" b="0" u="sng" strike="noStrike" spc="-1">
                 <a:solidFill>
                   <a:srgbClr val="000000"/>
                 </a:solidFill>
@@ -3997,7 +5192,7 @@
               </a:rPr>
               <a:t>Estado inicial (exemplo):</a:t>
             </a:r>
-            <a:endParaRPr b="0" lang="pt-PT" sz="2000" spc="-1" strike="noStrike">
+            <a:endParaRPr lang="pt-PT" sz="2000" b="0" strike="noStrike" spc="-1">
               <a:latin typeface="Arial"/>
             </a:endParaRPr>
           </a:p>
@@ -4011,26 +5206,16 @@
               </a:spcBef>
             </a:pPr>
             <a:r>
-              <a:rPr b="0" lang="pt-PT" sz="2000" spc="-1" strike="noStrike">
+              <a:rPr lang="pt-PT" sz="2000" b="0" strike="noStrike" spc="-1">
                 <a:solidFill>
                   <a:srgbClr val="000000"/>
                 </a:solidFill>
                 <a:latin typeface="FreeMono"/>
                 <a:ea typeface="DejaVu Sans"/>
               </a:rPr>
-              <a:t> </a:t>
-            </a:r>
-            <a:r>
-              <a:rPr b="0" lang="pt-PT" sz="2000" spc="-1" strike="noStrike">
-                <a:solidFill>
-                  <a:srgbClr val="000000"/>
-                </a:solidFill>
-                <a:latin typeface="FreeMono"/>
-                <a:ea typeface="DejaVu Sans"/>
-              </a:rPr>
-              <a:t>. . . . . . . .</a:t>
-            </a:r>
-            <a:endParaRPr b="0" lang="pt-PT" sz="2000" spc="-1" strike="noStrike">
+              <a:t> . . . . . . . .</a:t>
+            </a:r>
+            <a:endParaRPr lang="pt-PT" sz="2000" b="0" strike="noStrike" spc="-1">
               <a:latin typeface="Arial"/>
             </a:endParaRPr>
           </a:p>
@@ -4044,26 +5229,16 @@
               </a:spcBef>
             </a:pPr>
             <a:r>
-              <a:rPr b="0" lang="pt-PT" sz="2000" spc="-1" strike="noStrike">
+              <a:rPr lang="pt-PT" sz="2000" b="0" strike="noStrike" spc="-1">
                 <a:solidFill>
                   <a:srgbClr val="000000"/>
                 </a:solidFill>
                 <a:latin typeface="FreeMono"/>
                 <a:ea typeface="DejaVu Sans"/>
               </a:rPr>
-              <a:t> </a:t>
-            </a:r>
-            <a:r>
-              <a:rPr b="0" lang="pt-PT" sz="2000" spc="-1" strike="noStrike">
-                <a:solidFill>
-                  <a:srgbClr val="000000"/>
-                </a:solidFill>
-                <a:latin typeface="FreeMono"/>
-                <a:ea typeface="DejaVu Sans"/>
-              </a:rPr>
-              <a:t>. . . . . . . .</a:t>
-            </a:r>
-            <a:endParaRPr b="0" lang="pt-PT" sz="2000" spc="-1" strike="noStrike">
+              <a:t> . . . . . . . .</a:t>
+            </a:r>
+            <a:endParaRPr lang="pt-PT" sz="2000" b="0" strike="noStrike" spc="-1">
               <a:latin typeface="Arial"/>
             </a:endParaRPr>
           </a:p>
@@ -4077,26 +5252,16 @@
               </a:spcBef>
             </a:pPr>
             <a:r>
-              <a:rPr b="0" lang="pt-PT" sz="2000" spc="-1" strike="noStrike">
+              <a:rPr lang="pt-PT" sz="2000" b="0" strike="noStrike" spc="-1">
                 <a:solidFill>
                   <a:srgbClr val="000000"/>
                 </a:solidFill>
                 <a:latin typeface="FreeMono"/>
                 <a:ea typeface="DejaVu Sans"/>
               </a:rPr>
-              <a:t> </a:t>
-            </a:r>
-            <a:r>
-              <a:rPr b="0" lang="pt-PT" sz="2000" spc="-1" strike="noStrike">
-                <a:solidFill>
-                  <a:srgbClr val="000000"/>
-                </a:solidFill>
-                <a:latin typeface="FreeMono"/>
-                <a:ea typeface="DejaVu Sans"/>
-              </a:rPr>
-              <a:t>. . . . W . . .</a:t>
-            </a:r>
-            <a:endParaRPr b="0" lang="pt-PT" sz="2000" spc="-1" strike="noStrike">
+              <a:t> . . . . W . . .</a:t>
+            </a:r>
+            <a:endParaRPr lang="pt-PT" sz="2000" b="0" strike="noStrike" spc="-1">
               <a:latin typeface="Arial"/>
             </a:endParaRPr>
           </a:p>
@@ -4110,26 +5275,16 @@
               </a:spcBef>
             </a:pPr>
             <a:r>
-              <a:rPr b="0" lang="pt-PT" sz="2000" spc="-1" strike="noStrike">
+              <a:rPr lang="pt-PT" sz="2000" b="0" strike="noStrike" spc="-1">
                 <a:solidFill>
                   <a:srgbClr val="000000"/>
                 </a:solidFill>
                 <a:latin typeface="FreeMono"/>
                 <a:ea typeface="DejaVu Sans"/>
               </a:rPr>
-              <a:t> </a:t>
-            </a:r>
-            <a:r>
-              <a:rPr b="0" lang="pt-PT" sz="2000" spc="-1" strike="noStrike">
-                <a:solidFill>
-                  <a:srgbClr val="000000"/>
-                </a:solidFill>
-                <a:latin typeface="FreeMono"/>
-                <a:ea typeface="DejaVu Sans"/>
-              </a:rPr>
-              <a:t>. . . . . . . .</a:t>
-            </a:r>
-            <a:endParaRPr b="0" lang="pt-PT" sz="2000" spc="-1" strike="noStrike">
+              <a:t> . . . . . . . .</a:t>
+            </a:r>
+            <a:endParaRPr lang="pt-PT" sz="2000" b="0" strike="noStrike" spc="-1">
               <a:latin typeface="Arial"/>
             </a:endParaRPr>
           </a:p>
@@ -4143,26 +5298,16 @@
               </a:spcBef>
             </a:pPr>
             <a:r>
-              <a:rPr b="0" lang="pt-PT" sz="2000" spc="-1" strike="noStrike">
+              <a:rPr lang="pt-PT" sz="2000" b="0" strike="noStrike" spc="-1">
                 <a:solidFill>
                   <a:srgbClr val="000000"/>
                 </a:solidFill>
                 <a:latin typeface="FreeMono"/>
                 <a:ea typeface="DejaVu Sans"/>
               </a:rPr>
-              <a:t> </a:t>
-            </a:r>
-            <a:r>
-              <a:rPr b="0" lang="pt-PT" sz="2000" spc="-1" strike="noStrike">
-                <a:solidFill>
-                  <a:srgbClr val="000000"/>
-                </a:solidFill>
-                <a:latin typeface="FreeMono"/>
-                <a:ea typeface="DejaVu Sans"/>
-              </a:rPr>
-              <a:t>. . 2 . . . . .</a:t>
-            </a:r>
-            <a:endParaRPr b="0" lang="pt-PT" sz="2000" spc="-1" strike="noStrike">
+              <a:t> . . 2 . . . . .</a:t>
+            </a:r>
+            <a:endParaRPr lang="pt-PT" sz="2000" b="0" strike="noStrike" spc="-1">
               <a:latin typeface="Arial"/>
             </a:endParaRPr>
           </a:p>
@@ -4176,26 +5321,16 @@
               </a:spcBef>
             </a:pPr>
             <a:r>
-              <a:rPr b="0" lang="pt-PT" sz="2000" spc="-1" strike="noStrike">
+              <a:rPr lang="pt-PT" sz="2000" b="0" strike="noStrike" spc="-1">
                 <a:solidFill>
                   <a:srgbClr val="000000"/>
                 </a:solidFill>
                 <a:latin typeface="FreeMono"/>
                 <a:ea typeface="DejaVu Sans"/>
               </a:rPr>
-              <a:t> </a:t>
-            </a:r>
-            <a:r>
-              <a:rPr b="0" lang="pt-PT" sz="2000" spc="-1" strike="noStrike">
-                <a:solidFill>
-                  <a:srgbClr val="000000"/>
-                </a:solidFill>
-                <a:latin typeface="FreeMono"/>
-                <a:ea typeface="DejaVu Sans"/>
-              </a:rPr>
-              <a:t>. . . . 2 . . .</a:t>
-            </a:r>
-            <a:endParaRPr b="0" lang="pt-PT" sz="2000" spc="-1" strike="noStrike">
+              <a:t> . . . . 2 . . .</a:t>
+            </a:r>
+            <a:endParaRPr lang="pt-PT" sz="2000" b="0" strike="noStrike" spc="-1">
               <a:latin typeface="Arial"/>
             </a:endParaRPr>
           </a:p>
@@ -4209,26 +5344,16 @@
               </a:spcBef>
             </a:pPr>
             <a:r>
-              <a:rPr b="0" lang="pt-PT" sz="2000" spc="-1" strike="noStrike">
+              <a:rPr lang="pt-PT" sz="2000" b="0" strike="noStrike" spc="-1">
                 <a:solidFill>
                   <a:srgbClr val="000000"/>
                 </a:solidFill>
                 <a:latin typeface="FreeMono"/>
                 <a:ea typeface="DejaVu Sans"/>
               </a:rPr>
-              <a:t> </a:t>
-            </a:r>
-            <a:r>
-              <a:rPr b="0" lang="pt-PT" sz="2000" spc="-1" strike="noStrike">
-                <a:solidFill>
-                  <a:srgbClr val="000000"/>
-                </a:solidFill>
-                <a:latin typeface="FreeMono"/>
-                <a:ea typeface="DejaVu Sans"/>
-              </a:rPr>
-              <a:t>. . . . . . . .</a:t>
-            </a:r>
-            <a:endParaRPr b="0" lang="pt-PT" sz="2000" spc="-1" strike="noStrike">
+              <a:t> . . . . . . . .</a:t>
+            </a:r>
+            <a:endParaRPr lang="pt-PT" sz="2000" b="0" strike="noStrike" spc="-1">
               <a:latin typeface="Arial"/>
             </a:endParaRPr>
           </a:p>
@@ -4242,26 +5367,16 @@
               </a:spcBef>
             </a:pPr>
             <a:r>
-              <a:rPr b="0" lang="pt-PT" sz="2000" spc="-1" strike="noStrike">
+              <a:rPr lang="pt-PT" sz="2000" b="0" strike="noStrike" spc="-1">
                 <a:solidFill>
                   <a:srgbClr val="000000"/>
                 </a:solidFill>
                 <a:latin typeface="FreeMono"/>
                 <a:ea typeface="DejaVu Sans"/>
               </a:rPr>
-              <a:t> </a:t>
-            </a:r>
-            <a:r>
-              <a:rPr b="0" lang="pt-PT" sz="2000" spc="-1" strike="noStrike">
-                <a:solidFill>
-                  <a:srgbClr val="000000"/>
-                </a:solidFill>
-                <a:latin typeface="FreeMono"/>
-                <a:ea typeface="DejaVu Sans"/>
-              </a:rPr>
-              <a:t>. . . . . . . .</a:t>
-            </a:r>
-            <a:endParaRPr b="0" lang="pt-PT" sz="2000" spc="-1" strike="noStrike">
+              <a:t> . . . . . . . .</a:t>
+            </a:r>
+            <a:endParaRPr lang="pt-PT" sz="2000" b="0" strike="noStrike" spc="-1">
               <a:latin typeface="Arial"/>
             </a:endParaRPr>
           </a:p>
@@ -4274,7 +5389,7 @@
                 <a:spcPts val="1001"/>
               </a:spcBef>
             </a:pPr>
-            <a:endParaRPr b="0" lang="pt-PT" sz="2000" spc="-1" strike="noStrike">
+            <a:endParaRPr lang="pt-PT" sz="2000" b="0" strike="noStrike" spc="-1">
               <a:latin typeface="Arial"/>
             </a:endParaRPr>
           </a:p>
@@ -4311,9 +5426,10 @@
           <a:fontRef idx="minor"/>
         </p:style>
         <p:txBody>
-          <a:bodyPr lIns="90000" rIns="90000" tIns="45000" bIns="45000">
+          <a:bodyPr lIns="90000" tIns="45000" rIns="90000" bIns="45000">
             <a:normAutofit/>
           </a:bodyPr>
+          <a:lstStyle/>
           <a:p>
             <a:pPr marL="228600" indent="-227880">
               <a:lnSpc>
@@ -4329,7 +5445,7 @@
               <a:buChar char="•"/>
             </a:pPr>
             <a:r>
-              <a:rPr b="0" lang="pt-PT" sz="2000" spc="-1" strike="noStrike" u="sng">
+              <a:rPr lang="pt-PT" sz="2000" b="0" u="sng" strike="noStrike" spc="-1">
                 <a:solidFill>
                   <a:srgbClr val="000000"/>
                 </a:solidFill>
@@ -4340,7 +5456,7 @@
               <a:t>Teste objetivo (W = </a:t>
             </a:r>
             <a:r>
-              <a:rPr b="0" lang="pt-PT" sz="2000" spc="-1" strike="noStrike" u="sng">
+              <a:rPr lang="pt-PT" sz="2000" b="0" u="sng" strike="noStrike" spc="-1">
                 <a:solidFill>
                   <a:srgbClr val="000000"/>
                 </a:solidFill>
@@ -4351,7 +5467,7 @@
               <a:t>●)</a:t>
             </a:r>
             <a:r>
-              <a:rPr b="0" lang="pt-PT" sz="2000" spc="-1" strike="noStrike" u="sng">
+              <a:rPr lang="pt-PT" sz="2000" b="0" u="sng" strike="noStrike" spc="-1">
                 <a:solidFill>
                   <a:srgbClr val="000000"/>
                 </a:solidFill>
@@ -4361,7 +5477,7 @@
               </a:rPr>
               <a:t>:</a:t>
             </a:r>
-            <a:endParaRPr b="0" lang="pt-PT" sz="2000" spc="-1" strike="noStrike">
+            <a:endParaRPr lang="pt-PT" sz="2000" b="0" strike="noStrike" spc="-1">
               <a:latin typeface="Arial"/>
             </a:endParaRPr>
           </a:p>
@@ -4375,26 +5491,16 @@
               </a:spcBef>
             </a:pPr>
             <a:r>
-              <a:rPr b="0" lang="pt-PT" sz="2000" spc="-1" strike="noStrike">
+              <a:rPr lang="pt-PT" sz="2000" b="0" strike="noStrike" spc="-1">
                 <a:solidFill>
                   <a:srgbClr val="000000"/>
                 </a:solidFill>
                 <a:latin typeface="FreeMono"/>
                 <a:ea typeface="DejaVu Sans"/>
               </a:rPr>
-              <a:t> </a:t>
-            </a:r>
-            <a:r>
-              <a:rPr b="0" lang="pt-PT" sz="2000" spc="-1" strike="noStrike">
-                <a:solidFill>
-                  <a:srgbClr val="000000"/>
-                </a:solidFill>
-                <a:latin typeface="FreeMono"/>
-                <a:ea typeface="DejaVu Sans"/>
-              </a:rPr>
-              <a:t>. . . . . . . .</a:t>
-            </a:r>
-            <a:endParaRPr b="0" lang="pt-PT" sz="2000" spc="-1" strike="noStrike">
+              <a:t> . . . . . . . .</a:t>
+            </a:r>
+            <a:endParaRPr lang="pt-PT" sz="2000" b="0" strike="noStrike" spc="-1">
               <a:latin typeface="Arial"/>
             </a:endParaRPr>
           </a:p>
@@ -4408,26 +5514,16 @@
               </a:spcBef>
             </a:pPr>
             <a:r>
-              <a:rPr b="0" lang="pt-PT" sz="2000" spc="-1" strike="noStrike">
+              <a:rPr lang="pt-PT" sz="2000" b="0" strike="noStrike" spc="-1">
                 <a:solidFill>
                   <a:srgbClr val="000000"/>
                 </a:solidFill>
                 <a:latin typeface="FreeMono"/>
                 <a:ea typeface="DejaVu Sans"/>
               </a:rPr>
-              <a:t> </a:t>
-            </a:r>
-            <a:r>
-              <a:rPr b="0" lang="pt-PT" sz="2000" spc="-1" strike="noStrike">
-                <a:solidFill>
-                  <a:srgbClr val="000000"/>
-                </a:solidFill>
-                <a:latin typeface="FreeMono"/>
-                <a:ea typeface="DejaVu Sans"/>
-              </a:rPr>
-              <a:t>. . . . . . . .</a:t>
-            </a:r>
-            <a:endParaRPr b="0" lang="pt-PT" sz="2000" spc="-1" strike="noStrike">
+              <a:t> . . . . . . . .</a:t>
+            </a:r>
+            <a:endParaRPr lang="pt-PT" sz="2000" b="0" strike="noStrike" spc="-1">
               <a:latin typeface="Arial"/>
             </a:endParaRPr>
           </a:p>
@@ -4441,26 +5537,16 @@
               </a:spcBef>
             </a:pPr>
             <a:r>
-              <a:rPr b="0" lang="pt-PT" sz="2000" spc="-1" strike="noStrike">
+              <a:rPr lang="pt-PT" sz="2000" b="0" strike="noStrike" spc="-1">
                 <a:solidFill>
                   <a:srgbClr val="000000"/>
                 </a:solidFill>
                 <a:latin typeface="FreeMono"/>
                 <a:ea typeface="DejaVu Sans"/>
               </a:rPr>
-              <a:t> </a:t>
-            </a:r>
-            <a:r>
-              <a:rPr b="0" lang="pt-PT" sz="2000" spc="-1" strike="noStrike">
-                <a:solidFill>
-                  <a:srgbClr val="000000"/>
-                </a:solidFill>
-                <a:latin typeface="FreeMono"/>
-                <a:ea typeface="DejaVu Sans"/>
-              </a:rPr>
-              <a:t>. . . . 0 . . .</a:t>
-            </a:r>
-            <a:endParaRPr b="0" lang="pt-PT" sz="2000" spc="-1" strike="noStrike">
+              <a:t> . . . . 0 . . .</a:t>
+            </a:r>
+            <a:endParaRPr lang="pt-PT" sz="2000" b="0" strike="noStrike" spc="-1">
               <a:latin typeface="Arial"/>
             </a:endParaRPr>
           </a:p>
@@ -4474,26 +5560,16 @@
               </a:spcBef>
             </a:pPr>
             <a:r>
-              <a:rPr b="0" lang="pt-PT" sz="2000" spc="-1" strike="noStrike">
+              <a:rPr lang="pt-PT" sz="2000" b="0" strike="noStrike" spc="-1">
                 <a:solidFill>
                   <a:srgbClr val="000000"/>
                 </a:solidFill>
                 <a:latin typeface="FreeMono"/>
                 <a:ea typeface="DejaVu Sans"/>
               </a:rPr>
-              <a:t> </a:t>
-            </a:r>
-            <a:r>
-              <a:rPr b="0" lang="pt-PT" sz="2000" spc="-1" strike="noStrike">
-                <a:solidFill>
-                  <a:srgbClr val="000000"/>
-                </a:solidFill>
-                <a:latin typeface="FreeMono"/>
-                <a:ea typeface="DejaVu Sans"/>
-              </a:rPr>
-              <a:t>. . . . 0 . . .</a:t>
-            </a:r>
-            <a:endParaRPr b="0" lang="pt-PT" sz="2000" spc="-1" strike="noStrike">
+              <a:t> . . . . 0 . . .</a:t>
+            </a:r>
+            <a:endParaRPr lang="pt-PT" sz="2000" b="0" strike="noStrike" spc="-1">
               <a:latin typeface="Arial"/>
             </a:endParaRPr>
           </a:p>
@@ -4507,26 +5583,16 @@
               </a:spcBef>
             </a:pPr>
             <a:r>
-              <a:rPr b="0" lang="pt-PT" sz="2000" spc="-1" strike="noStrike">
+              <a:rPr lang="pt-PT" sz="2000" b="0" strike="noStrike" spc="-1">
                 <a:solidFill>
                   <a:srgbClr val="000000"/>
                 </a:solidFill>
                 <a:latin typeface="FreeMono"/>
                 <a:ea typeface="DejaVu Sans"/>
               </a:rPr>
-              <a:t> </a:t>
-            </a:r>
-            <a:r>
-              <a:rPr b="0" lang="pt-PT" sz="2000" spc="-1" strike="noStrike">
-                <a:solidFill>
-                  <a:srgbClr val="000000"/>
-                </a:solidFill>
-                <a:latin typeface="FreeMono"/>
-                <a:ea typeface="DejaVu Sans"/>
-              </a:rPr>
-              <a:t>. . 0 0 0 . . .</a:t>
-            </a:r>
-            <a:endParaRPr b="0" lang="pt-PT" sz="2000" spc="-1" strike="noStrike">
+              <a:t> . . 0 0 0 . . .</a:t>
+            </a:r>
+            <a:endParaRPr lang="pt-PT" sz="2000" b="0" strike="noStrike" spc="-1">
               <a:latin typeface="Arial"/>
             </a:endParaRPr>
           </a:p>
@@ -4540,26 +5606,16 @@
               </a:spcBef>
             </a:pPr>
             <a:r>
-              <a:rPr b="0" lang="pt-PT" sz="2000" spc="-1" strike="noStrike">
+              <a:rPr lang="pt-PT" sz="2000" b="0" strike="noStrike" spc="-1">
                 <a:solidFill>
                   <a:srgbClr val="000000"/>
                 </a:solidFill>
                 <a:latin typeface="FreeMono"/>
                 <a:ea typeface="DejaVu Sans"/>
               </a:rPr>
-              <a:t> </a:t>
-            </a:r>
-            <a:r>
-              <a:rPr b="0" lang="pt-PT" sz="2000" spc="-1" strike="noStrike">
-                <a:solidFill>
-                  <a:srgbClr val="000000"/>
-                </a:solidFill>
-                <a:latin typeface="FreeMono"/>
-                <a:ea typeface="DejaVu Sans"/>
-              </a:rPr>
-              <a:t>. . . . 0 . . .</a:t>
-            </a:r>
-            <a:endParaRPr b="0" lang="pt-PT" sz="2000" spc="-1" strike="noStrike">
+              <a:t> . . . . 0 . . .</a:t>
+            </a:r>
+            <a:endParaRPr lang="pt-PT" sz="2000" b="0" strike="noStrike" spc="-1">
               <a:latin typeface="Arial"/>
             </a:endParaRPr>
           </a:p>
@@ -4573,26 +5629,16 @@
               </a:spcBef>
             </a:pPr>
             <a:r>
-              <a:rPr b="0" lang="pt-PT" sz="2000" spc="-1" strike="noStrike">
+              <a:rPr lang="pt-PT" sz="2000" b="0" strike="noStrike" spc="-1">
                 <a:solidFill>
                   <a:srgbClr val="000000"/>
                 </a:solidFill>
                 <a:latin typeface="FreeMono"/>
                 <a:ea typeface="DejaVu Sans"/>
               </a:rPr>
-              <a:t> </a:t>
-            </a:r>
-            <a:r>
-              <a:rPr b="0" lang="pt-PT" sz="2000" spc="-1" strike="noStrike">
-                <a:solidFill>
-                  <a:srgbClr val="000000"/>
-                </a:solidFill>
-                <a:latin typeface="FreeMono"/>
-                <a:ea typeface="DejaVu Sans"/>
-              </a:rPr>
-              <a:t>. . . . . . . .</a:t>
-            </a:r>
-            <a:endParaRPr b="0" lang="pt-PT" sz="2000" spc="-1" strike="noStrike">
+              <a:t> . . . . . . . .</a:t>
+            </a:r>
+            <a:endParaRPr lang="pt-PT" sz="2000" b="0" strike="noStrike" spc="-1">
               <a:latin typeface="Arial"/>
             </a:endParaRPr>
           </a:p>
@@ -4606,26 +5652,16 @@
               </a:spcBef>
             </a:pPr>
             <a:r>
-              <a:rPr b="0" lang="pt-PT" sz="2000" spc="-1" strike="noStrike">
+              <a:rPr lang="pt-PT" sz="2000" b="0" strike="noStrike" spc="-1">
                 <a:solidFill>
                   <a:srgbClr val="000000"/>
                 </a:solidFill>
                 <a:latin typeface="FreeMono"/>
                 <a:ea typeface="DejaVu Sans"/>
               </a:rPr>
-              <a:t> </a:t>
-            </a:r>
-            <a:r>
-              <a:rPr b="0" lang="pt-PT" sz="2000" spc="-1" strike="noStrike">
-                <a:solidFill>
-                  <a:srgbClr val="000000"/>
-                </a:solidFill>
-                <a:latin typeface="FreeMono"/>
-                <a:ea typeface="DejaVu Sans"/>
-              </a:rPr>
-              <a:t>. . . . . . . .</a:t>
-            </a:r>
-            <a:endParaRPr b="0" lang="pt-PT" sz="2000" spc="-1" strike="noStrike">
+              <a:t> . . . . . . . .</a:t>
+            </a:r>
+            <a:endParaRPr lang="pt-PT" sz="2000" b="0" strike="noStrike" spc="-1">
               <a:latin typeface="Arial"/>
             </a:endParaRPr>
           </a:p>
@@ -4638,7 +5674,7 @@
                 <a:spcPts val="1001"/>
               </a:spcBef>
             </a:pPr>
-            <a:endParaRPr b="0" lang="pt-PT" sz="2000" spc="-1" strike="noStrike">
+            <a:endParaRPr lang="pt-PT" sz="2000" b="0" strike="noStrike" spc="-1">
               <a:latin typeface="Arial"/>
             </a:endParaRPr>
           </a:p>
@@ -4651,7 +5687,7 @@
                 <a:spcPts val="1001"/>
               </a:spcBef>
             </a:pPr>
-            <a:endParaRPr b="0" lang="pt-PT" sz="2000" spc="-1" strike="noStrike">
+            <a:endParaRPr lang="pt-PT" sz="2000" b="0" strike="noStrike" spc="-1">
               <a:latin typeface="Arial"/>
             </a:endParaRPr>
           </a:p>
@@ -4688,9 +5724,10 @@
           <a:fontRef idx="minor"/>
         </p:style>
         <p:txBody>
-          <a:bodyPr lIns="90000" rIns="90000" tIns="45000" bIns="45000">
+          <a:bodyPr lIns="90000" tIns="45000" rIns="90000" bIns="45000">
             <a:normAutofit/>
           </a:bodyPr>
+          <a:lstStyle/>
           <a:p>
             <a:pPr marL="228600" indent="-227880">
               <a:lnSpc>
@@ -4706,7 +5743,7 @@
               <a:buChar char="•"/>
             </a:pPr>
             <a:r>
-              <a:rPr b="0" lang="pt-PT" sz="2000" spc="-1" strike="noStrike" u="sng">
+              <a:rPr lang="pt-PT" sz="2000" b="0" u="sng" strike="noStrike" spc="-1">
                 <a:solidFill>
                   <a:srgbClr val="000000"/>
                 </a:solidFill>
@@ -4716,7 +5753,7 @@
               </a:rPr>
               <a:t>Operadores:</a:t>
             </a:r>
-            <a:endParaRPr b="0" lang="pt-PT" sz="2000" spc="-1" strike="noStrike">
+            <a:endParaRPr lang="pt-PT" sz="2000" b="0" strike="noStrike" spc="-1">
               <a:latin typeface="Arial"/>
             </a:endParaRPr>
           </a:p>
@@ -4730,7 +5767,7 @@
               </a:spcBef>
             </a:pPr>
             <a:r>
-              <a:rPr b="0" lang="pt-PT" sz="2000" spc="-1" strike="noStrike">
+              <a:rPr lang="pt-PT" sz="2000" b="0" strike="noStrike" spc="-1">
                 <a:solidFill>
                   <a:srgbClr val="000000"/>
                 </a:solidFill>
@@ -4739,7 +5776,7 @@
               </a:rPr>
               <a:t>Esquerda, Direita, Cima, Baixo. </a:t>
             </a:r>
-            <a:endParaRPr b="0" lang="pt-PT" sz="2000" spc="-1" strike="noStrike">
+            <a:endParaRPr lang="pt-PT" sz="2000" b="0" strike="noStrike" spc="-1">
               <a:latin typeface="Arial"/>
             </a:endParaRPr>
           </a:p>
@@ -4753,7 +5790,7 @@
               </a:spcBef>
             </a:pPr>
             <a:r>
-              <a:rPr b="0" lang="pt-PT" sz="2000" spc="-1" strike="noStrike">
+              <a:rPr lang="pt-PT" sz="2000" b="0" strike="noStrike" spc="-1">
                 <a:solidFill>
                   <a:srgbClr val="000000"/>
                 </a:solidFill>
@@ -4762,7 +5799,7 @@
               </a:rPr>
               <a:t>  </a:t>
             </a:r>
-            <a:endParaRPr b="0" lang="pt-PT" sz="2000" spc="-1" strike="noStrike">
+            <a:endParaRPr lang="pt-PT" sz="2000" b="0" strike="noStrike" spc="-1">
               <a:latin typeface="Arial"/>
             </a:endParaRPr>
           </a:p>
@@ -4788,38 +5825,39 @@
           </a:ln>
         </p:spPr>
         <p:txBody>
-          <a:bodyPr lIns="90000" rIns="90000" tIns="45000" bIns="45000"/>
-          <a:p>
-            <a:r>
-              <a:rPr b="0" lang="pt-PT" sz="1400" spc="-1" strike="noStrike">
+          <a:bodyPr lIns="90000" tIns="45000" rIns="90000" bIns="45000"/>
+          <a:lstStyle/>
+          <a:p>
+            <a:r>
+              <a:rPr lang="pt-PT" sz="1400" b="0" strike="noStrike" spc="-1">
                 <a:latin typeface="Arial"/>
               </a:rPr>
               <a:t>Sequencia de ações:  Peça (3,5) → Direita, Peça (5,6) → Cima</a:t>
             </a:r>
-            <a:endParaRPr b="0" lang="pt-PT" sz="1400" spc="-1" strike="noStrike">
-              <a:latin typeface="Arial"/>
-            </a:endParaRPr>
           </a:p>
         </p:txBody>
       </p:sp>
     </p:spTree>
   </p:cSld>
+  <p:clrMapOvr>
+    <a:masterClrMapping/>
+  </p:clrMapOvr>
   <p:timing>
     <p:tnLst>
       <p:par>
-        <p:cTn id="5" dur="indefinite" restart="never" nodeType="tmRoot">
+        <p:cTn id="1" dur="indefinite" restart="never" nodeType="tmRoot">
           <p:childTnLst>
             <p:seq>
-              <p:cTn id="6" dur="indefinite" nodeType="mainSeq"/>
+              <p:cTn id="2" dur="indefinite" nodeType="mainSeq"/>
               <p:prevCondLst>
-                <p:cond delay="0" evt="onPrev">
+                <p:cond evt="onPrev" delay="0">
                   <p:tgtEl>
                     <p:sldTgt/>
                   </p:tgtEl>
                 </p:cond>
               </p:prevCondLst>
               <p:nextCondLst>
-                <p:cond delay="0" evt="onNext">
+                <p:cond evt="onNext" delay="0">
                   <p:tgtEl>
                     <p:sldTgt/>
                   </p:tgtEl>
@@ -4835,7 +5873,7 @@
 </file>
 
 <file path=ppt/slides/slide4.xml><?xml version="1.0" encoding="utf-8"?>
-<p:sld xmlns:a="http://schemas.openxmlformats.org/drawingml/2006/main" xmlns:p="http://schemas.openxmlformats.org/presentationml/2006/main" xmlns:r="http://schemas.openxmlformats.org/officeDocument/2006/relationships" xmlns:p14="http://schemas.microsoft.com/office/powerpoint/2010/main" xmlns:p15="http://schemas.microsoft.com/office/powerpoint/2012/main" xmlns:mc="http://schemas.openxmlformats.org/markup-compatibility/2006">
+<p:sld xmlns:a="http://schemas.openxmlformats.org/drawingml/2006/main" xmlns:r="http://schemas.openxmlformats.org/officeDocument/2006/relationships" xmlns:p="http://schemas.openxmlformats.org/presentationml/2006/main">
   <p:cSld>
     <p:spTree>
       <p:nvGrpSpPr>
@@ -4871,13 +5909,20 @@
           </a:ln>
         </p:spPr>
         <p:style>
-          <a:lnRef idx="0"/>
-          <a:fillRef idx="0"/>
-          <a:effectRef idx="0"/>
+          <a:lnRef idx="0">
+            <a:scrgbClr r="0" g="0" b="0"/>
+          </a:lnRef>
+          <a:fillRef idx="0">
+            <a:scrgbClr r="0" g="0" b="0"/>
+          </a:fillRef>
+          <a:effectRef idx="0">
+            <a:scrgbClr r="0" g="0" b="0"/>
+          </a:effectRef>
           <a:fontRef idx="minor"/>
         </p:style>
         <p:txBody>
-          <a:bodyPr lIns="90000" rIns="90000" tIns="45000" bIns="45000" anchor="ctr"/>
+          <a:bodyPr lIns="90000" tIns="45000" rIns="90000" bIns="45000" anchor="ctr"/>
+          <a:lstStyle/>
           <a:p>
             <a:pPr>
               <a:lnSpc>
@@ -4885,7 +5930,7 @@
               </a:lnSpc>
             </a:pPr>
             <a:r>
-              <a:rPr b="1" lang="pt-PT" sz="2400" spc="-1" strike="noStrike">
+              <a:rPr lang="pt-PT" sz="2400" b="1" strike="noStrike" spc="-1">
                 <a:solidFill>
                   <a:srgbClr val="000000"/>
                 </a:solidFill>
@@ -4893,7 +5938,7 @@
               </a:rPr>
               <a:t>Arquitetura do projeto</a:t>
             </a:r>
-            <a:endParaRPr b="0" lang="pt-PT" sz="2400" spc="-1" strike="noStrike">
+            <a:endParaRPr lang="pt-PT" sz="2400" b="0" strike="noStrike" spc="-1">
               <a:latin typeface="Arial"/>
             </a:endParaRPr>
           </a:p>
@@ -4919,13 +5964,20 @@
           </a:ln>
         </p:spPr>
         <p:style>
-          <a:lnRef idx="0"/>
-          <a:fillRef idx="0"/>
-          <a:effectRef idx="0"/>
+          <a:lnRef idx="0">
+            <a:scrgbClr r="0" g="0" b="0"/>
+          </a:lnRef>
+          <a:fillRef idx="0">
+            <a:scrgbClr r="0" g="0" b="0"/>
+          </a:fillRef>
+          <a:effectRef idx="0">
+            <a:scrgbClr r="0" g="0" b="0"/>
+          </a:effectRef>
           <a:fontRef idx="minor"/>
         </p:style>
         <p:txBody>
-          <a:bodyPr lIns="0" rIns="0" tIns="0" bIns="0"/>
+          <a:bodyPr lIns="0" tIns="0" rIns="0" bIns="0"/>
+          <a:lstStyle/>
           <a:p>
             <a:pPr>
               <a:lnSpc>
@@ -4933,14 +5985,11 @@
               </a:lnSpc>
             </a:pPr>
             <a:r>
-              <a:rPr b="0" lang="pt-PT" sz="1800" spc="-1" strike="noStrike">
+              <a:rPr lang="pt-PT" sz="1800" b="0" strike="noStrike" spc="-1">
                 <a:latin typeface="Arial"/>
               </a:rPr>
               <a:t>Para a realização do solver com recursos aos algoritmos propostos (BFS, DFS, A* etc…) iremos implementar uma árvore em que cada node representa uma peça escolhida e as arestas a ação que cada uma pode executar no tabuleiro. Para gerar tal grafo partimos de uma formula que nos dá o número de nodes:</a:t>
             </a:r>
-            <a:endParaRPr b="0" lang="pt-PT" sz="1800" spc="-1" strike="noStrike">
-              <a:latin typeface="Arial"/>
-            </a:endParaRPr>
           </a:p>
           <a:p>
             <a:pPr>
@@ -4949,25 +5998,22 @@
               </a:lnSpc>
             </a:pPr>
             <a:r>
-              <a:rPr b="0" lang="pt-PT" sz="1800" spc="-1" strike="noStrike">
+              <a:rPr lang="pt-PT" sz="1800" b="0" strike="noStrike" spc="-1">
                 <a:latin typeface="Arial"/>
               </a:rPr>
               <a:t>(4^k *n) +1, k ∈ [0...n+1] em que n representa o numero de peças no tabuleiro. </a:t>
             </a:r>
-            <a:endParaRPr b="0" lang="pt-PT" sz="1800" spc="-1" strike="noStrike">
-              <a:latin typeface="Arial"/>
-            </a:endParaRPr>
           </a:p>
         </p:txBody>
       </p:sp>
       <p:pic>
         <p:nvPicPr>
-          <p:cNvPr id="88" name="" descr=""/>
+          <p:cNvPr id="88" name="Picture 87"/>
           <p:cNvPicPr/>
           <p:nvPr/>
         </p:nvPicPr>
         <p:blipFill>
-          <a:blip r:embed="rId1"/>
+          <a:blip r:embed="rId2"/>
           <a:stretch/>
         </p:blipFill>
         <p:spPr>
@@ -5003,42 +6049,34 @@
           </a:ln>
         </p:spPr>
         <p:txBody>
-          <a:bodyPr lIns="90000" rIns="90000" tIns="45000" bIns="45000"/>
-          <a:p>
-            <a:r>
-              <a:rPr b="0" lang="pt-PT" sz="1800" spc="-1" strike="noStrike">
+          <a:bodyPr lIns="90000" tIns="45000" rIns="90000" bIns="45000"/>
+          <a:lstStyle/>
+          <a:p>
+            <a:r>
+              <a:rPr lang="pt-PT" sz="1800" b="0" strike="noStrike" spc="-1">
                 <a:latin typeface="Arial"/>
               </a:rPr>
               <a:t>Game.java contém o loop do jogo para input do ultilizador bem como a logica dos movimentos no tabuleiro.</a:t>
             </a:r>
-            <a:endParaRPr b="0" lang="pt-PT" sz="1800" spc="-1" strike="noStrike">
-              <a:latin typeface="Arial"/>
-            </a:endParaRPr>
-          </a:p>
-          <a:p>
-            <a:r>
-              <a:rPr b="0" lang="pt-PT" sz="1800" spc="-1" strike="noStrike">
+          </a:p>
+          <a:p>
+            <a:r>
+              <a:rPr lang="pt-PT" sz="1800" b="0" strike="noStrike" spc="-1">
                 <a:latin typeface="Arial"/>
               </a:rPr>
               <a:t>Graph.java é o controlador da tree (onde também vão ser implementados os algoritmos de procura).</a:t>
             </a:r>
-            <a:endParaRPr b="0" lang="pt-PT" sz="1800" spc="-1" strike="noStrike">
-              <a:latin typeface="Arial"/>
-            </a:endParaRPr>
-          </a:p>
-          <a:p>
-            <a:r>
-              <a:rPr b="0" lang="pt-PT" sz="1800" spc="-1" strike="noStrike">
+          </a:p>
+          <a:p>
+            <a:r>
+              <a:rPr lang="pt-PT" sz="1800" b="0" strike="noStrike" spc="-1">
                 <a:latin typeface="Arial"/>
               </a:rPr>
               <a:t>Edge.java e Node.java são classes que constituem a tree do graph.  </a:t>
             </a:r>
-            <a:endParaRPr b="0" lang="pt-PT" sz="1800" spc="-1" strike="noStrike">
-              <a:latin typeface="Arial"/>
-            </a:endParaRPr>
-          </a:p>
-          <a:p>
-            <a:endParaRPr b="0" lang="pt-PT" sz="1800" spc="-1" strike="noStrike">
+          </a:p>
+          <a:p>
+            <a:endParaRPr lang="pt-PT" sz="1800" b="0" strike="noStrike" spc="-1">
               <a:latin typeface="Arial"/>
             </a:endParaRPr>
           </a:p>
@@ -5046,22 +6084,25 @@
       </p:sp>
     </p:spTree>
   </p:cSld>
+  <p:clrMapOvr>
+    <a:masterClrMapping/>
+  </p:clrMapOvr>
   <p:timing>
     <p:tnLst>
       <p:par>
-        <p:cTn id="7" dur="indefinite" restart="never" nodeType="tmRoot">
+        <p:cTn id="1" dur="indefinite" restart="never" nodeType="tmRoot">
           <p:childTnLst>
             <p:seq>
-              <p:cTn id="8" dur="indefinite" nodeType="mainSeq"/>
+              <p:cTn id="2" dur="indefinite" nodeType="mainSeq"/>
               <p:prevCondLst>
-                <p:cond delay="0" evt="onPrev">
+                <p:cond evt="onPrev" delay="0">
                   <p:tgtEl>
                     <p:sldTgt/>
                   </p:tgtEl>
                 </p:cond>
               </p:prevCondLst>
               <p:nextCondLst>
-                <p:cond delay="0" evt="onNext">
+                <p:cond evt="onNext" delay="0">
                   <p:tgtEl>
                     <p:sldTgt/>
                   </p:tgtEl>
@@ -5077,7 +6118,7 @@
 </file>
 
 <file path=ppt/slides/slide5.xml><?xml version="1.0" encoding="utf-8"?>
-<p:sld xmlns:a="http://schemas.openxmlformats.org/drawingml/2006/main" xmlns:p="http://schemas.openxmlformats.org/presentationml/2006/main" xmlns:r="http://schemas.openxmlformats.org/officeDocument/2006/relationships" xmlns:p14="http://schemas.microsoft.com/office/powerpoint/2010/main" xmlns:p15="http://schemas.microsoft.com/office/powerpoint/2012/main" xmlns:mc="http://schemas.openxmlformats.org/markup-compatibility/2006">
+<p:sld xmlns:a="http://schemas.openxmlformats.org/drawingml/2006/main" xmlns:r="http://schemas.openxmlformats.org/officeDocument/2006/relationships" xmlns:p="http://schemas.openxmlformats.org/presentationml/2006/main">
   <p:cSld>
     <p:spTree>
       <p:nvGrpSpPr>
@@ -5095,7 +6136,7 @@
       </p:grpSpPr>
       <p:sp>
         <p:nvSpPr>
-          <p:cNvPr id="90" name="CustomShape 1"/>
+          <p:cNvPr id="78" name="CustomShape 1"/>
           <p:cNvSpPr/>
           <p:nvPr/>
         </p:nvSpPr>
@@ -5113,13 +6154,20 @@
           </a:ln>
         </p:spPr>
         <p:style>
-          <a:lnRef idx="0"/>
-          <a:fillRef idx="0"/>
-          <a:effectRef idx="0"/>
+          <a:lnRef idx="0">
+            <a:scrgbClr r="0" g="0" b="0"/>
+          </a:lnRef>
+          <a:fillRef idx="0">
+            <a:scrgbClr r="0" g="0" b="0"/>
+          </a:fillRef>
+          <a:effectRef idx="0">
+            <a:scrgbClr r="0" g="0" b="0"/>
+          </a:effectRef>
           <a:fontRef idx="minor"/>
         </p:style>
         <p:txBody>
-          <a:bodyPr lIns="90000" rIns="90000" tIns="45000" bIns="45000" anchor="ctr"/>
+          <a:bodyPr lIns="90000" tIns="45000" rIns="90000" bIns="45000" anchor="ctr"/>
+          <a:lstStyle/>
           <a:p>
             <a:pPr>
               <a:lnSpc>
@@ -5127,30 +6175,30 @@
               </a:lnSpc>
             </a:pPr>
             <a:r>
-              <a:rPr b="1" lang="pt-PT" sz="2400" spc="-1" strike="noStrike">
+              <a:rPr lang="pt-PT" sz="2400" b="1" strike="noStrike" spc="-1" dirty="0">
                 <a:solidFill>
                   <a:srgbClr val="000000"/>
                 </a:solidFill>
                 <a:latin typeface="Arial Black"/>
               </a:rPr>
-              <a:t>Referências</a:t>
-            </a:r>
-            <a:endParaRPr b="0" lang="pt-PT" sz="2400" spc="-1" strike="noStrike">
-              <a:latin typeface="Arial"/>
-            </a:endParaRPr>
-          </a:p>
-        </p:txBody>
-      </p:sp>
-      <p:sp>
-        <p:nvSpPr>
-          <p:cNvPr id="91" name="CustomShape 2"/>
+              <a:t>Abordagem aplicada (heurísticas, funções de avaliação, operadores)</a:t>
+            </a:r>
+            <a:endParaRPr lang="pt-PT" sz="2400" b="0" strike="noStrike" spc="-1" dirty="0">
+              <a:latin typeface="Arial"/>
+            </a:endParaRPr>
+          </a:p>
+        </p:txBody>
+      </p:sp>
+      <p:sp>
+        <p:nvSpPr>
+          <p:cNvPr id="79" name="CustomShape 2"/>
           <p:cNvSpPr/>
           <p:nvPr/>
         </p:nvSpPr>
         <p:spPr>
           <a:xfrm>
             <a:off x="647640" y="1825560"/>
-            <a:ext cx="10514880" cy="4350600"/>
+            <a:ext cx="10514880" cy="2916000"/>
           </a:xfrm>
           <a:prstGeom prst="rect">
             <a:avLst/>
@@ -5161,13 +6209,1535 @@
           </a:ln>
         </p:spPr>
         <p:style>
-          <a:lnRef idx="0"/>
-          <a:fillRef idx="0"/>
-          <a:effectRef idx="0"/>
+          <a:lnRef idx="0">
+            <a:scrgbClr r="0" g="0" b="0"/>
+          </a:lnRef>
+          <a:fillRef idx="0">
+            <a:scrgbClr r="0" g="0" b="0"/>
+          </a:fillRef>
+          <a:effectRef idx="0">
+            <a:scrgbClr r="0" g="0" b="0"/>
+          </a:effectRef>
           <a:fontRef idx="minor"/>
         </p:style>
         <p:txBody>
-          <a:bodyPr lIns="90000" rIns="90000" tIns="45000" bIns="45000"/>
+          <a:bodyPr lIns="90000" tIns="45000" rIns="90000" bIns="45000"/>
+          <a:lstStyle/>
+          <a:p>
+            <a:pPr>
+              <a:lnSpc>
+                <a:spcPct val="90000"/>
+              </a:lnSpc>
+              <a:spcBef>
+                <a:spcPts val="1001"/>
+              </a:spcBef>
+            </a:pPr>
+            <a:r>
+              <a:rPr lang="pt-PT" sz="2000" b="0" strike="noStrike" spc="-1" dirty="0">
+                <a:solidFill>
+                  <a:srgbClr val="404040"/>
+                </a:solidFill>
+                <a:latin typeface="Arial"/>
+              </a:rPr>
+              <a:t>	…</a:t>
+            </a:r>
+            <a:endParaRPr lang="pt-PT" sz="2000" b="0" strike="noStrike" spc="-1" dirty="0">
+              <a:latin typeface="Arial"/>
+            </a:endParaRPr>
+          </a:p>
+        </p:txBody>
+      </p:sp>
+    </p:spTree>
+    <p:extLst>
+      <p:ext uri="{BB962C8B-B14F-4D97-AF65-F5344CB8AC3E}">
+        <p14:creationId xmlns:p14="http://schemas.microsoft.com/office/powerpoint/2010/main" val="1700453566"/>
+      </p:ext>
+    </p:extLst>
+  </p:cSld>
+  <p:clrMapOvr>
+    <a:masterClrMapping/>
+  </p:clrMapOvr>
+  <p:timing>
+    <p:tnLst>
+      <p:par>
+        <p:cTn id="1" dur="indefinite" restart="never" nodeType="tmRoot">
+          <p:childTnLst>
+            <p:seq>
+              <p:cTn id="2" dur="indefinite" nodeType="mainSeq"/>
+              <p:prevCondLst>
+                <p:cond evt="onPrev" delay="0">
+                  <p:tgtEl>
+                    <p:sldTgt/>
+                  </p:tgtEl>
+                </p:cond>
+              </p:prevCondLst>
+              <p:nextCondLst>
+                <p:cond evt="onNext" delay="0">
+                  <p:tgtEl>
+                    <p:sldTgt/>
+                  </p:tgtEl>
+                </p:cond>
+              </p:nextCondLst>
+            </p:seq>
+          </p:childTnLst>
+        </p:cTn>
+      </p:par>
+    </p:tnLst>
+  </p:timing>
+</p:sld>
+</file>
+
+<file path=ppt/slides/slide6.xml><?xml version="1.0" encoding="utf-8"?>
+<p:sld xmlns:a="http://schemas.openxmlformats.org/drawingml/2006/main" xmlns:r="http://schemas.openxmlformats.org/officeDocument/2006/relationships" xmlns:p="http://schemas.openxmlformats.org/presentationml/2006/main">
+  <p:cSld>
+    <p:spTree>
+      <p:nvGrpSpPr>
+        <p:cNvPr id="1" name=""/>
+        <p:cNvGrpSpPr/>
+        <p:nvPr/>
+      </p:nvGrpSpPr>
+      <p:grpSpPr>
+        <a:xfrm>
+          <a:off x="0" y="0"/>
+          <a:ext cx="0" cy="0"/>
+          <a:chOff x="0" y="0"/>
+          <a:chExt cx="0" cy="0"/>
+        </a:xfrm>
+      </p:grpSpPr>
+      <p:sp>
+        <p:nvSpPr>
+          <p:cNvPr id="78" name="CustomShape 1"/>
+          <p:cNvSpPr/>
+          <p:nvPr/>
+        </p:nvSpPr>
+        <p:spPr>
+          <a:xfrm>
+            <a:off x="647640" y="258480"/>
+            <a:ext cx="10514880" cy="1324800"/>
+          </a:xfrm>
+          <a:prstGeom prst="rect">
+            <a:avLst/>
+          </a:prstGeom>
+          <a:noFill/>
+          <a:ln>
+            <a:noFill/>
+          </a:ln>
+        </p:spPr>
+        <p:style>
+          <a:lnRef idx="0">
+            <a:scrgbClr r="0" g="0" b="0"/>
+          </a:lnRef>
+          <a:fillRef idx="0">
+            <a:scrgbClr r="0" g="0" b="0"/>
+          </a:fillRef>
+          <a:effectRef idx="0">
+            <a:scrgbClr r="0" g="0" b="0"/>
+          </a:effectRef>
+          <a:fontRef idx="minor"/>
+        </p:style>
+        <p:txBody>
+          <a:bodyPr lIns="90000" tIns="45000" rIns="90000" bIns="45000" anchor="ctr"/>
+          <a:lstStyle/>
+          <a:p>
+            <a:pPr>
+              <a:lnSpc>
+                <a:spcPct val="90000"/>
+              </a:lnSpc>
+            </a:pPr>
+            <a:r>
+              <a:rPr lang="pt-PT" sz="2400" b="1" strike="noStrike" spc="-1" dirty="0">
+                <a:solidFill>
+                  <a:srgbClr val="000000"/>
+                </a:solidFill>
+                <a:latin typeface="Arial Black"/>
+              </a:rPr>
+              <a:t>Algoritmos de pesquisa implementados</a:t>
+            </a:r>
+            <a:endParaRPr lang="pt-PT" sz="2400" b="0" strike="noStrike" spc="-1" dirty="0">
+              <a:latin typeface="Arial"/>
+            </a:endParaRPr>
+          </a:p>
+        </p:txBody>
+      </p:sp>
+      <p:sp>
+        <p:nvSpPr>
+          <p:cNvPr id="79" name="CustomShape 2"/>
+          <p:cNvSpPr/>
+          <p:nvPr/>
+        </p:nvSpPr>
+        <p:spPr>
+          <a:xfrm>
+            <a:off x="647640" y="1825560"/>
+            <a:ext cx="10514880" cy="4468708"/>
+          </a:xfrm>
+          <a:prstGeom prst="rect">
+            <a:avLst/>
+          </a:prstGeom>
+          <a:noFill/>
+          <a:ln>
+            <a:noFill/>
+          </a:ln>
+        </p:spPr>
+        <p:style>
+          <a:lnRef idx="0">
+            <a:scrgbClr r="0" g="0" b="0"/>
+          </a:lnRef>
+          <a:fillRef idx="0">
+            <a:scrgbClr r="0" g="0" b="0"/>
+          </a:fillRef>
+          <a:effectRef idx="0">
+            <a:scrgbClr r="0" g="0" b="0"/>
+          </a:effectRef>
+          <a:fontRef idx="minor"/>
+        </p:style>
+        <p:txBody>
+          <a:bodyPr lIns="90000" tIns="45000" rIns="90000" bIns="45000"/>
+          <a:lstStyle/>
+          <a:p>
+            <a:pPr>
+              <a:lnSpc>
+                <a:spcPct val="90000"/>
+              </a:lnSpc>
+              <a:spcBef>
+                <a:spcPts val="1001"/>
+              </a:spcBef>
+            </a:pPr>
+            <a:r>
+              <a:rPr lang="pt-PT" sz="2000" b="0" strike="noStrike" spc="-1" dirty="0">
+                <a:latin typeface="Arial"/>
+              </a:rPr>
+              <a:t>	Neste trabalho temos 3 algoritmos de pesquisa cega:</a:t>
+            </a:r>
+          </a:p>
+          <a:p>
+            <a:pPr>
+              <a:lnSpc>
+                <a:spcPct val="90000"/>
+              </a:lnSpc>
+              <a:spcBef>
+                <a:spcPts val="1001"/>
+              </a:spcBef>
+            </a:pPr>
+            <a:endParaRPr lang="pt-PT" sz="2000" b="0" strike="noStrike" spc="-1" dirty="0">
+              <a:latin typeface="Arial"/>
+            </a:endParaRPr>
+          </a:p>
+          <a:p>
+            <a:pPr marL="342900" indent="-342900">
+              <a:lnSpc>
+                <a:spcPct val="90000"/>
+              </a:lnSpc>
+              <a:spcBef>
+                <a:spcPts val="1001"/>
+              </a:spcBef>
+              <a:buFont typeface="Arial" panose="020B0604020202020204" pitchFamily="34" charset="0"/>
+              <a:buChar char="•"/>
+            </a:pPr>
+            <a:r>
+              <a:rPr lang="pt-PT" sz="2000" spc="-1" dirty="0">
+                <a:latin typeface="Arial"/>
+              </a:rPr>
+              <a:t>Pesquisa primeiro em largura</a:t>
+            </a:r>
+          </a:p>
+          <a:p>
+            <a:pPr marL="342900" indent="-342900">
+              <a:lnSpc>
+                <a:spcPct val="90000"/>
+              </a:lnSpc>
+              <a:spcBef>
+                <a:spcPts val="1001"/>
+              </a:spcBef>
+              <a:buFont typeface="Arial" panose="020B0604020202020204" pitchFamily="34" charset="0"/>
+              <a:buChar char="•"/>
+            </a:pPr>
+            <a:r>
+              <a:rPr lang="pt-PT" sz="2000" b="0" strike="noStrike" spc="-1" dirty="0">
+                <a:latin typeface="Arial"/>
+              </a:rPr>
+              <a:t>Pesquisa primeiro em profundidade </a:t>
+            </a:r>
+          </a:p>
+          <a:p>
+            <a:pPr marL="342900" indent="-342900">
+              <a:lnSpc>
+                <a:spcPct val="90000"/>
+              </a:lnSpc>
+              <a:spcBef>
+                <a:spcPts val="1001"/>
+              </a:spcBef>
+              <a:buFont typeface="Arial" panose="020B0604020202020204" pitchFamily="34" charset="0"/>
+              <a:buChar char="•"/>
+            </a:pPr>
+            <a:r>
+              <a:rPr lang="pt-PT" sz="2000" b="0" strike="noStrike" spc="-1" dirty="0">
+                <a:latin typeface="Arial"/>
+              </a:rPr>
+              <a:t>Aprofundamento progressivo </a:t>
+            </a:r>
+            <a:endParaRPr lang="pt-PT" sz="2000" spc="-1" dirty="0">
+              <a:latin typeface="Arial"/>
+            </a:endParaRPr>
+          </a:p>
+          <a:p>
+            <a:pPr>
+              <a:lnSpc>
+                <a:spcPct val="90000"/>
+              </a:lnSpc>
+              <a:spcBef>
+                <a:spcPts val="1001"/>
+              </a:spcBef>
+            </a:pPr>
+            <a:endParaRPr lang="pt-PT" sz="2000" b="0" strike="noStrike" spc="-1" dirty="0">
+              <a:latin typeface="Arial"/>
+            </a:endParaRPr>
+          </a:p>
+          <a:p>
+            <a:pPr>
+              <a:lnSpc>
+                <a:spcPct val="90000"/>
+              </a:lnSpc>
+              <a:spcBef>
+                <a:spcPts val="1001"/>
+              </a:spcBef>
+            </a:pPr>
+            <a:r>
+              <a:rPr lang="pt-PT" sz="2000" spc="-1" dirty="0">
+                <a:latin typeface="Arial"/>
+              </a:rPr>
+              <a:t>	E 2 algoritmos de pesquisa informada, com diferentes funções heurísticas:</a:t>
+            </a:r>
+          </a:p>
+          <a:p>
+            <a:pPr>
+              <a:lnSpc>
+                <a:spcPct val="90000"/>
+              </a:lnSpc>
+              <a:spcBef>
+                <a:spcPts val="1001"/>
+              </a:spcBef>
+            </a:pPr>
+            <a:endParaRPr lang="pt-PT" sz="2000" spc="-1" dirty="0">
+              <a:latin typeface="Arial"/>
+            </a:endParaRPr>
+          </a:p>
+          <a:p>
+            <a:pPr marL="342900" indent="-342900">
+              <a:lnSpc>
+                <a:spcPct val="90000"/>
+              </a:lnSpc>
+              <a:spcBef>
+                <a:spcPts val="1001"/>
+              </a:spcBef>
+              <a:buFont typeface="Arial" panose="020B0604020202020204" pitchFamily="34" charset="0"/>
+              <a:buChar char="•"/>
+            </a:pPr>
+            <a:r>
+              <a:rPr lang="pt-PT" sz="2000" b="0" strike="noStrike" spc="-1" dirty="0">
+                <a:latin typeface="Arial"/>
+              </a:rPr>
+              <a:t>Pesquisa gulosa </a:t>
+            </a:r>
+          </a:p>
+          <a:p>
+            <a:pPr marL="342900" indent="-342900">
+              <a:lnSpc>
+                <a:spcPct val="90000"/>
+              </a:lnSpc>
+              <a:spcBef>
+                <a:spcPts val="1001"/>
+              </a:spcBef>
+              <a:buFont typeface="Arial" panose="020B0604020202020204" pitchFamily="34" charset="0"/>
+              <a:buChar char="•"/>
+            </a:pPr>
+            <a:r>
+              <a:rPr lang="pt-PT" sz="2000" spc="-1" dirty="0">
+                <a:latin typeface="Arial"/>
+              </a:rPr>
+              <a:t>Pesquisa A* </a:t>
+            </a:r>
+            <a:endParaRPr lang="pt-PT" sz="2000" b="0" strike="noStrike" spc="-1" dirty="0">
+              <a:latin typeface="Arial"/>
+            </a:endParaRPr>
+          </a:p>
+        </p:txBody>
+      </p:sp>
+      <p:sp>
+        <p:nvSpPr>
+          <p:cNvPr id="3" name="Rectangle 2">
+            <a:extLst>
+              <a:ext uri="{FF2B5EF4-FFF2-40B4-BE49-F238E27FC236}">
+                <a16:creationId xmlns:a16="http://schemas.microsoft.com/office/drawing/2014/main" id="{46ABDFF1-80A7-4C78-9048-5D72524823D7}"/>
+              </a:ext>
+            </a:extLst>
+          </p:cNvPr>
+          <p:cNvSpPr>
+            <a:spLocks noChangeArrowheads="1"/>
+          </p:cNvSpPr>
+          <p:nvPr/>
+        </p:nvSpPr>
+        <p:spPr bwMode="auto">
+          <a:xfrm>
+            <a:off x="7791584" y="2677392"/>
+            <a:ext cx="2817230" cy="230832"/>
+          </a:xfrm>
+          <a:prstGeom prst="rect">
+            <a:avLst/>
+          </a:prstGeom>
+          <a:solidFill>
+            <a:srgbClr val="2B2B2B"/>
+          </a:solidFill>
+          <a:ln>
+            <a:noFill/>
+          </a:ln>
+          <a:effectLst/>
+          <a:extLst>
+            <a:ext uri="{91240B29-F687-4F45-9708-019B960494DF}">
+              <a14:hiddenLine xmlns:a14="http://schemas.microsoft.com/office/drawing/2010/main" w="9525">
+                <a:solidFill>
+                  <a:schemeClr val="tx1"/>
+                </a:solidFill>
+                <a:miter lim="800000"/>
+                <a:headEnd/>
+                <a:tailEnd/>
+              </a14:hiddenLine>
+            </a:ext>
+            <a:ext uri="{AF507438-7753-43E0-B8FC-AC1667EBCBE1}">
+              <a14:hiddenEffects xmlns:a14="http://schemas.microsoft.com/office/drawing/2010/main">
+                <a:effectLst>
+                  <a:outerShdw dist="35921" dir="2700000" algn="ctr" rotWithShape="0">
+                    <a:schemeClr val="bg2"/>
+                  </a:outerShdw>
+                </a:effectLst>
+              </a14:hiddenEffects>
+            </a:ext>
+          </a:extLst>
+        </p:spPr>
+        <p:txBody>
+          <a:bodyPr vert="horz" wrap="square" lIns="91440" tIns="45720" rIns="91440" bIns="45720" numCol="1" anchor="ctr" anchorCtr="0" compatLnSpc="1">
+            <a:prstTxWarp prst="textNoShape">
+              <a:avLst/>
+            </a:prstTxWarp>
+            <a:spAutoFit/>
+          </a:bodyPr>
+          <a:lstStyle/>
+          <a:p>
+            <a:pPr marL="0" marR="0" lvl="0" indent="0" algn="l" defTabSz="914400" rtl="0" eaLnBrk="0" fontAlgn="base" latinLnBrk="0" hangingPunct="0">
+              <a:lnSpc>
+                <a:spcPct val="100000"/>
+              </a:lnSpc>
+              <a:spcBef>
+                <a:spcPct val="0"/>
+              </a:spcBef>
+              <a:spcAft>
+                <a:spcPct val="0"/>
+              </a:spcAft>
+              <a:buClrTx/>
+              <a:buSzTx/>
+              <a:buFontTx/>
+              <a:buNone/>
+              <a:tabLst/>
+            </a:pPr>
+            <a:r>
+              <a:rPr kumimoji="0" lang="en-US" altLang="en-US" sz="900" b="0" i="0" u="none" strike="noStrike" cap="none" normalizeH="0" baseline="0" dirty="0">
+                <a:ln>
+                  <a:noFill/>
+                </a:ln>
+                <a:solidFill>
+                  <a:srgbClr val="CC7832"/>
+                </a:solidFill>
+                <a:effectLst/>
+                <a:latin typeface="Consolas" panose="020B0609020204030204" pitchFamily="49" charset="0"/>
+              </a:rPr>
+              <a:t>public </a:t>
+            </a:r>
+            <a:r>
+              <a:rPr kumimoji="0" lang="en-US" altLang="en-US" sz="900" b="0" i="0" u="none" strike="noStrike" cap="none" normalizeH="0" baseline="0" dirty="0">
+                <a:ln>
+                  <a:noFill/>
+                </a:ln>
+                <a:solidFill>
+                  <a:srgbClr val="A9B7C6"/>
+                </a:solidFill>
+                <a:effectLst/>
+                <a:latin typeface="Consolas" panose="020B0609020204030204" pitchFamily="49" charset="0"/>
+              </a:rPr>
+              <a:t>NewNode </a:t>
+            </a:r>
+            <a:r>
+              <a:rPr kumimoji="0" lang="en-US" altLang="en-US" sz="900" b="0" i="0" u="none" strike="noStrike" cap="none" normalizeH="0" baseline="0" dirty="0">
+                <a:ln>
+                  <a:noFill/>
+                </a:ln>
+                <a:solidFill>
+                  <a:srgbClr val="FFC66D"/>
+                </a:solidFill>
+                <a:effectLst/>
+                <a:latin typeface="Consolas" panose="020B0609020204030204" pitchFamily="49" charset="0"/>
+              </a:rPr>
+              <a:t>breadthFirstSearch</a:t>
+            </a:r>
+            <a:r>
+              <a:rPr kumimoji="0" lang="en-US" altLang="en-US" sz="900" b="0" i="0" u="none" strike="noStrike" cap="none" normalizeH="0" baseline="0" dirty="0">
+                <a:ln>
+                  <a:noFill/>
+                </a:ln>
+                <a:solidFill>
+                  <a:srgbClr val="A9B7C6"/>
+                </a:solidFill>
+                <a:effectLst/>
+                <a:latin typeface="Consolas" panose="020B0609020204030204" pitchFamily="49" charset="0"/>
+              </a:rPr>
+              <a:t>()</a:t>
+            </a:r>
+            <a:endParaRPr kumimoji="0" lang="en-US" altLang="en-US" sz="1800" b="0" i="0" u="none" strike="noStrike" cap="none" normalizeH="0" baseline="0" dirty="0">
+              <a:ln>
+                <a:noFill/>
+              </a:ln>
+              <a:solidFill>
+                <a:schemeClr val="tx1"/>
+              </a:solidFill>
+              <a:effectLst/>
+              <a:latin typeface="Arial" panose="020B0604020202020204" pitchFamily="34" charset="0"/>
+            </a:endParaRPr>
+          </a:p>
+        </p:txBody>
+      </p:sp>
+      <p:sp>
+        <p:nvSpPr>
+          <p:cNvPr id="4" name="Rectangle 3">
+            <a:extLst>
+              <a:ext uri="{FF2B5EF4-FFF2-40B4-BE49-F238E27FC236}">
+                <a16:creationId xmlns:a16="http://schemas.microsoft.com/office/drawing/2014/main" id="{03359043-9961-458C-ADD1-6DE4A7F94C98}"/>
+              </a:ext>
+            </a:extLst>
+          </p:cNvPr>
+          <p:cNvSpPr>
+            <a:spLocks noChangeArrowheads="1"/>
+          </p:cNvSpPr>
+          <p:nvPr/>
+        </p:nvSpPr>
+        <p:spPr bwMode="auto">
+          <a:xfrm>
+            <a:off x="7791585" y="3102794"/>
+            <a:ext cx="2817231" cy="230832"/>
+          </a:xfrm>
+          <a:prstGeom prst="rect">
+            <a:avLst/>
+          </a:prstGeom>
+          <a:solidFill>
+            <a:srgbClr val="2B2B2B"/>
+          </a:solidFill>
+          <a:ln>
+            <a:noFill/>
+          </a:ln>
+          <a:effectLst/>
+          <a:extLst>
+            <a:ext uri="{91240B29-F687-4F45-9708-019B960494DF}">
+              <a14:hiddenLine xmlns:a14="http://schemas.microsoft.com/office/drawing/2010/main" w="9525">
+                <a:solidFill>
+                  <a:schemeClr val="tx1"/>
+                </a:solidFill>
+                <a:miter lim="800000"/>
+                <a:headEnd/>
+                <a:tailEnd/>
+              </a14:hiddenLine>
+            </a:ext>
+            <a:ext uri="{AF507438-7753-43E0-B8FC-AC1667EBCBE1}">
+              <a14:hiddenEffects xmlns:a14="http://schemas.microsoft.com/office/drawing/2010/main">
+                <a:effectLst>
+                  <a:outerShdw dist="35921" dir="2700000" algn="ctr" rotWithShape="0">
+                    <a:schemeClr val="bg2"/>
+                  </a:outerShdw>
+                </a:effectLst>
+              </a14:hiddenEffects>
+            </a:ext>
+          </a:extLst>
+        </p:spPr>
+        <p:txBody>
+          <a:bodyPr vert="horz" wrap="square" lIns="91440" tIns="45720" rIns="91440" bIns="45720" numCol="1" anchor="ctr" anchorCtr="0" compatLnSpc="1">
+            <a:prstTxWarp prst="textNoShape">
+              <a:avLst/>
+            </a:prstTxWarp>
+            <a:spAutoFit/>
+          </a:bodyPr>
+          <a:lstStyle/>
+          <a:p>
+            <a:pPr marL="0" marR="0" lvl="0" indent="0" algn="l" defTabSz="914400" rtl="0" eaLnBrk="0" fontAlgn="base" latinLnBrk="0" hangingPunct="0">
+              <a:lnSpc>
+                <a:spcPct val="100000"/>
+              </a:lnSpc>
+              <a:spcBef>
+                <a:spcPct val="0"/>
+              </a:spcBef>
+              <a:spcAft>
+                <a:spcPct val="0"/>
+              </a:spcAft>
+              <a:buClrTx/>
+              <a:buSzTx/>
+              <a:buFontTx/>
+              <a:buNone/>
+              <a:tabLst/>
+            </a:pPr>
+            <a:r>
+              <a:rPr kumimoji="0" lang="en-US" altLang="en-US" sz="900" b="0" i="0" u="none" strike="noStrike" cap="none" normalizeH="0" baseline="0" dirty="0">
+                <a:ln>
+                  <a:noFill/>
+                </a:ln>
+                <a:solidFill>
+                  <a:srgbClr val="CC7832"/>
+                </a:solidFill>
+                <a:effectLst/>
+                <a:latin typeface="Consolas" panose="020B0609020204030204" pitchFamily="49" charset="0"/>
+              </a:rPr>
+              <a:t>public </a:t>
+            </a:r>
+            <a:r>
+              <a:rPr kumimoji="0" lang="en-US" altLang="en-US" sz="900" b="0" i="0" u="none" strike="noStrike" cap="none" normalizeH="0" baseline="0" dirty="0">
+                <a:ln>
+                  <a:noFill/>
+                </a:ln>
+                <a:solidFill>
+                  <a:srgbClr val="A9B7C6"/>
+                </a:solidFill>
+                <a:effectLst/>
+                <a:latin typeface="Consolas" panose="020B0609020204030204" pitchFamily="49" charset="0"/>
+              </a:rPr>
+              <a:t>NewNode </a:t>
+            </a:r>
+            <a:r>
+              <a:rPr kumimoji="0" lang="en-US" altLang="en-US" sz="900" b="0" i="0" u="none" strike="noStrike" cap="none" normalizeH="0" baseline="0" dirty="0">
+                <a:ln>
+                  <a:noFill/>
+                </a:ln>
+                <a:solidFill>
+                  <a:srgbClr val="FFC66D"/>
+                </a:solidFill>
+                <a:effectLst/>
+                <a:latin typeface="Consolas" panose="020B0609020204030204" pitchFamily="49" charset="0"/>
+              </a:rPr>
+              <a:t>depthFirstSearch</a:t>
+            </a:r>
+            <a:r>
+              <a:rPr kumimoji="0" lang="en-US" altLang="en-US" sz="900" b="0" i="0" u="none" strike="noStrike" cap="none" normalizeH="0" baseline="0" dirty="0">
+                <a:ln>
+                  <a:noFill/>
+                </a:ln>
+                <a:solidFill>
+                  <a:srgbClr val="A9B7C6"/>
+                </a:solidFill>
+                <a:effectLst/>
+                <a:latin typeface="Consolas" panose="020B0609020204030204" pitchFamily="49" charset="0"/>
+              </a:rPr>
+              <a:t>()</a:t>
+            </a:r>
+            <a:endParaRPr kumimoji="0" lang="en-US" altLang="en-US" sz="1800" b="0" i="0" u="none" strike="noStrike" cap="none" normalizeH="0" baseline="0" dirty="0">
+              <a:ln>
+                <a:noFill/>
+              </a:ln>
+              <a:solidFill>
+                <a:schemeClr val="tx1"/>
+              </a:solidFill>
+              <a:effectLst/>
+              <a:latin typeface="Arial" panose="020B0604020202020204" pitchFamily="34" charset="0"/>
+            </a:endParaRPr>
+          </a:p>
+        </p:txBody>
+      </p:sp>
+      <p:sp>
+        <p:nvSpPr>
+          <p:cNvPr id="5" name="Rectangle 4">
+            <a:extLst>
+              <a:ext uri="{FF2B5EF4-FFF2-40B4-BE49-F238E27FC236}">
+                <a16:creationId xmlns:a16="http://schemas.microsoft.com/office/drawing/2014/main" id="{986185E6-FA94-41B2-B3B2-388124164496}"/>
+              </a:ext>
+            </a:extLst>
+          </p:cNvPr>
+          <p:cNvSpPr>
+            <a:spLocks noChangeArrowheads="1"/>
+          </p:cNvSpPr>
+          <p:nvPr/>
+        </p:nvSpPr>
+        <p:spPr bwMode="auto">
+          <a:xfrm>
+            <a:off x="7791582" y="3524374"/>
+            <a:ext cx="2817232" cy="230832"/>
+          </a:xfrm>
+          <a:prstGeom prst="rect">
+            <a:avLst/>
+          </a:prstGeom>
+          <a:solidFill>
+            <a:srgbClr val="2B2B2B"/>
+          </a:solidFill>
+          <a:ln>
+            <a:noFill/>
+          </a:ln>
+          <a:effectLst/>
+          <a:extLst>
+            <a:ext uri="{91240B29-F687-4F45-9708-019B960494DF}">
+              <a14:hiddenLine xmlns:a14="http://schemas.microsoft.com/office/drawing/2010/main" w="9525">
+                <a:solidFill>
+                  <a:schemeClr val="tx1"/>
+                </a:solidFill>
+                <a:miter lim="800000"/>
+                <a:headEnd/>
+                <a:tailEnd/>
+              </a14:hiddenLine>
+            </a:ext>
+            <a:ext uri="{AF507438-7753-43E0-B8FC-AC1667EBCBE1}">
+              <a14:hiddenEffects xmlns:a14="http://schemas.microsoft.com/office/drawing/2010/main">
+                <a:effectLst>
+                  <a:outerShdw dist="35921" dir="2700000" algn="ctr" rotWithShape="0">
+                    <a:schemeClr val="bg2"/>
+                  </a:outerShdw>
+                </a:effectLst>
+              </a14:hiddenEffects>
+            </a:ext>
+          </a:extLst>
+        </p:spPr>
+        <p:txBody>
+          <a:bodyPr vert="horz" wrap="square" lIns="91440" tIns="45720" rIns="91440" bIns="45720" numCol="1" anchor="ctr" anchorCtr="0" compatLnSpc="1">
+            <a:prstTxWarp prst="textNoShape">
+              <a:avLst/>
+            </a:prstTxWarp>
+            <a:spAutoFit/>
+          </a:bodyPr>
+          <a:lstStyle/>
+          <a:p>
+            <a:pPr marL="0" marR="0" lvl="0" indent="0" algn="l" defTabSz="914400" rtl="0" eaLnBrk="0" fontAlgn="base" latinLnBrk="0" hangingPunct="0">
+              <a:lnSpc>
+                <a:spcPct val="100000"/>
+              </a:lnSpc>
+              <a:spcBef>
+                <a:spcPct val="0"/>
+              </a:spcBef>
+              <a:spcAft>
+                <a:spcPct val="0"/>
+              </a:spcAft>
+              <a:buClrTx/>
+              <a:buSzTx/>
+              <a:buFontTx/>
+              <a:buNone/>
+              <a:tabLst/>
+            </a:pPr>
+            <a:r>
+              <a:rPr kumimoji="0" lang="en-US" altLang="en-US" sz="900" b="0" i="0" u="none" strike="noStrike" cap="none" normalizeH="0" baseline="0" dirty="0">
+                <a:ln>
+                  <a:noFill/>
+                </a:ln>
+                <a:solidFill>
+                  <a:srgbClr val="CC7832"/>
+                </a:solidFill>
+                <a:effectLst/>
+                <a:latin typeface="Consolas" panose="020B0609020204030204" pitchFamily="49" charset="0"/>
+              </a:rPr>
+              <a:t>public </a:t>
+            </a:r>
+            <a:r>
+              <a:rPr kumimoji="0" lang="en-US" altLang="en-US" sz="900" b="0" i="0" u="none" strike="noStrike" cap="none" normalizeH="0" baseline="0" dirty="0">
+                <a:ln>
+                  <a:noFill/>
+                </a:ln>
+                <a:solidFill>
+                  <a:srgbClr val="A9B7C6"/>
+                </a:solidFill>
+                <a:effectLst/>
+                <a:latin typeface="Consolas" panose="020B0609020204030204" pitchFamily="49" charset="0"/>
+              </a:rPr>
+              <a:t>NewNode </a:t>
+            </a:r>
+            <a:r>
+              <a:rPr kumimoji="0" lang="en-US" altLang="en-US" sz="900" b="0" i="0" u="none" strike="noStrike" cap="none" normalizeH="0" baseline="0" dirty="0">
+                <a:ln>
+                  <a:noFill/>
+                </a:ln>
+                <a:solidFill>
+                  <a:srgbClr val="FFC66D"/>
+                </a:solidFill>
+                <a:effectLst/>
+                <a:latin typeface="Consolas" panose="020B0609020204030204" pitchFamily="49" charset="0"/>
+              </a:rPr>
+              <a:t>iterativeDeepeningSearch</a:t>
+            </a:r>
+            <a:r>
+              <a:rPr kumimoji="0" lang="en-US" altLang="en-US" sz="900" b="0" i="0" u="none" strike="noStrike" cap="none" normalizeH="0" baseline="0" dirty="0">
+                <a:ln>
+                  <a:noFill/>
+                </a:ln>
+                <a:solidFill>
+                  <a:srgbClr val="A9B7C6"/>
+                </a:solidFill>
+                <a:effectLst/>
+                <a:latin typeface="Consolas" panose="020B0609020204030204" pitchFamily="49" charset="0"/>
+              </a:rPr>
+              <a:t>()</a:t>
+            </a:r>
+            <a:endParaRPr kumimoji="0" lang="en-US" altLang="en-US" sz="1800" b="0" i="0" u="none" strike="noStrike" cap="none" normalizeH="0" baseline="0" dirty="0">
+              <a:ln>
+                <a:noFill/>
+              </a:ln>
+              <a:solidFill>
+                <a:schemeClr val="tx1"/>
+              </a:solidFill>
+              <a:effectLst/>
+              <a:latin typeface="Arial" panose="020B0604020202020204" pitchFamily="34" charset="0"/>
+            </a:endParaRPr>
+          </a:p>
+        </p:txBody>
+      </p:sp>
+      <p:sp>
+        <p:nvSpPr>
+          <p:cNvPr id="6" name="Rectangle 5">
+            <a:extLst>
+              <a:ext uri="{FF2B5EF4-FFF2-40B4-BE49-F238E27FC236}">
+                <a16:creationId xmlns:a16="http://schemas.microsoft.com/office/drawing/2014/main" id="{7B8109D0-BEC8-4F27-BDCE-1FE077D8B635}"/>
+              </a:ext>
+            </a:extLst>
+          </p:cNvPr>
+          <p:cNvSpPr>
+            <a:spLocks noChangeArrowheads="1"/>
+          </p:cNvSpPr>
+          <p:nvPr/>
+        </p:nvSpPr>
+        <p:spPr bwMode="auto">
+          <a:xfrm>
+            <a:off x="7791584" y="5086259"/>
+            <a:ext cx="2817230" cy="230832"/>
+          </a:xfrm>
+          <a:prstGeom prst="rect">
+            <a:avLst/>
+          </a:prstGeom>
+          <a:solidFill>
+            <a:srgbClr val="2B2B2B"/>
+          </a:solidFill>
+          <a:ln>
+            <a:noFill/>
+          </a:ln>
+          <a:effectLst/>
+          <a:extLst>
+            <a:ext uri="{91240B29-F687-4F45-9708-019B960494DF}">
+              <a14:hiddenLine xmlns:a14="http://schemas.microsoft.com/office/drawing/2010/main" w="9525">
+                <a:solidFill>
+                  <a:schemeClr val="tx1"/>
+                </a:solidFill>
+                <a:miter lim="800000"/>
+                <a:headEnd/>
+                <a:tailEnd/>
+              </a14:hiddenLine>
+            </a:ext>
+            <a:ext uri="{AF507438-7753-43E0-B8FC-AC1667EBCBE1}">
+              <a14:hiddenEffects xmlns:a14="http://schemas.microsoft.com/office/drawing/2010/main">
+                <a:effectLst>
+                  <a:outerShdw dist="35921" dir="2700000" algn="ctr" rotWithShape="0">
+                    <a:schemeClr val="bg2"/>
+                  </a:outerShdw>
+                </a:effectLst>
+              </a14:hiddenEffects>
+            </a:ext>
+          </a:extLst>
+        </p:spPr>
+        <p:txBody>
+          <a:bodyPr vert="horz" wrap="square" lIns="91440" tIns="45720" rIns="91440" bIns="45720" numCol="1" anchor="ctr" anchorCtr="0" compatLnSpc="1">
+            <a:prstTxWarp prst="textNoShape">
+              <a:avLst/>
+            </a:prstTxWarp>
+            <a:spAutoFit/>
+          </a:bodyPr>
+          <a:lstStyle/>
+          <a:p>
+            <a:pPr marL="0" marR="0" lvl="0" indent="0" algn="l" defTabSz="914400" rtl="0" eaLnBrk="0" fontAlgn="base" latinLnBrk="0" hangingPunct="0">
+              <a:lnSpc>
+                <a:spcPct val="100000"/>
+              </a:lnSpc>
+              <a:spcBef>
+                <a:spcPct val="0"/>
+              </a:spcBef>
+              <a:spcAft>
+                <a:spcPct val="0"/>
+              </a:spcAft>
+              <a:buClrTx/>
+              <a:buSzTx/>
+              <a:buFontTx/>
+              <a:buNone/>
+              <a:tabLst/>
+            </a:pPr>
+            <a:r>
+              <a:rPr kumimoji="0" lang="en-US" altLang="en-US" sz="900" b="0" i="0" u="none" strike="noStrike" cap="none" normalizeH="0" baseline="0" dirty="0">
+                <a:ln>
+                  <a:noFill/>
+                </a:ln>
+                <a:solidFill>
+                  <a:srgbClr val="CC7832"/>
+                </a:solidFill>
+                <a:effectLst/>
+                <a:latin typeface="Consolas" panose="020B0609020204030204" pitchFamily="49" charset="0"/>
+              </a:rPr>
+              <a:t>public </a:t>
+            </a:r>
+            <a:r>
+              <a:rPr kumimoji="0" lang="en-US" altLang="en-US" sz="900" b="0" i="0" u="none" strike="noStrike" cap="none" normalizeH="0" baseline="0" dirty="0">
+                <a:ln>
+                  <a:noFill/>
+                </a:ln>
+                <a:solidFill>
+                  <a:srgbClr val="A9B7C6"/>
+                </a:solidFill>
+                <a:effectLst/>
+                <a:latin typeface="Consolas" panose="020B0609020204030204" pitchFamily="49" charset="0"/>
+              </a:rPr>
+              <a:t>NewNode </a:t>
+            </a:r>
+            <a:r>
+              <a:rPr kumimoji="0" lang="en-US" altLang="en-US" sz="900" b="0" i="0" u="none" strike="noStrike" cap="none" normalizeH="0" baseline="0" dirty="0">
+                <a:ln>
+                  <a:noFill/>
+                </a:ln>
+                <a:solidFill>
+                  <a:srgbClr val="FFC66D"/>
+                </a:solidFill>
+                <a:effectLst/>
+                <a:latin typeface="Consolas" panose="020B0609020204030204" pitchFamily="49" charset="0"/>
+              </a:rPr>
+              <a:t>greedySearch</a:t>
+            </a:r>
+            <a:r>
+              <a:rPr kumimoji="0" lang="en-US" altLang="en-US" sz="900" b="0" i="0" u="none" strike="noStrike" cap="none" normalizeH="0" baseline="0" dirty="0">
+                <a:ln>
+                  <a:noFill/>
+                </a:ln>
+                <a:solidFill>
+                  <a:srgbClr val="A9B7C6"/>
+                </a:solidFill>
+                <a:effectLst/>
+                <a:latin typeface="Consolas" panose="020B0609020204030204" pitchFamily="49" charset="0"/>
+              </a:rPr>
+              <a:t>()</a:t>
+            </a:r>
+            <a:endParaRPr kumimoji="0" lang="en-US" altLang="en-US" sz="1800" b="0" i="0" u="none" strike="noStrike" cap="none" normalizeH="0" baseline="0" dirty="0">
+              <a:ln>
+                <a:noFill/>
+              </a:ln>
+              <a:solidFill>
+                <a:schemeClr val="tx1"/>
+              </a:solidFill>
+              <a:effectLst/>
+              <a:latin typeface="Arial" panose="020B0604020202020204" pitchFamily="34" charset="0"/>
+            </a:endParaRPr>
+          </a:p>
+        </p:txBody>
+      </p:sp>
+      <p:sp>
+        <p:nvSpPr>
+          <p:cNvPr id="7" name="Rectangle 6">
+            <a:extLst>
+              <a:ext uri="{FF2B5EF4-FFF2-40B4-BE49-F238E27FC236}">
+                <a16:creationId xmlns:a16="http://schemas.microsoft.com/office/drawing/2014/main" id="{8693CA05-BC9E-4373-9C4E-009ADFB3B372}"/>
+              </a:ext>
+            </a:extLst>
+          </p:cNvPr>
+          <p:cNvSpPr>
+            <a:spLocks noChangeArrowheads="1"/>
+          </p:cNvSpPr>
+          <p:nvPr/>
+        </p:nvSpPr>
+        <p:spPr bwMode="auto">
+          <a:xfrm>
+            <a:off x="7791584" y="5507839"/>
+            <a:ext cx="2817230" cy="230832"/>
+          </a:xfrm>
+          <a:prstGeom prst="rect">
+            <a:avLst/>
+          </a:prstGeom>
+          <a:solidFill>
+            <a:srgbClr val="2B2B2B"/>
+          </a:solidFill>
+          <a:ln>
+            <a:noFill/>
+          </a:ln>
+          <a:effectLst/>
+          <a:extLst>
+            <a:ext uri="{91240B29-F687-4F45-9708-019B960494DF}">
+              <a14:hiddenLine xmlns:a14="http://schemas.microsoft.com/office/drawing/2010/main" w="9525">
+                <a:solidFill>
+                  <a:schemeClr val="tx1"/>
+                </a:solidFill>
+                <a:miter lim="800000"/>
+                <a:headEnd/>
+                <a:tailEnd/>
+              </a14:hiddenLine>
+            </a:ext>
+            <a:ext uri="{AF507438-7753-43E0-B8FC-AC1667EBCBE1}">
+              <a14:hiddenEffects xmlns:a14="http://schemas.microsoft.com/office/drawing/2010/main">
+                <a:effectLst>
+                  <a:outerShdw dist="35921" dir="2700000" algn="ctr" rotWithShape="0">
+                    <a:schemeClr val="bg2"/>
+                  </a:outerShdw>
+                </a:effectLst>
+              </a14:hiddenEffects>
+            </a:ext>
+          </a:extLst>
+        </p:spPr>
+        <p:txBody>
+          <a:bodyPr vert="horz" wrap="square" lIns="91440" tIns="45720" rIns="91440" bIns="45720" numCol="1" anchor="ctr" anchorCtr="0" compatLnSpc="1">
+            <a:prstTxWarp prst="textNoShape">
+              <a:avLst/>
+            </a:prstTxWarp>
+            <a:spAutoFit/>
+          </a:bodyPr>
+          <a:lstStyle/>
+          <a:p>
+            <a:pPr marL="0" marR="0" lvl="0" indent="0" algn="l" defTabSz="914400" rtl="0" eaLnBrk="0" fontAlgn="base" latinLnBrk="0" hangingPunct="0">
+              <a:lnSpc>
+                <a:spcPct val="100000"/>
+              </a:lnSpc>
+              <a:spcBef>
+                <a:spcPct val="0"/>
+              </a:spcBef>
+              <a:spcAft>
+                <a:spcPct val="0"/>
+              </a:spcAft>
+              <a:buClrTx/>
+              <a:buSzTx/>
+              <a:buFontTx/>
+              <a:buNone/>
+              <a:tabLst/>
+            </a:pPr>
+            <a:r>
+              <a:rPr kumimoji="0" lang="en-US" altLang="en-US" sz="900" b="0" i="0" u="none" strike="noStrike" cap="none" normalizeH="0" baseline="0">
+                <a:ln>
+                  <a:noFill/>
+                </a:ln>
+                <a:solidFill>
+                  <a:srgbClr val="CC7832"/>
+                </a:solidFill>
+                <a:effectLst/>
+                <a:latin typeface="Consolas" panose="020B0609020204030204" pitchFamily="49" charset="0"/>
+              </a:rPr>
+              <a:t>public </a:t>
+            </a:r>
+            <a:r>
+              <a:rPr kumimoji="0" lang="en-US" altLang="en-US" sz="900" b="0" i="0" u="none" strike="noStrike" cap="none" normalizeH="0" baseline="0">
+                <a:ln>
+                  <a:noFill/>
+                </a:ln>
+                <a:solidFill>
+                  <a:srgbClr val="A9B7C6"/>
+                </a:solidFill>
+                <a:effectLst/>
+                <a:latin typeface="Consolas" panose="020B0609020204030204" pitchFamily="49" charset="0"/>
+              </a:rPr>
+              <a:t>NewNode </a:t>
+            </a:r>
+            <a:r>
+              <a:rPr kumimoji="0" lang="en-US" altLang="en-US" sz="900" b="0" i="0" u="none" strike="noStrike" cap="none" normalizeH="0" baseline="0">
+                <a:ln>
+                  <a:noFill/>
+                </a:ln>
+                <a:solidFill>
+                  <a:srgbClr val="FFC66D"/>
+                </a:solidFill>
+                <a:effectLst/>
+                <a:latin typeface="Consolas" panose="020B0609020204030204" pitchFamily="49" charset="0"/>
+              </a:rPr>
+              <a:t>AStarSearch</a:t>
+            </a:r>
+            <a:r>
+              <a:rPr kumimoji="0" lang="en-US" altLang="en-US" sz="900" b="0" i="0" u="none" strike="noStrike" cap="none" normalizeH="0" baseline="0">
+                <a:ln>
+                  <a:noFill/>
+                </a:ln>
+                <a:solidFill>
+                  <a:srgbClr val="A9B7C6"/>
+                </a:solidFill>
+                <a:effectLst/>
+                <a:latin typeface="Consolas" panose="020B0609020204030204" pitchFamily="49" charset="0"/>
+              </a:rPr>
+              <a:t>()</a:t>
+            </a:r>
+            <a:endParaRPr kumimoji="0" lang="en-US" altLang="en-US" sz="1800" b="0" i="0" u="none" strike="noStrike" cap="none" normalizeH="0" baseline="0">
+              <a:ln>
+                <a:noFill/>
+              </a:ln>
+              <a:solidFill>
+                <a:schemeClr val="tx1"/>
+              </a:solidFill>
+              <a:effectLst/>
+              <a:latin typeface="Arial" panose="020B0604020202020204" pitchFamily="34" charset="0"/>
+            </a:endParaRPr>
+          </a:p>
+        </p:txBody>
+      </p:sp>
+    </p:spTree>
+    <p:extLst>
+      <p:ext uri="{BB962C8B-B14F-4D97-AF65-F5344CB8AC3E}">
+        <p14:creationId xmlns:p14="http://schemas.microsoft.com/office/powerpoint/2010/main" val="3443621264"/>
+      </p:ext>
+    </p:extLst>
+  </p:cSld>
+  <p:clrMapOvr>
+    <a:masterClrMapping/>
+  </p:clrMapOvr>
+  <p:timing>
+    <p:tnLst>
+      <p:par>
+        <p:cTn id="1" dur="indefinite" restart="never" nodeType="tmRoot">
+          <p:childTnLst>
+            <p:seq>
+              <p:cTn id="2" dur="indefinite" nodeType="mainSeq"/>
+              <p:prevCondLst>
+                <p:cond evt="onPrev" delay="0">
+                  <p:tgtEl>
+                    <p:sldTgt/>
+                  </p:tgtEl>
+                </p:cond>
+              </p:prevCondLst>
+              <p:nextCondLst>
+                <p:cond evt="onNext" delay="0">
+                  <p:tgtEl>
+                    <p:sldTgt/>
+                  </p:tgtEl>
+                </p:cond>
+              </p:nextCondLst>
+            </p:seq>
+          </p:childTnLst>
+        </p:cTn>
+      </p:par>
+    </p:tnLst>
+  </p:timing>
+</p:sld>
+</file>
+
+<file path=ppt/slides/slide7.xml><?xml version="1.0" encoding="utf-8"?>
+<p:sld xmlns:a="http://schemas.openxmlformats.org/drawingml/2006/main" xmlns:r="http://schemas.openxmlformats.org/officeDocument/2006/relationships" xmlns:p="http://schemas.openxmlformats.org/presentationml/2006/main">
+  <p:cSld>
+    <p:spTree>
+      <p:nvGrpSpPr>
+        <p:cNvPr id="1" name=""/>
+        <p:cNvGrpSpPr/>
+        <p:nvPr/>
+      </p:nvGrpSpPr>
+      <p:grpSpPr>
+        <a:xfrm>
+          <a:off x="0" y="0"/>
+          <a:ext cx="0" cy="0"/>
+          <a:chOff x="0" y="0"/>
+          <a:chExt cx="0" cy="0"/>
+        </a:xfrm>
+      </p:grpSpPr>
+      <p:sp>
+        <p:nvSpPr>
+          <p:cNvPr id="78" name="CustomShape 1"/>
+          <p:cNvSpPr/>
+          <p:nvPr/>
+        </p:nvSpPr>
+        <p:spPr>
+          <a:xfrm>
+            <a:off x="647640" y="258480"/>
+            <a:ext cx="10514880" cy="1324800"/>
+          </a:xfrm>
+          <a:prstGeom prst="rect">
+            <a:avLst/>
+          </a:prstGeom>
+          <a:noFill/>
+          <a:ln>
+            <a:noFill/>
+          </a:ln>
+        </p:spPr>
+        <p:style>
+          <a:lnRef idx="0">
+            <a:scrgbClr r="0" g="0" b="0"/>
+          </a:lnRef>
+          <a:fillRef idx="0">
+            <a:scrgbClr r="0" g="0" b="0"/>
+          </a:fillRef>
+          <a:effectRef idx="0">
+            <a:scrgbClr r="0" g="0" b="0"/>
+          </a:effectRef>
+          <a:fontRef idx="minor"/>
+        </p:style>
+        <p:txBody>
+          <a:bodyPr lIns="90000" tIns="45000" rIns="90000" bIns="45000" anchor="ctr"/>
+          <a:lstStyle/>
+          <a:p>
+            <a:pPr>
+              <a:lnSpc>
+                <a:spcPct val="90000"/>
+              </a:lnSpc>
+            </a:pPr>
+            <a:r>
+              <a:rPr lang="pt-PT" sz="2400" b="1" strike="noStrike" spc="-1" dirty="0">
+                <a:solidFill>
+                  <a:srgbClr val="000000"/>
+                </a:solidFill>
+                <a:latin typeface="Arial Black"/>
+              </a:rPr>
+              <a:t>Resultados experimentais (recorrendo a tabelas/ gráficos apropriados e  comparando os diversos métodos, heurísticas, algoritmos e respetivas parametrizações para diferentes cenários/ problemas)</a:t>
+            </a:r>
+            <a:endParaRPr lang="pt-PT" sz="2400" b="0" strike="noStrike" spc="-1" dirty="0">
+              <a:latin typeface="Arial"/>
+            </a:endParaRPr>
+          </a:p>
+        </p:txBody>
+      </p:sp>
+      <p:sp>
+        <p:nvSpPr>
+          <p:cNvPr id="79" name="CustomShape 2"/>
+          <p:cNvSpPr/>
+          <p:nvPr/>
+        </p:nvSpPr>
+        <p:spPr>
+          <a:xfrm>
+            <a:off x="647640" y="1825560"/>
+            <a:ext cx="10514880" cy="2916000"/>
+          </a:xfrm>
+          <a:prstGeom prst="rect">
+            <a:avLst/>
+          </a:prstGeom>
+          <a:noFill/>
+          <a:ln>
+            <a:noFill/>
+          </a:ln>
+        </p:spPr>
+        <p:style>
+          <a:lnRef idx="0">
+            <a:scrgbClr r="0" g="0" b="0"/>
+          </a:lnRef>
+          <a:fillRef idx="0">
+            <a:scrgbClr r="0" g="0" b="0"/>
+          </a:fillRef>
+          <a:effectRef idx="0">
+            <a:scrgbClr r="0" g="0" b="0"/>
+          </a:effectRef>
+          <a:fontRef idx="minor"/>
+        </p:style>
+        <p:txBody>
+          <a:bodyPr lIns="90000" tIns="45000" rIns="90000" bIns="45000"/>
+          <a:lstStyle/>
+          <a:p>
+            <a:pPr>
+              <a:lnSpc>
+                <a:spcPct val="90000"/>
+              </a:lnSpc>
+              <a:spcBef>
+                <a:spcPts val="1001"/>
+              </a:spcBef>
+            </a:pPr>
+            <a:endParaRPr lang="pt-PT" sz="2000" b="0" strike="noStrike" spc="-1" dirty="0">
+              <a:latin typeface="Arial"/>
+            </a:endParaRPr>
+          </a:p>
+        </p:txBody>
+      </p:sp>
+    </p:spTree>
+    <p:extLst>
+      <p:ext uri="{BB962C8B-B14F-4D97-AF65-F5344CB8AC3E}">
+        <p14:creationId xmlns:p14="http://schemas.microsoft.com/office/powerpoint/2010/main" val="2873438445"/>
+      </p:ext>
+    </p:extLst>
+  </p:cSld>
+  <p:clrMapOvr>
+    <a:masterClrMapping/>
+  </p:clrMapOvr>
+  <p:timing>
+    <p:tnLst>
+      <p:par>
+        <p:cTn id="1" dur="indefinite" restart="never" nodeType="tmRoot">
+          <p:childTnLst>
+            <p:seq>
+              <p:cTn id="2" dur="indefinite" nodeType="mainSeq"/>
+              <p:prevCondLst>
+                <p:cond evt="onPrev" delay="0">
+                  <p:tgtEl>
+                    <p:sldTgt/>
+                  </p:tgtEl>
+                </p:cond>
+              </p:prevCondLst>
+              <p:nextCondLst>
+                <p:cond evt="onNext" delay="0">
+                  <p:tgtEl>
+                    <p:sldTgt/>
+                  </p:tgtEl>
+                </p:cond>
+              </p:nextCondLst>
+            </p:seq>
+          </p:childTnLst>
+        </p:cTn>
+      </p:par>
+    </p:tnLst>
+  </p:timing>
+</p:sld>
+</file>
+
+<file path=ppt/slides/slide8.xml><?xml version="1.0" encoding="utf-8"?>
+<p:sld xmlns:a="http://schemas.openxmlformats.org/drawingml/2006/main" xmlns:r="http://schemas.openxmlformats.org/officeDocument/2006/relationships" xmlns:p="http://schemas.openxmlformats.org/presentationml/2006/main">
+  <p:cSld>
+    <p:spTree>
+      <p:nvGrpSpPr>
+        <p:cNvPr id="1" name=""/>
+        <p:cNvGrpSpPr/>
+        <p:nvPr/>
+      </p:nvGrpSpPr>
+      <p:grpSpPr>
+        <a:xfrm>
+          <a:off x="0" y="0"/>
+          <a:ext cx="0" cy="0"/>
+          <a:chOff x="0" y="0"/>
+          <a:chExt cx="0" cy="0"/>
+        </a:xfrm>
+      </p:grpSpPr>
+      <p:sp>
+        <p:nvSpPr>
+          <p:cNvPr id="78" name="CustomShape 1"/>
+          <p:cNvSpPr/>
+          <p:nvPr/>
+        </p:nvSpPr>
+        <p:spPr>
+          <a:xfrm>
+            <a:off x="647640" y="258480"/>
+            <a:ext cx="10514880" cy="1324800"/>
+          </a:xfrm>
+          <a:prstGeom prst="rect">
+            <a:avLst/>
+          </a:prstGeom>
+          <a:noFill/>
+          <a:ln>
+            <a:noFill/>
+          </a:ln>
+        </p:spPr>
+        <p:style>
+          <a:lnRef idx="0">
+            <a:scrgbClr r="0" g="0" b="0"/>
+          </a:lnRef>
+          <a:fillRef idx="0">
+            <a:scrgbClr r="0" g="0" b="0"/>
+          </a:fillRef>
+          <a:effectRef idx="0">
+            <a:scrgbClr r="0" g="0" b="0"/>
+          </a:effectRef>
+          <a:fontRef idx="minor"/>
+        </p:style>
+        <p:txBody>
+          <a:bodyPr lIns="90000" tIns="45000" rIns="90000" bIns="45000" anchor="ctr"/>
+          <a:lstStyle/>
+          <a:p>
+            <a:pPr>
+              <a:lnSpc>
+                <a:spcPct val="90000"/>
+              </a:lnSpc>
+            </a:pPr>
+            <a:r>
+              <a:rPr lang="pt-PT" sz="2400" b="1" strike="noStrike" spc="-1" dirty="0">
+                <a:solidFill>
+                  <a:srgbClr val="000000"/>
+                </a:solidFill>
+                <a:latin typeface="Arial Black"/>
+              </a:rPr>
+              <a:t>Conclusões</a:t>
+            </a:r>
+            <a:endParaRPr lang="pt-PT" sz="2400" b="0" strike="noStrike" spc="-1" dirty="0">
+              <a:latin typeface="Arial"/>
+            </a:endParaRPr>
+          </a:p>
+        </p:txBody>
+      </p:sp>
+      <p:sp>
+        <p:nvSpPr>
+          <p:cNvPr id="79" name="CustomShape 2"/>
+          <p:cNvSpPr/>
+          <p:nvPr/>
+        </p:nvSpPr>
+        <p:spPr>
+          <a:xfrm>
+            <a:off x="647640" y="1825560"/>
+            <a:ext cx="10514880" cy="2916000"/>
+          </a:xfrm>
+          <a:prstGeom prst="rect">
+            <a:avLst/>
+          </a:prstGeom>
+          <a:noFill/>
+          <a:ln>
+            <a:noFill/>
+          </a:ln>
+        </p:spPr>
+        <p:style>
+          <a:lnRef idx="0">
+            <a:scrgbClr r="0" g="0" b="0"/>
+          </a:lnRef>
+          <a:fillRef idx="0">
+            <a:scrgbClr r="0" g="0" b="0"/>
+          </a:fillRef>
+          <a:effectRef idx="0">
+            <a:scrgbClr r="0" g="0" b="0"/>
+          </a:effectRef>
+          <a:fontRef idx="minor"/>
+        </p:style>
+        <p:txBody>
+          <a:bodyPr lIns="90000" tIns="45000" rIns="90000" bIns="45000"/>
+          <a:lstStyle/>
+          <a:p>
+            <a:pPr>
+              <a:lnSpc>
+                <a:spcPct val="90000"/>
+              </a:lnSpc>
+              <a:spcBef>
+                <a:spcPts val="1001"/>
+              </a:spcBef>
+            </a:pPr>
+            <a:r>
+              <a:rPr lang="pt-PT" sz="2000" b="0" strike="noStrike" spc="-1" dirty="0">
+                <a:latin typeface="Arial"/>
+              </a:rPr>
+              <a:t>	Neste trabalhos podemos concluir… </a:t>
+            </a:r>
+          </a:p>
+        </p:txBody>
+      </p:sp>
+    </p:spTree>
+    <p:extLst>
+      <p:ext uri="{BB962C8B-B14F-4D97-AF65-F5344CB8AC3E}">
+        <p14:creationId xmlns:p14="http://schemas.microsoft.com/office/powerpoint/2010/main" val="2883633200"/>
+      </p:ext>
+    </p:extLst>
+  </p:cSld>
+  <p:clrMapOvr>
+    <a:masterClrMapping/>
+  </p:clrMapOvr>
+  <p:timing>
+    <p:tnLst>
+      <p:par>
+        <p:cTn id="1" dur="indefinite" restart="never" nodeType="tmRoot">
+          <p:childTnLst>
+            <p:seq>
+              <p:cTn id="2" dur="indefinite" nodeType="mainSeq"/>
+              <p:prevCondLst>
+                <p:cond evt="onPrev" delay="0">
+                  <p:tgtEl>
+                    <p:sldTgt/>
+                  </p:tgtEl>
+                </p:cond>
+              </p:prevCondLst>
+              <p:nextCondLst>
+                <p:cond evt="onNext" delay="0">
+                  <p:tgtEl>
+                    <p:sldTgt/>
+                  </p:tgtEl>
+                </p:cond>
+              </p:nextCondLst>
+            </p:seq>
+          </p:childTnLst>
+        </p:cTn>
+      </p:par>
+    </p:tnLst>
+  </p:timing>
+</p:sld>
+</file>
+
+<file path=ppt/slides/slide9.xml><?xml version="1.0" encoding="utf-8"?>
+<p:sld xmlns:a="http://schemas.openxmlformats.org/drawingml/2006/main" xmlns:r="http://schemas.openxmlformats.org/officeDocument/2006/relationships" xmlns:p="http://schemas.openxmlformats.org/presentationml/2006/main">
+  <p:cSld>
+    <p:spTree>
+      <p:nvGrpSpPr>
+        <p:cNvPr id="1" name=""/>
+        <p:cNvGrpSpPr/>
+        <p:nvPr/>
+      </p:nvGrpSpPr>
+      <p:grpSpPr>
+        <a:xfrm>
+          <a:off x="0" y="0"/>
+          <a:ext cx="0" cy="0"/>
+          <a:chOff x="0" y="0"/>
+          <a:chExt cx="0" cy="0"/>
+        </a:xfrm>
+      </p:grpSpPr>
+      <p:sp>
+        <p:nvSpPr>
+          <p:cNvPr id="90" name="CustomShape 1"/>
+          <p:cNvSpPr/>
+          <p:nvPr/>
+        </p:nvSpPr>
+        <p:spPr>
+          <a:xfrm>
+            <a:off x="647640" y="258480"/>
+            <a:ext cx="10514880" cy="1324800"/>
+          </a:xfrm>
+          <a:prstGeom prst="rect">
+            <a:avLst/>
+          </a:prstGeom>
+          <a:noFill/>
+          <a:ln>
+            <a:noFill/>
+          </a:ln>
+        </p:spPr>
+        <p:style>
+          <a:lnRef idx="0">
+            <a:scrgbClr r="0" g="0" b="0"/>
+          </a:lnRef>
+          <a:fillRef idx="0">
+            <a:scrgbClr r="0" g="0" b="0"/>
+          </a:fillRef>
+          <a:effectRef idx="0">
+            <a:scrgbClr r="0" g="0" b="0"/>
+          </a:effectRef>
+          <a:fontRef idx="minor"/>
+        </p:style>
+        <p:txBody>
+          <a:bodyPr lIns="90000" tIns="45000" rIns="90000" bIns="45000" anchor="ctr"/>
+          <a:lstStyle/>
+          <a:p>
+            <a:pPr>
+              <a:lnSpc>
+                <a:spcPct val="90000"/>
+              </a:lnSpc>
+            </a:pPr>
+            <a:r>
+              <a:rPr lang="pt-PT" sz="2400" b="1" strike="noStrike" spc="-1" dirty="0">
+                <a:solidFill>
+                  <a:srgbClr val="000000"/>
+                </a:solidFill>
+                <a:latin typeface="Arial Black"/>
+              </a:rPr>
+              <a:t>Referências consultadas</a:t>
+            </a:r>
+            <a:endParaRPr lang="pt-PT" sz="2400" b="0" strike="noStrike" spc="-1" dirty="0">
+              <a:latin typeface="Arial"/>
+            </a:endParaRPr>
+          </a:p>
+        </p:txBody>
+      </p:sp>
+      <p:sp>
+        <p:nvSpPr>
+          <p:cNvPr id="91" name="CustomShape 2"/>
+          <p:cNvSpPr/>
+          <p:nvPr/>
+        </p:nvSpPr>
+        <p:spPr>
+          <a:xfrm>
+            <a:off x="647640" y="1825560"/>
+            <a:ext cx="10514880" cy="1698875"/>
+          </a:xfrm>
+          <a:prstGeom prst="rect">
+            <a:avLst/>
+          </a:prstGeom>
+          <a:noFill/>
+          <a:ln>
+            <a:noFill/>
+          </a:ln>
+        </p:spPr>
+        <p:style>
+          <a:lnRef idx="0">
+            <a:scrgbClr r="0" g="0" b="0"/>
+          </a:lnRef>
+          <a:fillRef idx="0">
+            <a:scrgbClr r="0" g="0" b="0"/>
+          </a:fillRef>
+          <a:effectRef idx="0">
+            <a:scrgbClr r="0" g="0" b="0"/>
+          </a:effectRef>
+          <a:fontRef idx="minor"/>
+        </p:style>
+        <p:txBody>
+          <a:bodyPr lIns="90000" tIns="45000" rIns="90000" bIns="45000"/>
+          <a:lstStyle/>
           <a:p>
             <a:pPr marL="228600" indent="-227880">
               <a:lnSpc>
@@ -5183,7 +7753,7 @@
               <a:buChar char="•"/>
             </a:pPr>
             <a:r>
-              <a:rPr b="1" lang="pt-PT" sz="2000" spc="-1" strike="noStrike">
+              <a:rPr lang="pt-PT" sz="2000" strike="noStrike" spc="-1" dirty="0">
                 <a:solidFill>
                   <a:srgbClr val="404040"/>
                 </a:solidFill>
@@ -5192,62 +7762,413 @@
               <a:t>ZHED Solver</a:t>
             </a:r>
             <a:r>
-              <a:rPr b="0" lang="pt-PT" sz="2000" spc="-1" strike="noStrike">
+              <a:rPr lang="pt-PT" sz="2000" b="1" strike="noStrike" spc="-1" dirty="0">
                 <a:solidFill>
                   <a:srgbClr val="404040"/>
                 </a:solidFill>
                 <a:latin typeface="Arial"/>
               </a:rPr>
-              <a:t> - </a:t>
-            </a:r>
-            <a:r>
-              <a:rPr b="0" lang="pt-PT" sz="2000" spc="-1" strike="noStrike" u="sng">
-                <a:solidFill>
-                  <a:srgbClr val="0563c1"/>
-                </a:solidFill>
-                <a:uFillTx/>
+              <a:t>	</a:t>
+            </a:r>
+            <a:r>
+              <a:rPr lang="pt-PT" sz="2000" spc="-1" dirty="0">
+                <a:solidFill>
+                  <a:srgbClr val="404040"/>
+                </a:solidFill>
                 <a:latin typeface="Arial"/>
-                <a:hlinkClick r:id="rId1"/>
-              </a:rPr>
-              <a:t>https://www.wilgysef.com/articles/zhed-solver/#hdr-background</a:t>
-            </a:r>
-            <a:endParaRPr b="0" lang="pt-PT" sz="2000" spc="-1" strike="noStrike">
-              <a:latin typeface="Arial"/>
-            </a:endParaRPr>
-          </a:p>
-          <a:p>
-            <a:pPr>
+              </a:rPr>
+              <a:t>- </a:t>
+            </a:r>
+            <a:r>
+              <a:rPr lang="pt-PT" sz="2000" spc="-1" dirty="0">
+                <a:solidFill>
+                  <a:srgbClr val="404040"/>
+                </a:solidFill>
+                <a:latin typeface="Arial"/>
+                <a:hlinkClick r:id="rId2"/>
+              </a:rPr>
+              <a:t>https://www.wilgysef.com/articles/zhed-solver/</a:t>
+            </a:r>
+            <a:endParaRPr lang="pt-PT" sz="2000" spc="-1" dirty="0">
+              <a:solidFill>
+                <a:srgbClr val="404040"/>
+              </a:solidFill>
+              <a:latin typeface="Arial"/>
+            </a:endParaRPr>
+          </a:p>
+          <a:p>
+            <a:pPr marL="228600" indent="-227880">
               <a:lnSpc>
                 <a:spcPct val="90000"/>
               </a:lnSpc>
               <a:spcBef>
                 <a:spcPts val="1001"/>
               </a:spcBef>
+              <a:buClr>
+                <a:srgbClr val="404040"/>
+              </a:buClr>
+              <a:buFont typeface="Arial"/>
+              <a:buChar char="•"/>
             </a:pPr>
-            <a:endParaRPr b="0" lang="pt-PT" sz="2000" spc="-1" strike="noStrike">
-              <a:latin typeface="Arial"/>
-            </a:endParaRPr>
+            <a:r>
+              <a:rPr lang="pt-PT" sz="2000" spc="-1" dirty="0" err="1">
+                <a:solidFill>
+                  <a:srgbClr val="404040"/>
+                </a:solidFill>
+                <a:latin typeface="Arial"/>
+              </a:rPr>
+              <a:t>GeeksforGeeks</a:t>
+            </a:r>
+            <a:r>
+              <a:rPr lang="pt-PT" sz="2000" spc="-1" dirty="0">
+                <a:solidFill>
+                  <a:srgbClr val="404040"/>
+                </a:solidFill>
+                <a:latin typeface="Arial"/>
+              </a:rPr>
+              <a:t> </a:t>
+            </a:r>
+            <a:r>
+              <a:rPr lang="pt-PT" sz="2000" spc="-1" dirty="0" err="1">
+                <a:solidFill>
+                  <a:srgbClr val="404040"/>
+                </a:solidFill>
+                <a:latin typeface="Arial"/>
+              </a:rPr>
+              <a:t>webpage</a:t>
+            </a:r>
+            <a:r>
+              <a:rPr lang="pt-PT" sz="2000" spc="-1" dirty="0">
+                <a:solidFill>
+                  <a:srgbClr val="404040"/>
+                </a:solidFill>
+                <a:latin typeface="Arial"/>
+              </a:rPr>
+              <a:t> - </a:t>
+            </a:r>
+            <a:r>
+              <a:rPr lang="pt-PT" sz="2000" spc="-1" dirty="0">
+                <a:solidFill>
+                  <a:srgbClr val="404040"/>
+                </a:solidFill>
+                <a:latin typeface="Arial"/>
+                <a:hlinkClick r:id="rId3"/>
+              </a:rPr>
+              <a:t>https://www.geeksforgeeks.org/search-algorithms-in-ai/</a:t>
+            </a:r>
+            <a:endParaRPr lang="pt-PT" sz="2000" spc="-1" dirty="0">
+              <a:solidFill>
+                <a:srgbClr val="404040"/>
+              </a:solidFill>
+              <a:latin typeface="Arial"/>
+            </a:endParaRPr>
+          </a:p>
+          <a:p>
+            <a:pPr marL="228600" indent="-227880">
+              <a:lnSpc>
+                <a:spcPct val="90000"/>
+              </a:lnSpc>
+              <a:spcBef>
+                <a:spcPts val="1001"/>
+              </a:spcBef>
+              <a:buClr>
+                <a:srgbClr val="404040"/>
+              </a:buClr>
+              <a:buFont typeface="Arial"/>
+              <a:buChar char="•"/>
+            </a:pPr>
+            <a:r>
+              <a:rPr lang="pt-PT" sz="2000" spc="-1" dirty="0">
+                <a:solidFill>
+                  <a:srgbClr val="404040"/>
+                </a:solidFill>
+                <a:latin typeface="Arial"/>
+              </a:rPr>
+              <a:t>Slides das aulas de Inteligência Artificial</a:t>
+            </a:r>
+          </a:p>
+          <a:p>
+            <a:pPr marL="228600" indent="-227880">
+              <a:lnSpc>
+                <a:spcPct val="90000"/>
+              </a:lnSpc>
+              <a:spcBef>
+                <a:spcPts val="1001"/>
+              </a:spcBef>
+              <a:buClr>
+                <a:srgbClr val="404040"/>
+              </a:buClr>
+              <a:buFont typeface="Arial"/>
+              <a:buChar char="•"/>
+            </a:pPr>
+            <a:r>
+              <a:rPr lang="pt-PT" sz="2000" spc="-1" dirty="0">
+                <a:solidFill>
+                  <a:srgbClr val="404040"/>
+                </a:solidFill>
+                <a:latin typeface="Arial"/>
+              </a:rPr>
+              <a:t>Russel, S., &amp; </a:t>
+            </a:r>
+            <a:r>
+              <a:rPr lang="pt-PT" sz="2000" spc="-1" dirty="0" err="1">
+                <a:solidFill>
+                  <a:srgbClr val="404040"/>
+                </a:solidFill>
+                <a:latin typeface="Arial"/>
+              </a:rPr>
+              <a:t>Norvig</a:t>
+            </a:r>
+            <a:r>
+              <a:rPr lang="pt-PT" sz="2000" spc="-1" dirty="0">
+                <a:solidFill>
+                  <a:srgbClr val="404040"/>
+                </a:solidFill>
+                <a:latin typeface="Arial"/>
+              </a:rPr>
+              <a:t>, P. (2010) </a:t>
+            </a:r>
+            <a:r>
+              <a:rPr lang="pt-PT" sz="2000" i="1" spc="-1" dirty="0">
+                <a:solidFill>
+                  <a:srgbClr val="404040"/>
+                </a:solidFill>
+                <a:latin typeface="Arial"/>
+              </a:rPr>
+              <a:t>Artificial </a:t>
+            </a:r>
+            <a:r>
+              <a:rPr lang="pt-PT" sz="2000" i="1" spc="-1" dirty="0" err="1">
+                <a:solidFill>
+                  <a:srgbClr val="404040"/>
+                </a:solidFill>
+                <a:latin typeface="Arial"/>
+              </a:rPr>
+              <a:t>Inteligence</a:t>
+            </a:r>
+            <a:r>
+              <a:rPr lang="pt-PT" sz="2000" i="1" spc="-1" dirty="0">
+                <a:solidFill>
+                  <a:srgbClr val="404040"/>
+                </a:solidFill>
+                <a:latin typeface="Arial"/>
+              </a:rPr>
+              <a:t> A </a:t>
+            </a:r>
+            <a:r>
+              <a:rPr lang="pt-PT" sz="2000" i="1" spc="-1" dirty="0" err="1">
+                <a:solidFill>
+                  <a:srgbClr val="404040"/>
+                </a:solidFill>
+                <a:latin typeface="Arial"/>
+              </a:rPr>
+              <a:t>Modern</a:t>
+            </a:r>
+            <a:r>
+              <a:rPr lang="pt-PT" sz="2000" i="1" spc="-1" dirty="0">
+                <a:solidFill>
+                  <a:srgbClr val="404040"/>
+                </a:solidFill>
+                <a:latin typeface="Arial"/>
+              </a:rPr>
+              <a:t> </a:t>
+            </a:r>
+            <a:r>
+              <a:rPr lang="pt-PT" sz="2000" i="1" spc="-1" dirty="0" err="1">
+                <a:solidFill>
+                  <a:srgbClr val="404040"/>
+                </a:solidFill>
+                <a:latin typeface="Arial"/>
+              </a:rPr>
+              <a:t>Approach</a:t>
+            </a:r>
+            <a:r>
+              <a:rPr lang="pt-PT" sz="2000" spc="-1" dirty="0">
+                <a:solidFill>
+                  <a:srgbClr val="404040"/>
+                </a:solidFill>
+                <a:latin typeface="Arial"/>
+              </a:rPr>
+              <a:t>, New Jersey.</a:t>
+            </a:r>
+            <a:endParaRPr lang="pt-PT" sz="2000" b="0" strike="noStrike" spc="-1" dirty="0">
+              <a:latin typeface="Arial"/>
+            </a:endParaRPr>
+          </a:p>
+        </p:txBody>
+      </p:sp>
+      <p:sp>
+        <p:nvSpPr>
+          <p:cNvPr id="4" name="CustomShape 1">
+            <a:extLst>
+              <a:ext uri="{FF2B5EF4-FFF2-40B4-BE49-F238E27FC236}">
+                <a16:creationId xmlns:a16="http://schemas.microsoft.com/office/drawing/2014/main" id="{45B620D2-C939-4FF5-987D-30EEDFF6A3D7}"/>
+              </a:ext>
+            </a:extLst>
+          </p:cNvPr>
+          <p:cNvSpPr/>
+          <p:nvPr/>
+        </p:nvSpPr>
+        <p:spPr>
+          <a:xfrm>
+            <a:off x="647640" y="3766715"/>
+            <a:ext cx="10514880" cy="1324800"/>
+          </a:xfrm>
+          <a:prstGeom prst="rect">
+            <a:avLst/>
+          </a:prstGeom>
+          <a:noFill/>
+          <a:ln>
+            <a:noFill/>
+          </a:ln>
+        </p:spPr>
+        <p:style>
+          <a:lnRef idx="0">
+            <a:scrgbClr r="0" g="0" b="0"/>
+          </a:lnRef>
+          <a:fillRef idx="0">
+            <a:scrgbClr r="0" g="0" b="0"/>
+          </a:fillRef>
+          <a:effectRef idx="0">
+            <a:scrgbClr r="0" g="0" b="0"/>
+          </a:effectRef>
+          <a:fontRef idx="minor"/>
+        </p:style>
+        <p:txBody>
+          <a:bodyPr lIns="90000" tIns="45000" rIns="90000" bIns="45000" anchor="ctr"/>
+          <a:lstStyle/>
+          <a:p>
+            <a:pPr>
+              <a:lnSpc>
+                <a:spcPct val="90000"/>
+              </a:lnSpc>
+            </a:pPr>
+            <a:r>
+              <a:rPr lang="pt-PT" sz="2400" b="1" strike="noStrike" spc="-1" dirty="0">
+                <a:solidFill>
+                  <a:srgbClr val="000000"/>
+                </a:solidFill>
+                <a:latin typeface="Arial Black"/>
+              </a:rPr>
+              <a:t>Software utilizado</a:t>
+            </a:r>
+            <a:endParaRPr lang="pt-PT" sz="2400" b="0" strike="noStrike" spc="-1" dirty="0">
+              <a:latin typeface="Arial"/>
+            </a:endParaRPr>
+          </a:p>
+        </p:txBody>
+      </p:sp>
+      <p:sp>
+        <p:nvSpPr>
+          <p:cNvPr id="5" name="CustomShape 2">
+            <a:extLst>
+              <a:ext uri="{FF2B5EF4-FFF2-40B4-BE49-F238E27FC236}">
+                <a16:creationId xmlns:a16="http://schemas.microsoft.com/office/drawing/2014/main" id="{F29FEC59-E0DE-4430-A7D6-A2B5F0E0F000}"/>
+              </a:ext>
+            </a:extLst>
+          </p:cNvPr>
+          <p:cNvSpPr/>
+          <p:nvPr/>
+        </p:nvSpPr>
+        <p:spPr>
+          <a:xfrm>
+            <a:off x="647640" y="4900645"/>
+            <a:ext cx="10514880" cy="1698875"/>
+          </a:xfrm>
+          <a:prstGeom prst="rect">
+            <a:avLst/>
+          </a:prstGeom>
+          <a:noFill/>
+          <a:ln>
+            <a:noFill/>
+          </a:ln>
+        </p:spPr>
+        <p:style>
+          <a:lnRef idx="0">
+            <a:scrgbClr r="0" g="0" b="0"/>
+          </a:lnRef>
+          <a:fillRef idx="0">
+            <a:scrgbClr r="0" g="0" b="0"/>
+          </a:fillRef>
+          <a:effectRef idx="0">
+            <a:scrgbClr r="0" g="0" b="0"/>
+          </a:effectRef>
+          <a:fontRef idx="minor"/>
+        </p:style>
+        <p:txBody>
+          <a:bodyPr lIns="90000" tIns="45000" rIns="90000" bIns="45000"/>
+          <a:lstStyle/>
+          <a:p>
+            <a:pPr marL="228600" indent="-227880">
+              <a:lnSpc>
+                <a:spcPct val="90000"/>
+              </a:lnSpc>
+              <a:spcBef>
+                <a:spcPts val="1001"/>
+              </a:spcBef>
+              <a:buClr>
+                <a:srgbClr val="404040"/>
+              </a:buClr>
+              <a:buFont typeface="Arial"/>
+              <a:buChar char="•"/>
+            </a:pPr>
+            <a:r>
+              <a:rPr lang="pt-PT" sz="2000" spc="-1" dirty="0" err="1">
+                <a:latin typeface="Arial"/>
+              </a:rPr>
+              <a:t>IntelliJ</a:t>
+            </a:r>
+            <a:r>
+              <a:rPr lang="pt-PT" sz="2000" spc="-1" dirty="0">
+                <a:latin typeface="Arial"/>
+              </a:rPr>
+              <a:t> IDEA</a:t>
+            </a:r>
+          </a:p>
+          <a:p>
+            <a:pPr marL="228600" indent="-227880">
+              <a:lnSpc>
+                <a:spcPct val="90000"/>
+              </a:lnSpc>
+              <a:spcBef>
+                <a:spcPts val="1001"/>
+              </a:spcBef>
+              <a:buClr>
+                <a:srgbClr val="404040"/>
+              </a:buClr>
+              <a:buFont typeface="Arial"/>
+              <a:buChar char="•"/>
+            </a:pPr>
+            <a:r>
+              <a:rPr lang="pt-PT" sz="2000" b="0" strike="noStrike" spc="-1" dirty="0">
+                <a:latin typeface="Arial"/>
+              </a:rPr>
+              <a:t>Repositório no GitHub</a:t>
+            </a:r>
           </a:p>
         </p:txBody>
       </p:sp>
     </p:spTree>
   </p:cSld>
+  <p:clrMapOvr>
+    <a:masterClrMapping/>
+  </p:clrMapOvr>
   <p:timing>
     <p:tnLst>
       <p:par>
-        <p:cTn id="9" dur="indefinite" restart="never" nodeType="tmRoot">
+        <p:cTn id="1" dur="indefinite" restart="never" nodeType="tmRoot">
           <p:childTnLst>
             <p:seq>
-              <p:cTn id="10" dur="indefinite" nodeType="mainSeq"/>
+              <p:cTn id="2" dur="indefinite" nodeType="mainSeq"/>
               <p:prevCondLst>
-                <p:cond delay="0" evt="onPrev">
+                <p:cond evt="onPrev" delay="0">
                   <p:tgtEl>
                     <p:sldTgt/>
                   </p:tgtEl>
                 </p:cond>
               </p:prevCondLst>
               <p:nextCondLst>
-                <p:cond delay="0" evt="onNext">
+                <p:cond evt="onNext" delay="0">
                   <p:tgtEl>
                     <p:sldTgt/>
                   </p:tgtEl>
@@ -5273,34 +8194,34 @@
         <a:sysClr val="window" lastClr="FFFFFF"/>
       </a:lt1>
       <a:dk2>
-        <a:srgbClr val="44546a"/>
+        <a:srgbClr val="44546A"/>
       </a:dk2>
       <a:lt2>
-        <a:srgbClr val="e7e6e6"/>
+        <a:srgbClr val="E7E6E6"/>
       </a:lt2>
       <a:accent1>
-        <a:srgbClr val="5b9bd5"/>
+        <a:srgbClr val="5B9BD5"/>
       </a:accent1>
       <a:accent2>
-        <a:srgbClr val="ed7d31"/>
+        <a:srgbClr val="ED7D31"/>
       </a:accent2>
       <a:accent3>
-        <a:srgbClr val="a5a5a5"/>
+        <a:srgbClr val="A5A5A5"/>
       </a:accent3>
       <a:accent4>
-        <a:srgbClr val="ffc000"/>
+        <a:srgbClr val="FFC000"/>
       </a:accent4>
       <a:accent5>
-        <a:srgbClr val="4472c4"/>
+        <a:srgbClr val="4472C4"/>
       </a:accent5>
       <a:accent6>
-        <a:srgbClr val="70ad47"/>
+        <a:srgbClr val="70AD47"/>
       </a:accent6>
       <a:hlink>
-        <a:srgbClr val="0563c1"/>
+        <a:srgbClr val="0563C1"/>
       </a:hlink>
       <a:folHlink>
-        <a:srgbClr val="954f72"/>
+        <a:srgbClr val="954F72"/>
       </a:folHlink>
     </a:clrScheme>
     <a:fontScheme name="Office">
@@ -5482,6 +8403,8 @@
       </a:bgFillStyleLst>
     </a:fmtScheme>
   </a:themeElements>
+  <a:objectDefaults/>
+  <a:extraClrSchemeLst/>
 </a:theme>
 </file>
 
@@ -5496,34 +8419,34 @@
         <a:sysClr val="window" lastClr="FFFFFF"/>
       </a:lt1>
       <a:dk2>
-        <a:srgbClr val="44546a"/>
+        <a:srgbClr val="44546A"/>
       </a:dk2>
       <a:lt2>
-        <a:srgbClr val="e7e6e6"/>
+        <a:srgbClr val="E7E6E6"/>
       </a:lt2>
       <a:accent1>
-        <a:srgbClr val="5b9bd5"/>
+        <a:srgbClr val="5B9BD5"/>
       </a:accent1>
       <a:accent2>
-        <a:srgbClr val="ed7d31"/>
+        <a:srgbClr val="ED7D31"/>
       </a:accent2>
       <a:accent3>
-        <a:srgbClr val="a5a5a5"/>
+        <a:srgbClr val="A5A5A5"/>
       </a:accent3>
       <a:accent4>
-        <a:srgbClr val="ffc000"/>
+        <a:srgbClr val="FFC000"/>
       </a:accent4>
       <a:accent5>
-        <a:srgbClr val="4472c4"/>
+        <a:srgbClr val="4472C4"/>
       </a:accent5>
       <a:accent6>
-        <a:srgbClr val="70ad47"/>
+        <a:srgbClr val="70AD47"/>
       </a:accent6>
       <a:hlink>
-        <a:srgbClr val="0563c1"/>
+        <a:srgbClr val="0563C1"/>
       </a:hlink>
       <a:folHlink>
-        <a:srgbClr val="954f72"/>
+        <a:srgbClr val="954F72"/>
       </a:folHlink>
     </a:clrScheme>
     <a:fontScheme name="Office">
@@ -5705,5 +8628,302 @@
       </a:bgFillStyleLst>
     </a:fmtScheme>
   </a:themeElements>
+  <a:objectDefaults/>
+  <a:extraClrSchemeLst/>
+</a:theme>
+</file>
+
+<file path=ppt/theme/theme3.xml><?xml version="1.0" encoding="utf-8"?>
+<a:theme xmlns:a="http://schemas.openxmlformats.org/drawingml/2006/main" name="Office Theme">
+  <a:themeElements>
+    <a:clrScheme name="Office">
+      <a:dk1>
+        <a:sysClr val="windowText" lastClr="000000"/>
+      </a:dk1>
+      <a:lt1>
+        <a:sysClr val="window" lastClr="FFFFFF"/>
+      </a:lt1>
+      <a:dk2>
+        <a:srgbClr val="44546A"/>
+      </a:dk2>
+      <a:lt2>
+        <a:srgbClr val="E7E6E6"/>
+      </a:lt2>
+      <a:accent1>
+        <a:srgbClr val="4472C4"/>
+      </a:accent1>
+      <a:accent2>
+        <a:srgbClr val="ED7D31"/>
+      </a:accent2>
+      <a:accent3>
+        <a:srgbClr val="A5A5A5"/>
+      </a:accent3>
+      <a:accent4>
+        <a:srgbClr val="FFC000"/>
+      </a:accent4>
+      <a:accent5>
+        <a:srgbClr val="5B9BD5"/>
+      </a:accent5>
+      <a:accent6>
+        <a:srgbClr val="70AD47"/>
+      </a:accent6>
+      <a:hlink>
+        <a:srgbClr val="0563C1"/>
+      </a:hlink>
+      <a:folHlink>
+        <a:srgbClr val="954F72"/>
+      </a:folHlink>
+    </a:clrScheme>
+    <a:fontScheme name="Office">
+      <a:majorFont>
+        <a:latin typeface="Calibri Light" panose="020F0302020204030204"/>
+        <a:ea typeface=""/>
+        <a:cs typeface=""/>
+        <a:font script="Jpan" typeface="游ゴシック Light"/>
+        <a:font script="Hang" typeface="맑은 고딕"/>
+        <a:font script="Hans" typeface="等线 Light"/>
+        <a:font script="Hant" typeface="新細明體"/>
+        <a:font script="Arab" typeface="Times New Roman"/>
+        <a:font script="Hebr" typeface="Times New Roman"/>
+        <a:font script="Thai" typeface="Angsana New"/>
+        <a:font script="Ethi" typeface="Nyala"/>
+        <a:font script="Beng" typeface="Vrinda"/>
+        <a:font script="Gujr" typeface="Shruti"/>
+        <a:font script="Khmr" typeface="MoolBoran"/>
+        <a:font script="Knda" typeface="Tunga"/>
+        <a:font script="Guru" typeface="Raavi"/>
+        <a:font script="Cans" typeface="Euphemia"/>
+        <a:font script="Cher" typeface="Plantagenet Cherokee"/>
+        <a:font script="Yiii" typeface="Microsoft Yi Baiti"/>
+        <a:font script="Tibt" typeface="Microsoft Himalaya"/>
+        <a:font script="Thaa" typeface="MV Boli"/>
+        <a:font script="Deva" typeface="Mangal"/>
+        <a:font script="Telu" typeface="Gautami"/>
+        <a:font script="Taml" typeface="Latha"/>
+        <a:font script="Syrc" typeface="Estrangelo Edessa"/>
+        <a:font script="Orya" typeface="Kalinga"/>
+        <a:font script="Mlym" typeface="Kartika"/>
+        <a:font script="Laoo" typeface="DokChampa"/>
+        <a:font script="Sinh" typeface="Iskoola Pota"/>
+        <a:font script="Mong" typeface="Mongolian Baiti"/>
+        <a:font script="Viet" typeface="Times New Roman"/>
+        <a:font script="Uigh" typeface="Microsoft Uighur"/>
+        <a:font script="Geor" typeface="Sylfaen"/>
+        <a:font script="Armn" typeface="Arial"/>
+        <a:font script="Bugi" typeface="Leelawadee UI"/>
+        <a:font script="Bopo" typeface="Microsoft JhengHei"/>
+        <a:font script="Java" typeface="Javanese Text"/>
+        <a:font script="Lisu" typeface="Segoe UI"/>
+        <a:font script="Mymr" typeface="Myanmar Text"/>
+        <a:font script="Nkoo" typeface="Ebrima"/>
+        <a:font script="Olck" typeface="Nirmala UI"/>
+        <a:font script="Osma" typeface="Ebrima"/>
+        <a:font script="Phag" typeface="Phagspa"/>
+        <a:font script="Syrn" typeface="Estrangelo Edessa"/>
+        <a:font script="Syrj" typeface="Estrangelo Edessa"/>
+        <a:font script="Syre" typeface="Estrangelo Edessa"/>
+        <a:font script="Sora" typeface="Nirmala UI"/>
+        <a:font script="Tale" typeface="Microsoft Tai Le"/>
+        <a:font script="Talu" typeface="Microsoft New Tai Lue"/>
+        <a:font script="Tfng" typeface="Ebrima"/>
+      </a:majorFont>
+      <a:minorFont>
+        <a:latin typeface="Calibri" panose="020F0502020204030204"/>
+        <a:ea typeface=""/>
+        <a:cs typeface=""/>
+        <a:font script="Jpan" typeface="游ゴシック"/>
+        <a:font script="Hang" typeface="맑은 고딕"/>
+        <a:font script="Hans" typeface="等线"/>
+        <a:font script="Hant" typeface="新細明體"/>
+        <a:font script="Arab" typeface="Arial"/>
+        <a:font script="Hebr" typeface="Arial"/>
+        <a:font script="Thai" typeface="Cordia New"/>
+        <a:font script="Ethi" typeface="Nyala"/>
+        <a:font script="Beng" typeface="Vrinda"/>
+        <a:font script="Gujr" typeface="Shruti"/>
+        <a:font script="Khmr" typeface="DaunPenh"/>
+        <a:font script="Knda" typeface="Tunga"/>
+        <a:font script="Guru" typeface="Raavi"/>
+        <a:font script="Cans" typeface="Euphemia"/>
+        <a:font script="Cher" typeface="Plantagenet Cherokee"/>
+        <a:font script="Yiii" typeface="Microsoft Yi Baiti"/>
+        <a:font script="Tibt" typeface="Microsoft Himalaya"/>
+        <a:font script="Thaa" typeface="MV Boli"/>
+        <a:font script="Deva" typeface="Mangal"/>
+        <a:font script="Telu" typeface="Gautami"/>
+        <a:font script="Taml" typeface="Latha"/>
+        <a:font script="Syrc" typeface="Estrangelo Edessa"/>
+        <a:font script="Orya" typeface="Kalinga"/>
+        <a:font script="Mlym" typeface="Kartika"/>
+        <a:font script="Laoo" typeface="DokChampa"/>
+        <a:font script="Sinh" typeface="Iskoola Pota"/>
+        <a:font script="Mong" typeface="Mongolian Baiti"/>
+        <a:font script="Viet" typeface="Arial"/>
+        <a:font script="Uigh" typeface="Microsoft Uighur"/>
+        <a:font script="Geor" typeface="Sylfaen"/>
+        <a:font script="Armn" typeface="Arial"/>
+        <a:font script="Bugi" typeface="Leelawadee UI"/>
+        <a:font script="Bopo" typeface="Microsoft JhengHei"/>
+        <a:font script="Java" typeface="Javanese Text"/>
+        <a:font script="Lisu" typeface="Segoe UI"/>
+        <a:font script="Mymr" typeface="Myanmar Text"/>
+        <a:font script="Nkoo" typeface="Ebrima"/>
+        <a:font script="Olck" typeface="Nirmala UI"/>
+        <a:font script="Osma" typeface="Ebrima"/>
+        <a:font script="Phag" typeface="Phagspa"/>
+        <a:font script="Syrn" typeface="Estrangelo Edessa"/>
+        <a:font script="Syrj" typeface="Estrangelo Edessa"/>
+        <a:font script="Syre" typeface="Estrangelo Edessa"/>
+        <a:font script="Sora" typeface="Nirmala UI"/>
+        <a:font script="Tale" typeface="Microsoft Tai Le"/>
+        <a:font script="Talu" typeface="Microsoft New Tai Lue"/>
+        <a:font script="Tfng" typeface="Ebrima"/>
+      </a:minorFont>
+    </a:fontScheme>
+    <a:fmtScheme name="Office">
+      <a:fillStyleLst>
+        <a:solidFill>
+          <a:schemeClr val="phClr"/>
+        </a:solidFill>
+        <a:gradFill rotWithShape="1">
+          <a:gsLst>
+            <a:gs pos="0">
+              <a:schemeClr val="phClr">
+                <a:lumMod val="110000"/>
+                <a:satMod val="105000"/>
+                <a:tint val="67000"/>
+              </a:schemeClr>
+            </a:gs>
+            <a:gs pos="50000">
+              <a:schemeClr val="phClr">
+                <a:lumMod val="105000"/>
+                <a:satMod val="103000"/>
+                <a:tint val="73000"/>
+              </a:schemeClr>
+            </a:gs>
+            <a:gs pos="100000">
+              <a:schemeClr val="phClr">
+                <a:lumMod val="105000"/>
+                <a:satMod val="109000"/>
+                <a:tint val="81000"/>
+              </a:schemeClr>
+            </a:gs>
+          </a:gsLst>
+          <a:lin ang="5400000" scaled="0"/>
+        </a:gradFill>
+        <a:gradFill rotWithShape="1">
+          <a:gsLst>
+            <a:gs pos="0">
+              <a:schemeClr val="phClr">
+                <a:satMod val="103000"/>
+                <a:lumMod val="102000"/>
+                <a:tint val="94000"/>
+              </a:schemeClr>
+            </a:gs>
+            <a:gs pos="50000">
+              <a:schemeClr val="phClr">
+                <a:satMod val="110000"/>
+                <a:lumMod val="100000"/>
+                <a:shade val="100000"/>
+              </a:schemeClr>
+            </a:gs>
+            <a:gs pos="100000">
+              <a:schemeClr val="phClr">
+                <a:lumMod val="99000"/>
+                <a:satMod val="120000"/>
+                <a:shade val="78000"/>
+              </a:schemeClr>
+            </a:gs>
+          </a:gsLst>
+          <a:lin ang="5400000" scaled="0"/>
+        </a:gradFill>
+      </a:fillStyleLst>
+      <a:lnStyleLst>
+        <a:ln w="6350" cap="flat" cmpd="sng" algn="ctr">
+          <a:solidFill>
+            <a:schemeClr val="phClr"/>
+          </a:solidFill>
+          <a:prstDash val="solid"/>
+          <a:miter lim="800000"/>
+        </a:ln>
+        <a:ln w="12700" cap="flat" cmpd="sng" algn="ctr">
+          <a:solidFill>
+            <a:schemeClr val="phClr"/>
+          </a:solidFill>
+          <a:prstDash val="solid"/>
+          <a:miter lim="800000"/>
+        </a:ln>
+        <a:ln w="19050" cap="flat" cmpd="sng" algn="ctr">
+          <a:solidFill>
+            <a:schemeClr val="phClr"/>
+          </a:solidFill>
+          <a:prstDash val="solid"/>
+          <a:miter lim="800000"/>
+        </a:ln>
+      </a:lnStyleLst>
+      <a:effectStyleLst>
+        <a:effectStyle>
+          <a:effectLst/>
+        </a:effectStyle>
+        <a:effectStyle>
+          <a:effectLst/>
+        </a:effectStyle>
+        <a:effectStyle>
+          <a:effectLst>
+            <a:outerShdw blurRad="57150" dist="19050" dir="5400000" algn="ctr" rotWithShape="0">
+              <a:srgbClr val="000000">
+                <a:alpha val="63000"/>
+              </a:srgbClr>
+            </a:outerShdw>
+          </a:effectLst>
+        </a:effectStyle>
+      </a:effectStyleLst>
+      <a:bgFillStyleLst>
+        <a:solidFill>
+          <a:schemeClr val="phClr"/>
+        </a:solidFill>
+        <a:solidFill>
+          <a:schemeClr val="phClr">
+            <a:tint val="95000"/>
+            <a:satMod val="170000"/>
+          </a:schemeClr>
+        </a:solidFill>
+        <a:gradFill rotWithShape="1">
+          <a:gsLst>
+            <a:gs pos="0">
+              <a:schemeClr val="phClr">
+                <a:tint val="93000"/>
+                <a:satMod val="150000"/>
+                <a:shade val="98000"/>
+                <a:lumMod val="102000"/>
+              </a:schemeClr>
+            </a:gs>
+            <a:gs pos="50000">
+              <a:schemeClr val="phClr">
+                <a:tint val="98000"/>
+                <a:satMod val="130000"/>
+                <a:shade val="90000"/>
+                <a:lumMod val="103000"/>
+              </a:schemeClr>
+            </a:gs>
+            <a:gs pos="100000">
+              <a:schemeClr val="phClr">
+                <a:shade val="63000"/>
+                <a:satMod val="120000"/>
+              </a:schemeClr>
+            </a:gs>
+          </a:gsLst>
+          <a:lin ang="5400000" scaled="0"/>
+        </a:gradFill>
+      </a:bgFillStyleLst>
+    </a:fmtScheme>
+  </a:themeElements>
+  <a:objectDefaults/>
+  <a:extraClrSchemeLst/>
+  <a:extLst>
+    <a:ext uri="{05A4C25C-085E-4340-85A3-A5531E510DB2}">
+      <thm15:themeFamily xmlns:thm15="http://schemas.microsoft.com/office/thememl/2012/main" name="Office Theme" id="{62F939B6-93AF-4DB8-9C6B-D6C7DFDC589F}" vid="{4A3C46E8-61CC-4603-A589-7422A47A8E4A}"/>
+    </a:ext>
+  </a:extLst>
 </a:theme>
 </file>
--- a/FEUP.pptx
+++ b/FEUP.pptx
@@ -116,6 +116,11 @@
       </a:defRPr>
     </a:lvl9pPr>
   </p:defaultTextStyle>
+  <p:extLst>
+    <p:ext uri="{EFAFB233-063F-42B5-8137-9DF3F51BA10A}">
+      <p15:sldGuideLst xmlns:p15="http://schemas.microsoft.com/office/powerpoint/2012/main"/>
+    </p:ext>
+  </p:extLst>
 </p:presentation>
 </file>
 
@@ -201,7 +206,7 @@
           <a:p>
             <a:fld id="{CD52A834-5F0C-4356-9985-5DF774D3196F}" type="datetimeFigureOut">
               <a:rPr lang="en-US" smtClean="0"/>
-              <a:t>3/28/2020</a:t>
+              <a:t>3/29/2020</a:t>
             </a:fld>
             <a:endParaRPr lang="en-US"/>
           </a:p>
@@ -6197,8 +6202,8 @@
         </p:nvSpPr>
         <p:spPr>
           <a:xfrm>
-            <a:off x="647640" y="1825560"/>
-            <a:ext cx="10514880" cy="2916000"/>
+            <a:off x="647640" y="1825559"/>
+            <a:ext cx="10514880" cy="4122479"/>
           </a:xfrm>
           <a:prstGeom prst="rect">
             <a:avLst/>
@@ -6239,11 +6244,107 @@
                 </a:solidFill>
                 <a:latin typeface="Arial"/>
               </a:rPr>
-              <a:t>	…</a:t>
-            </a:r>
-            <a:endParaRPr lang="pt-PT" sz="2000" b="0" strike="noStrike" spc="-1" dirty="0">
-              <a:latin typeface="Arial"/>
-            </a:endParaRPr>
+              <a:t>	Os nossos operadores são as 4 direções das peças (cim</a:t>
+            </a:r>
+            <a:r>
+              <a:rPr lang="pt-PT" sz="2000" spc="-1" dirty="0">
+                <a:solidFill>
+                  <a:srgbClr val="404040"/>
+                </a:solidFill>
+                <a:latin typeface="Arial"/>
+              </a:rPr>
+              <a:t>a, direita, baixo, esquerda).</a:t>
+            </a:r>
+          </a:p>
+          <a:p>
+            <a:pPr>
+              <a:lnSpc>
+                <a:spcPct val="90000"/>
+              </a:lnSpc>
+              <a:spcBef>
+                <a:spcPts val="1001"/>
+              </a:spcBef>
+            </a:pPr>
+            <a:r>
+              <a:rPr lang="pt-PT" sz="2000" b="0" strike="noStrike" spc="-1" dirty="0">
+                <a:solidFill>
+                  <a:srgbClr val="404040"/>
+                </a:solidFill>
+                <a:latin typeface="Arial"/>
+              </a:rPr>
+              <a:t>	</a:t>
+            </a:r>
+          </a:p>
+          <a:p>
+            <a:pPr>
+              <a:lnSpc>
+                <a:spcPct val="90000"/>
+              </a:lnSpc>
+              <a:spcBef>
+                <a:spcPts val="1001"/>
+              </a:spcBef>
+            </a:pPr>
+            <a:endParaRPr lang="pt-PT" sz="2000" spc="-1" dirty="0">
+              <a:solidFill>
+                <a:srgbClr val="404040"/>
+              </a:solidFill>
+              <a:latin typeface="Arial"/>
+            </a:endParaRPr>
+          </a:p>
+          <a:p>
+            <a:pPr>
+              <a:lnSpc>
+                <a:spcPct val="90000"/>
+              </a:lnSpc>
+              <a:spcBef>
+                <a:spcPts val="1001"/>
+              </a:spcBef>
+            </a:pPr>
+            <a:r>
+              <a:rPr lang="pt-PT" sz="2000" b="0" strike="noStrike" spc="-1" dirty="0">
+                <a:solidFill>
+                  <a:srgbClr val="404040"/>
+                </a:solidFill>
+                <a:latin typeface="Arial"/>
+              </a:rPr>
+              <a:t>	Heurísticas/ funções </a:t>
+            </a:r>
+            <a:r>
+              <a:rPr lang="pt-PT" sz="2000" spc="-1" dirty="0">
+                <a:solidFill>
+                  <a:srgbClr val="404040"/>
+                </a:solidFill>
+                <a:latin typeface="Arial"/>
+              </a:rPr>
+              <a:t>de avaliação </a:t>
+            </a:r>
+            <a:r>
+              <a:rPr lang="pt-PT" sz="2000" b="0" strike="noStrike" spc="-1" dirty="0">
+                <a:solidFill>
+                  <a:srgbClr val="404040"/>
+                </a:solidFill>
+                <a:latin typeface="Arial"/>
+              </a:rPr>
+              <a:t>por definir no </a:t>
+            </a:r>
+            <a:r>
+              <a:rPr lang="pt-PT" sz="2000" b="0" strike="noStrike" spc="-1" dirty="0" err="1">
+                <a:solidFill>
+                  <a:srgbClr val="404040"/>
+                </a:solidFill>
+                <a:latin typeface="Arial"/>
+              </a:rPr>
+              <a:t>Greedy</a:t>
+            </a:r>
+            <a:r>
+              <a:rPr lang="pt-PT" sz="2000" b="0" strike="noStrike" spc="-1" dirty="0">
+                <a:solidFill>
+                  <a:srgbClr val="404040"/>
+                </a:solidFill>
+                <a:latin typeface="Arial"/>
+              </a:rPr>
+              <a:t> e no A*.</a:t>
+            </a:r>
           </a:p>
         </p:txBody>
       </p:sp>
@@ -7428,6 +7529,70 @@
           </a:p>
         </p:txBody>
       </p:sp>
+      <p:sp>
+        <p:nvSpPr>
+          <p:cNvPr id="5" name="CustomShape 2">
+            <a:extLst>
+              <a:ext uri="{FF2B5EF4-FFF2-40B4-BE49-F238E27FC236}">
+                <a16:creationId xmlns:a16="http://schemas.microsoft.com/office/drawing/2014/main" id="{490D96AA-CF43-492C-B97D-5556CE1C83C4}"/>
+              </a:ext>
+            </a:extLst>
+          </p:cNvPr>
+          <p:cNvSpPr/>
+          <p:nvPr/>
+        </p:nvSpPr>
+        <p:spPr>
+          <a:xfrm>
+            <a:off x="647640" y="1825560"/>
+            <a:ext cx="10514880" cy="4468708"/>
+          </a:xfrm>
+          <a:prstGeom prst="rect">
+            <a:avLst/>
+          </a:prstGeom>
+          <a:noFill/>
+          <a:ln>
+            <a:noFill/>
+          </a:ln>
+        </p:spPr>
+        <p:style>
+          <a:lnRef idx="0">
+            <a:scrgbClr r="0" g="0" b="0"/>
+          </a:lnRef>
+          <a:fillRef idx="0">
+            <a:scrgbClr r="0" g="0" b="0"/>
+          </a:fillRef>
+          <a:effectRef idx="0">
+            <a:scrgbClr r="0" g="0" b="0"/>
+          </a:effectRef>
+          <a:fontRef idx="minor"/>
+        </p:style>
+        <p:txBody>
+          <a:bodyPr lIns="90000" tIns="45000" rIns="90000" bIns="45000"/>
+          <a:lstStyle/>
+          <a:p>
+            <a:pPr>
+              <a:lnSpc>
+                <a:spcPct val="90000"/>
+              </a:lnSpc>
+              <a:spcBef>
+                <a:spcPts val="1001"/>
+              </a:spcBef>
+            </a:pPr>
+            <a:r>
+              <a:rPr lang="pt-PT" sz="2000" b="0" strike="noStrike" spc="-1" dirty="0">
+                <a:latin typeface="Arial"/>
+              </a:rPr>
+              <a:t>Tabel</a:t>
+            </a:r>
+            <a:r>
+              <a:rPr lang="pt-PT" sz="2000" spc="-1" dirty="0">
+                <a:latin typeface="Arial"/>
+              </a:rPr>
+              <a:t>a relacionando o tempo com nº de peças</a:t>
+            </a:r>
+          </a:p>
+        </p:txBody>
+      </p:sp>
     </p:spTree>
     <p:extLst>
       <p:ext uri="{BB962C8B-B14F-4D97-AF65-F5344CB8AC3E}">
@@ -7587,8 +7752,17 @@
               <a:rPr lang="pt-PT" sz="2000" b="0" strike="noStrike" spc="-1" dirty="0">
                 <a:latin typeface="Arial"/>
               </a:rPr>
-              <a:t>	Neste trabalhos podemos concluir… </a:t>
-            </a:r>
+              <a:t>	Conclusões que retiramos com a aplicação de cada algoritmo nos níveis do jogo, relação que eles têm com o tempo de execução e o nº </a:t>
+            </a:r>
+            <a:r>
+              <a:rPr lang="pt-PT" sz="2000" b="0" strike="noStrike" spc="-1">
+                <a:latin typeface="Arial"/>
+              </a:rPr>
+              <a:t>de peças.</a:t>
+            </a:r>
+            <a:endParaRPr lang="pt-PT" sz="2000" b="0" strike="noStrike" spc="-1" dirty="0">
+              <a:latin typeface="Arial"/>
+            </a:endParaRPr>
           </a:p>
         </p:txBody>
       </p:sp>
@@ -8145,6 +8319,54 @@
               </a:rPr>
               <a:t>Repositório no GitHub</a:t>
             </a:r>
+          </a:p>
+          <a:p>
+            <a:pPr marL="228600" indent="-227880">
+              <a:lnSpc>
+                <a:spcPct val="90000"/>
+              </a:lnSpc>
+              <a:spcBef>
+                <a:spcPts val="1001"/>
+              </a:spcBef>
+              <a:buClr>
+                <a:srgbClr val="404040"/>
+              </a:buClr>
+              <a:buFont typeface="Arial"/>
+              <a:buChar char="•"/>
+            </a:pPr>
+            <a:r>
+              <a:rPr lang="pt-PT" sz="2000" spc="-1" dirty="0" err="1">
+                <a:latin typeface="Arial"/>
+              </a:rPr>
+              <a:t>Gradle</a:t>
+            </a:r>
+            <a:r>
+              <a:rPr lang="pt-PT" sz="2000" spc="-1" dirty="0">
+                <a:latin typeface="Arial"/>
+              </a:rPr>
+              <a:t> </a:t>
+            </a:r>
+            <a:r>
+              <a:rPr lang="pt-PT" sz="2000" spc="-1" dirty="0" err="1">
+                <a:latin typeface="Arial"/>
+              </a:rPr>
+              <a:t>Build</a:t>
+            </a:r>
+            <a:r>
+              <a:rPr lang="pt-PT" sz="2000" spc="-1" dirty="0">
+                <a:latin typeface="Arial"/>
+              </a:rPr>
+              <a:t> </a:t>
+            </a:r>
+            <a:r>
+              <a:rPr lang="pt-PT" sz="2000" spc="-1" dirty="0" err="1">
+                <a:latin typeface="Arial"/>
+              </a:rPr>
+              <a:t>Tool</a:t>
+            </a:r>
+            <a:endParaRPr lang="pt-PT" sz="2000" b="0" strike="noStrike" spc="-1" dirty="0">
+              <a:latin typeface="Arial"/>
+            </a:endParaRPr>
           </a:p>
         </p:txBody>
       </p:sp>

--- a/FEUP.pptx
+++ b/FEUP.pptx
@@ -206,7 +206,7 @@
           <a:p>
             <a:fld id="{CD52A834-5F0C-4356-9985-5DF774D3196F}" type="datetimeFigureOut">
               <a:rPr lang="en-US" smtClean="0"/>
-              <a:t>3/29/2020</a:t>
+              <a:t>3/31/2020</a:t>
             </a:fld>
             <a:endParaRPr lang="en-US"/>
           </a:p>
@@ -7472,7 +7472,7 @@
                 </a:solidFill>
                 <a:latin typeface="Arial Black"/>
               </a:rPr>
-              <a:t>Resultados experimentais (recorrendo a tabelas/ gráficos apropriados e  comparando os diversos métodos, heurísticas, algoritmos e respetivas parametrizações para diferentes cenários/ problemas)</a:t>
+              <a:t>Resultados experimentais</a:t>
             </a:r>
             <a:endParaRPr lang="pt-PT" sz="2400" b="0" strike="noStrike" spc="-1" dirty="0">
               <a:latin typeface="Arial"/>
@@ -7543,8 +7543,8 @@
         </p:nvSpPr>
         <p:spPr>
           <a:xfrm>
-            <a:off x="647640" y="1825560"/>
-            <a:ext cx="10514880" cy="4468708"/>
+            <a:off x="647640" y="1656770"/>
+            <a:ext cx="10514880" cy="718464"/>
           </a:xfrm>
           <a:prstGeom prst="rect">
             <a:avLst/>
@@ -7579,20 +7579,56 @@
               </a:spcBef>
             </a:pPr>
             <a:r>
-              <a:rPr lang="pt-PT" sz="2000" b="0" strike="noStrike" spc="-1" dirty="0">
+              <a:rPr lang="pt-PT" sz="1600" b="0" strike="noStrike" spc="-1" dirty="0">
                 <a:latin typeface="Arial"/>
               </a:rPr>
-              <a:t>Tabel</a:t>
-            </a:r>
-            <a:r>
-              <a:rPr lang="pt-PT" sz="2000" spc="-1" dirty="0">
+              <a:t>	Tabel</a:t>
+            </a:r>
+            <a:r>
+              <a:rPr lang="pt-PT" sz="1600" spc="-1" dirty="0">
                 <a:latin typeface="Arial"/>
               </a:rPr>
-              <a:t>a relacionando o tempo com nº de peças</a:t>
-            </a:r>
-          </a:p>
-        </p:txBody>
-      </p:sp>
+              <a:t>a comparativa dos diferentes tempos médios de execução com os diferentes níveis, por algoritmo. Para estes testes fizemos correr o programa 3 vezes para cada algoritmo, fazendo a média dos tempos, e o nº de nós é sempre o mesmo.</a:t>
+            </a:r>
+          </a:p>
+        </p:txBody>
+      </p:sp>
+      <p:pic>
+        <p:nvPicPr>
+          <p:cNvPr id="6" name="Picture 5">
+            <a:extLst>
+              <a:ext uri="{FF2B5EF4-FFF2-40B4-BE49-F238E27FC236}">
+                <a16:creationId xmlns:a16="http://schemas.microsoft.com/office/drawing/2014/main" id="{4DB8B72F-42DD-4E6D-AFD7-D411E1B5F329}"/>
+              </a:ext>
+            </a:extLst>
+          </p:cNvPr>
+          <p:cNvPicPr>
+            <a:picLocks noChangeAspect="1"/>
+          </p:cNvPicPr>
+          <p:nvPr/>
+        </p:nvPicPr>
+        <p:blipFill>
+          <a:blip r:embed="rId3">
+            <a:extLst>
+              <a:ext uri="{28A0092B-C50C-407E-A947-70E740481C1C}">
+                <a14:useLocalDpi xmlns:a14="http://schemas.microsoft.com/office/drawing/2010/main" val="0"/>
+              </a:ext>
+            </a:extLst>
+          </a:blip>
+          <a:stretch>
+            <a:fillRect/>
+          </a:stretch>
+        </p:blipFill>
+        <p:spPr>
+          <a:xfrm>
+            <a:off x="1361414" y="2617514"/>
+            <a:ext cx="9469171" cy="3982006"/>
+          </a:xfrm>
+          <a:prstGeom prst="rect">
+            <a:avLst/>
+          </a:prstGeom>
+        </p:spPr>
+      </p:pic>
     </p:spTree>
     <p:extLst>
       <p:ext uri="{BB962C8B-B14F-4D97-AF65-F5344CB8AC3E}">

--- a/FEUP.pptx
+++ b/FEUP.pptx
@@ -6244,7 +6244,7 @@
                 </a:solidFill>
                 <a:latin typeface="Arial"/>
               </a:rPr>
-              <a:t>	Os nossos operadores são as 4 direções das peças (cim</a:t>
+              <a:t>Os nossos operadores são as 4 direções das peças (cim</a:t>
             </a:r>
             <a:r>
               <a:rPr lang="pt-PT" sz="2000" spc="-1" dirty="0">
@@ -6265,15 +6265,12 @@
                 <a:spcPts val="1001"/>
               </a:spcBef>
             </a:pPr>
-            <a:r>
-              <a:rPr lang="pt-PT" sz="2000" b="0" strike="noStrike" spc="-1" dirty="0">
-                <a:solidFill>
-                  <a:srgbClr val="404040"/>
-                </a:solidFill>
-                <a:latin typeface="Arial"/>
-              </a:rPr>
-              <a:t>	</a:t>
-            </a:r>
+            <a:endParaRPr lang="pt-PT" sz="2000" spc="-1" dirty="0">
+              <a:solidFill>
+                <a:srgbClr val="404040"/>
+              </a:solidFill>
+              <a:latin typeface="Arial"/>
+            </a:endParaRPr>
           </a:p>
           <a:p>
             <a:pPr>
@@ -6284,12 +6281,111 @@
                 <a:spcPts val="1001"/>
               </a:spcBef>
             </a:pPr>
+            <a:r>
+              <a:rPr lang="pt-PT" sz="2000" spc="-1" dirty="0">
+                <a:solidFill>
+                  <a:srgbClr val="404040"/>
+                </a:solidFill>
+                <a:latin typeface="Arial"/>
+              </a:rPr>
+              <a:t>As heurísticas ou funções de avaliação que utilizamos são:</a:t>
+            </a:r>
+          </a:p>
+          <a:p>
+            <a:pPr marL="800100" lvl="1" indent="-342900">
+              <a:lnSpc>
+                <a:spcPct val="90000"/>
+              </a:lnSpc>
+              <a:spcBef>
+                <a:spcPts val="1001"/>
+              </a:spcBef>
+              <a:buFont typeface="Arial" panose="020B0604020202020204" pitchFamily="34" charset="0"/>
+              <a:buChar char="•"/>
+            </a:pPr>
+            <a:r>
+              <a:rPr lang="pt-PT" sz="2000" spc="-1" dirty="0">
+                <a:solidFill>
+                  <a:srgbClr val="404040"/>
+                </a:solidFill>
+                <a:latin typeface="Arial"/>
+              </a:rPr>
+              <a:t>Para o Algoritmo </a:t>
+            </a:r>
+            <a:r>
+              <a:rPr lang="pt-PT" sz="2000" spc="-1" dirty="0" err="1">
+                <a:solidFill>
+                  <a:srgbClr val="404040"/>
+                </a:solidFill>
+                <a:latin typeface="Arial"/>
+              </a:rPr>
+              <a:t>Ganacioso</a:t>
+            </a:r>
+            <a:r>
+              <a:rPr lang="pt-PT" sz="2000" spc="-1" dirty="0">
+                <a:solidFill>
+                  <a:srgbClr val="404040"/>
+                </a:solidFill>
+                <a:latin typeface="Arial"/>
+              </a:rPr>
+              <a:t> …</a:t>
+            </a:r>
+          </a:p>
+          <a:p>
+            <a:pPr marL="800100" lvl="1" indent="-342900">
+              <a:lnSpc>
+                <a:spcPct val="90000"/>
+              </a:lnSpc>
+              <a:spcBef>
+                <a:spcPts val="1001"/>
+              </a:spcBef>
+              <a:buFont typeface="Arial" panose="020B0604020202020204" pitchFamily="34" charset="0"/>
+              <a:buChar char="•"/>
+            </a:pPr>
             <a:endParaRPr lang="pt-PT" sz="2000" spc="-1" dirty="0">
               <a:solidFill>
                 <a:srgbClr val="404040"/>
               </a:solidFill>
               <a:latin typeface="Arial"/>
             </a:endParaRPr>
+          </a:p>
+          <a:p>
+            <a:pPr marL="800100" lvl="1" indent="-342900">
+              <a:lnSpc>
+                <a:spcPct val="90000"/>
+              </a:lnSpc>
+              <a:spcBef>
+                <a:spcPts val="1001"/>
+              </a:spcBef>
+              <a:buFont typeface="Arial" panose="020B0604020202020204" pitchFamily="34" charset="0"/>
+              <a:buChar char="•"/>
+            </a:pPr>
+            <a:endParaRPr lang="pt-PT" sz="2000" spc="-1" dirty="0">
+              <a:solidFill>
+                <a:srgbClr val="404040"/>
+              </a:solidFill>
+              <a:latin typeface="Arial"/>
+            </a:endParaRPr>
+          </a:p>
+          <a:p>
+            <a:pPr marL="800100" lvl="1" indent="-342900">
+              <a:lnSpc>
+                <a:spcPct val="90000"/>
+              </a:lnSpc>
+              <a:spcBef>
+                <a:spcPts val="1001"/>
+              </a:spcBef>
+              <a:buFont typeface="Arial" panose="020B0604020202020204" pitchFamily="34" charset="0"/>
+              <a:buChar char="•"/>
+            </a:pPr>
+            <a:r>
+              <a:rPr lang="pt-PT" sz="2000" spc="-1" dirty="0">
+                <a:solidFill>
+                  <a:srgbClr val="404040"/>
+                </a:solidFill>
+                <a:latin typeface="Arial"/>
+              </a:rPr>
+              <a:t>Para o Algoritmo A* …</a:t>
+            </a:r>
           </a:p>
           <a:p>
             <a:pPr>
@@ -6307,43 +6403,7 @@
                 </a:solidFill>
                 <a:latin typeface="Arial"/>
               </a:rPr>
-              <a:t>	Heurísticas/ funções </a:t>
-            </a:r>
-            <a:r>
-              <a:rPr lang="pt-PT" sz="2000" spc="-1" dirty="0">
-                <a:solidFill>
-                  <a:srgbClr val="404040"/>
-                </a:solidFill>
-                <a:latin typeface="Arial"/>
-              </a:rPr>
-              <a:t>de avaliação </a:t>
-            </a:r>
-            <a:r>
-              <a:rPr lang="pt-PT" sz="2000" b="0" strike="noStrike" spc="-1" dirty="0">
-                <a:solidFill>
-                  <a:srgbClr val="404040"/>
-                </a:solidFill>
-                <a:latin typeface="Arial"/>
-              </a:rPr>
-              <a:t>por definir no </a:t>
-            </a:r>
-            <a:r>
-              <a:rPr lang="pt-PT" sz="2000" b="0" strike="noStrike" spc="-1" dirty="0" err="1">
-                <a:solidFill>
-                  <a:srgbClr val="404040"/>
-                </a:solidFill>
-                <a:latin typeface="Arial"/>
-              </a:rPr>
-              <a:t>Greedy</a:t>
-            </a:r>
-            <a:r>
-              <a:rPr lang="pt-PT" sz="2000" b="0" strike="noStrike" spc="-1" dirty="0">
-                <a:solidFill>
-                  <a:srgbClr val="404040"/>
-                </a:solidFill>
-                <a:latin typeface="Arial"/>
-              </a:rPr>
-              <a:t> e no A*.</a:t>
+              <a:t>	</a:t>
             </a:r>
           </a:p>
         </p:txBody>
@@ -6637,7 +6697,19 @@
               <a:rPr lang="pt-PT" sz="2000" b="0" strike="noStrike" spc="-1" dirty="0">
                 <a:latin typeface="Arial"/>
               </a:rPr>
-              <a:t>Pesquisa gulosa </a:t>
+              <a:t>Pesquisa </a:t>
+            </a:r>
+            <a:r>
+              <a:rPr lang="pt-PT" sz="2000" b="0" strike="noStrike" spc="-1" dirty="0" err="1">
+                <a:latin typeface="Arial"/>
+              </a:rPr>
+              <a:t>ganaciosa</a:t>
+            </a:r>
+            <a:r>
+              <a:rPr lang="pt-PT" sz="2000" b="0" strike="noStrike" spc="-1" dirty="0">
+                <a:latin typeface="Arial"/>
+              </a:rPr>
+              <a:t> </a:t>
             </a:r>
           </a:p>
           <a:p>
@@ -7595,10 +7667,10 @@
       </p:sp>
       <p:pic>
         <p:nvPicPr>
-          <p:cNvPr id="6" name="Picture 5">
+          <p:cNvPr id="8" name="Picture 7">
             <a:extLst>
               <a:ext uri="{FF2B5EF4-FFF2-40B4-BE49-F238E27FC236}">
-                <a16:creationId xmlns:a16="http://schemas.microsoft.com/office/drawing/2014/main" id="{4DB8B72F-42DD-4E6D-AFD7-D411E1B5F329}"/>
+                <a16:creationId xmlns:a16="http://schemas.microsoft.com/office/drawing/2014/main" id="{3364E2BF-59CD-4A11-B44D-C3314D139BC8}"/>
               </a:ext>
             </a:extLst>
           </p:cNvPr>
@@ -7621,8 +7693,8 @@
         </p:blipFill>
         <p:spPr>
           <a:xfrm>
-            <a:off x="1361414" y="2617514"/>
-            <a:ext cx="9469171" cy="3982006"/>
+            <a:off x="701087" y="2544024"/>
+            <a:ext cx="10789826" cy="4265946"/>
           </a:xfrm>
           <a:prstGeom prst="rect">
             <a:avLst/>
